--- a/Project Presentation.pptx
+++ b/Project Presentation.pptx
@@ -7,7 +7,16 @@
   <p:sldIdLst>
     <p:sldId id="256" r:id="rId2"/>
     <p:sldId id="257" r:id="rId3"/>
-    <p:sldId id="258" r:id="rId4"/>
+    <p:sldId id="259" r:id="rId4"/>
+    <p:sldId id="262" r:id="rId5"/>
+    <p:sldId id="263" r:id="rId6"/>
+    <p:sldId id="264" r:id="rId7"/>
+    <p:sldId id="265" r:id="rId8"/>
+    <p:sldId id="266" r:id="rId9"/>
+    <p:sldId id="260" r:id="rId10"/>
+    <p:sldId id="258" r:id="rId11"/>
+    <p:sldId id="268" r:id="rId12"/>
+    <p:sldId id="269" r:id="rId13"/>
   </p:sldIdLst>
   <p:sldSz cx="12192000" cy="6858000"/>
   <p:notesSz cx="6858000" cy="9144000"/>
@@ -106,6 +115,11 @@
       </a:defRPr>
     </a:lvl9pPr>
   </p:defaultTextStyle>
+  <p:extLst>
+    <p:ext uri="{EFAFB233-063F-42B5-8137-9DF3F51BA10A}">
+      <p15:sldGuideLst xmlns:p15="http://schemas.microsoft.com/office/powerpoint/2012/main"/>
+    </p:ext>
+  </p:extLst>
 </p:presentation>
 </file>
 
@@ -339,7 +353,7 @@
             <a:fld id="{B61BEF0D-F0BB-DE4B-95CE-6DB70DBA9567}" type="datetimeFigureOut">
               <a:rPr lang="en-US" dirty="0"/>
               <a:pPr/>
-              <a:t>11/4/2021</a:t>
+              <a:t>11/5/2021</a:t>
             </a:fld>
             <a:endParaRPr lang="en-US" dirty="0"/>
           </a:p>
@@ -670,7 +684,7 @@
             <a:fld id="{B61BEF0D-F0BB-DE4B-95CE-6DB70DBA9567}" type="datetimeFigureOut">
               <a:rPr lang="en-US" dirty="0"/>
               <a:pPr/>
-              <a:t>11/4/2021</a:t>
+              <a:t>11/5/2021</a:t>
             </a:fld>
             <a:endParaRPr lang="en-US" dirty="0"/>
           </a:p>
@@ -945,7 +959,7 @@
             <a:fld id="{B61BEF0D-F0BB-DE4B-95CE-6DB70DBA9567}" type="datetimeFigureOut">
               <a:rPr lang="en-US" dirty="0"/>
               <a:pPr/>
-              <a:t>11/4/2021</a:t>
+              <a:t>11/5/2021</a:t>
             </a:fld>
             <a:endParaRPr lang="en-US" dirty="0"/>
           </a:p>
@@ -1510,7 +1524,7 @@
             <a:fld id="{B61BEF0D-F0BB-DE4B-95CE-6DB70DBA9567}" type="datetimeFigureOut">
               <a:rPr lang="en-US" dirty="0"/>
               <a:pPr/>
-              <a:t>11/4/2021</a:t>
+              <a:t>11/5/2021</a:t>
             </a:fld>
             <a:endParaRPr lang="en-US" dirty="0"/>
           </a:p>
@@ -1785,7 +1799,7 @@
             <a:fld id="{B61BEF0D-F0BB-DE4B-95CE-6DB70DBA9567}" type="datetimeFigureOut">
               <a:rPr lang="en-US" dirty="0"/>
               <a:pPr/>
-              <a:t>11/4/2021</a:t>
+              <a:t>11/5/2021</a:t>
             </a:fld>
             <a:endParaRPr lang="en-US" dirty="0"/>
           </a:p>
@@ -2344,7 +2358,7 @@
             <a:fld id="{B61BEF0D-F0BB-DE4B-95CE-6DB70DBA9567}" type="datetimeFigureOut">
               <a:rPr lang="en-US" dirty="0"/>
               <a:pPr/>
-              <a:t>11/4/2021</a:t>
+              <a:t>11/5/2021</a:t>
             </a:fld>
             <a:endParaRPr lang="en-US" dirty="0"/>
           </a:p>
@@ -2668,7 +2682,7 @@
             <a:fld id="{B61BEF0D-F0BB-DE4B-95CE-6DB70DBA9567}" type="datetimeFigureOut">
               <a:rPr lang="en-US" dirty="0"/>
               <a:pPr/>
-              <a:t>11/4/2021</a:t>
+              <a:t>11/5/2021</a:t>
             </a:fld>
             <a:endParaRPr lang="en-US" dirty="0"/>
           </a:p>
@@ -2870,7 +2884,7 @@
             <a:fld id="{B61BEF0D-F0BB-DE4B-95CE-6DB70DBA9567}" type="datetimeFigureOut">
               <a:rPr lang="en-US" dirty="0"/>
               <a:pPr/>
-              <a:t>11/4/2021</a:t>
+              <a:t>11/5/2021</a:t>
             </a:fld>
             <a:endParaRPr lang="en-US" dirty="0"/>
           </a:p>
@@ -3077,7 +3091,7 @@
             <a:fld id="{B61BEF0D-F0BB-DE4B-95CE-6DB70DBA9567}" type="datetimeFigureOut">
               <a:rPr lang="en-US" dirty="0"/>
               <a:pPr/>
-              <a:t>11/4/2021</a:t>
+              <a:t>11/5/2021</a:t>
             </a:fld>
             <a:endParaRPr lang="en-US" dirty="0"/>
           </a:p>
@@ -3274,7 +3288,7 @@
             <a:fld id="{B61BEF0D-F0BB-DE4B-95CE-6DB70DBA9567}" type="datetimeFigureOut">
               <a:rPr lang="en-US" dirty="0"/>
               <a:pPr/>
-              <a:t>11/4/2021</a:t>
+              <a:t>11/5/2021</a:t>
             </a:fld>
             <a:endParaRPr lang="en-US" dirty="0"/>
           </a:p>
@@ -3547,7 +3561,7 @@
             <a:fld id="{B61BEF0D-F0BB-DE4B-95CE-6DB70DBA9567}" type="datetimeFigureOut">
               <a:rPr lang="en-US" dirty="0"/>
               <a:pPr/>
-              <a:t>11/4/2021</a:t>
+              <a:t>11/5/2021</a:t>
             </a:fld>
             <a:endParaRPr lang="en-US" dirty="0"/>
           </a:p>
@@ -3810,7 +3824,7 @@
             <a:fld id="{B61BEF0D-F0BB-DE4B-95CE-6DB70DBA9567}" type="datetimeFigureOut">
               <a:rPr lang="en-US" dirty="0"/>
               <a:pPr/>
-              <a:t>11/4/2021</a:t>
+              <a:t>11/5/2021</a:t>
             </a:fld>
             <a:endParaRPr lang="en-US" dirty="0"/>
           </a:p>
@@ -4181,7 +4195,7 @@
             <a:fld id="{B61BEF0D-F0BB-DE4B-95CE-6DB70DBA9567}" type="datetimeFigureOut">
               <a:rPr lang="en-US" dirty="0"/>
               <a:pPr/>
-              <a:t>11/4/2021</a:t>
+              <a:t>11/5/2021</a:t>
             </a:fld>
             <a:endParaRPr lang="en-US" dirty="0"/>
           </a:p>
@@ -4326,7 +4340,7 @@
             <a:fld id="{B61BEF0D-F0BB-DE4B-95CE-6DB70DBA9567}" type="datetimeFigureOut">
               <a:rPr lang="en-US" dirty="0"/>
               <a:pPr/>
-              <a:t>11/4/2021</a:t>
+              <a:t>11/5/2021</a:t>
             </a:fld>
             <a:endParaRPr lang="en-US" dirty="0"/>
           </a:p>
@@ -4448,7 +4462,7 @@
             <a:fld id="{B61BEF0D-F0BB-DE4B-95CE-6DB70DBA9567}" type="datetimeFigureOut">
               <a:rPr lang="en-US" dirty="0"/>
               <a:pPr/>
-              <a:t>11/4/2021</a:t>
+              <a:t>11/5/2021</a:t>
             </a:fld>
             <a:endParaRPr lang="en-US" dirty="0"/>
           </a:p>
@@ -4730,7 +4744,7 @@
             <a:fld id="{B61BEF0D-F0BB-DE4B-95CE-6DB70DBA9567}" type="datetimeFigureOut">
               <a:rPr lang="en-US" dirty="0"/>
               <a:pPr/>
-              <a:t>11/4/2021</a:t>
+              <a:t>11/5/2021</a:t>
             </a:fld>
             <a:endParaRPr lang="en-US" dirty="0"/>
           </a:p>
@@ -5051,7 +5065,7 @@
             <a:fld id="{B61BEF0D-F0BB-DE4B-95CE-6DB70DBA9567}" type="datetimeFigureOut">
               <a:rPr lang="en-US" dirty="0"/>
               <a:pPr/>
-              <a:t>11/4/2021</a:t>
+              <a:t>11/5/2021</a:t>
             </a:fld>
             <a:endParaRPr lang="en-US" dirty="0"/>
           </a:p>
@@ -5262,7 +5276,7 @@
             <a:fld id="{B61BEF0D-F0BB-DE4B-95CE-6DB70DBA9567}" type="datetimeFigureOut">
               <a:rPr lang="en-US" dirty="0"/>
               <a:pPr/>
-              <a:t>11/4/2021</a:t>
+              <a:t>11/5/2021</a:t>
             </a:fld>
             <a:endParaRPr lang="en-US" dirty="0"/>
           </a:p>
@@ -5846,21 +5860,8 @@
             </a:pPr>
             <a:r>
               <a:rPr lang="en-US" dirty="0"/>
-              <a:t>Tabish </a:t>
-            </a:r>
-            <a:r>
-              <a:rPr lang="en-US" dirty="0" err="1"/>
-              <a:t>khalid</a:t>
-            </a:r>
-            <a:r>
-              <a:rPr lang="en-US" dirty="0"/>
-              <a:t> </a:t>
-            </a:r>
-            <a:r>
-              <a:rPr lang="en-US" dirty="0" err="1"/>
-              <a:t>halim</a:t>
-            </a:r>
-            <a:endParaRPr lang="en-US" dirty="0"/>
+              <a:t>Tabish Khalid Halim</a:t>
+            </a:r>
           </a:p>
           <a:p>
             <a:pPr marL="742950" lvl="1" indent="-285750" algn="l">
@@ -5895,6 +5896,1537 @@
   <p:clrMapOvr>
     <a:masterClrMapping/>
   </p:clrMapOvr>
+  <mc:AlternateContent xmlns:mc="http://schemas.openxmlformats.org/markup-compatibility/2006" xmlns:p14="http://schemas.microsoft.com/office/powerpoint/2010/main">
+    <mc:Choice Requires="p14">
+      <p:transition spd="slow" p14:dur="800">
+        <p:circle/>
+      </p:transition>
+    </mc:Choice>
+    <mc:Fallback xmlns="">
+      <p:transition spd="slow">
+        <p:circle/>
+      </p:transition>
+    </mc:Fallback>
+  </mc:AlternateContent>
+</p:sld>
+</file>
+
+<file path=ppt/slides/slide10.xml><?xml version="1.0" encoding="utf-8"?>
+<p:sld xmlns:a="http://schemas.openxmlformats.org/drawingml/2006/main" xmlns:r="http://schemas.openxmlformats.org/officeDocument/2006/relationships" xmlns:p="http://schemas.openxmlformats.org/presentationml/2006/main">
+  <p:cSld>
+    <p:spTree>
+      <p:nvGrpSpPr>
+        <p:cNvPr id="1" name=""/>
+        <p:cNvGrpSpPr/>
+        <p:nvPr/>
+      </p:nvGrpSpPr>
+      <p:grpSpPr>
+        <a:xfrm>
+          <a:off x="0" y="0"/>
+          <a:ext cx="0" cy="0"/>
+          <a:chOff x="0" y="0"/>
+          <a:chExt cx="0" cy="0"/>
+        </a:xfrm>
+      </p:grpSpPr>
+      <p:sp>
+        <p:nvSpPr>
+          <p:cNvPr id="2" name="Title 1">
+            <a:extLst>
+              <a:ext uri="{FF2B5EF4-FFF2-40B4-BE49-F238E27FC236}">
+                <a16:creationId xmlns:a16="http://schemas.microsoft.com/office/drawing/2014/main" id="{DA3C5912-6D0A-43B5-B4E5-FC40489C5555}"/>
+              </a:ext>
+            </a:extLst>
+          </p:cNvPr>
+          <p:cNvSpPr>
+            <a:spLocks noGrp="1"/>
+          </p:cNvSpPr>
+          <p:nvPr>
+            <p:ph type="title"/>
+          </p:nvPr>
+        </p:nvSpPr>
+        <p:spPr/>
+        <p:txBody>
+          <a:bodyPr/>
+          <a:lstStyle/>
+          <a:p>
+            <a:r>
+              <a:rPr lang="en-US" dirty="0">
+                <a:latin typeface="Candara Light" panose="020E0502030303020204" pitchFamily="34" charset="0"/>
+              </a:rPr>
+              <a:t>Features :</a:t>
+            </a:r>
+            <a:endParaRPr lang="en-IN" dirty="0">
+              <a:latin typeface="Candara Light" panose="020E0502030303020204" pitchFamily="34" charset="0"/>
+            </a:endParaRPr>
+          </a:p>
+        </p:txBody>
+      </p:sp>
+      <p:sp>
+        <p:nvSpPr>
+          <p:cNvPr id="3" name="Content Placeholder 2">
+            <a:extLst>
+              <a:ext uri="{FF2B5EF4-FFF2-40B4-BE49-F238E27FC236}">
+                <a16:creationId xmlns:a16="http://schemas.microsoft.com/office/drawing/2014/main" id="{776171C9-0D35-4BA2-AFA3-07E2988FA224}"/>
+              </a:ext>
+            </a:extLst>
+          </p:cNvPr>
+          <p:cNvSpPr>
+            <a:spLocks noGrp="1"/>
+          </p:cNvSpPr>
+          <p:nvPr>
+            <p:ph idx="1"/>
+          </p:nvPr>
+        </p:nvSpPr>
+        <p:spPr/>
+        <p:txBody>
+          <a:bodyPr/>
+          <a:lstStyle/>
+          <a:p>
+            <a:pPr marL="0" indent="0">
+              <a:buNone/>
+            </a:pPr>
+            <a:r>
+              <a:rPr lang="en-US" sz="2000" dirty="0"/>
+              <a:t>Basic features:</a:t>
+            </a:r>
+          </a:p>
+          <a:p>
+            <a:r>
+              <a:rPr lang="en-US" sz="2000" dirty="0"/>
+              <a:t>Online timed MCQ quizzes with timer and auto-submit feature</a:t>
+            </a:r>
+          </a:p>
+          <a:p>
+            <a:r>
+              <a:rPr lang="en-US" sz="2000" dirty="0"/>
+              <a:t>Beautiful and easy to use UI</a:t>
+            </a:r>
+          </a:p>
+          <a:p>
+            <a:r>
+              <a:rPr lang="en-US" sz="2000" dirty="0"/>
+              <a:t>Password Recovery through OTP feature on G-mail </a:t>
+            </a:r>
+          </a:p>
+          <a:p>
+            <a:r>
+              <a:rPr lang="en-US" sz="2000" dirty="0"/>
+              <a:t>Quiz Analytics and Class performance (visible for teacher)</a:t>
+            </a:r>
+          </a:p>
+          <a:p>
+            <a:r>
+              <a:rPr lang="en-US" sz="2000" dirty="0"/>
+              <a:t>Print Request feature</a:t>
+            </a:r>
+          </a:p>
+          <a:p>
+            <a:endParaRPr lang="en-US" dirty="0"/>
+          </a:p>
+          <a:p>
+            <a:endParaRPr lang="en-IN" dirty="0"/>
+          </a:p>
+        </p:txBody>
+      </p:sp>
+    </p:spTree>
+    <p:extLst>
+      <p:ext uri="{BB962C8B-B14F-4D97-AF65-F5344CB8AC3E}">
+        <p14:creationId xmlns:p14="http://schemas.microsoft.com/office/powerpoint/2010/main" val="1536263889"/>
+      </p:ext>
+    </p:extLst>
+  </p:cSld>
+  <p:clrMapOvr>
+    <a:masterClrMapping/>
+  </p:clrMapOvr>
+  <mc:AlternateContent xmlns:mc="http://schemas.openxmlformats.org/markup-compatibility/2006" xmlns:p14="http://schemas.microsoft.com/office/powerpoint/2010/main">
+    <mc:Choice Requires="p14">
+      <p:transition spd="slow" p14:dur="1250">
+        <p14:reveal/>
+      </p:transition>
+    </mc:Choice>
+    <mc:Fallback xmlns="">
+      <p:transition spd="slow">
+        <p:fade/>
+      </p:transition>
+    </mc:Fallback>
+  </mc:AlternateContent>
+  <p:timing>
+    <p:tnLst>
+      <p:par>
+        <p:cTn id="1" dur="indefinite" restart="never" nodeType="tmRoot">
+          <p:childTnLst>
+            <p:seq concurrent="1" nextAc="seek">
+              <p:cTn id="2" dur="indefinite" nodeType="mainSeq">
+                <p:childTnLst>
+                  <p:par>
+                    <p:cTn id="3" fill="hold">
+                      <p:stCondLst>
+                        <p:cond delay="indefinite"/>
+                      </p:stCondLst>
+                      <p:childTnLst>
+                        <p:par>
+                          <p:cTn id="4" fill="hold">
+                            <p:stCondLst>
+                              <p:cond delay="0"/>
+                            </p:stCondLst>
+                            <p:childTnLst>
+                              <p:par>
+                                <p:cTn id="5" presetID="42" presetClass="entr" presetSubtype="0" fill="hold" nodeType="clickEffect">
+                                  <p:stCondLst>
+                                    <p:cond delay="0"/>
+                                  </p:stCondLst>
+                                  <p:childTnLst>
+                                    <p:set>
+                                      <p:cBhvr>
+                                        <p:cTn id="6" dur="1" fill="hold">
+                                          <p:stCondLst>
+                                            <p:cond delay="0"/>
+                                          </p:stCondLst>
+                                        </p:cTn>
+                                        <p:tgtEl>
+                                          <p:spTgt spid="3">
+                                            <p:txEl>
+                                              <p:pRg st="1" end="1"/>
+                                            </p:txEl>
+                                          </p:spTgt>
+                                        </p:tgtEl>
+                                        <p:attrNameLst>
+                                          <p:attrName>style.visibility</p:attrName>
+                                        </p:attrNameLst>
+                                      </p:cBhvr>
+                                      <p:to>
+                                        <p:strVal val="visible"/>
+                                      </p:to>
+                                    </p:set>
+                                    <p:animEffect transition="in" filter="fade">
+                                      <p:cBhvr>
+                                        <p:cTn id="7" dur="750"/>
+                                        <p:tgtEl>
+                                          <p:spTgt spid="3">
+                                            <p:txEl>
+                                              <p:pRg st="1" end="1"/>
+                                            </p:txEl>
+                                          </p:spTgt>
+                                        </p:tgtEl>
+                                      </p:cBhvr>
+                                    </p:animEffect>
+                                    <p:anim calcmode="lin" valueType="num">
+                                      <p:cBhvr>
+                                        <p:cTn id="8" dur="750" fill="hold"/>
+                                        <p:tgtEl>
+                                          <p:spTgt spid="3">
+                                            <p:txEl>
+                                              <p:pRg st="1" end="1"/>
+                                            </p:txEl>
+                                          </p:spTgt>
+                                        </p:tgtEl>
+                                        <p:attrNameLst>
+                                          <p:attrName>ppt_x</p:attrName>
+                                        </p:attrNameLst>
+                                      </p:cBhvr>
+                                      <p:tavLst>
+                                        <p:tav tm="0">
+                                          <p:val>
+                                            <p:strVal val="#ppt_x"/>
+                                          </p:val>
+                                        </p:tav>
+                                        <p:tav tm="100000">
+                                          <p:val>
+                                            <p:strVal val="#ppt_x"/>
+                                          </p:val>
+                                        </p:tav>
+                                      </p:tavLst>
+                                    </p:anim>
+                                    <p:anim calcmode="lin" valueType="num">
+                                      <p:cBhvr>
+                                        <p:cTn id="9" dur="750" fill="hold"/>
+                                        <p:tgtEl>
+                                          <p:spTgt spid="3">
+                                            <p:txEl>
+                                              <p:pRg st="1" end="1"/>
+                                            </p:txEl>
+                                          </p:spTgt>
+                                        </p:tgtEl>
+                                        <p:attrNameLst>
+                                          <p:attrName>ppt_y</p:attrName>
+                                        </p:attrNameLst>
+                                      </p:cBhvr>
+                                      <p:tavLst>
+                                        <p:tav tm="0">
+                                          <p:val>
+                                            <p:strVal val="#ppt_y+.1"/>
+                                          </p:val>
+                                        </p:tav>
+                                        <p:tav tm="100000">
+                                          <p:val>
+                                            <p:strVal val="#ppt_y"/>
+                                          </p:val>
+                                        </p:tav>
+                                      </p:tavLst>
+                                    </p:anim>
+                                  </p:childTnLst>
+                                </p:cTn>
+                              </p:par>
+                            </p:childTnLst>
+                          </p:cTn>
+                        </p:par>
+                      </p:childTnLst>
+                    </p:cTn>
+                  </p:par>
+                  <p:par>
+                    <p:cTn id="10" fill="hold">
+                      <p:stCondLst>
+                        <p:cond delay="indefinite"/>
+                      </p:stCondLst>
+                      <p:childTnLst>
+                        <p:par>
+                          <p:cTn id="11" fill="hold">
+                            <p:stCondLst>
+                              <p:cond delay="0"/>
+                            </p:stCondLst>
+                            <p:childTnLst>
+                              <p:par>
+                                <p:cTn id="12" presetID="42" presetClass="entr" presetSubtype="0" fill="hold" nodeType="clickEffect">
+                                  <p:stCondLst>
+                                    <p:cond delay="0"/>
+                                  </p:stCondLst>
+                                  <p:childTnLst>
+                                    <p:set>
+                                      <p:cBhvr>
+                                        <p:cTn id="13" dur="1" fill="hold">
+                                          <p:stCondLst>
+                                            <p:cond delay="0"/>
+                                          </p:stCondLst>
+                                        </p:cTn>
+                                        <p:tgtEl>
+                                          <p:spTgt spid="3">
+                                            <p:txEl>
+                                              <p:pRg st="2" end="2"/>
+                                            </p:txEl>
+                                          </p:spTgt>
+                                        </p:tgtEl>
+                                        <p:attrNameLst>
+                                          <p:attrName>style.visibility</p:attrName>
+                                        </p:attrNameLst>
+                                      </p:cBhvr>
+                                      <p:to>
+                                        <p:strVal val="visible"/>
+                                      </p:to>
+                                    </p:set>
+                                    <p:animEffect transition="in" filter="fade">
+                                      <p:cBhvr>
+                                        <p:cTn id="14" dur="750"/>
+                                        <p:tgtEl>
+                                          <p:spTgt spid="3">
+                                            <p:txEl>
+                                              <p:pRg st="2" end="2"/>
+                                            </p:txEl>
+                                          </p:spTgt>
+                                        </p:tgtEl>
+                                      </p:cBhvr>
+                                    </p:animEffect>
+                                    <p:anim calcmode="lin" valueType="num">
+                                      <p:cBhvr>
+                                        <p:cTn id="15" dur="750" fill="hold"/>
+                                        <p:tgtEl>
+                                          <p:spTgt spid="3">
+                                            <p:txEl>
+                                              <p:pRg st="2" end="2"/>
+                                            </p:txEl>
+                                          </p:spTgt>
+                                        </p:tgtEl>
+                                        <p:attrNameLst>
+                                          <p:attrName>ppt_x</p:attrName>
+                                        </p:attrNameLst>
+                                      </p:cBhvr>
+                                      <p:tavLst>
+                                        <p:tav tm="0">
+                                          <p:val>
+                                            <p:strVal val="#ppt_x"/>
+                                          </p:val>
+                                        </p:tav>
+                                        <p:tav tm="100000">
+                                          <p:val>
+                                            <p:strVal val="#ppt_x"/>
+                                          </p:val>
+                                        </p:tav>
+                                      </p:tavLst>
+                                    </p:anim>
+                                    <p:anim calcmode="lin" valueType="num">
+                                      <p:cBhvr>
+                                        <p:cTn id="16" dur="750" fill="hold"/>
+                                        <p:tgtEl>
+                                          <p:spTgt spid="3">
+                                            <p:txEl>
+                                              <p:pRg st="2" end="2"/>
+                                            </p:txEl>
+                                          </p:spTgt>
+                                        </p:tgtEl>
+                                        <p:attrNameLst>
+                                          <p:attrName>ppt_y</p:attrName>
+                                        </p:attrNameLst>
+                                      </p:cBhvr>
+                                      <p:tavLst>
+                                        <p:tav tm="0">
+                                          <p:val>
+                                            <p:strVal val="#ppt_y+.1"/>
+                                          </p:val>
+                                        </p:tav>
+                                        <p:tav tm="100000">
+                                          <p:val>
+                                            <p:strVal val="#ppt_y"/>
+                                          </p:val>
+                                        </p:tav>
+                                      </p:tavLst>
+                                    </p:anim>
+                                  </p:childTnLst>
+                                </p:cTn>
+                              </p:par>
+                            </p:childTnLst>
+                          </p:cTn>
+                        </p:par>
+                      </p:childTnLst>
+                    </p:cTn>
+                  </p:par>
+                  <p:par>
+                    <p:cTn id="17" fill="hold">
+                      <p:stCondLst>
+                        <p:cond delay="indefinite"/>
+                      </p:stCondLst>
+                      <p:childTnLst>
+                        <p:par>
+                          <p:cTn id="18" fill="hold">
+                            <p:stCondLst>
+                              <p:cond delay="0"/>
+                            </p:stCondLst>
+                            <p:childTnLst>
+                              <p:par>
+                                <p:cTn id="19" presetID="42" presetClass="entr" presetSubtype="0" fill="hold" nodeType="clickEffect">
+                                  <p:stCondLst>
+                                    <p:cond delay="0"/>
+                                  </p:stCondLst>
+                                  <p:childTnLst>
+                                    <p:set>
+                                      <p:cBhvr>
+                                        <p:cTn id="20" dur="1" fill="hold">
+                                          <p:stCondLst>
+                                            <p:cond delay="0"/>
+                                          </p:stCondLst>
+                                        </p:cTn>
+                                        <p:tgtEl>
+                                          <p:spTgt spid="3">
+                                            <p:txEl>
+                                              <p:pRg st="3" end="3"/>
+                                            </p:txEl>
+                                          </p:spTgt>
+                                        </p:tgtEl>
+                                        <p:attrNameLst>
+                                          <p:attrName>style.visibility</p:attrName>
+                                        </p:attrNameLst>
+                                      </p:cBhvr>
+                                      <p:to>
+                                        <p:strVal val="visible"/>
+                                      </p:to>
+                                    </p:set>
+                                    <p:animEffect transition="in" filter="fade">
+                                      <p:cBhvr>
+                                        <p:cTn id="21" dur="750"/>
+                                        <p:tgtEl>
+                                          <p:spTgt spid="3">
+                                            <p:txEl>
+                                              <p:pRg st="3" end="3"/>
+                                            </p:txEl>
+                                          </p:spTgt>
+                                        </p:tgtEl>
+                                      </p:cBhvr>
+                                    </p:animEffect>
+                                    <p:anim calcmode="lin" valueType="num">
+                                      <p:cBhvr>
+                                        <p:cTn id="22" dur="750" fill="hold"/>
+                                        <p:tgtEl>
+                                          <p:spTgt spid="3">
+                                            <p:txEl>
+                                              <p:pRg st="3" end="3"/>
+                                            </p:txEl>
+                                          </p:spTgt>
+                                        </p:tgtEl>
+                                        <p:attrNameLst>
+                                          <p:attrName>ppt_x</p:attrName>
+                                        </p:attrNameLst>
+                                      </p:cBhvr>
+                                      <p:tavLst>
+                                        <p:tav tm="0">
+                                          <p:val>
+                                            <p:strVal val="#ppt_x"/>
+                                          </p:val>
+                                        </p:tav>
+                                        <p:tav tm="100000">
+                                          <p:val>
+                                            <p:strVal val="#ppt_x"/>
+                                          </p:val>
+                                        </p:tav>
+                                      </p:tavLst>
+                                    </p:anim>
+                                    <p:anim calcmode="lin" valueType="num">
+                                      <p:cBhvr>
+                                        <p:cTn id="23" dur="750" fill="hold"/>
+                                        <p:tgtEl>
+                                          <p:spTgt spid="3">
+                                            <p:txEl>
+                                              <p:pRg st="3" end="3"/>
+                                            </p:txEl>
+                                          </p:spTgt>
+                                        </p:tgtEl>
+                                        <p:attrNameLst>
+                                          <p:attrName>ppt_y</p:attrName>
+                                        </p:attrNameLst>
+                                      </p:cBhvr>
+                                      <p:tavLst>
+                                        <p:tav tm="0">
+                                          <p:val>
+                                            <p:strVal val="#ppt_y+.1"/>
+                                          </p:val>
+                                        </p:tav>
+                                        <p:tav tm="100000">
+                                          <p:val>
+                                            <p:strVal val="#ppt_y"/>
+                                          </p:val>
+                                        </p:tav>
+                                      </p:tavLst>
+                                    </p:anim>
+                                  </p:childTnLst>
+                                </p:cTn>
+                              </p:par>
+                            </p:childTnLst>
+                          </p:cTn>
+                        </p:par>
+                      </p:childTnLst>
+                    </p:cTn>
+                  </p:par>
+                  <p:par>
+                    <p:cTn id="24" fill="hold">
+                      <p:stCondLst>
+                        <p:cond delay="indefinite"/>
+                      </p:stCondLst>
+                      <p:childTnLst>
+                        <p:par>
+                          <p:cTn id="25" fill="hold">
+                            <p:stCondLst>
+                              <p:cond delay="0"/>
+                            </p:stCondLst>
+                            <p:childTnLst>
+                              <p:par>
+                                <p:cTn id="26" presetID="42" presetClass="entr" presetSubtype="0" fill="hold" nodeType="clickEffect">
+                                  <p:stCondLst>
+                                    <p:cond delay="0"/>
+                                  </p:stCondLst>
+                                  <p:childTnLst>
+                                    <p:set>
+                                      <p:cBhvr>
+                                        <p:cTn id="27" dur="1" fill="hold">
+                                          <p:stCondLst>
+                                            <p:cond delay="0"/>
+                                          </p:stCondLst>
+                                        </p:cTn>
+                                        <p:tgtEl>
+                                          <p:spTgt spid="3">
+                                            <p:txEl>
+                                              <p:pRg st="4" end="4"/>
+                                            </p:txEl>
+                                          </p:spTgt>
+                                        </p:tgtEl>
+                                        <p:attrNameLst>
+                                          <p:attrName>style.visibility</p:attrName>
+                                        </p:attrNameLst>
+                                      </p:cBhvr>
+                                      <p:to>
+                                        <p:strVal val="visible"/>
+                                      </p:to>
+                                    </p:set>
+                                    <p:animEffect transition="in" filter="fade">
+                                      <p:cBhvr>
+                                        <p:cTn id="28" dur="750"/>
+                                        <p:tgtEl>
+                                          <p:spTgt spid="3">
+                                            <p:txEl>
+                                              <p:pRg st="4" end="4"/>
+                                            </p:txEl>
+                                          </p:spTgt>
+                                        </p:tgtEl>
+                                      </p:cBhvr>
+                                    </p:animEffect>
+                                    <p:anim calcmode="lin" valueType="num">
+                                      <p:cBhvr>
+                                        <p:cTn id="29" dur="750" fill="hold"/>
+                                        <p:tgtEl>
+                                          <p:spTgt spid="3">
+                                            <p:txEl>
+                                              <p:pRg st="4" end="4"/>
+                                            </p:txEl>
+                                          </p:spTgt>
+                                        </p:tgtEl>
+                                        <p:attrNameLst>
+                                          <p:attrName>ppt_x</p:attrName>
+                                        </p:attrNameLst>
+                                      </p:cBhvr>
+                                      <p:tavLst>
+                                        <p:tav tm="0">
+                                          <p:val>
+                                            <p:strVal val="#ppt_x"/>
+                                          </p:val>
+                                        </p:tav>
+                                        <p:tav tm="100000">
+                                          <p:val>
+                                            <p:strVal val="#ppt_x"/>
+                                          </p:val>
+                                        </p:tav>
+                                      </p:tavLst>
+                                    </p:anim>
+                                    <p:anim calcmode="lin" valueType="num">
+                                      <p:cBhvr>
+                                        <p:cTn id="30" dur="750" fill="hold"/>
+                                        <p:tgtEl>
+                                          <p:spTgt spid="3">
+                                            <p:txEl>
+                                              <p:pRg st="4" end="4"/>
+                                            </p:txEl>
+                                          </p:spTgt>
+                                        </p:tgtEl>
+                                        <p:attrNameLst>
+                                          <p:attrName>ppt_y</p:attrName>
+                                        </p:attrNameLst>
+                                      </p:cBhvr>
+                                      <p:tavLst>
+                                        <p:tav tm="0">
+                                          <p:val>
+                                            <p:strVal val="#ppt_y+.1"/>
+                                          </p:val>
+                                        </p:tav>
+                                        <p:tav tm="100000">
+                                          <p:val>
+                                            <p:strVal val="#ppt_y"/>
+                                          </p:val>
+                                        </p:tav>
+                                      </p:tavLst>
+                                    </p:anim>
+                                  </p:childTnLst>
+                                </p:cTn>
+                              </p:par>
+                            </p:childTnLst>
+                          </p:cTn>
+                        </p:par>
+                      </p:childTnLst>
+                    </p:cTn>
+                  </p:par>
+                  <p:par>
+                    <p:cTn id="31" fill="hold">
+                      <p:stCondLst>
+                        <p:cond delay="indefinite"/>
+                      </p:stCondLst>
+                      <p:childTnLst>
+                        <p:par>
+                          <p:cTn id="32" fill="hold">
+                            <p:stCondLst>
+                              <p:cond delay="0"/>
+                            </p:stCondLst>
+                            <p:childTnLst>
+                              <p:par>
+                                <p:cTn id="33" presetID="42" presetClass="entr" presetSubtype="0" fill="hold" nodeType="clickEffect">
+                                  <p:stCondLst>
+                                    <p:cond delay="0"/>
+                                  </p:stCondLst>
+                                  <p:childTnLst>
+                                    <p:set>
+                                      <p:cBhvr>
+                                        <p:cTn id="34" dur="1" fill="hold">
+                                          <p:stCondLst>
+                                            <p:cond delay="0"/>
+                                          </p:stCondLst>
+                                        </p:cTn>
+                                        <p:tgtEl>
+                                          <p:spTgt spid="3">
+                                            <p:txEl>
+                                              <p:pRg st="5" end="5"/>
+                                            </p:txEl>
+                                          </p:spTgt>
+                                        </p:tgtEl>
+                                        <p:attrNameLst>
+                                          <p:attrName>style.visibility</p:attrName>
+                                        </p:attrNameLst>
+                                      </p:cBhvr>
+                                      <p:to>
+                                        <p:strVal val="visible"/>
+                                      </p:to>
+                                    </p:set>
+                                    <p:animEffect transition="in" filter="fade">
+                                      <p:cBhvr>
+                                        <p:cTn id="35" dur="750"/>
+                                        <p:tgtEl>
+                                          <p:spTgt spid="3">
+                                            <p:txEl>
+                                              <p:pRg st="5" end="5"/>
+                                            </p:txEl>
+                                          </p:spTgt>
+                                        </p:tgtEl>
+                                      </p:cBhvr>
+                                    </p:animEffect>
+                                    <p:anim calcmode="lin" valueType="num">
+                                      <p:cBhvr>
+                                        <p:cTn id="36" dur="750" fill="hold"/>
+                                        <p:tgtEl>
+                                          <p:spTgt spid="3">
+                                            <p:txEl>
+                                              <p:pRg st="5" end="5"/>
+                                            </p:txEl>
+                                          </p:spTgt>
+                                        </p:tgtEl>
+                                        <p:attrNameLst>
+                                          <p:attrName>ppt_x</p:attrName>
+                                        </p:attrNameLst>
+                                      </p:cBhvr>
+                                      <p:tavLst>
+                                        <p:tav tm="0">
+                                          <p:val>
+                                            <p:strVal val="#ppt_x"/>
+                                          </p:val>
+                                        </p:tav>
+                                        <p:tav tm="100000">
+                                          <p:val>
+                                            <p:strVal val="#ppt_x"/>
+                                          </p:val>
+                                        </p:tav>
+                                      </p:tavLst>
+                                    </p:anim>
+                                    <p:anim calcmode="lin" valueType="num">
+                                      <p:cBhvr>
+                                        <p:cTn id="37" dur="750" fill="hold"/>
+                                        <p:tgtEl>
+                                          <p:spTgt spid="3">
+                                            <p:txEl>
+                                              <p:pRg st="5" end="5"/>
+                                            </p:txEl>
+                                          </p:spTgt>
+                                        </p:tgtEl>
+                                        <p:attrNameLst>
+                                          <p:attrName>ppt_y</p:attrName>
+                                        </p:attrNameLst>
+                                      </p:cBhvr>
+                                      <p:tavLst>
+                                        <p:tav tm="0">
+                                          <p:val>
+                                            <p:strVal val="#ppt_y+.1"/>
+                                          </p:val>
+                                        </p:tav>
+                                        <p:tav tm="100000">
+                                          <p:val>
+                                            <p:strVal val="#ppt_y"/>
+                                          </p:val>
+                                        </p:tav>
+                                      </p:tavLst>
+                                    </p:anim>
+                                  </p:childTnLst>
+                                </p:cTn>
+                              </p:par>
+                            </p:childTnLst>
+                          </p:cTn>
+                        </p:par>
+                      </p:childTnLst>
+                    </p:cTn>
+                  </p:par>
+                </p:childTnLst>
+              </p:cTn>
+              <p:prevCondLst>
+                <p:cond evt="onPrev" delay="0">
+                  <p:tgtEl>
+                    <p:sldTgt/>
+                  </p:tgtEl>
+                </p:cond>
+              </p:prevCondLst>
+              <p:nextCondLst>
+                <p:cond evt="onNext" delay="0">
+                  <p:tgtEl>
+                    <p:sldTgt/>
+                  </p:tgtEl>
+                </p:cond>
+              </p:nextCondLst>
+            </p:seq>
+          </p:childTnLst>
+        </p:cTn>
+      </p:par>
+    </p:tnLst>
+  </p:timing>
+</p:sld>
+</file>
+
+<file path=ppt/slides/slide11.xml><?xml version="1.0" encoding="utf-8"?>
+<p:sld xmlns:a="http://schemas.openxmlformats.org/drawingml/2006/main" xmlns:r="http://schemas.openxmlformats.org/officeDocument/2006/relationships" xmlns:p="http://schemas.openxmlformats.org/presentationml/2006/main">
+  <p:cSld>
+    <p:spTree>
+      <p:nvGrpSpPr>
+        <p:cNvPr id="1" name=""/>
+        <p:cNvGrpSpPr/>
+        <p:nvPr/>
+      </p:nvGrpSpPr>
+      <p:grpSpPr>
+        <a:xfrm>
+          <a:off x="0" y="0"/>
+          <a:ext cx="0" cy="0"/>
+          <a:chOff x="0" y="0"/>
+          <a:chExt cx="0" cy="0"/>
+        </a:xfrm>
+      </p:grpSpPr>
+      <p:sp>
+        <p:nvSpPr>
+          <p:cNvPr id="2" name="Title 1">
+            <a:extLst>
+              <a:ext uri="{FF2B5EF4-FFF2-40B4-BE49-F238E27FC236}">
+                <a16:creationId xmlns:a16="http://schemas.microsoft.com/office/drawing/2014/main" id="{DA3C5912-6D0A-43B5-B4E5-FC40489C5555}"/>
+              </a:ext>
+            </a:extLst>
+          </p:cNvPr>
+          <p:cNvSpPr>
+            <a:spLocks noGrp="1"/>
+          </p:cNvSpPr>
+          <p:nvPr>
+            <p:ph type="title"/>
+          </p:nvPr>
+        </p:nvSpPr>
+        <p:spPr/>
+        <p:txBody>
+          <a:bodyPr/>
+          <a:lstStyle/>
+          <a:p>
+            <a:r>
+              <a:rPr lang="en-US" dirty="0">
+                <a:latin typeface="Candara Light" panose="020E0502030303020204" pitchFamily="34" charset="0"/>
+              </a:rPr>
+              <a:t>Features :</a:t>
+            </a:r>
+            <a:endParaRPr lang="en-IN" dirty="0">
+              <a:latin typeface="Candara Light" panose="020E0502030303020204" pitchFamily="34" charset="0"/>
+            </a:endParaRPr>
+          </a:p>
+        </p:txBody>
+      </p:sp>
+      <p:sp>
+        <p:nvSpPr>
+          <p:cNvPr id="3" name="Content Placeholder 2">
+            <a:extLst>
+              <a:ext uri="{FF2B5EF4-FFF2-40B4-BE49-F238E27FC236}">
+                <a16:creationId xmlns:a16="http://schemas.microsoft.com/office/drawing/2014/main" id="{776171C9-0D35-4BA2-AFA3-07E2988FA224}"/>
+              </a:ext>
+            </a:extLst>
+          </p:cNvPr>
+          <p:cNvSpPr>
+            <a:spLocks noGrp="1"/>
+          </p:cNvSpPr>
+          <p:nvPr>
+            <p:ph idx="1"/>
+          </p:nvPr>
+        </p:nvSpPr>
+        <p:spPr>
+          <a:xfrm>
+            <a:off x="685801" y="2276538"/>
+            <a:ext cx="10131425" cy="3649133"/>
+          </a:xfrm>
+        </p:spPr>
+        <p:txBody>
+          <a:bodyPr anchor="t"/>
+          <a:lstStyle/>
+          <a:p>
+            <a:pPr marL="0" indent="0">
+              <a:buNone/>
+            </a:pPr>
+            <a:r>
+              <a:rPr lang="en-US" sz="2000" dirty="0"/>
+              <a:t>Additional Features :</a:t>
+            </a:r>
+          </a:p>
+          <a:p>
+            <a:pPr marL="0" indent="0">
+              <a:buNone/>
+            </a:pPr>
+            <a:endParaRPr lang="en-US" sz="2000" dirty="0"/>
+          </a:p>
+          <a:p>
+            <a:r>
+              <a:rPr lang="en-US" sz="2000" dirty="0"/>
+              <a:t>A User-Support </a:t>
+            </a:r>
+            <a:r>
+              <a:rPr lang="en-US" sz="2000" dirty="0" err="1"/>
+              <a:t>ChatBot</a:t>
+            </a:r>
+            <a:r>
+              <a:rPr lang="en-US" sz="2000" dirty="0"/>
+              <a:t> made with JavaScript</a:t>
+            </a:r>
+          </a:p>
+          <a:p>
+            <a:r>
+              <a:rPr lang="en-US" sz="2000" dirty="0"/>
+              <a:t>Profile </a:t>
+            </a:r>
+            <a:r>
+              <a:rPr lang="en-US" sz="2000" dirty="0" err="1"/>
+              <a:t>Updation</a:t>
+            </a:r>
+            <a:r>
+              <a:rPr lang="en-US" sz="2000" dirty="0"/>
+              <a:t> through in-built UI</a:t>
+            </a:r>
+          </a:p>
+          <a:p>
+            <a:r>
+              <a:rPr lang="en-US" sz="2000" dirty="0"/>
+              <a:t>Notification Bell feature</a:t>
+            </a:r>
+          </a:p>
+          <a:p>
+            <a:r>
+              <a:rPr lang="en-US" sz="2000" dirty="0"/>
+              <a:t>Dark-mode UI</a:t>
+            </a:r>
+          </a:p>
+          <a:p>
+            <a:endParaRPr lang="en-US" dirty="0"/>
+          </a:p>
+          <a:p>
+            <a:endParaRPr lang="en-US" dirty="0"/>
+          </a:p>
+          <a:p>
+            <a:endParaRPr lang="en-US" dirty="0"/>
+          </a:p>
+          <a:p>
+            <a:endParaRPr lang="en-IN" dirty="0"/>
+          </a:p>
+        </p:txBody>
+      </p:sp>
+    </p:spTree>
+    <p:extLst>
+      <p:ext uri="{BB962C8B-B14F-4D97-AF65-F5344CB8AC3E}">
+        <p14:creationId xmlns:p14="http://schemas.microsoft.com/office/powerpoint/2010/main" val="4294597412"/>
+      </p:ext>
+    </p:extLst>
+  </p:cSld>
+  <p:clrMapOvr>
+    <a:masterClrMapping/>
+  </p:clrMapOvr>
+  <mc:AlternateContent xmlns:mc="http://schemas.openxmlformats.org/markup-compatibility/2006">
+    <mc:Choice xmlns:p159="http://schemas.microsoft.com/office/powerpoint/2015/09/main" Requires="p159">
+      <p:transition xmlns:p14="http://schemas.microsoft.com/office/powerpoint/2010/main" spd="slow" p14:dur="2000">
+        <p159:morph option="byObject"/>
+      </p:transition>
+    </mc:Choice>
+    <mc:Fallback>
+      <p:transition spd="slow">
+        <p:fade/>
+      </p:transition>
+    </mc:Fallback>
+  </mc:AlternateContent>
+  <p:timing>
+    <p:tnLst>
+      <p:par>
+        <p:cTn id="1" dur="indefinite" restart="never" nodeType="tmRoot">
+          <p:childTnLst>
+            <p:seq concurrent="1" nextAc="seek">
+              <p:cTn id="2" dur="indefinite" nodeType="mainSeq">
+                <p:childTnLst>
+                  <p:par>
+                    <p:cTn id="3" fill="hold">
+                      <p:stCondLst>
+                        <p:cond delay="indefinite"/>
+                      </p:stCondLst>
+                      <p:childTnLst>
+                        <p:par>
+                          <p:cTn id="4" fill="hold">
+                            <p:stCondLst>
+                              <p:cond delay="0"/>
+                            </p:stCondLst>
+                            <p:childTnLst>
+                              <p:par>
+                                <p:cTn id="5" presetID="42" presetClass="entr" presetSubtype="0" fill="hold" nodeType="clickEffect">
+                                  <p:stCondLst>
+                                    <p:cond delay="0"/>
+                                  </p:stCondLst>
+                                  <p:childTnLst>
+                                    <p:set>
+                                      <p:cBhvr>
+                                        <p:cTn id="6" dur="1" fill="hold">
+                                          <p:stCondLst>
+                                            <p:cond delay="0"/>
+                                          </p:stCondLst>
+                                        </p:cTn>
+                                        <p:tgtEl>
+                                          <p:spTgt spid="3">
+                                            <p:txEl>
+                                              <p:pRg st="2" end="2"/>
+                                            </p:txEl>
+                                          </p:spTgt>
+                                        </p:tgtEl>
+                                        <p:attrNameLst>
+                                          <p:attrName>style.visibility</p:attrName>
+                                        </p:attrNameLst>
+                                      </p:cBhvr>
+                                      <p:to>
+                                        <p:strVal val="visible"/>
+                                      </p:to>
+                                    </p:set>
+                                    <p:animEffect transition="in" filter="fade">
+                                      <p:cBhvr>
+                                        <p:cTn id="7" dur="750"/>
+                                        <p:tgtEl>
+                                          <p:spTgt spid="3">
+                                            <p:txEl>
+                                              <p:pRg st="2" end="2"/>
+                                            </p:txEl>
+                                          </p:spTgt>
+                                        </p:tgtEl>
+                                      </p:cBhvr>
+                                    </p:animEffect>
+                                    <p:anim calcmode="lin" valueType="num">
+                                      <p:cBhvr>
+                                        <p:cTn id="8" dur="750" fill="hold"/>
+                                        <p:tgtEl>
+                                          <p:spTgt spid="3">
+                                            <p:txEl>
+                                              <p:pRg st="2" end="2"/>
+                                            </p:txEl>
+                                          </p:spTgt>
+                                        </p:tgtEl>
+                                        <p:attrNameLst>
+                                          <p:attrName>ppt_x</p:attrName>
+                                        </p:attrNameLst>
+                                      </p:cBhvr>
+                                      <p:tavLst>
+                                        <p:tav tm="0">
+                                          <p:val>
+                                            <p:strVal val="#ppt_x"/>
+                                          </p:val>
+                                        </p:tav>
+                                        <p:tav tm="100000">
+                                          <p:val>
+                                            <p:strVal val="#ppt_x"/>
+                                          </p:val>
+                                        </p:tav>
+                                      </p:tavLst>
+                                    </p:anim>
+                                    <p:anim calcmode="lin" valueType="num">
+                                      <p:cBhvr>
+                                        <p:cTn id="9" dur="750" fill="hold"/>
+                                        <p:tgtEl>
+                                          <p:spTgt spid="3">
+                                            <p:txEl>
+                                              <p:pRg st="2" end="2"/>
+                                            </p:txEl>
+                                          </p:spTgt>
+                                        </p:tgtEl>
+                                        <p:attrNameLst>
+                                          <p:attrName>ppt_y</p:attrName>
+                                        </p:attrNameLst>
+                                      </p:cBhvr>
+                                      <p:tavLst>
+                                        <p:tav tm="0">
+                                          <p:val>
+                                            <p:strVal val="#ppt_y+.1"/>
+                                          </p:val>
+                                        </p:tav>
+                                        <p:tav tm="100000">
+                                          <p:val>
+                                            <p:strVal val="#ppt_y"/>
+                                          </p:val>
+                                        </p:tav>
+                                      </p:tavLst>
+                                    </p:anim>
+                                  </p:childTnLst>
+                                </p:cTn>
+                              </p:par>
+                            </p:childTnLst>
+                          </p:cTn>
+                        </p:par>
+                      </p:childTnLst>
+                    </p:cTn>
+                  </p:par>
+                  <p:par>
+                    <p:cTn id="10" fill="hold">
+                      <p:stCondLst>
+                        <p:cond delay="indefinite"/>
+                      </p:stCondLst>
+                      <p:childTnLst>
+                        <p:par>
+                          <p:cTn id="11" fill="hold">
+                            <p:stCondLst>
+                              <p:cond delay="0"/>
+                            </p:stCondLst>
+                            <p:childTnLst>
+                              <p:par>
+                                <p:cTn id="12" presetID="42" presetClass="entr" presetSubtype="0" fill="hold" nodeType="clickEffect">
+                                  <p:stCondLst>
+                                    <p:cond delay="0"/>
+                                  </p:stCondLst>
+                                  <p:childTnLst>
+                                    <p:set>
+                                      <p:cBhvr>
+                                        <p:cTn id="13" dur="1" fill="hold">
+                                          <p:stCondLst>
+                                            <p:cond delay="0"/>
+                                          </p:stCondLst>
+                                        </p:cTn>
+                                        <p:tgtEl>
+                                          <p:spTgt spid="3">
+                                            <p:txEl>
+                                              <p:pRg st="3" end="3"/>
+                                            </p:txEl>
+                                          </p:spTgt>
+                                        </p:tgtEl>
+                                        <p:attrNameLst>
+                                          <p:attrName>style.visibility</p:attrName>
+                                        </p:attrNameLst>
+                                      </p:cBhvr>
+                                      <p:to>
+                                        <p:strVal val="visible"/>
+                                      </p:to>
+                                    </p:set>
+                                    <p:animEffect transition="in" filter="fade">
+                                      <p:cBhvr>
+                                        <p:cTn id="14" dur="750"/>
+                                        <p:tgtEl>
+                                          <p:spTgt spid="3">
+                                            <p:txEl>
+                                              <p:pRg st="3" end="3"/>
+                                            </p:txEl>
+                                          </p:spTgt>
+                                        </p:tgtEl>
+                                      </p:cBhvr>
+                                    </p:animEffect>
+                                    <p:anim calcmode="lin" valueType="num">
+                                      <p:cBhvr>
+                                        <p:cTn id="15" dur="750" fill="hold"/>
+                                        <p:tgtEl>
+                                          <p:spTgt spid="3">
+                                            <p:txEl>
+                                              <p:pRg st="3" end="3"/>
+                                            </p:txEl>
+                                          </p:spTgt>
+                                        </p:tgtEl>
+                                        <p:attrNameLst>
+                                          <p:attrName>ppt_x</p:attrName>
+                                        </p:attrNameLst>
+                                      </p:cBhvr>
+                                      <p:tavLst>
+                                        <p:tav tm="0">
+                                          <p:val>
+                                            <p:strVal val="#ppt_x"/>
+                                          </p:val>
+                                        </p:tav>
+                                        <p:tav tm="100000">
+                                          <p:val>
+                                            <p:strVal val="#ppt_x"/>
+                                          </p:val>
+                                        </p:tav>
+                                      </p:tavLst>
+                                    </p:anim>
+                                    <p:anim calcmode="lin" valueType="num">
+                                      <p:cBhvr>
+                                        <p:cTn id="16" dur="750" fill="hold"/>
+                                        <p:tgtEl>
+                                          <p:spTgt spid="3">
+                                            <p:txEl>
+                                              <p:pRg st="3" end="3"/>
+                                            </p:txEl>
+                                          </p:spTgt>
+                                        </p:tgtEl>
+                                        <p:attrNameLst>
+                                          <p:attrName>ppt_y</p:attrName>
+                                        </p:attrNameLst>
+                                      </p:cBhvr>
+                                      <p:tavLst>
+                                        <p:tav tm="0">
+                                          <p:val>
+                                            <p:strVal val="#ppt_y+.1"/>
+                                          </p:val>
+                                        </p:tav>
+                                        <p:tav tm="100000">
+                                          <p:val>
+                                            <p:strVal val="#ppt_y"/>
+                                          </p:val>
+                                        </p:tav>
+                                      </p:tavLst>
+                                    </p:anim>
+                                  </p:childTnLst>
+                                </p:cTn>
+                              </p:par>
+                            </p:childTnLst>
+                          </p:cTn>
+                        </p:par>
+                      </p:childTnLst>
+                    </p:cTn>
+                  </p:par>
+                  <p:par>
+                    <p:cTn id="17" fill="hold">
+                      <p:stCondLst>
+                        <p:cond delay="indefinite"/>
+                      </p:stCondLst>
+                      <p:childTnLst>
+                        <p:par>
+                          <p:cTn id="18" fill="hold">
+                            <p:stCondLst>
+                              <p:cond delay="0"/>
+                            </p:stCondLst>
+                            <p:childTnLst>
+                              <p:par>
+                                <p:cTn id="19" presetID="42" presetClass="entr" presetSubtype="0" fill="hold" nodeType="clickEffect">
+                                  <p:stCondLst>
+                                    <p:cond delay="0"/>
+                                  </p:stCondLst>
+                                  <p:childTnLst>
+                                    <p:set>
+                                      <p:cBhvr>
+                                        <p:cTn id="20" dur="1" fill="hold">
+                                          <p:stCondLst>
+                                            <p:cond delay="0"/>
+                                          </p:stCondLst>
+                                        </p:cTn>
+                                        <p:tgtEl>
+                                          <p:spTgt spid="3">
+                                            <p:txEl>
+                                              <p:pRg st="4" end="4"/>
+                                            </p:txEl>
+                                          </p:spTgt>
+                                        </p:tgtEl>
+                                        <p:attrNameLst>
+                                          <p:attrName>style.visibility</p:attrName>
+                                        </p:attrNameLst>
+                                      </p:cBhvr>
+                                      <p:to>
+                                        <p:strVal val="visible"/>
+                                      </p:to>
+                                    </p:set>
+                                    <p:animEffect transition="in" filter="fade">
+                                      <p:cBhvr>
+                                        <p:cTn id="21" dur="750"/>
+                                        <p:tgtEl>
+                                          <p:spTgt spid="3">
+                                            <p:txEl>
+                                              <p:pRg st="4" end="4"/>
+                                            </p:txEl>
+                                          </p:spTgt>
+                                        </p:tgtEl>
+                                      </p:cBhvr>
+                                    </p:animEffect>
+                                    <p:anim calcmode="lin" valueType="num">
+                                      <p:cBhvr>
+                                        <p:cTn id="22" dur="750" fill="hold"/>
+                                        <p:tgtEl>
+                                          <p:spTgt spid="3">
+                                            <p:txEl>
+                                              <p:pRg st="4" end="4"/>
+                                            </p:txEl>
+                                          </p:spTgt>
+                                        </p:tgtEl>
+                                        <p:attrNameLst>
+                                          <p:attrName>ppt_x</p:attrName>
+                                        </p:attrNameLst>
+                                      </p:cBhvr>
+                                      <p:tavLst>
+                                        <p:tav tm="0">
+                                          <p:val>
+                                            <p:strVal val="#ppt_x"/>
+                                          </p:val>
+                                        </p:tav>
+                                        <p:tav tm="100000">
+                                          <p:val>
+                                            <p:strVal val="#ppt_x"/>
+                                          </p:val>
+                                        </p:tav>
+                                      </p:tavLst>
+                                    </p:anim>
+                                    <p:anim calcmode="lin" valueType="num">
+                                      <p:cBhvr>
+                                        <p:cTn id="23" dur="750" fill="hold"/>
+                                        <p:tgtEl>
+                                          <p:spTgt spid="3">
+                                            <p:txEl>
+                                              <p:pRg st="4" end="4"/>
+                                            </p:txEl>
+                                          </p:spTgt>
+                                        </p:tgtEl>
+                                        <p:attrNameLst>
+                                          <p:attrName>ppt_y</p:attrName>
+                                        </p:attrNameLst>
+                                      </p:cBhvr>
+                                      <p:tavLst>
+                                        <p:tav tm="0">
+                                          <p:val>
+                                            <p:strVal val="#ppt_y+.1"/>
+                                          </p:val>
+                                        </p:tav>
+                                        <p:tav tm="100000">
+                                          <p:val>
+                                            <p:strVal val="#ppt_y"/>
+                                          </p:val>
+                                        </p:tav>
+                                      </p:tavLst>
+                                    </p:anim>
+                                  </p:childTnLst>
+                                </p:cTn>
+                              </p:par>
+                            </p:childTnLst>
+                          </p:cTn>
+                        </p:par>
+                      </p:childTnLst>
+                    </p:cTn>
+                  </p:par>
+                  <p:par>
+                    <p:cTn id="24" fill="hold">
+                      <p:stCondLst>
+                        <p:cond delay="indefinite"/>
+                      </p:stCondLst>
+                      <p:childTnLst>
+                        <p:par>
+                          <p:cTn id="25" fill="hold">
+                            <p:stCondLst>
+                              <p:cond delay="0"/>
+                            </p:stCondLst>
+                            <p:childTnLst>
+                              <p:par>
+                                <p:cTn id="26" presetID="42" presetClass="entr" presetSubtype="0" fill="hold" nodeType="clickEffect">
+                                  <p:stCondLst>
+                                    <p:cond delay="0"/>
+                                  </p:stCondLst>
+                                  <p:childTnLst>
+                                    <p:set>
+                                      <p:cBhvr>
+                                        <p:cTn id="27" dur="1" fill="hold">
+                                          <p:stCondLst>
+                                            <p:cond delay="0"/>
+                                          </p:stCondLst>
+                                        </p:cTn>
+                                        <p:tgtEl>
+                                          <p:spTgt spid="3">
+                                            <p:txEl>
+                                              <p:pRg st="5" end="5"/>
+                                            </p:txEl>
+                                          </p:spTgt>
+                                        </p:tgtEl>
+                                        <p:attrNameLst>
+                                          <p:attrName>style.visibility</p:attrName>
+                                        </p:attrNameLst>
+                                      </p:cBhvr>
+                                      <p:to>
+                                        <p:strVal val="visible"/>
+                                      </p:to>
+                                    </p:set>
+                                    <p:animEffect transition="in" filter="fade">
+                                      <p:cBhvr>
+                                        <p:cTn id="28" dur="750"/>
+                                        <p:tgtEl>
+                                          <p:spTgt spid="3">
+                                            <p:txEl>
+                                              <p:pRg st="5" end="5"/>
+                                            </p:txEl>
+                                          </p:spTgt>
+                                        </p:tgtEl>
+                                      </p:cBhvr>
+                                    </p:animEffect>
+                                    <p:anim calcmode="lin" valueType="num">
+                                      <p:cBhvr>
+                                        <p:cTn id="29" dur="750" fill="hold"/>
+                                        <p:tgtEl>
+                                          <p:spTgt spid="3">
+                                            <p:txEl>
+                                              <p:pRg st="5" end="5"/>
+                                            </p:txEl>
+                                          </p:spTgt>
+                                        </p:tgtEl>
+                                        <p:attrNameLst>
+                                          <p:attrName>ppt_x</p:attrName>
+                                        </p:attrNameLst>
+                                      </p:cBhvr>
+                                      <p:tavLst>
+                                        <p:tav tm="0">
+                                          <p:val>
+                                            <p:strVal val="#ppt_x"/>
+                                          </p:val>
+                                        </p:tav>
+                                        <p:tav tm="100000">
+                                          <p:val>
+                                            <p:strVal val="#ppt_x"/>
+                                          </p:val>
+                                        </p:tav>
+                                      </p:tavLst>
+                                    </p:anim>
+                                    <p:anim calcmode="lin" valueType="num">
+                                      <p:cBhvr>
+                                        <p:cTn id="30" dur="750" fill="hold"/>
+                                        <p:tgtEl>
+                                          <p:spTgt spid="3">
+                                            <p:txEl>
+                                              <p:pRg st="5" end="5"/>
+                                            </p:txEl>
+                                          </p:spTgt>
+                                        </p:tgtEl>
+                                        <p:attrNameLst>
+                                          <p:attrName>ppt_y</p:attrName>
+                                        </p:attrNameLst>
+                                      </p:cBhvr>
+                                      <p:tavLst>
+                                        <p:tav tm="0">
+                                          <p:val>
+                                            <p:strVal val="#ppt_y+.1"/>
+                                          </p:val>
+                                        </p:tav>
+                                        <p:tav tm="100000">
+                                          <p:val>
+                                            <p:strVal val="#ppt_y"/>
+                                          </p:val>
+                                        </p:tav>
+                                      </p:tavLst>
+                                    </p:anim>
+                                  </p:childTnLst>
+                                </p:cTn>
+                              </p:par>
+                            </p:childTnLst>
+                          </p:cTn>
+                        </p:par>
+                      </p:childTnLst>
+                    </p:cTn>
+                  </p:par>
+                </p:childTnLst>
+              </p:cTn>
+              <p:prevCondLst>
+                <p:cond evt="onPrev" delay="0">
+                  <p:tgtEl>
+                    <p:sldTgt/>
+                  </p:tgtEl>
+                </p:cond>
+              </p:prevCondLst>
+              <p:nextCondLst>
+                <p:cond evt="onNext" delay="0">
+                  <p:tgtEl>
+                    <p:sldTgt/>
+                  </p:tgtEl>
+                </p:cond>
+              </p:nextCondLst>
+            </p:seq>
+          </p:childTnLst>
+        </p:cTn>
+      </p:par>
+    </p:tnLst>
+  </p:timing>
+</p:sld>
+</file>
+
+<file path=ppt/slides/slide12.xml><?xml version="1.0" encoding="utf-8"?>
+<p:sld xmlns:a="http://schemas.openxmlformats.org/drawingml/2006/main" xmlns:r="http://schemas.openxmlformats.org/officeDocument/2006/relationships" xmlns:p="http://schemas.openxmlformats.org/presentationml/2006/main">
+  <p:cSld>
+    <p:spTree>
+      <p:nvGrpSpPr>
+        <p:cNvPr id="1" name=""/>
+        <p:cNvGrpSpPr/>
+        <p:nvPr/>
+      </p:nvGrpSpPr>
+      <p:grpSpPr>
+        <a:xfrm>
+          <a:off x="0" y="0"/>
+          <a:ext cx="0" cy="0"/>
+          <a:chOff x="0" y="0"/>
+          <a:chExt cx="0" cy="0"/>
+        </a:xfrm>
+      </p:grpSpPr>
+      <p:sp>
+        <p:nvSpPr>
+          <p:cNvPr id="2" name="Title 1">
+            <a:extLst>
+              <a:ext uri="{FF2B5EF4-FFF2-40B4-BE49-F238E27FC236}">
+                <a16:creationId xmlns:a16="http://schemas.microsoft.com/office/drawing/2014/main" id="{479BAD0B-CA30-461D-8619-EC1EEF9F8C9F}"/>
+              </a:ext>
+            </a:extLst>
+          </p:cNvPr>
+          <p:cNvSpPr>
+            <a:spLocks noGrp="1"/>
+          </p:cNvSpPr>
+          <p:nvPr>
+            <p:ph type="title"/>
+          </p:nvPr>
+        </p:nvSpPr>
+        <p:spPr>
+          <a:xfrm>
+            <a:off x="3275479" y="478989"/>
+            <a:ext cx="4762500" cy="1456267"/>
+          </a:xfrm>
+        </p:spPr>
+        <p:txBody>
+          <a:bodyPr>
+            <a:normAutofit/>
+          </a:bodyPr>
+          <a:lstStyle/>
+          <a:p>
+            <a:pPr algn="ctr"/>
+            <a:r>
+              <a:rPr lang="en-US" sz="4800" dirty="0">
+                <a:latin typeface="Berlin Sans FB" panose="020E0602020502020306" pitchFamily="34" charset="0"/>
+              </a:rPr>
+              <a:t>Thank You !</a:t>
+            </a:r>
+            <a:endParaRPr lang="en-IN" sz="4800" dirty="0">
+              <a:latin typeface="Berlin Sans FB" panose="020E0602020502020306" pitchFamily="34" charset="0"/>
+            </a:endParaRPr>
+          </a:p>
+        </p:txBody>
+      </p:sp>
+      <p:pic>
+        <p:nvPicPr>
+          <p:cNvPr id="5" name="Picture 4">
+            <a:extLst>
+              <a:ext uri="{FF2B5EF4-FFF2-40B4-BE49-F238E27FC236}">
+                <a16:creationId xmlns:a16="http://schemas.microsoft.com/office/drawing/2014/main" id="{20AB298D-87FB-4BDF-83BD-FEE4404DC314}"/>
+              </a:ext>
+            </a:extLst>
+          </p:cNvPr>
+          <p:cNvPicPr>
+            <a:picLocks noChangeAspect="1"/>
+          </p:cNvPicPr>
+          <p:nvPr/>
+        </p:nvPicPr>
+        <p:blipFill>
+          <a:blip r:embed="rId2"/>
+          <a:stretch>
+            <a:fillRect/>
+          </a:stretch>
+        </p:blipFill>
+        <p:spPr>
+          <a:xfrm>
+            <a:off x="3625071" y="2187388"/>
+            <a:ext cx="4181325" cy="4191623"/>
+          </a:xfrm>
+          <a:prstGeom prst="rect">
+            <a:avLst/>
+          </a:prstGeom>
+        </p:spPr>
+      </p:pic>
+    </p:spTree>
+    <p:extLst>
+      <p:ext uri="{BB962C8B-B14F-4D97-AF65-F5344CB8AC3E}">
+        <p14:creationId xmlns:p14="http://schemas.microsoft.com/office/powerpoint/2010/main" val="2126769293"/>
+      </p:ext>
+    </p:extLst>
+  </p:cSld>
+  <p:clrMapOvr>
+    <a:masterClrMapping/>
+  </p:clrMapOvr>
+  <mc:AlternateContent xmlns:mc="http://schemas.openxmlformats.org/markup-compatibility/2006">
+    <mc:Choice xmlns:p15="http://schemas.microsoft.com/office/powerpoint/2012/main" Requires="p15">
+      <p:transition xmlns:p14="http://schemas.microsoft.com/office/powerpoint/2010/main" spd="slow" p14:dur="2000">
+        <p15:prstTrans prst="prestige"/>
+      </p:transition>
+    </mc:Choice>
+    <mc:Fallback>
+      <p:transition spd="slow">
+        <p:fade/>
+      </p:transition>
+    </mc:Fallback>
+  </mc:AlternateContent>
 </p:sld>
 </file>
 
@@ -5933,7 +7465,7 @@
         </p:nvSpPr>
         <p:spPr>
           <a:xfrm>
-            <a:off x="1030285" y="5215467"/>
+            <a:off x="1030284" y="5215466"/>
             <a:ext cx="10131425" cy="1456267"/>
           </a:xfrm>
         </p:spPr>
@@ -5984,7 +7516,7 @@
         </p:blipFill>
         <p:spPr>
           <a:xfrm>
-            <a:off x="2937468" y="-373459"/>
+            <a:off x="2937467" y="-373460"/>
             <a:ext cx="6317060" cy="6317060"/>
           </a:xfrm>
         </p:spPr>
@@ -5999,6 +7531,150 @@
   <p:clrMapOvr>
     <a:masterClrMapping/>
   </p:clrMapOvr>
+  <mc:AlternateContent xmlns:mc="http://schemas.openxmlformats.org/markup-compatibility/2006" xmlns:p14="http://schemas.microsoft.com/office/powerpoint/2010/main">
+    <mc:Choice Requires="p14">
+      <p:transition spd="med" p14:dur="700">
+        <p:fade/>
+      </p:transition>
+    </mc:Choice>
+    <mc:Fallback xmlns="">
+      <p:transition spd="med">
+        <p:fade/>
+      </p:transition>
+    </mc:Fallback>
+  </mc:AlternateContent>
+  <p:timing>
+    <p:tnLst>
+      <p:par>
+        <p:cTn id="1" dur="indefinite" restart="never" nodeType="tmRoot">
+          <p:childTnLst>
+            <p:seq concurrent="1" nextAc="seek">
+              <p:cTn id="2" dur="indefinite" nodeType="mainSeq">
+                <p:childTnLst>
+                  <p:par>
+                    <p:cTn id="3" fill="hold">
+                      <p:stCondLst>
+                        <p:cond delay="indefinite"/>
+                        <p:cond evt="onBegin" delay="0">
+                          <p:tn val="2"/>
+                        </p:cond>
+                      </p:stCondLst>
+                      <p:childTnLst>
+                        <p:par>
+                          <p:cTn id="4" fill="hold">
+                            <p:stCondLst>
+                              <p:cond delay="0"/>
+                            </p:stCondLst>
+                            <p:childTnLst>
+                              <p:par>
+                                <p:cTn id="5" presetID="53" presetClass="entr" presetSubtype="16" fill="hold" nodeType="withEffect">
+                                  <p:stCondLst>
+                                    <p:cond delay="1000"/>
+                                  </p:stCondLst>
+                                  <p:childTnLst>
+                                    <p:set>
+                                      <p:cBhvr>
+                                        <p:cTn id="6" dur="1" fill="hold">
+                                          <p:stCondLst>
+                                            <p:cond delay="0"/>
+                                          </p:stCondLst>
+                                        </p:cTn>
+                                        <p:tgtEl>
+                                          <p:spTgt spid="5"/>
+                                        </p:tgtEl>
+                                        <p:attrNameLst>
+                                          <p:attrName>style.visibility</p:attrName>
+                                        </p:attrNameLst>
+                                      </p:cBhvr>
+                                      <p:to>
+                                        <p:strVal val="visible"/>
+                                      </p:to>
+                                    </p:set>
+                                    <p:anim calcmode="lin" valueType="num">
+                                      <p:cBhvr>
+                                        <p:cTn id="7" dur="500" fill="hold"/>
+                                        <p:tgtEl>
+                                          <p:spTgt spid="5"/>
+                                        </p:tgtEl>
+                                        <p:attrNameLst>
+                                          <p:attrName>ppt_w</p:attrName>
+                                        </p:attrNameLst>
+                                      </p:cBhvr>
+                                      <p:tavLst>
+                                        <p:tav tm="0">
+                                          <p:val>
+                                            <p:fltVal val="0"/>
+                                          </p:val>
+                                        </p:tav>
+                                        <p:tav tm="100000">
+                                          <p:val>
+                                            <p:strVal val="#ppt_w"/>
+                                          </p:val>
+                                        </p:tav>
+                                      </p:tavLst>
+                                    </p:anim>
+                                    <p:anim calcmode="lin" valueType="num">
+                                      <p:cBhvr>
+                                        <p:cTn id="8" dur="500" fill="hold"/>
+                                        <p:tgtEl>
+                                          <p:spTgt spid="5"/>
+                                        </p:tgtEl>
+                                        <p:attrNameLst>
+                                          <p:attrName>ppt_h</p:attrName>
+                                        </p:attrNameLst>
+                                      </p:cBhvr>
+                                      <p:tavLst>
+                                        <p:tav tm="0">
+                                          <p:val>
+                                            <p:fltVal val="0"/>
+                                          </p:val>
+                                        </p:tav>
+                                        <p:tav tm="100000">
+                                          <p:val>
+                                            <p:strVal val="#ppt_h"/>
+                                          </p:val>
+                                        </p:tav>
+                                      </p:tavLst>
+                                    </p:anim>
+                                    <p:animEffect transition="in" filter="fade">
+                                      <p:cBhvr>
+                                        <p:cTn id="9" dur="500"/>
+                                        <p:tgtEl>
+                                          <p:spTgt spid="5"/>
+                                        </p:tgtEl>
+                                      </p:cBhvr>
+                                    </p:animEffect>
+                                  </p:childTnLst>
+                                </p:cTn>
+                              </p:par>
+                            </p:childTnLst>
+                          </p:cTn>
+                        </p:par>
+                      </p:childTnLst>
+                    </p:cTn>
+                  </p:par>
+                </p:childTnLst>
+              </p:cTn>
+              <p:prevCondLst>
+                <p:cond evt="onPrev" delay="0">
+                  <p:tgtEl>
+                    <p:sldTgt/>
+                  </p:tgtEl>
+                </p:cond>
+              </p:prevCondLst>
+              <p:nextCondLst>
+                <p:cond evt="onNext" delay="0">
+                  <p:tgtEl>
+                    <p:sldTgt/>
+                  </p:tgtEl>
+                </p:cond>
+              </p:nextCondLst>
+            </p:seq>
+          </p:childTnLst>
+        </p:cTn>
+      </p:par>
+    </p:tnLst>
+  </p:timing>
 </p:sld>
 </file>
 
@@ -6024,7 +7700,7 @@
           <p:cNvPr id="2" name="Title 1">
             <a:extLst>
               <a:ext uri="{FF2B5EF4-FFF2-40B4-BE49-F238E27FC236}">
-                <a16:creationId xmlns:a16="http://schemas.microsoft.com/office/drawing/2014/main" id="{DA3C5912-6D0A-43B5-B4E5-FC40489C5555}"/>
+                <a16:creationId xmlns:a16="http://schemas.microsoft.com/office/drawing/2014/main" id="{77E72A7D-BFA7-482F-95F5-B53FF1C66AFE}"/>
               </a:ext>
             </a:extLst>
           </p:cNvPr>
@@ -6040,7 +7716,15 @@
           <a:bodyPr/>
           <a:lstStyle/>
           <a:p>
-            <a:endParaRPr lang="en-IN"/>
+            <a:r>
+              <a:rPr lang="en-US" dirty="0">
+                <a:latin typeface="Candara Light" panose="020E0502030303020204" pitchFamily="34" charset="0"/>
+              </a:rPr>
+              <a:t>Project details :</a:t>
+            </a:r>
+            <a:endParaRPr lang="en-IN" dirty="0">
+              <a:latin typeface="Candara Light" panose="020E0502030303020204" pitchFamily="34" charset="0"/>
+            </a:endParaRPr>
           </a:p>
         </p:txBody>
       </p:sp>
@@ -6049,7 +7733,7 @@
           <p:cNvPr id="3" name="Content Placeholder 2">
             <a:extLst>
               <a:ext uri="{FF2B5EF4-FFF2-40B4-BE49-F238E27FC236}">
-                <a16:creationId xmlns:a16="http://schemas.microsoft.com/office/drawing/2014/main" id="{776171C9-0D35-4BA2-AFA3-07E2988FA224}"/>
+                <a16:creationId xmlns:a16="http://schemas.microsoft.com/office/drawing/2014/main" id="{48C92138-DF54-4BEC-B5AB-A50046A5BE44}"/>
               </a:ext>
             </a:extLst>
           </p:cNvPr>
@@ -6060,25 +7744,3264 @@
             <p:ph idx="1"/>
           </p:nvPr>
         </p:nvSpPr>
-        <p:spPr/>
-        <p:txBody>
-          <a:bodyPr/>
+        <p:spPr>
+          <a:xfrm>
+            <a:off x="1277472" y="2411009"/>
+            <a:ext cx="10131425" cy="3649133"/>
+          </a:xfrm>
+        </p:spPr>
+        <p:txBody>
+          <a:bodyPr anchor="t"/>
           <a:lstStyle/>
           <a:p>
-            <a:endParaRPr lang="en-IN"/>
-          </a:p>
-        </p:txBody>
-      </p:sp>
+            <a:pPr marL="0" indent="0">
+              <a:buNone/>
+            </a:pPr>
+            <a:r>
+              <a:rPr lang="en-US" sz="2000" dirty="0"/>
+              <a:t>The main components used in our project are :</a:t>
+            </a:r>
+          </a:p>
+          <a:p>
+            <a:pPr lvl="1">
+              <a:buFont typeface="Wingdings" panose="05000000000000000000" pitchFamily="2" charset="2"/>
+              <a:buChar char="v"/>
+            </a:pPr>
+            <a:r>
+              <a:rPr lang="en-US" sz="2000" dirty="0"/>
+              <a:t>HTML</a:t>
+            </a:r>
+          </a:p>
+          <a:p>
+            <a:pPr lvl="1">
+              <a:buFont typeface="Wingdings" panose="05000000000000000000" pitchFamily="2" charset="2"/>
+              <a:buChar char="v"/>
+            </a:pPr>
+            <a:r>
+              <a:rPr lang="en-US" sz="2000" dirty="0"/>
+              <a:t>JavaScript</a:t>
+            </a:r>
+          </a:p>
+          <a:p>
+            <a:pPr lvl="1">
+              <a:buFont typeface="Wingdings" panose="05000000000000000000" pitchFamily="2" charset="2"/>
+              <a:buChar char="v"/>
+            </a:pPr>
+            <a:r>
+              <a:rPr lang="en-US" sz="2000" dirty="0"/>
+              <a:t>PHP</a:t>
+            </a:r>
+          </a:p>
+          <a:p>
+            <a:pPr lvl="1">
+              <a:buFont typeface="Wingdings" panose="05000000000000000000" pitchFamily="2" charset="2"/>
+              <a:buChar char="v"/>
+            </a:pPr>
+            <a:r>
+              <a:rPr lang="en-US" sz="2000" dirty="0"/>
+              <a:t>MySQL</a:t>
+            </a:r>
+          </a:p>
+          <a:p>
+            <a:pPr lvl="1">
+              <a:buFont typeface="Wingdings" panose="05000000000000000000" pitchFamily="2" charset="2"/>
+              <a:buChar char="v"/>
+            </a:pPr>
+            <a:r>
+              <a:rPr lang="en-US" sz="2000" dirty="0"/>
+              <a:t>Mercury</a:t>
+            </a:r>
+          </a:p>
+          <a:p>
+            <a:pPr marL="0" indent="0">
+              <a:buNone/>
+            </a:pPr>
+            <a:endParaRPr lang="en-US" dirty="0"/>
+          </a:p>
+        </p:txBody>
+      </p:sp>
+      <p:pic>
+        <p:nvPicPr>
+          <p:cNvPr id="1026" name="Picture 2" descr="HTML - Wikipedia">
+            <a:extLst>
+              <a:ext uri="{FF2B5EF4-FFF2-40B4-BE49-F238E27FC236}">
+                <a16:creationId xmlns:a16="http://schemas.microsoft.com/office/drawing/2014/main" id="{2BA56789-0A9E-47D7-B453-34FE36E63077}"/>
+              </a:ext>
+            </a:extLst>
+          </p:cNvPr>
+          <p:cNvPicPr>
+            <a:picLocks noChangeAspect="1" noChangeArrowheads="1"/>
+          </p:cNvPicPr>
+          <p:nvPr/>
+        </p:nvPicPr>
+        <p:blipFill>
+          <a:blip r:embed="rId2">
+            <a:extLst>
+              <a:ext uri="{28A0092B-C50C-407E-A947-70E740481C1C}">
+                <a14:useLocalDpi xmlns:a14="http://schemas.microsoft.com/office/drawing/2010/main" val="0"/>
+              </a:ext>
+            </a:extLst>
+          </a:blip>
+          <a:srcRect/>
+          <a:stretch>
+            <a:fillRect/>
+          </a:stretch>
+        </p:blipFill>
+        <p:spPr bwMode="auto">
+          <a:xfrm rot="434438">
+            <a:off x="8216149" y="2636910"/>
+            <a:ext cx="1326775" cy="1326775"/>
+          </a:xfrm>
+          <a:prstGeom prst="rect">
+            <a:avLst/>
+          </a:prstGeom>
+          <a:noFill/>
+          <a:extLst>
+            <a:ext uri="{909E8E84-426E-40DD-AFC4-6F175D3DCCD1}">
+              <a14:hiddenFill xmlns:a14="http://schemas.microsoft.com/office/drawing/2010/main">
+                <a:solidFill>
+                  <a:srgbClr val="FFFFFF"/>
+                </a:solidFill>
+              </a14:hiddenFill>
+            </a:ext>
+          </a:extLst>
+        </p:spPr>
+      </p:pic>
+      <p:pic>
+        <p:nvPicPr>
+          <p:cNvPr id="1030" name="Picture 6" descr="Features of Javascript | Learn Javascript Features">
+            <a:extLst>
+              <a:ext uri="{FF2B5EF4-FFF2-40B4-BE49-F238E27FC236}">
+                <a16:creationId xmlns:a16="http://schemas.microsoft.com/office/drawing/2014/main" id="{599E1549-77EF-4C05-93A2-475AFAD792F9}"/>
+              </a:ext>
+            </a:extLst>
+          </p:cNvPr>
+          <p:cNvPicPr>
+            <a:picLocks noChangeAspect="1" noChangeArrowheads="1"/>
+          </p:cNvPicPr>
+          <p:nvPr/>
+        </p:nvPicPr>
+        <p:blipFill>
+          <a:blip r:embed="rId3">
+            <a:extLst>
+              <a:ext uri="{28A0092B-C50C-407E-A947-70E740481C1C}">
+                <a14:useLocalDpi xmlns:a14="http://schemas.microsoft.com/office/drawing/2010/main" val="0"/>
+              </a:ext>
+            </a:extLst>
+          </a:blip>
+          <a:srcRect/>
+          <a:stretch>
+            <a:fillRect/>
+          </a:stretch>
+        </p:blipFill>
+        <p:spPr bwMode="auto">
+          <a:xfrm rot="20898801">
+            <a:off x="6301185" y="3431164"/>
+            <a:ext cx="2296006" cy="1290770"/>
+          </a:xfrm>
+          <a:prstGeom prst="rect">
+            <a:avLst/>
+          </a:prstGeom>
+          <a:noFill/>
+          <a:extLst>
+            <a:ext uri="{909E8E84-426E-40DD-AFC4-6F175D3DCCD1}">
+              <a14:hiddenFill xmlns:a14="http://schemas.microsoft.com/office/drawing/2010/main">
+                <a:solidFill>
+                  <a:srgbClr val="FFFFFF"/>
+                </a:solidFill>
+              </a14:hiddenFill>
+            </a:ext>
+          </a:extLst>
+        </p:spPr>
+      </p:pic>
+      <p:pic>
+        <p:nvPicPr>
+          <p:cNvPr id="1038" name="Picture 14" descr="php.net · GitHub">
+            <a:extLst>
+              <a:ext uri="{FF2B5EF4-FFF2-40B4-BE49-F238E27FC236}">
+                <a16:creationId xmlns:a16="http://schemas.microsoft.com/office/drawing/2014/main" id="{EFCE89CB-9348-413F-B7B3-64A976D4B5B0}"/>
+              </a:ext>
+            </a:extLst>
+          </p:cNvPr>
+          <p:cNvPicPr>
+            <a:picLocks noChangeAspect="1" noChangeArrowheads="1"/>
+          </p:cNvPicPr>
+          <p:nvPr/>
+        </p:nvPicPr>
+        <p:blipFill>
+          <a:blip r:embed="rId4">
+            <a:extLst>
+              <a:ext uri="{28A0092B-C50C-407E-A947-70E740481C1C}">
+                <a14:useLocalDpi xmlns:a14="http://schemas.microsoft.com/office/drawing/2010/main" val="0"/>
+              </a:ext>
+            </a:extLst>
+          </a:blip>
+          <a:srcRect/>
+          <a:stretch>
+            <a:fillRect/>
+          </a:stretch>
+        </p:blipFill>
+        <p:spPr bwMode="auto">
+          <a:xfrm rot="674944">
+            <a:off x="8817171" y="4087156"/>
+            <a:ext cx="1927839" cy="1927839"/>
+          </a:xfrm>
+          <a:prstGeom prst="rect">
+            <a:avLst/>
+          </a:prstGeom>
+          <a:noFill/>
+          <a:extLst>
+            <a:ext uri="{909E8E84-426E-40DD-AFC4-6F175D3DCCD1}">
+              <a14:hiddenFill xmlns:a14="http://schemas.microsoft.com/office/drawing/2010/main">
+                <a:solidFill>
+                  <a:srgbClr val="FFFFFF"/>
+                </a:solidFill>
+              </a14:hiddenFill>
+            </a:ext>
+          </a:extLst>
+        </p:spPr>
+      </p:pic>
+      <p:pic>
+        <p:nvPicPr>
+          <p:cNvPr id="1040" name="Picture 16" descr="MySQL | Most Popular Open Source Relational Database | AWS">
+            <a:extLst>
+              <a:ext uri="{FF2B5EF4-FFF2-40B4-BE49-F238E27FC236}">
+                <a16:creationId xmlns:a16="http://schemas.microsoft.com/office/drawing/2014/main" id="{A38CAAD1-3B45-4C14-A5A4-3FC1D43EBCE0}"/>
+              </a:ext>
+            </a:extLst>
+          </p:cNvPr>
+          <p:cNvPicPr>
+            <a:picLocks noChangeAspect="1" noChangeArrowheads="1"/>
+          </p:cNvPicPr>
+          <p:nvPr/>
+        </p:nvPicPr>
+        <p:blipFill>
+          <a:blip r:embed="rId5">
+            <a:extLst>
+              <a:ext uri="{28A0092B-C50C-407E-A947-70E740481C1C}">
+                <a14:useLocalDpi xmlns:a14="http://schemas.microsoft.com/office/drawing/2010/main" val="0"/>
+              </a:ext>
+            </a:extLst>
+          </a:blip>
+          <a:srcRect/>
+          <a:stretch>
+            <a:fillRect/>
+          </a:stretch>
+        </p:blipFill>
+        <p:spPr bwMode="auto">
+          <a:xfrm rot="1299771">
+            <a:off x="5927370" y="4784210"/>
+            <a:ext cx="1983196" cy="1026459"/>
+          </a:xfrm>
+          <a:prstGeom prst="rect">
+            <a:avLst/>
+          </a:prstGeom>
+          <a:noFill/>
+          <a:extLst>
+            <a:ext uri="{909E8E84-426E-40DD-AFC4-6F175D3DCCD1}">
+              <a14:hiddenFill xmlns:a14="http://schemas.microsoft.com/office/drawing/2010/main">
+                <a:solidFill>
+                  <a:srgbClr val="FFFFFF"/>
+                </a:solidFill>
+              </a14:hiddenFill>
+            </a:ext>
+          </a:extLst>
+        </p:spPr>
+      </p:pic>
+      <p:pic>
+        <p:nvPicPr>
+          <p:cNvPr id="1042" name="Picture 18" descr="Mercury Licensing">
+            <a:extLst>
+              <a:ext uri="{FF2B5EF4-FFF2-40B4-BE49-F238E27FC236}">
+                <a16:creationId xmlns:a16="http://schemas.microsoft.com/office/drawing/2014/main" id="{ADF3731F-DB12-4C38-988E-098FC175EA13}"/>
+              </a:ext>
+            </a:extLst>
+          </p:cNvPr>
+          <p:cNvPicPr>
+            <a:picLocks noChangeAspect="1" noChangeArrowheads="1"/>
+          </p:cNvPicPr>
+          <p:nvPr/>
+        </p:nvPicPr>
+        <p:blipFill>
+          <a:blip r:embed="rId6">
+            <a:extLst>
+              <a:ext uri="{28A0092B-C50C-407E-A947-70E740481C1C}">
+                <a14:useLocalDpi xmlns:a14="http://schemas.microsoft.com/office/drawing/2010/main" val="0"/>
+              </a:ext>
+            </a:extLst>
+          </a:blip>
+          <a:srcRect/>
+          <a:stretch>
+            <a:fillRect/>
+          </a:stretch>
+        </p:blipFill>
+        <p:spPr bwMode="auto">
+          <a:xfrm rot="21154638">
+            <a:off x="8468283" y="5523703"/>
+            <a:ext cx="822511" cy="1028139"/>
+          </a:xfrm>
+          <a:prstGeom prst="rect">
+            <a:avLst/>
+          </a:prstGeom>
+          <a:noFill/>
+          <a:extLst>
+            <a:ext uri="{909E8E84-426E-40DD-AFC4-6F175D3DCCD1}">
+              <a14:hiddenFill xmlns:a14="http://schemas.microsoft.com/office/drawing/2010/main">
+                <a:solidFill>
+                  <a:srgbClr val="FFFFFF"/>
+                </a:solidFill>
+              </a14:hiddenFill>
+            </a:ext>
+          </a:extLst>
+        </p:spPr>
+      </p:pic>
     </p:spTree>
     <p:extLst>
       <p:ext uri="{BB962C8B-B14F-4D97-AF65-F5344CB8AC3E}">
-        <p14:creationId xmlns:p14="http://schemas.microsoft.com/office/powerpoint/2010/main" val="1536263889"/>
+        <p14:creationId xmlns:p14="http://schemas.microsoft.com/office/powerpoint/2010/main" val="703526214"/>
       </p:ext>
     </p:extLst>
   </p:cSld>
   <p:clrMapOvr>
     <a:masterClrMapping/>
   </p:clrMapOvr>
+  <mc:AlternateContent xmlns:mc="http://schemas.openxmlformats.org/markup-compatibility/2006">
+    <mc:Choice xmlns:p159="http://schemas.microsoft.com/office/powerpoint/2015/09/main" Requires="p159">
+      <p:transition xmlns:p14="http://schemas.microsoft.com/office/powerpoint/2010/main" spd="slow" p14:dur="2000" advClick="0" advTm="1000">
+        <p159:morph option="byObject"/>
+      </p:transition>
+    </mc:Choice>
+    <mc:Fallback>
+      <p:transition spd="slow" advClick="0" advTm="1000">
+        <p:fade/>
+      </p:transition>
+    </mc:Fallback>
+  </mc:AlternateContent>
+  <p:timing>
+    <p:tnLst>
+      <p:par>
+        <p:cTn id="1" dur="indefinite" restart="never" nodeType="tmRoot">
+          <p:childTnLst>
+            <p:seq concurrent="1" nextAc="seek">
+              <p:cTn id="2" dur="indefinite" nodeType="mainSeq">
+                <p:childTnLst>
+                  <p:par>
+                    <p:cTn id="3" fill="hold">
+                      <p:stCondLst>
+                        <p:cond delay="indefinite"/>
+                        <p:cond evt="onBegin" delay="0">
+                          <p:tn val="2"/>
+                        </p:cond>
+                      </p:stCondLst>
+                      <p:childTnLst>
+                        <p:par>
+                          <p:cTn id="4" fill="hold">
+                            <p:stCondLst>
+                              <p:cond delay="0"/>
+                            </p:stCondLst>
+                            <p:childTnLst>
+                              <p:par>
+                                <p:cTn id="5" presetID="42" presetClass="entr" presetSubtype="0" fill="hold" nodeType="withEffect">
+                                  <p:stCondLst>
+                                    <p:cond delay="0"/>
+                                  </p:stCondLst>
+                                  <p:childTnLst>
+                                    <p:set>
+                                      <p:cBhvr>
+                                        <p:cTn id="6" dur="1" fill="hold">
+                                          <p:stCondLst>
+                                            <p:cond delay="0"/>
+                                          </p:stCondLst>
+                                        </p:cTn>
+                                        <p:tgtEl>
+                                          <p:spTgt spid="1026"/>
+                                        </p:tgtEl>
+                                        <p:attrNameLst>
+                                          <p:attrName>style.visibility</p:attrName>
+                                        </p:attrNameLst>
+                                      </p:cBhvr>
+                                      <p:to>
+                                        <p:strVal val="visible"/>
+                                      </p:to>
+                                    </p:set>
+                                    <p:animEffect transition="in" filter="fade">
+                                      <p:cBhvr>
+                                        <p:cTn id="7" dur="1000"/>
+                                        <p:tgtEl>
+                                          <p:spTgt spid="1026"/>
+                                        </p:tgtEl>
+                                      </p:cBhvr>
+                                    </p:animEffect>
+                                    <p:anim calcmode="lin" valueType="num">
+                                      <p:cBhvr>
+                                        <p:cTn id="8" dur="1000" fill="hold"/>
+                                        <p:tgtEl>
+                                          <p:spTgt spid="1026"/>
+                                        </p:tgtEl>
+                                        <p:attrNameLst>
+                                          <p:attrName>ppt_x</p:attrName>
+                                        </p:attrNameLst>
+                                      </p:cBhvr>
+                                      <p:tavLst>
+                                        <p:tav tm="0">
+                                          <p:val>
+                                            <p:strVal val="#ppt_x"/>
+                                          </p:val>
+                                        </p:tav>
+                                        <p:tav tm="100000">
+                                          <p:val>
+                                            <p:strVal val="#ppt_x"/>
+                                          </p:val>
+                                        </p:tav>
+                                      </p:tavLst>
+                                    </p:anim>
+                                    <p:anim calcmode="lin" valueType="num">
+                                      <p:cBhvr>
+                                        <p:cTn id="9" dur="1000" fill="hold"/>
+                                        <p:tgtEl>
+                                          <p:spTgt spid="1026"/>
+                                        </p:tgtEl>
+                                        <p:attrNameLst>
+                                          <p:attrName>ppt_y</p:attrName>
+                                        </p:attrNameLst>
+                                      </p:cBhvr>
+                                      <p:tavLst>
+                                        <p:tav tm="0">
+                                          <p:val>
+                                            <p:strVal val="#ppt_y+.1"/>
+                                          </p:val>
+                                        </p:tav>
+                                        <p:tav tm="100000">
+                                          <p:val>
+                                            <p:strVal val="#ppt_y"/>
+                                          </p:val>
+                                        </p:tav>
+                                      </p:tavLst>
+                                    </p:anim>
+                                  </p:childTnLst>
+                                </p:cTn>
+                              </p:par>
+                            </p:childTnLst>
+                          </p:cTn>
+                        </p:par>
+                        <p:par>
+                          <p:cTn id="10" fill="hold">
+                            <p:stCondLst>
+                              <p:cond delay="1000"/>
+                            </p:stCondLst>
+                            <p:childTnLst>
+                              <p:par>
+                                <p:cTn id="11" presetID="2" presetClass="entr" presetSubtype="1" fill="hold" nodeType="afterEffect">
+                                  <p:stCondLst>
+                                    <p:cond delay="0"/>
+                                  </p:stCondLst>
+                                  <p:childTnLst>
+                                    <p:set>
+                                      <p:cBhvr>
+                                        <p:cTn id="12" dur="1" fill="hold">
+                                          <p:stCondLst>
+                                            <p:cond delay="0"/>
+                                          </p:stCondLst>
+                                        </p:cTn>
+                                        <p:tgtEl>
+                                          <p:spTgt spid="1030"/>
+                                        </p:tgtEl>
+                                        <p:attrNameLst>
+                                          <p:attrName>style.visibility</p:attrName>
+                                        </p:attrNameLst>
+                                      </p:cBhvr>
+                                      <p:to>
+                                        <p:strVal val="visible"/>
+                                      </p:to>
+                                    </p:set>
+                                    <p:anim calcmode="lin" valueType="num">
+                                      <p:cBhvr additive="base">
+                                        <p:cTn id="13" dur="500" fill="hold"/>
+                                        <p:tgtEl>
+                                          <p:spTgt spid="1030"/>
+                                        </p:tgtEl>
+                                        <p:attrNameLst>
+                                          <p:attrName>ppt_x</p:attrName>
+                                        </p:attrNameLst>
+                                      </p:cBhvr>
+                                      <p:tavLst>
+                                        <p:tav tm="0">
+                                          <p:val>
+                                            <p:strVal val="#ppt_x"/>
+                                          </p:val>
+                                        </p:tav>
+                                        <p:tav tm="100000">
+                                          <p:val>
+                                            <p:strVal val="#ppt_x"/>
+                                          </p:val>
+                                        </p:tav>
+                                      </p:tavLst>
+                                    </p:anim>
+                                    <p:anim calcmode="lin" valueType="num">
+                                      <p:cBhvr additive="base">
+                                        <p:cTn id="14" dur="500" fill="hold"/>
+                                        <p:tgtEl>
+                                          <p:spTgt spid="1030"/>
+                                        </p:tgtEl>
+                                        <p:attrNameLst>
+                                          <p:attrName>ppt_y</p:attrName>
+                                        </p:attrNameLst>
+                                      </p:cBhvr>
+                                      <p:tavLst>
+                                        <p:tav tm="0">
+                                          <p:val>
+                                            <p:strVal val="0-#ppt_h/2"/>
+                                          </p:val>
+                                        </p:tav>
+                                        <p:tav tm="100000">
+                                          <p:val>
+                                            <p:strVal val="#ppt_y"/>
+                                          </p:val>
+                                        </p:tav>
+                                      </p:tavLst>
+                                    </p:anim>
+                                  </p:childTnLst>
+                                </p:cTn>
+                              </p:par>
+                            </p:childTnLst>
+                          </p:cTn>
+                        </p:par>
+                        <p:par>
+                          <p:cTn id="15" fill="hold">
+                            <p:stCondLst>
+                              <p:cond delay="1500"/>
+                            </p:stCondLst>
+                            <p:childTnLst>
+                              <p:par>
+                                <p:cTn id="16" presetID="26" presetClass="entr" presetSubtype="0" fill="hold" nodeType="afterEffect">
+                                  <p:stCondLst>
+                                    <p:cond delay="0"/>
+                                  </p:stCondLst>
+                                  <p:childTnLst>
+                                    <p:set>
+                                      <p:cBhvr>
+                                        <p:cTn id="17" dur="1" fill="hold">
+                                          <p:stCondLst>
+                                            <p:cond delay="0"/>
+                                          </p:stCondLst>
+                                        </p:cTn>
+                                        <p:tgtEl>
+                                          <p:spTgt spid="1038"/>
+                                        </p:tgtEl>
+                                        <p:attrNameLst>
+                                          <p:attrName>style.visibility</p:attrName>
+                                        </p:attrNameLst>
+                                      </p:cBhvr>
+                                      <p:to>
+                                        <p:strVal val="visible"/>
+                                      </p:to>
+                                    </p:set>
+                                    <p:animEffect transition="in" filter="wipe(down)">
+                                      <p:cBhvr>
+                                        <p:cTn id="18" dur="580">
+                                          <p:stCondLst>
+                                            <p:cond delay="0"/>
+                                          </p:stCondLst>
+                                        </p:cTn>
+                                        <p:tgtEl>
+                                          <p:spTgt spid="1038"/>
+                                        </p:tgtEl>
+                                      </p:cBhvr>
+                                    </p:animEffect>
+                                    <p:anim calcmode="lin" valueType="num">
+                                      <p:cBhvr>
+                                        <p:cTn id="19" dur="1822" tmFilter="0,0; 0.14,0.36; 0.43,0.73; 0.71,0.91; 1.0,1.0">
+                                          <p:stCondLst>
+                                            <p:cond delay="0"/>
+                                          </p:stCondLst>
+                                        </p:cTn>
+                                        <p:tgtEl>
+                                          <p:spTgt spid="1038"/>
+                                        </p:tgtEl>
+                                        <p:attrNameLst>
+                                          <p:attrName>ppt_x</p:attrName>
+                                        </p:attrNameLst>
+                                      </p:cBhvr>
+                                      <p:tavLst>
+                                        <p:tav tm="0">
+                                          <p:val>
+                                            <p:strVal val="#ppt_x-0.25"/>
+                                          </p:val>
+                                        </p:tav>
+                                        <p:tav tm="100000">
+                                          <p:val>
+                                            <p:strVal val="#ppt_x"/>
+                                          </p:val>
+                                        </p:tav>
+                                      </p:tavLst>
+                                    </p:anim>
+                                    <p:anim calcmode="lin" valueType="num">
+                                      <p:cBhvr>
+                                        <p:cTn id="20" dur="664" tmFilter="0.0,0.0; 0.25,0.07; 0.50,0.2; 0.75,0.467; 1.0,1.0">
+                                          <p:stCondLst>
+                                            <p:cond delay="0"/>
+                                          </p:stCondLst>
+                                        </p:cTn>
+                                        <p:tgtEl>
+                                          <p:spTgt spid="1038"/>
+                                        </p:tgtEl>
+                                        <p:attrNameLst>
+                                          <p:attrName>ppt_y</p:attrName>
+                                        </p:attrNameLst>
+                                      </p:cBhvr>
+                                      <p:tavLst>
+                                        <p:tav tm="0" fmla="#ppt_y-sin(pi*$)/3">
+                                          <p:val>
+                                            <p:fltVal val="0.5"/>
+                                          </p:val>
+                                        </p:tav>
+                                        <p:tav tm="100000">
+                                          <p:val>
+                                            <p:fltVal val="1"/>
+                                          </p:val>
+                                        </p:tav>
+                                      </p:tavLst>
+                                    </p:anim>
+                                    <p:anim calcmode="lin" valueType="num">
+                                      <p:cBhvr>
+                                        <p:cTn id="21" dur="664" tmFilter="0, 0; 0.125,0.2665; 0.25,0.4; 0.375,0.465; 0.5,0.5;  0.625,0.535; 0.75,0.6; 0.875,0.7335; 1,1">
+                                          <p:stCondLst>
+                                            <p:cond delay="664"/>
+                                          </p:stCondLst>
+                                        </p:cTn>
+                                        <p:tgtEl>
+                                          <p:spTgt spid="1038"/>
+                                        </p:tgtEl>
+                                        <p:attrNameLst>
+                                          <p:attrName>ppt_y</p:attrName>
+                                        </p:attrNameLst>
+                                      </p:cBhvr>
+                                      <p:tavLst>
+                                        <p:tav tm="0" fmla="#ppt_y-sin(pi*$)/9">
+                                          <p:val>
+                                            <p:fltVal val="0"/>
+                                          </p:val>
+                                        </p:tav>
+                                        <p:tav tm="100000">
+                                          <p:val>
+                                            <p:fltVal val="1"/>
+                                          </p:val>
+                                        </p:tav>
+                                      </p:tavLst>
+                                    </p:anim>
+                                    <p:anim calcmode="lin" valueType="num">
+                                      <p:cBhvr>
+                                        <p:cTn id="22" dur="332" tmFilter="0, 0; 0.125,0.2665; 0.25,0.4; 0.375,0.465; 0.5,0.5;  0.625,0.535; 0.75,0.6; 0.875,0.7335; 1,1">
+                                          <p:stCondLst>
+                                            <p:cond delay="1324"/>
+                                          </p:stCondLst>
+                                        </p:cTn>
+                                        <p:tgtEl>
+                                          <p:spTgt spid="1038"/>
+                                        </p:tgtEl>
+                                        <p:attrNameLst>
+                                          <p:attrName>ppt_y</p:attrName>
+                                        </p:attrNameLst>
+                                      </p:cBhvr>
+                                      <p:tavLst>
+                                        <p:tav tm="0" fmla="#ppt_y-sin(pi*$)/27">
+                                          <p:val>
+                                            <p:fltVal val="0"/>
+                                          </p:val>
+                                        </p:tav>
+                                        <p:tav tm="100000">
+                                          <p:val>
+                                            <p:fltVal val="1"/>
+                                          </p:val>
+                                        </p:tav>
+                                      </p:tavLst>
+                                    </p:anim>
+                                    <p:anim calcmode="lin" valueType="num">
+                                      <p:cBhvr>
+                                        <p:cTn id="23" dur="164" tmFilter="0, 0; 0.125,0.2665; 0.25,0.4; 0.375,0.465; 0.5,0.5;  0.625,0.535; 0.75,0.6; 0.875,0.7335; 1,1">
+                                          <p:stCondLst>
+                                            <p:cond delay="1656"/>
+                                          </p:stCondLst>
+                                        </p:cTn>
+                                        <p:tgtEl>
+                                          <p:spTgt spid="1038"/>
+                                        </p:tgtEl>
+                                        <p:attrNameLst>
+                                          <p:attrName>ppt_y</p:attrName>
+                                        </p:attrNameLst>
+                                      </p:cBhvr>
+                                      <p:tavLst>
+                                        <p:tav tm="0" fmla="#ppt_y-sin(pi*$)/81">
+                                          <p:val>
+                                            <p:fltVal val="0"/>
+                                          </p:val>
+                                        </p:tav>
+                                        <p:tav tm="100000">
+                                          <p:val>
+                                            <p:fltVal val="1"/>
+                                          </p:val>
+                                        </p:tav>
+                                      </p:tavLst>
+                                    </p:anim>
+                                    <p:animScale>
+                                      <p:cBhvr>
+                                        <p:cTn id="24" dur="26">
+                                          <p:stCondLst>
+                                            <p:cond delay="650"/>
+                                          </p:stCondLst>
+                                        </p:cTn>
+                                        <p:tgtEl>
+                                          <p:spTgt spid="1038"/>
+                                        </p:tgtEl>
+                                      </p:cBhvr>
+                                      <p:to x="100000" y="60000"/>
+                                    </p:animScale>
+                                    <p:animScale>
+                                      <p:cBhvr>
+                                        <p:cTn id="25" dur="166" decel="50000">
+                                          <p:stCondLst>
+                                            <p:cond delay="676"/>
+                                          </p:stCondLst>
+                                        </p:cTn>
+                                        <p:tgtEl>
+                                          <p:spTgt spid="1038"/>
+                                        </p:tgtEl>
+                                      </p:cBhvr>
+                                      <p:to x="100000" y="100000"/>
+                                    </p:animScale>
+                                    <p:animScale>
+                                      <p:cBhvr>
+                                        <p:cTn id="26" dur="26">
+                                          <p:stCondLst>
+                                            <p:cond delay="1312"/>
+                                          </p:stCondLst>
+                                        </p:cTn>
+                                        <p:tgtEl>
+                                          <p:spTgt spid="1038"/>
+                                        </p:tgtEl>
+                                      </p:cBhvr>
+                                      <p:to x="100000" y="80000"/>
+                                    </p:animScale>
+                                    <p:animScale>
+                                      <p:cBhvr>
+                                        <p:cTn id="27" dur="166" decel="50000">
+                                          <p:stCondLst>
+                                            <p:cond delay="1338"/>
+                                          </p:stCondLst>
+                                        </p:cTn>
+                                        <p:tgtEl>
+                                          <p:spTgt spid="1038"/>
+                                        </p:tgtEl>
+                                      </p:cBhvr>
+                                      <p:to x="100000" y="100000"/>
+                                    </p:animScale>
+                                    <p:animScale>
+                                      <p:cBhvr>
+                                        <p:cTn id="28" dur="26">
+                                          <p:stCondLst>
+                                            <p:cond delay="1642"/>
+                                          </p:stCondLst>
+                                        </p:cTn>
+                                        <p:tgtEl>
+                                          <p:spTgt spid="1038"/>
+                                        </p:tgtEl>
+                                      </p:cBhvr>
+                                      <p:to x="100000" y="90000"/>
+                                    </p:animScale>
+                                    <p:animScale>
+                                      <p:cBhvr>
+                                        <p:cTn id="29" dur="166" decel="50000">
+                                          <p:stCondLst>
+                                            <p:cond delay="1668"/>
+                                          </p:stCondLst>
+                                        </p:cTn>
+                                        <p:tgtEl>
+                                          <p:spTgt spid="1038"/>
+                                        </p:tgtEl>
+                                      </p:cBhvr>
+                                      <p:to x="100000" y="100000"/>
+                                    </p:animScale>
+                                    <p:animScale>
+                                      <p:cBhvr>
+                                        <p:cTn id="30" dur="26">
+                                          <p:stCondLst>
+                                            <p:cond delay="1808"/>
+                                          </p:stCondLst>
+                                        </p:cTn>
+                                        <p:tgtEl>
+                                          <p:spTgt spid="1038"/>
+                                        </p:tgtEl>
+                                      </p:cBhvr>
+                                      <p:to x="100000" y="95000"/>
+                                    </p:animScale>
+                                    <p:animScale>
+                                      <p:cBhvr>
+                                        <p:cTn id="31" dur="166" decel="50000">
+                                          <p:stCondLst>
+                                            <p:cond delay="1834"/>
+                                          </p:stCondLst>
+                                        </p:cTn>
+                                        <p:tgtEl>
+                                          <p:spTgt spid="1038"/>
+                                        </p:tgtEl>
+                                      </p:cBhvr>
+                                      <p:to x="100000" y="100000"/>
+                                    </p:animScale>
+                                  </p:childTnLst>
+                                </p:cTn>
+                              </p:par>
+                            </p:childTnLst>
+                          </p:cTn>
+                        </p:par>
+                        <p:par>
+                          <p:cTn id="32" fill="hold">
+                            <p:stCondLst>
+                              <p:cond delay="3500"/>
+                            </p:stCondLst>
+                            <p:childTnLst>
+                              <p:par>
+                                <p:cTn id="33" presetID="2" presetClass="entr" presetSubtype="4" fill="hold" nodeType="afterEffect">
+                                  <p:stCondLst>
+                                    <p:cond delay="0"/>
+                                  </p:stCondLst>
+                                  <p:childTnLst>
+                                    <p:set>
+                                      <p:cBhvr>
+                                        <p:cTn id="34" dur="1" fill="hold">
+                                          <p:stCondLst>
+                                            <p:cond delay="0"/>
+                                          </p:stCondLst>
+                                        </p:cTn>
+                                        <p:tgtEl>
+                                          <p:spTgt spid="1040"/>
+                                        </p:tgtEl>
+                                        <p:attrNameLst>
+                                          <p:attrName>style.visibility</p:attrName>
+                                        </p:attrNameLst>
+                                      </p:cBhvr>
+                                      <p:to>
+                                        <p:strVal val="visible"/>
+                                      </p:to>
+                                    </p:set>
+                                    <p:anim calcmode="lin" valueType="num">
+                                      <p:cBhvr additive="base">
+                                        <p:cTn id="35" dur="500" fill="hold"/>
+                                        <p:tgtEl>
+                                          <p:spTgt spid="1040"/>
+                                        </p:tgtEl>
+                                        <p:attrNameLst>
+                                          <p:attrName>ppt_x</p:attrName>
+                                        </p:attrNameLst>
+                                      </p:cBhvr>
+                                      <p:tavLst>
+                                        <p:tav tm="0">
+                                          <p:val>
+                                            <p:strVal val="#ppt_x"/>
+                                          </p:val>
+                                        </p:tav>
+                                        <p:tav tm="100000">
+                                          <p:val>
+                                            <p:strVal val="#ppt_x"/>
+                                          </p:val>
+                                        </p:tav>
+                                      </p:tavLst>
+                                    </p:anim>
+                                    <p:anim calcmode="lin" valueType="num">
+                                      <p:cBhvr additive="base">
+                                        <p:cTn id="36" dur="500" fill="hold"/>
+                                        <p:tgtEl>
+                                          <p:spTgt spid="1040"/>
+                                        </p:tgtEl>
+                                        <p:attrNameLst>
+                                          <p:attrName>ppt_y</p:attrName>
+                                        </p:attrNameLst>
+                                      </p:cBhvr>
+                                      <p:tavLst>
+                                        <p:tav tm="0">
+                                          <p:val>
+                                            <p:strVal val="1+#ppt_h/2"/>
+                                          </p:val>
+                                        </p:tav>
+                                        <p:tav tm="100000">
+                                          <p:val>
+                                            <p:strVal val="#ppt_y"/>
+                                          </p:val>
+                                        </p:tav>
+                                      </p:tavLst>
+                                    </p:anim>
+                                  </p:childTnLst>
+                                </p:cTn>
+                              </p:par>
+                            </p:childTnLst>
+                          </p:cTn>
+                        </p:par>
+                        <p:par>
+                          <p:cTn id="37" fill="hold">
+                            <p:stCondLst>
+                              <p:cond delay="4000"/>
+                            </p:stCondLst>
+                            <p:childTnLst>
+                              <p:par>
+                                <p:cTn id="38" presetID="16" presetClass="entr" presetSubtype="21" fill="hold" nodeType="afterEffect">
+                                  <p:stCondLst>
+                                    <p:cond delay="0"/>
+                                  </p:stCondLst>
+                                  <p:childTnLst>
+                                    <p:set>
+                                      <p:cBhvr>
+                                        <p:cTn id="39" dur="1" fill="hold">
+                                          <p:stCondLst>
+                                            <p:cond delay="0"/>
+                                          </p:stCondLst>
+                                        </p:cTn>
+                                        <p:tgtEl>
+                                          <p:spTgt spid="1042"/>
+                                        </p:tgtEl>
+                                        <p:attrNameLst>
+                                          <p:attrName>style.visibility</p:attrName>
+                                        </p:attrNameLst>
+                                      </p:cBhvr>
+                                      <p:to>
+                                        <p:strVal val="visible"/>
+                                      </p:to>
+                                    </p:set>
+                                    <p:animEffect transition="in" filter="barn(inVertical)">
+                                      <p:cBhvr>
+                                        <p:cTn id="40" dur="500"/>
+                                        <p:tgtEl>
+                                          <p:spTgt spid="1042"/>
+                                        </p:tgtEl>
+                                      </p:cBhvr>
+                                    </p:animEffect>
+                                  </p:childTnLst>
+                                </p:cTn>
+                              </p:par>
+                            </p:childTnLst>
+                          </p:cTn>
+                        </p:par>
+                      </p:childTnLst>
+                    </p:cTn>
+                  </p:par>
+                </p:childTnLst>
+              </p:cTn>
+              <p:prevCondLst>
+                <p:cond evt="onPrev" delay="0">
+                  <p:tgtEl>
+                    <p:sldTgt/>
+                  </p:tgtEl>
+                </p:cond>
+              </p:prevCondLst>
+              <p:nextCondLst>
+                <p:cond evt="onNext" delay="0">
+                  <p:tgtEl>
+                    <p:sldTgt/>
+                  </p:tgtEl>
+                </p:cond>
+              </p:nextCondLst>
+            </p:seq>
+          </p:childTnLst>
+        </p:cTn>
+      </p:par>
+    </p:tnLst>
+  </p:timing>
+</p:sld>
+</file>
+
+<file path=ppt/slides/slide4.xml><?xml version="1.0" encoding="utf-8"?>
+<p:sld xmlns:a="http://schemas.openxmlformats.org/drawingml/2006/main" xmlns:r="http://schemas.openxmlformats.org/officeDocument/2006/relationships" xmlns:p="http://schemas.openxmlformats.org/presentationml/2006/main">
+  <p:cSld>
+    <p:spTree>
+      <p:nvGrpSpPr>
+        <p:cNvPr id="1" name=""/>
+        <p:cNvGrpSpPr/>
+        <p:nvPr/>
+      </p:nvGrpSpPr>
+      <p:grpSpPr>
+        <a:xfrm>
+          <a:off x="0" y="0"/>
+          <a:ext cx="0" cy="0"/>
+          <a:chOff x="0" y="0"/>
+          <a:chExt cx="0" cy="0"/>
+        </a:xfrm>
+      </p:grpSpPr>
+      <p:sp>
+        <p:nvSpPr>
+          <p:cNvPr id="2" name="Title 1">
+            <a:extLst>
+              <a:ext uri="{FF2B5EF4-FFF2-40B4-BE49-F238E27FC236}">
+                <a16:creationId xmlns:a16="http://schemas.microsoft.com/office/drawing/2014/main" id="{77E72A7D-BFA7-482F-95F5-B53FF1C66AFE}"/>
+              </a:ext>
+            </a:extLst>
+          </p:cNvPr>
+          <p:cNvSpPr>
+            <a:spLocks noGrp="1"/>
+          </p:cNvSpPr>
+          <p:nvPr>
+            <p:ph type="title"/>
+          </p:nvPr>
+        </p:nvSpPr>
+        <p:spPr/>
+        <p:txBody>
+          <a:bodyPr/>
+          <a:lstStyle/>
+          <a:p>
+            <a:r>
+              <a:rPr lang="en-US" dirty="0">
+                <a:latin typeface="Candara Light" panose="020E0502030303020204" pitchFamily="34" charset="0"/>
+              </a:rPr>
+              <a:t>Project details :</a:t>
+            </a:r>
+            <a:endParaRPr lang="en-IN" dirty="0">
+              <a:latin typeface="Candara Light" panose="020E0502030303020204" pitchFamily="34" charset="0"/>
+            </a:endParaRPr>
+          </a:p>
+        </p:txBody>
+      </p:sp>
+      <p:sp>
+        <p:nvSpPr>
+          <p:cNvPr id="3" name="Content Placeholder 2">
+            <a:extLst>
+              <a:ext uri="{FF2B5EF4-FFF2-40B4-BE49-F238E27FC236}">
+                <a16:creationId xmlns:a16="http://schemas.microsoft.com/office/drawing/2014/main" id="{48C92138-DF54-4BEC-B5AB-A50046A5BE44}"/>
+              </a:ext>
+            </a:extLst>
+          </p:cNvPr>
+          <p:cNvSpPr>
+            <a:spLocks noGrp="1"/>
+          </p:cNvSpPr>
+          <p:nvPr>
+            <p:ph idx="1"/>
+          </p:nvPr>
+        </p:nvSpPr>
+        <p:spPr>
+          <a:xfrm>
+            <a:off x="1277472" y="2411009"/>
+            <a:ext cx="10131425" cy="3649133"/>
+          </a:xfrm>
+        </p:spPr>
+        <p:txBody>
+          <a:bodyPr anchor="t"/>
+          <a:lstStyle/>
+          <a:p>
+            <a:pPr marL="0" indent="0">
+              <a:buNone/>
+            </a:pPr>
+            <a:r>
+              <a:rPr lang="en-US" sz="2000" dirty="0"/>
+              <a:t>The main components used in our project are :</a:t>
+            </a:r>
+          </a:p>
+          <a:p>
+            <a:pPr lvl="1">
+              <a:buFont typeface="Wingdings" panose="05000000000000000000" pitchFamily="2" charset="2"/>
+              <a:buChar char="v"/>
+            </a:pPr>
+            <a:r>
+              <a:rPr lang="en-US" sz="2000" dirty="0"/>
+              <a:t>HTML</a:t>
+            </a:r>
+          </a:p>
+          <a:p>
+            <a:pPr lvl="1">
+              <a:buFont typeface="Wingdings" panose="05000000000000000000" pitchFamily="2" charset="2"/>
+              <a:buChar char="v"/>
+            </a:pPr>
+            <a:r>
+              <a:rPr lang="en-US" sz="2000" dirty="0"/>
+              <a:t>JavaScript</a:t>
+            </a:r>
+          </a:p>
+          <a:p>
+            <a:pPr lvl="1">
+              <a:buFont typeface="Wingdings" panose="05000000000000000000" pitchFamily="2" charset="2"/>
+              <a:buChar char="v"/>
+            </a:pPr>
+            <a:r>
+              <a:rPr lang="en-US" sz="2000" dirty="0"/>
+              <a:t>PHP</a:t>
+            </a:r>
+          </a:p>
+          <a:p>
+            <a:pPr lvl="1">
+              <a:buFont typeface="Wingdings" panose="05000000000000000000" pitchFamily="2" charset="2"/>
+              <a:buChar char="v"/>
+            </a:pPr>
+            <a:r>
+              <a:rPr lang="en-US" sz="2000" dirty="0"/>
+              <a:t>MySQL</a:t>
+            </a:r>
+          </a:p>
+          <a:p>
+            <a:pPr lvl="1">
+              <a:buFont typeface="Wingdings" panose="05000000000000000000" pitchFamily="2" charset="2"/>
+              <a:buChar char="v"/>
+            </a:pPr>
+            <a:r>
+              <a:rPr lang="en-US" sz="2000" dirty="0"/>
+              <a:t>Mercury</a:t>
+            </a:r>
+          </a:p>
+          <a:p>
+            <a:pPr marL="0" indent="0">
+              <a:buNone/>
+            </a:pPr>
+            <a:endParaRPr lang="en-US" dirty="0"/>
+          </a:p>
+        </p:txBody>
+      </p:sp>
+      <p:pic>
+        <p:nvPicPr>
+          <p:cNvPr id="1026" name="Picture 2" descr="HTML - Wikipedia">
+            <a:extLst>
+              <a:ext uri="{FF2B5EF4-FFF2-40B4-BE49-F238E27FC236}">
+                <a16:creationId xmlns:a16="http://schemas.microsoft.com/office/drawing/2014/main" id="{2BA56789-0A9E-47D7-B453-34FE36E63077}"/>
+              </a:ext>
+            </a:extLst>
+          </p:cNvPr>
+          <p:cNvPicPr>
+            <a:picLocks noChangeAspect="1" noChangeArrowheads="1"/>
+          </p:cNvPicPr>
+          <p:nvPr/>
+        </p:nvPicPr>
+        <p:blipFill>
+          <a:blip r:embed="rId2">
+            <a:extLst>
+              <a:ext uri="{28A0092B-C50C-407E-A947-70E740481C1C}">
+                <a14:useLocalDpi xmlns:a14="http://schemas.microsoft.com/office/drawing/2010/main" val="0"/>
+              </a:ext>
+            </a:extLst>
+          </a:blip>
+          <a:srcRect/>
+          <a:stretch>
+            <a:fillRect/>
+          </a:stretch>
+        </p:blipFill>
+        <p:spPr bwMode="auto">
+          <a:xfrm rot="434438">
+            <a:off x="10003801" y="3323426"/>
+            <a:ext cx="1326775" cy="1326775"/>
+          </a:xfrm>
+          <a:prstGeom prst="rect">
+            <a:avLst/>
+          </a:prstGeom>
+          <a:noFill/>
+          <a:extLst>
+            <a:ext uri="{909E8E84-426E-40DD-AFC4-6F175D3DCCD1}">
+              <a14:hiddenFill xmlns:a14="http://schemas.microsoft.com/office/drawing/2010/main">
+                <a:solidFill>
+                  <a:srgbClr val="FFFFFF"/>
+                </a:solidFill>
+              </a14:hiddenFill>
+            </a:ext>
+          </a:extLst>
+        </p:spPr>
+      </p:pic>
+      <p:pic>
+        <p:nvPicPr>
+          <p:cNvPr id="1030" name="Picture 6" descr="Features of Javascript | Learn Javascript Features">
+            <a:extLst>
+              <a:ext uri="{FF2B5EF4-FFF2-40B4-BE49-F238E27FC236}">
+                <a16:creationId xmlns:a16="http://schemas.microsoft.com/office/drawing/2014/main" id="{599E1549-77EF-4C05-93A2-475AFAD792F9}"/>
+              </a:ext>
+            </a:extLst>
+          </p:cNvPr>
+          <p:cNvPicPr>
+            <a:picLocks noChangeAspect="1" noChangeArrowheads="1"/>
+          </p:cNvPicPr>
+          <p:nvPr/>
+        </p:nvPicPr>
+        <p:blipFill>
+          <a:blip r:embed="rId3">
+            <a:extLst>
+              <a:ext uri="{28A0092B-C50C-407E-A947-70E740481C1C}">
+                <a14:useLocalDpi xmlns:a14="http://schemas.microsoft.com/office/drawing/2010/main" val="0"/>
+              </a:ext>
+            </a:extLst>
+          </a:blip>
+          <a:srcRect/>
+          <a:stretch>
+            <a:fillRect/>
+          </a:stretch>
+        </p:blipFill>
+        <p:spPr bwMode="auto">
+          <a:xfrm rot="20898801">
+            <a:off x="8043766" y="2245952"/>
+            <a:ext cx="2296006" cy="1290770"/>
+          </a:xfrm>
+          <a:prstGeom prst="rect">
+            <a:avLst/>
+          </a:prstGeom>
+          <a:noFill/>
+          <a:extLst>
+            <a:ext uri="{909E8E84-426E-40DD-AFC4-6F175D3DCCD1}">
+              <a14:hiddenFill xmlns:a14="http://schemas.microsoft.com/office/drawing/2010/main">
+                <a:solidFill>
+                  <a:srgbClr val="FFFFFF"/>
+                </a:solidFill>
+              </a14:hiddenFill>
+            </a:ext>
+          </a:extLst>
+        </p:spPr>
+      </p:pic>
+      <p:pic>
+        <p:nvPicPr>
+          <p:cNvPr id="1038" name="Picture 14" descr="php.net · GitHub">
+            <a:extLst>
+              <a:ext uri="{FF2B5EF4-FFF2-40B4-BE49-F238E27FC236}">
+                <a16:creationId xmlns:a16="http://schemas.microsoft.com/office/drawing/2014/main" id="{EFCE89CB-9348-413F-B7B3-64A976D4B5B0}"/>
+              </a:ext>
+            </a:extLst>
+          </p:cNvPr>
+          <p:cNvPicPr>
+            <a:picLocks noChangeAspect="1" noChangeArrowheads="1"/>
+          </p:cNvPicPr>
+          <p:nvPr/>
+        </p:nvPicPr>
+        <p:blipFill>
+          <a:blip r:embed="rId4">
+            <a:extLst>
+              <a:ext uri="{28A0092B-C50C-407E-A947-70E740481C1C}">
+                <a14:useLocalDpi xmlns:a14="http://schemas.microsoft.com/office/drawing/2010/main" val="0"/>
+              </a:ext>
+            </a:extLst>
+          </a:blip>
+          <a:srcRect/>
+          <a:stretch>
+            <a:fillRect/>
+          </a:stretch>
+        </p:blipFill>
+        <p:spPr bwMode="auto">
+          <a:xfrm rot="674944">
+            <a:off x="8961559" y="4628594"/>
+            <a:ext cx="1927839" cy="1927839"/>
+          </a:xfrm>
+          <a:prstGeom prst="rect">
+            <a:avLst/>
+          </a:prstGeom>
+          <a:noFill/>
+          <a:extLst>
+            <a:ext uri="{909E8E84-426E-40DD-AFC4-6F175D3DCCD1}">
+              <a14:hiddenFill xmlns:a14="http://schemas.microsoft.com/office/drawing/2010/main">
+                <a:solidFill>
+                  <a:srgbClr val="FFFFFF"/>
+                </a:solidFill>
+              </a14:hiddenFill>
+            </a:ext>
+          </a:extLst>
+        </p:spPr>
+      </p:pic>
+      <p:pic>
+        <p:nvPicPr>
+          <p:cNvPr id="1040" name="Picture 16" descr="MySQL | Most Popular Open Source Relational Database | AWS">
+            <a:extLst>
+              <a:ext uri="{FF2B5EF4-FFF2-40B4-BE49-F238E27FC236}">
+                <a16:creationId xmlns:a16="http://schemas.microsoft.com/office/drawing/2014/main" id="{A38CAAD1-3B45-4C14-A5A4-3FC1D43EBCE0}"/>
+              </a:ext>
+            </a:extLst>
+          </p:cNvPr>
+          <p:cNvPicPr>
+            <a:picLocks noChangeAspect="1" noChangeArrowheads="1"/>
+          </p:cNvPicPr>
+          <p:nvPr/>
+        </p:nvPicPr>
+        <p:blipFill>
+          <a:blip r:embed="rId5">
+            <a:extLst>
+              <a:ext uri="{28A0092B-C50C-407E-A947-70E740481C1C}">
+                <a14:useLocalDpi xmlns:a14="http://schemas.microsoft.com/office/drawing/2010/main" val="0"/>
+              </a:ext>
+            </a:extLst>
+          </a:blip>
+          <a:srcRect/>
+          <a:stretch>
+            <a:fillRect/>
+          </a:stretch>
+        </p:blipFill>
+        <p:spPr bwMode="auto">
+          <a:xfrm rot="363987">
+            <a:off x="6958863" y="3473583"/>
+            <a:ext cx="1983196" cy="1026459"/>
+          </a:xfrm>
+          <a:prstGeom prst="rect">
+            <a:avLst/>
+          </a:prstGeom>
+          <a:noFill/>
+          <a:extLst>
+            <a:ext uri="{909E8E84-426E-40DD-AFC4-6F175D3DCCD1}">
+              <a14:hiddenFill xmlns:a14="http://schemas.microsoft.com/office/drawing/2010/main">
+                <a:solidFill>
+                  <a:srgbClr val="FFFFFF"/>
+                </a:solidFill>
+              </a14:hiddenFill>
+            </a:ext>
+          </a:extLst>
+        </p:spPr>
+      </p:pic>
+      <p:pic>
+        <p:nvPicPr>
+          <p:cNvPr id="1042" name="Picture 18" descr="Mercury Licensing">
+            <a:extLst>
+              <a:ext uri="{FF2B5EF4-FFF2-40B4-BE49-F238E27FC236}">
+                <a16:creationId xmlns:a16="http://schemas.microsoft.com/office/drawing/2014/main" id="{ADF3731F-DB12-4C38-988E-098FC175EA13}"/>
+              </a:ext>
+            </a:extLst>
+          </p:cNvPr>
+          <p:cNvPicPr>
+            <a:picLocks noChangeAspect="1" noChangeArrowheads="1"/>
+          </p:cNvPicPr>
+          <p:nvPr/>
+        </p:nvPicPr>
+        <p:blipFill>
+          <a:blip r:embed="rId6">
+            <a:extLst>
+              <a:ext uri="{28A0092B-C50C-407E-A947-70E740481C1C}">
+                <a14:useLocalDpi xmlns:a14="http://schemas.microsoft.com/office/drawing/2010/main" val="0"/>
+              </a:ext>
+            </a:extLst>
+          </a:blip>
+          <a:srcRect/>
+          <a:stretch>
+            <a:fillRect/>
+          </a:stretch>
+        </p:blipFill>
+        <p:spPr bwMode="auto">
+          <a:xfrm rot="21154638">
+            <a:off x="7685509" y="5048546"/>
+            <a:ext cx="822511" cy="1028139"/>
+          </a:xfrm>
+          <a:prstGeom prst="rect">
+            <a:avLst/>
+          </a:prstGeom>
+          <a:noFill/>
+          <a:extLst>
+            <a:ext uri="{909E8E84-426E-40DD-AFC4-6F175D3DCCD1}">
+              <a14:hiddenFill xmlns:a14="http://schemas.microsoft.com/office/drawing/2010/main">
+                <a:solidFill>
+                  <a:srgbClr val="FFFFFF"/>
+                </a:solidFill>
+              </a14:hiddenFill>
+            </a:ext>
+          </a:extLst>
+        </p:spPr>
+      </p:pic>
+    </p:spTree>
+    <p:extLst>
+      <p:ext uri="{BB962C8B-B14F-4D97-AF65-F5344CB8AC3E}">
+        <p14:creationId xmlns:p14="http://schemas.microsoft.com/office/powerpoint/2010/main" val="1384289525"/>
+      </p:ext>
+    </p:extLst>
+  </p:cSld>
+  <p:clrMapOvr>
+    <a:masterClrMapping/>
+  </p:clrMapOvr>
+  <mc:AlternateContent xmlns:mc="http://schemas.openxmlformats.org/markup-compatibility/2006">
+    <mc:Choice xmlns:p159="http://schemas.microsoft.com/office/powerpoint/2015/09/main" Requires="p159">
+      <p:transition xmlns:p14="http://schemas.microsoft.com/office/powerpoint/2010/main" spd="slow" p14:dur="2000" advClick="0" advTm="0">
+        <p159:morph option="byObject"/>
+      </p:transition>
+    </mc:Choice>
+    <mc:Fallback>
+      <p:transition spd="slow" advClick="0" advTm="0">
+        <p:fade/>
+      </p:transition>
+    </mc:Fallback>
+  </mc:AlternateContent>
+</p:sld>
+</file>
+
+<file path=ppt/slides/slide5.xml><?xml version="1.0" encoding="utf-8"?>
+<p:sld xmlns:a="http://schemas.openxmlformats.org/drawingml/2006/main" xmlns:r="http://schemas.openxmlformats.org/officeDocument/2006/relationships" xmlns:p="http://schemas.openxmlformats.org/presentationml/2006/main">
+  <p:cSld>
+    <p:spTree>
+      <p:nvGrpSpPr>
+        <p:cNvPr id="1" name=""/>
+        <p:cNvGrpSpPr/>
+        <p:nvPr/>
+      </p:nvGrpSpPr>
+      <p:grpSpPr>
+        <a:xfrm>
+          <a:off x="0" y="0"/>
+          <a:ext cx="0" cy="0"/>
+          <a:chOff x="0" y="0"/>
+          <a:chExt cx="0" cy="0"/>
+        </a:xfrm>
+      </p:grpSpPr>
+      <p:sp>
+        <p:nvSpPr>
+          <p:cNvPr id="2" name="Title 1">
+            <a:extLst>
+              <a:ext uri="{FF2B5EF4-FFF2-40B4-BE49-F238E27FC236}">
+                <a16:creationId xmlns:a16="http://schemas.microsoft.com/office/drawing/2014/main" id="{77E72A7D-BFA7-482F-95F5-B53FF1C66AFE}"/>
+              </a:ext>
+            </a:extLst>
+          </p:cNvPr>
+          <p:cNvSpPr>
+            <a:spLocks noGrp="1"/>
+          </p:cNvSpPr>
+          <p:nvPr>
+            <p:ph type="title"/>
+          </p:nvPr>
+        </p:nvSpPr>
+        <p:spPr/>
+        <p:txBody>
+          <a:bodyPr/>
+          <a:lstStyle/>
+          <a:p>
+            <a:r>
+              <a:rPr lang="en-US" dirty="0">
+                <a:latin typeface="Candara Light" panose="020E0502030303020204" pitchFamily="34" charset="0"/>
+              </a:rPr>
+              <a:t>Project details :</a:t>
+            </a:r>
+            <a:endParaRPr lang="en-IN" dirty="0">
+              <a:latin typeface="Candara Light" panose="020E0502030303020204" pitchFamily="34" charset="0"/>
+            </a:endParaRPr>
+          </a:p>
+        </p:txBody>
+      </p:sp>
+      <p:sp>
+        <p:nvSpPr>
+          <p:cNvPr id="3" name="Content Placeholder 2">
+            <a:extLst>
+              <a:ext uri="{FF2B5EF4-FFF2-40B4-BE49-F238E27FC236}">
+                <a16:creationId xmlns:a16="http://schemas.microsoft.com/office/drawing/2014/main" id="{48C92138-DF54-4BEC-B5AB-A50046A5BE44}"/>
+              </a:ext>
+            </a:extLst>
+          </p:cNvPr>
+          <p:cNvSpPr>
+            <a:spLocks noGrp="1"/>
+          </p:cNvSpPr>
+          <p:nvPr>
+            <p:ph idx="1"/>
+          </p:nvPr>
+        </p:nvSpPr>
+        <p:spPr>
+          <a:xfrm>
+            <a:off x="1277472" y="2411009"/>
+            <a:ext cx="10131425" cy="3649133"/>
+          </a:xfrm>
+        </p:spPr>
+        <p:txBody>
+          <a:bodyPr anchor="t"/>
+          <a:lstStyle/>
+          <a:p>
+            <a:pPr marL="0" indent="0">
+              <a:buNone/>
+            </a:pPr>
+            <a:r>
+              <a:rPr lang="en-US" sz="2000" dirty="0"/>
+              <a:t>The main components used in our project are :</a:t>
+            </a:r>
+          </a:p>
+          <a:p>
+            <a:pPr lvl="1">
+              <a:buFont typeface="Wingdings" panose="05000000000000000000" pitchFamily="2" charset="2"/>
+              <a:buChar char="v"/>
+            </a:pPr>
+            <a:r>
+              <a:rPr lang="en-US" sz="2000" dirty="0"/>
+              <a:t>HTML</a:t>
+            </a:r>
+          </a:p>
+          <a:p>
+            <a:pPr lvl="1">
+              <a:buFont typeface="Wingdings" panose="05000000000000000000" pitchFamily="2" charset="2"/>
+              <a:buChar char="v"/>
+            </a:pPr>
+            <a:r>
+              <a:rPr lang="en-US" sz="2000" dirty="0"/>
+              <a:t>JavaScript</a:t>
+            </a:r>
+          </a:p>
+          <a:p>
+            <a:pPr lvl="1">
+              <a:buFont typeface="Wingdings" panose="05000000000000000000" pitchFamily="2" charset="2"/>
+              <a:buChar char="v"/>
+            </a:pPr>
+            <a:r>
+              <a:rPr lang="en-US" sz="2000" dirty="0"/>
+              <a:t>PHP</a:t>
+            </a:r>
+          </a:p>
+          <a:p>
+            <a:pPr lvl="1">
+              <a:buFont typeface="Wingdings" panose="05000000000000000000" pitchFamily="2" charset="2"/>
+              <a:buChar char="v"/>
+            </a:pPr>
+            <a:r>
+              <a:rPr lang="en-US" sz="2000" dirty="0"/>
+              <a:t>MySQL</a:t>
+            </a:r>
+          </a:p>
+          <a:p>
+            <a:pPr lvl="1">
+              <a:buFont typeface="Wingdings" panose="05000000000000000000" pitchFamily="2" charset="2"/>
+              <a:buChar char="v"/>
+            </a:pPr>
+            <a:r>
+              <a:rPr lang="en-US" sz="2000" dirty="0"/>
+              <a:t>Mercury</a:t>
+            </a:r>
+          </a:p>
+          <a:p>
+            <a:pPr marL="0" indent="0">
+              <a:buNone/>
+            </a:pPr>
+            <a:endParaRPr lang="en-US" dirty="0"/>
+          </a:p>
+        </p:txBody>
+      </p:sp>
+      <p:pic>
+        <p:nvPicPr>
+          <p:cNvPr id="1026" name="Picture 2" descr="HTML - Wikipedia">
+            <a:extLst>
+              <a:ext uri="{FF2B5EF4-FFF2-40B4-BE49-F238E27FC236}">
+                <a16:creationId xmlns:a16="http://schemas.microsoft.com/office/drawing/2014/main" id="{2BA56789-0A9E-47D7-B453-34FE36E63077}"/>
+              </a:ext>
+            </a:extLst>
+          </p:cNvPr>
+          <p:cNvPicPr>
+            <a:picLocks noChangeAspect="1" noChangeArrowheads="1"/>
+          </p:cNvPicPr>
+          <p:nvPr/>
+        </p:nvPicPr>
+        <p:blipFill>
+          <a:blip r:embed="rId2">
+            <a:extLst>
+              <a:ext uri="{28A0092B-C50C-407E-A947-70E740481C1C}">
+                <a14:useLocalDpi xmlns:a14="http://schemas.microsoft.com/office/drawing/2010/main" val="0"/>
+              </a:ext>
+            </a:extLst>
+          </a:blip>
+          <a:srcRect/>
+          <a:stretch>
+            <a:fillRect/>
+          </a:stretch>
+        </p:blipFill>
+        <p:spPr bwMode="auto">
+          <a:xfrm rot="1000757">
+            <a:off x="9932741" y="4294724"/>
+            <a:ext cx="1326775" cy="1326775"/>
+          </a:xfrm>
+          <a:prstGeom prst="rect">
+            <a:avLst/>
+          </a:prstGeom>
+          <a:noFill/>
+          <a:extLst>
+            <a:ext uri="{909E8E84-426E-40DD-AFC4-6F175D3DCCD1}">
+              <a14:hiddenFill xmlns:a14="http://schemas.microsoft.com/office/drawing/2010/main">
+                <a:solidFill>
+                  <a:srgbClr val="FFFFFF"/>
+                </a:solidFill>
+              </a14:hiddenFill>
+            </a:ext>
+          </a:extLst>
+        </p:spPr>
+      </p:pic>
+      <p:pic>
+        <p:nvPicPr>
+          <p:cNvPr id="1030" name="Picture 6" descr="Features of Javascript | Learn Javascript Features">
+            <a:extLst>
+              <a:ext uri="{FF2B5EF4-FFF2-40B4-BE49-F238E27FC236}">
+                <a16:creationId xmlns:a16="http://schemas.microsoft.com/office/drawing/2014/main" id="{599E1549-77EF-4C05-93A2-475AFAD792F9}"/>
+              </a:ext>
+            </a:extLst>
+          </p:cNvPr>
+          <p:cNvPicPr>
+            <a:picLocks noChangeAspect="1" noChangeArrowheads="1"/>
+          </p:cNvPicPr>
+          <p:nvPr/>
+        </p:nvPicPr>
+        <p:blipFill>
+          <a:blip r:embed="rId3">
+            <a:extLst>
+              <a:ext uri="{28A0092B-C50C-407E-A947-70E740481C1C}">
+                <a14:useLocalDpi xmlns:a14="http://schemas.microsoft.com/office/drawing/2010/main" val="0"/>
+              </a:ext>
+            </a:extLst>
+          </a:blip>
+          <a:srcRect/>
+          <a:stretch>
+            <a:fillRect/>
+          </a:stretch>
+        </p:blipFill>
+        <p:spPr bwMode="auto">
+          <a:xfrm>
+            <a:off x="9378229" y="2653332"/>
+            <a:ext cx="2296006" cy="1290770"/>
+          </a:xfrm>
+          <a:prstGeom prst="rect">
+            <a:avLst/>
+          </a:prstGeom>
+          <a:noFill/>
+          <a:extLst>
+            <a:ext uri="{909E8E84-426E-40DD-AFC4-6F175D3DCCD1}">
+              <a14:hiddenFill xmlns:a14="http://schemas.microsoft.com/office/drawing/2010/main">
+                <a:solidFill>
+                  <a:srgbClr val="FFFFFF"/>
+                </a:solidFill>
+              </a14:hiddenFill>
+            </a:ext>
+          </a:extLst>
+        </p:spPr>
+      </p:pic>
+      <p:pic>
+        <p:nvPicPr>
+          <p:cNvPr id="1038" name="Picture 14" descr="php.net · GitHub">
+            <a:extLst>
+              <a:ext uri="{FF2B5EF4-FFF2-40B4-BE49-F238E27FC236}">
+                <a16:creationId xmlns:a16="http://schemas.microsoft.com/office/drawing/2014/main" id="{EFCE89CB-9348-413F-B7B3-64A976D4B5B0}"/>
+              </a:ext>
+            </a:extLst>
+          </p:cNvPr>
+          <p:cNvPicPr>
+            <a:picLocks noChangeAspect="1" noChangeArrowheads="1"/>
+          </p:cNvPicPr>
+          <p:nvPr/>
+        </p:nvPicPr>
+        <p:blipFill>
+          <a:blip r:embed="rId4">
+            <a:extLst>
+              <a:ext uri="{28A0092B-C50C-407E-A947-70E740481C1C}">
+                <a14:useLocalDpi xmlns:a14="http://schemas.microsoft.com/office/drawing/2010/main" val="0"/>
+              </a:ext>
+            </a:extLst>
+          </a:blip>
+          <a:srcRect/>
+          <a:stretch>
+            <a:fillRect/>
+          </a:stretch>
+        </p:blipFill>
+        <p:spPr bwMode="auto">
+          <a:xfrm rot="674944">
+            <a:off x="7864371" y="5045502"/>
+            <a:ext cx="2202177" cy="2202177"/>
+          </a:xfrm>
+          <a:prstGeom prst="rect">
+            <a:avLst/>
+          </a:prstGeom>
+          <a:noFill/>
+          <a:extLst>
+            <a:ext uri="{909E8E84-426E-40DD-AFC4-6F175D3DCCD1}">
+              <a14:hiddenFill xmlns:a14="http://schemas.microsoft.com/office/drawing/2010/main">
+                <a:solidFill>
+                  <a:srgbClr val="FFFFFF"/>
+                </a:solidFill>
+              </a14:hiddenFill>
+            </a:ext>
+          </a:extLst>
+        </p:spPr>
+      </p:pic>
+      <p:pic>
+        <p:nvPicPr>
+          <p:cNvPr id="1040" name="Picture 16" descr="MySQL | Most Popular Open Source Relational Database | AWS">
+            <a:extLst>
+              <a:ext uri="{FF2B5EF4-FFF2-40B4-BE49-F238E27FC236}">
+                <a16:creationId xmlns:a16="http://schemas.microsoft.com/office/drawing/2014/main" id="{A38CAAD1-3B45-4C14-A5A4-3FC1D43EBCE0}"/>
+              </a:ext>
+            </a:extLst>
+          </p:cNvPr>
+          <p:cNvPicPr>
+            <a:picLocks noChangeAspect="1" noChangeArrowheads="1"/>
+          </p:cNvPicPr>
+          <p:nvPr/>
+        </p:nvPicPr>
+        <p:blipFill>
+          <a:blip r:embed="rId5">
+            <a:extLst>
+              <a:ext uri="{28A0092B-C50C-407E-A947-70E740481C1C}">
+                <a14:useLocalDpi xmlns:a14="http://schemas.microsoft.com/office/drawing/2010/main" val="0"/>
+              </a:ext>
+            </a:extLst>
+          </a:blip>
+          <a:srcRect/>
+          <a:stretch>
+            <a:fillRect/>
+          </a:stretch>
+        </p:blipFill>
+        <p:spPr bwMode="auto">
+          <a:xfrm rot="20253696">
+            <a:off x="7631952" y="2140103"/>
+            <a:ext cx="1983196" cy="1026459"/>
+          </a:xfrm>
+          <a:prstGeom prst="rect">
+            <a:avLst/>
+          </a:prstGeom>
+          <a:noFill/>
+          <a:extLst>
+            <a:ext uri="{909E8E84-426E-40DD-AFC4-6F175D3DCCD1}">
+              <a14:hiddenFill xmlns:a14="http://schemas.microsoft.com/office/drawing/2010/main">
+                <a:solidFill>
+                  <a:srgbClr val="FFFFFF"/>
+                </a:solidFill>
+              </a14:hiddenFill>
+            </a:ext>
+          </a:extLst>
+        </p:spPr>
+      </p:pic>
+      <p:pic>
+        <p:nvPicPr>
+          <p:cNvPr id="1042" name="Picture 18" descr="Mercury Licensing">
+            <a:extLst>
+              <a:ext uri="{FF2B5EF4-FFF2-40B4-BE49-F238E27FC236}">
+                <a16:creationId xmlns:a16="http://schemas.microsoft.com/office/drawing/2014/main" id="{ADF3731F-DB12-4C38-988E-098FC175EA13}"/>
+              </a:ext>
+            </a:extLst>
+          </p:cNvPr>
+          <p:cNvPicPr>
+            <a:picLocks noChangeAspect="1" noChangeArrowheads="1"/>
+          </p:cNvPicPr>
+          <p:nvPr/>
+        </p:nvPicPr>
+        <p:blipFill>
+          <a:blip r:embed="rId6">
+            <a:extLst>
+              <a:ext uri="{28A0092B-C50C-407E-A947-70E740481C1C}">
+                <a14:useLocalDpi xmlns:a14="http://schemas.microsoft.com/office/drawing/2010/main" val="0"/>
+              </a:ext>
+            </a:extLst>
+          </a:blip>
+          <a:srcRect/>
+          <a:stretch>
+            <a:fillRect/>
+          </a:stretch>
+        </p:blipFill>
+        <p:spPr bwMode="auto">
+          <a:xfrm rot="732026">
+            <a:off x="7660352" y="3941531"/>
+            <a:ext cx="822511" cy="1028139"/>
+          </a:xfrm>
+          <a:prstGeom prst="rect">
+            <a:avLst/>
+          </a:prstGeom>
+          <a:noFill/>
+          <a:extLst>
+            <a:ext uri="{909E8E84-426E-40DD-AFC4-6F175D3DCCD1}">
+              <a14:hiddenFill xmlns:a14="http://schemas.microsoft.com/office/drawing/2010/main">
+                <a:solidFill>
+                  <a:srgbClr val="FFFFFF"/>
+                </a:solidFill>
+              </a14:hiddenFill>
+            </a:ext>
+          </a:extLst>
+        </p:spPr>
+      </p:pic>
+    </p:spTree>
+    <p:extLst>
+      <p:ext uri="{BB962C8B-B14F-4D97-AF65-F5344CB8AC3E}">
+        <p14:creationId xmlns:p14="http://schemas.microsoft.com/office/powerpoint/2010/main" val="1506164653"/>
+      </p:ext>
+    </p:extLst>
+  </p:cSld>
+  <p:clrMapOvr>
+    <a:masterClrMapping/>
+  </p:clrMapOvr>
+  <mc:AlternateContent xmlns:mc="http://schemas.openxmlformats.org/markup-compatibility/2006">
+    <mc:Choice xmlns:p159="http://schemas.microsoft.com/office/powerpoint/2015/09/main" Requires="p159">
+      <p:transition xmlns:p14="http://schemas.microsoft.com/office/powerpoint/2010/main" spd="slow" p14:dur="2000" advClick="0" advTm="0">
+        <p159:morph option="byObject"/>
+      </p:transition>
+    </mc:Choice>
+    <mc:Fallback>
+      <p:transition spd="slow" advClick="0" advTm="0">
+        <p:fade/>
+      </p:transition>
+    </mc:Fallback>
+  </mc:AlternateContent>
+</p:sld>
+</file>
+
+<file path=ppt/slides/slide6.xml><?xml version="1.0" encoding="utf-8"?>
+<p:sld xmlns:a="http://schemas.openxmlformats.org/drawingml/2006/main" xmlns:r="http://schemas.openxmlformats.org/officeDocument/2006/relationships" xmlns:p="http://schemas.openxmlformats.org/presentationml/2006/main">
+  <p:cSld>
+    <p:spTree>
+      <p:nvGrpSpPr>
+        <p:cNvPr id="1" name=""/>
+        <p:cNvGrpSpPr/>
+        <p:nvPr/>
+      </p:nvGrpSpPr>
+      <p:grpSpPr>
+        <a:xfrm>
+          <a:off x="0" y="0"/>
+          <a:ext cx="0" cy="0"/>
+          <a:chOff x="0" y="0"/>
+          <a:chExt cx="0" cy="0"/>
+        </a:xfrm>
+      </p:grpSpPr>
+      <p:sp>
+        <p:nvSpPr>
+          <p:cNvPr id="2" name="Title 1">
+            <a:extLst>
+              <a:ext uri="{FF2B5EF4-FFF2-40B4-BE49-F238E27FC236}">
+                <a16:creationId xmlns:a16="http://schemas.microsoft.com/office/drawing/2014/main" id="{77E72A7D-BFA7-482F-95F5-B53FF1C66AFE}"/>
+              </a:ext>
+            </a:extLst>
+          </p:cNvPr>
+          <p:cNvSpPr>
+            <a:spLocks noGrp="1"/>
+          </p:cNvSpPr>
+          <p:nvPr>
+            <p:ph type="title"/>
+          </p:nvPr>
+        </p:nvSpPr>
+        <p:spPr/>
+        <p:txBody>
+          <a:bodyPr/>
+          <a:lstStyle/>
+          <a:p>
+            <a:r>
+              <a:rPr lang="en-US" dirty="0">
+                <a:latin typeface="Candara Light" panose="020E0502030303020204" pitchFamily="34" charset="0"/>
+              </a:rPr>
+              <a:t>Project details :</a:t>
+            </a:r>
+            <a:endParaRPr lang="en-IN" dirty="0">
+              <a:latin typeface="Candara Light" panose="020E0502030303020204" pitchFamily="34" charset="0"/>
+            </a:endParaRPr>
+          </a:p>
+        </p:txBody>
+      </p:sp>
+      <p:sp>
+        <p:nvSpPr>
+          <p:cNvPr id="3" name="Content Placeholder 2">
+            <a:extLst>
+              <a:ext uri="{FF2B5EF4-FFF2-40B4-BE49-F238E27FC236}">
+                <a16:creationId xmlns:a16="http://schemas.microsoft.com/office/drawing/2014/main" id="{48C92138-DF54-4BEC-B5AB-A50046A5BE44}"/>
+              </a:ext>
+            </a:extLst>
+          </p:cNvPr>
+          <p:cNvSpPr>
+            <a:spLocks noGrp="1"/>
+          </p:cNvSpPr>
+          <p:nvPr>
+            <p:ph idx="1"/>
+          </p:nvPr>
+        </p:nvSpPr>
+        <p:spPr>
+          <a:xfrm>
+            <a:off x="1277472" y="2411009"/>
+            <a:ext cx="10131425" cy="3649133"/>
+          </a:xfrm>
+        </p:spPr>
+        <p:txBody>
+          <a:bodyPr anchor="t"/>
+          <a:lstStyle/>
+          <a:p>
+            <a:pPr marL="0" indent="0">
+              <a:buNone/>
+            </a:pPr>
+            <a:r>
+              <a:rPr lang="en-US" sz="2000" dirty="0"/>
+              <a:t>The main components used in our project are :</a:t>
+            </a:r>
+          </a:p>
+          <a:p>
+            <a:pPr lvl="1">
+              <a:buFont typeface="Wingdings" panose="05000000000000000000" pitchFamily="2" charset="2"/>
+              <a:buChar char="v"/>
+            </a:pPr>
+            <a:r>
+              <a:rPr lang="en-US" sz="2000" dirty="0"/>
+              <a:t>HTML</a:t>
+            </a:r>
+          </a:p>
+          <a:p>
+            <a:pPr lvl="1">
+              <a:buFont typeface="Wingdings" panose="05000000000000000000" pitchFamily="2" charset="2"/>
+              <a:buChar char="v"/>
+            </a:pPr>
+            <a:r>
+              <a:rPr lang="en-US" sz="2000" dirty="0"/>
+              <a:t>JavaScript</a:t>
+            </a:r>
+          </a:p>
+          <a:p>
+            <a:pPr lvl="1">
+              <a:buFont typeface="Wingdings" panose="05000000000000000000" pitchFamily="2" charset="2"/>
+              <a:buChar char="v"/>
+            </a:pPr>
+            <a:r>
+              <a:rPr lang="en-US" sz="2000" dirty="0"/>
+              <a:t>PHP</a:t>
+            </a:r>
+          </a:p>
+          <a:p>
+            <a:pPr lvl="1">
+              <a:buFont typeface="Wingdings" panose="05000000000000000000" pitchFamily="2" charset="2"/>
+              <a:buChar char="v"/>
+            </a:pPr>
+            <a:r>
+              <a:rPr lang="en-US" sz="2000" dirty="0"/>
+              <a:t>MySQL</a:t>
+            </a:r>
+          </a:p>
+          <a:p>
+            <a:pPr lvl="1">
+              <a:buFont typeface="Wingdings" panose="05000000000000000000" pitchFamily="2" charset="2"/>
+              <a:buChar char="v"/>
+            </a:pPr>
+            <a:r>
+              <a:rPr lang="en-US" sz="2000" dirty="0"/>
+              <a:t>Mercury</a:t>
+            </a:r>
+          </a:p>
+          <a:p>
+            <a:pPr marL="0" indent="0">
+              <a:buNone/>
+            </a:pPr>
+            <a:endParaRPr lang="en-US" dirty="0"/>
+          </a:p>
+        </p:txBody>
+      </p:sp>
+      <p:pic>
+        <p:nvPicPr>
+          <p:cNvPr id="1026" name="Picture 2" descr="HTML - Wikipedia">
+            <a:extLst>
+              <a:ext uri="{FF2B5EF4-FFF2-40B4-BE49-F238E27FC236}">
+                <a16:creationId xmlns:a16="http://schemas.microsoft.com/office/drawing/2014/main" id="{2BA56789-0A9E-47D7-B453-34FE36E63077}"/>
+              </a:ext>
+            </a:extLst>
+          </p:cNvPr>
+          <p:cNvPicPr>
+            <a:picLocks noChangeAspect="1" noChangeArrowheads="1"/>
+          </p:cNvPicPr>
+          <p:nvPr/>
+        </p:nvPicPr>
+        <p:blipFill>
+          <a:blip r:embed="rId2">
+            <a:extLst>
+              <a:ext uri="{28A0092B-C50C-407E-A947-70E740481C1C}">
+                <a14:useLocalDpi xmlns:a14="http://schemas.microsoft.com/office/drawing/2010/main" val="0"/>
+              </a:ext>
+            </a:extLst>
+          </a:blip>
+          <a:srcRect/>
+          <a:stretch>
+            <a:fillRect/>
+          </a:stretch>
+        </p:blipFill>
+        <p:spPr bwMode="auto">
+          <a:xfrm rot="1000757">
+            <a:off x="8734782" y="5078440"/>
+            <a:ext cx="1326775" cy="1326775"/>
+          </a:xfrm>
+          <a:prstGeom prst="rect">
+            <a:avLst/>
+          </a:prstGeom>
+          <a:noFill/>
+          <a:extLst>
+            <a:ext uri="{909E8E84-426E-40DD-AFC4-6F175D3DCCD1}">
+              <a14:hiddenFill xmlns:a14="http://schemas.microsoft.com/office/drawing/2010/main">
+                <a:solidFill>
+                  <a:srgbClr val="FFFFFF"/>
+                </a:solidFill>
+              </a14:hiddenFill>
+            </a:ext>
+          </a:extLst>
+        </p:spPr>
+      </p:pic>
+      <p:pic>
+        <p:nvPicPr>
+          <p:cNvPr id="1030" name="Picture 6" descr="Features of Javascript | Learn Javascript Features">
+            <a:extLst>
+              <a:ext uri="{FF2B5EF4-FFF2-40B4-BE49-F238E27FC236}">
+                <a16:creationId xmlns:a16="http://schemas.microsoft.com/office/drawing/2014/main" id="{599E1549-77EF-4C05-93A2-475AFAD792F9}"/>
+              </a:ext>
+            </a:extLst>
+          </p:cNvPr>
+          <p:cNvPicPr>
+            <a:picLocks noChangeAspect="1" noChangeArrowheads="1"/>
+          </p:cNvPicPr>
+          <p:nvPr/>
+        </p:nvPicPr>
+        <p:blipFill>
+          <a:blip r:embed="rId3">
+            <a:extLst>
+              <a:ext uri="{28A0092B-C50C-407E-A947-70E740481C1C}">
+                <a14:useLocalDpi xmlns:a14="http://schemas.microsoft.com/office/drawing/2010/main" val="0"/>
+              </a:ext>
+            </a:extLst>
+          </a:blip>
+          <a:srcRect/>
+          <a:stretch>
+            <a:fillRect/>
+          </a:stretch>
+        </p:blipFill>
+        <p:spPr bwMode="auto">
+          <a:xfrm>
+            <a:off x="9651528" y="4235575"/>
+            <a:ext cx="2296006" cy="1290770"/>
+          </a:xfrm>
+          <a:prstGeom prst="rect">
+            <a:avLst/>
+          </a:prstGeom>
+          <a:noFill/>
+          <a:extLst>
+            <a:ext uri="{909E8E84-426E-40DD-AFC4-6F175D3DCCD1}">
+              <a14:hiddenFill xmlns:a14="http://schemas.microsoft.com/office/drawing/2010/main">
+                <a:solidFill>
+                  <a:srgbClr val="FFFFFF"/>
+                </a:solidFill>
+              </a14:hiddenFill>
+            </a:ext>
+          </a:extLst>
+        </p:spPr>
+      </p:pic>
+      <p:pic>
+        <p:nvPicPr>
+          <p:cNvPr id="1038" name="Picture 14" descr="php.net · GitHub">
+            <a:extLst>
+              <a:ext uri="{FF2B5EF4-FFF2-40B4-BE49-F238E27FC236}">
+                <a16:creationId xmlns:a16="http://schemas.microsoft.com/office/drawing/2014/main" id="{EFCE89CB-9348-413F-B7B3-64A976D4B5B0}"/>
+              </a:ext>
+            </a:extLst>
+          </p:cNvPr>
+          <p:cNvPicPr>
+            <a:picLocks noChangeAspect="1" noChangeArrowheads="1"/>
+          </p:cNvPicPr>
+          <p:nvPr/>
+        </p:nvPicPr>
+        <p:blipFill>
+          <a:blip r:embed="rId4">
+            <a:extLst>
+              <a:ext uri="{28A0092B-C50C-407E-A947-70E740481C1C}">
+                <a14:useLocalDpi xmlns:a14="http://schemas.microsoft.com/office/drawing/2010/main" val="0"/>
+              </a:ext>
+            </a:extLst>
+          </a:blip>
+          <a:srcRect/>
+          <a:stretch>
+            <a:fillRect/>
+          </a:stretch>
+        </p:blipFill>
+        <p:spPr bwMode="auto">
+          <a:xfrm rot="20541080">
+            <a:off x="7167348" y="3474675"/>
+            <a:ext cx="2202177" cy="2202177"/>
+          </a:xfrm>
+          <a:prstGeom prst="rect">
+            <a:avLst/>
+          </a:prstGeom>
+          <a:noFill/>
+          <a:extLst>
+            <a:ext uri="{909E8E84-426E-40DD-AFC4-6F175D3DCCD1}">
+              <a14:hiddenFill xmlns:a14="http://schemas.microsoft.com/office/drawing/2010/main">
+                <a:solidFill>
+                  <a:srgbClr val="FFFFFF"/>
+                </a:solidFill>
+              </a14:hiddenFill>
+            </a:ext>
+          </a:extLst>
+        </p:spPr>
+      </p:pic>
+      <p:pic>
+        <p:nvPicPr>
+          <p:cNvPr id="1040" name="Picture 16" descr="MySQL | Most Popular Open Source Relational Database | AWS">
+            <a:extLst>
+              <a:ext uri="{FF2B5EF4-FFF2-40B4-BE49-F238E27FC236}">
+                <a16:creationId xmlns:a16="http://schemas.microsoft.com/office/drawing/2014/main" id="{A38CAAD1-3B45-4C14-A5A4-3FC1D43EBCE0}"/>
+              </a:ext>
+            </a:extLst>
+          </p:cNvPr>
+          <p:cNvPicPr>
+            <a:picLocks noChangeAspect="1" noChangeArrowheads="1"/>
+          </p:cNvPicPr>
+          <p:nvPr/>
+        </p:nvPicPr>
+        <p:blipFill>
+          <a:blip r:embed="rId5">
+            <a:extLst>
+              <a:ext uri="{28A0092B-C50C-407E-A947-70E740481C1C}">
+                <a14:useLocalDpi xmlns:a14="http://schemas.microsoft.com/office/drawing/2010/main" val="0"/>
+              </a:ext>
+            </a:extLst>
+          </a:blip>
+          <a:srcRect/>
+          <a:stretch>
+            <a:fillRect/>
+          </a:stretch>
+        </p:blipFill>
+        <p:spPr bwMode="auto">
+          <a:xfrm rot="2391081">
+            <a:off x="9919356" y="2464113"/>
+            <a:ext cx="1983196" cy="1026459"/>
+          </a:xfrm>
+          <a:prstGeom prst="rect">
+            <a:avLst/>
+          </a:prstGeom>
+          <a:noFill/>
+          <a:extLst>
+            <a:ext uri="{909E8E84-426E-40DD-AFC4-6F175D3DCCD1}">
+              <a14:hiddenFill xmlns:a14="http://schemas.microsoft.com/office/drawing/2010/main">
+                <a:solidFill>
+                  <a:srgbClr val="FFFFFF"/>
+                </a:solidFill>
+              </a14:hiddenFill>
+            </a:ext>
+          </a:extLst>
+        </p:spPr>
+      </p:pic>
+      <p:pic>
+        <p:nvPicPr>
+          <p:cNvPr id="1042" name="Picture 18" descr="Mercury Licensing">
+            <a:extLst>
+              <a:ext uri="{FF2B5EF4-FFF2-40B4-BE49-F238E27FC236}">
+                <a16:creationId xmlns:a16="http://schemas.microsoft.com/office/drawing/2014/main" id="{ADF3731F-DB12-4C38-988E-098FC175EA13}"/>
+              </a:ext>
+            </a:extLst>
+          </p:cNvPr>
+          <p:cNvPicPr>
+            <a:picLocks noChangeAspect="1" noChangeArrowheads="1"/>
+          </p:cNvPicPr>
+          <p:nvPr/>
+        </p:nvPicPr>
+        <p:blipFill>
+          <a:blip r:embed="rId6">
+            <a:extLst>
+              <a:ext uri="{28A0092B-C50C-407E-A947-70E740481C1C}">
+                <a14:useLocalDpi xmlns:a14="http://schemas.microsoft.com/office/drawing/2010/main" val="0"/>
+              </a:ext>
+            </a:extLst>
+          </a:blip>
+          <a:srcRect/>
+          <a:stretch>
+            <a:fillRect/>
+          </a:stretch>
+        </p:blipFill>
+        <p:spPr bwMode="auto">
+          <a:xfrm rot="732026">
+            <a:off x="8542223" y="2452330"/>
+            <a:ext cx="822511" cy="1028139"/>
+          </a:xfrm>
+          <a:prstGeom prst="rect">
+            <a:avLst/>
+          </a:prstGeom>
+          <a:noFill/>
+          <a:extLst>
+            <a:ext uri="{909E8E84-426E-40DD-AFC4-6F175D3DCCD1}">
+              <a14:hiddenFill xmlns:a14="http://schemas.microsoft.com/office/drawing/2010/main">
+                <a:solidFill>
+                  <a:srgbClr val="FFFFFF"/>
+                </a:solidFill>
+              </a14:hiddenFill>
+            </a:ext>
+          </a:extLst>
+        </p:spPr>
+      </p:pic>
+    </p:spTree>
+    <p:extLst>
+      <p:ext uri="{BB962C8B-B14F-4D97-AF65-F5344CB8AC3E}">
+        <p14:creationId xmlns:p14="http://schemas.microsoft.com/office/powerpoint/2010/main" val="2616718810"/>
+      </p:ext>
+    </p:extLst>
+  </p:cSld>
+  <p:clrMapOvr>
+    <a:masterClrMapping/>
+  </p:clrMapOvr>
+  <mc:AlternateContent xmlns:mc="http://schemas.openxmlformats.org/markup-compatibility/2006">
+    <mc:Choice xmlns:p159="http://schemas.microsoft.com/office/powerpoint/2015/09/main" Requires="p159">
+      <p:transition xmlns:p14="http://schemas.microsoft.com/office/powerpoint/2010/main" spd="slow" p14:dur="2000" advClick="0" advTm="0">
+        <p159:morph option="byObject"/>
+      </p:transition>
+    </mc:Choice>
+    <mc:Fallback>
+      <p:transition spd="slow" advClick="0" advTm="0">
+        <p:fade/>
+      </p:transition>
+    </mc:Fallback>
+  </mc:AlternateContent>
+</p:sld>
+</file>
+
+<file path=ppt/slides/slide7.xml><?xml version="1.0" encoding="utf-8"?>
+<p:sld xmlns:a="http://schemas.openxmlformats.org/drawingml/2006/main" xmlns:r="http://schemas.openxmlformats.org/officeDocument/2006/relationships" xmlns:p="http://schemas.openxmlformats.org/presentationml/2006/main">
+  <p:cSld>
+    <p:spTree>
+      <p:nvGrpSpPr>
+        <p:cNvPr id="1" name=""/>
+        <p:cNvGrpSpPr/>
+        <p:nvPr/>
+      </p:nvGrpSpPr>
+      <p:grpSpPr>
+        <a:xfrm>
+          <a:off x="0" y="0"/>
+          <a:ext cx="0" cy="0"/>
+          <a:chOff x="0" y="0"/>
+          <a:chExt cx="0" cy="0"/>
+        </a:xfrm>
+      </p:grpSpPr>
+      <p:sp>
+        <p:nvSpPr>
+          <p:cNvPr id="2" name="Title 1">
+            <a:extLst>
+              <a:ext uri="{FF2B5EF4-FFF2-40B4-BE49-F238E27FC236}">
+                <a16:creationId xmlns:a16="http://schemas.microsoft.com/office/drawing/2014/main" id="{77E72A7D-BFA7-482F-95F5-B53FF1C66AFE}"/>
+              </a:ext>
+            </a:extLst>
+          </p:cNvPr>
+          <p:cNvSpPr>
+            <a:spLocks noGrp="1"/>
+          </p:cNvSpPr>
+          <p:nvPr>
+            <p:ph type="title"/>
+          </p:nvPr>
+        </p:nvSpPr>
+        <p:spPr>
+          <a:xfrm>
+            <a:off x="685800" y="610334"/>
+            <a:ext cx="10131425" cy="1456267"/>
+          </a:xfrm>
+        </p:spPr>
+        <p:txBody>
+          <a:bodyPr/>
+          <a:lstStyle/>
+          <a:p>
+            <a:r>
+              <a:rPr lang="en-US" dirty="0">
+                <a:latin typeface="Candara Light" panose="020E0502030303020204" pitchFamily="34" charset="0"/>
+              </a:rPr>
+              <a:t>Project details :</a:t>
+            </a:r>
+            <a:endParaRPr lang="en-IN" dirty="0">
+              <a:latin typeface="Candara Light" panose="020E0502030303020204" pitchFamily="34" charset="0"/>
+            </a:endParaRPr>
+          </a:p>
+        </p:txBody>
+      </p:sp>
+      <p:sp>
+        <p:nvSpPr>
+          <p:cNvPr id="3" name="Content Placeholder 2">
+            <a:extLst>
+              <a:ext uri="{FF2B5EF4-FFF2-40B4-BE49-F238E27FC236}">
+                <a16:creationId xmlns:a16="http://schemas.microsoft.com/office/drawing/2014/main" id="{48C92138-DF54-4BEC-B5AB-A50046A5BE44}"/>
+              </a:ext>
+            </a:extLst>
+          </p:cNvPr>
+          <p:cNvSpPr>
+            <a:spLocks noGrp="1"/>
+          </p:cNvSpPr>
+          <p:nvPr>
+            <p:ph idx="1"/>
+          </p:nvPr>
+        </p:nvSpPr>
+        <p:spPr>
+          <a:xfrm>
+            <a:off x="1275833" y="2411888"/>
+            <a:ext cx="10131425" cy="3649133"/>
+          </a:xfrm>
+        </p:spPr>
+        <p:txBody>
+          <a:bodyPr anchor="t"/>
+          <a:lstStyle/>
+          <a:p>
+            <a:pPr marL="0" indent="0">
+              <a:buNone/>
+            </a:pPr>
+            <a:r>
+              <a:rPr lang="en-US" sz="2000" dirty="0"/>
+              <a:t>The main components used in our project are :</a:t>
+            </a:r>
+          </a:p>
+          <a:p>
+            <a:pPr lvl="1">
+              <a:buFont typeface="Wingdings" panose="05000000000000000000" pitchFamily="2" charset="2"/>
+              <a:buChar char="v"/>
+            </a:pPr>
+            <a:r>
+              <a:rPr lang="en-US" sz="2000" dirty="0"/>
+              <a:t>HTML</a:t>
+            </a:r>
+          </a:p>
+          <a:p>
+            <a:pPr lvl="1">
+              <a:buFont typeface="Wingdings" panose="05000000000000000000" pitchFamily="2" charset="2"/>
+              <a:buChar char="v"/>
+            </a:pPr>
+            <a:r>
+              <a:rPr lang="en-US" sz="2000" dirty="0"/>
+              <a:t>JavaScript</a:t>
+            </a:r>
+          </a:p>
+          <a:p>
+            <a:pPr lvl="1">
+              <a:buFont typeface="Wingdings" panose="05000000000000000000" pitchFamily="2" charset="2"/>
+              <a:buChar char="v"/>
+            </a:pPr>
+            <a:r>
+              <a:rPr lang="en-US" sz="2000" dirty="0"/>
+              <a:t>PHP</a:t>
+            </a:r>
+          </a:p>
+          <a:p>
+            <a:pPr lvl="1">
+              <a:buFont typeface="Wingdings" panose="05000000000000000000" pitchFamily="2" charset="2"/>
+              <a:buChar char="v"/>
+            </a:pPr>
+            <a:r>
+              <a:rPr lang="en-US" sz="2000" dirty="0"/>
+              <a:t>MySQL</a:t>
+            </a:r>
+          </a:p>
+          <a:p>
+            <a:pPr lvl="1">
+              <a:buFont typeface="Wingdings" panose="05000000000000000000" pitchFamily="2" charset="2"/>
+              <a:buChar char="v"/>
+            </a:pPr>
+            <a:r>
+              <a:rPr lang="en-US" sz="2000" dirty="0"/>
+              <a:t>Mercury</a:t>
+            </a:r>
+          </a:p>
+          <a:p>
+            <a:pPr marL="0" indent="0">
+              <a:buNone/>
+            </a:pPr>
+            <a:endParaRPr lang="en-US" dirty="0"/>
+          </a:p>
+        </p:txBody>
+      </p:sp>
+      <p:pic>
+        <p:nvPicPr>
+          <p:cNvPr id="1026" name="Picture 2" descr="HTML - Wikipedia">
+            <a:extLst>
+              <a:ext uri="{FF2B5EF4-FFF2-40B4-BE49-F238E27FC236}">
+                <a16:creationId xmlns:a16="http://schemas.microsoft.com/office/drawing/2014/main" id="{2BA56789-0A9E-47D7-B453-34FE36E63077}"/>
+              </a:ext>
+            </a:extLst>
+          </p:cNvPr>
+          <p:cNvPicPr>
+            <a:picLocks noChangeAspect="1" noChangeArrowheads="1"/>
+          </p:cNvPicPr>
+          <p:nvPr/>
+        </p:nvPicPr>
+        <p:blipFill>
+          <a:blip r:embed="rId2">
+            <a:extLst>
+              <a:ext uri="{28A0092B-C50C-407E-A947-70E740481C1C}">
+                <a14:useLocalDpi xmlns:a14="http://schemas.microsoft.com/office/drawing/2010/main" val="0"/>
+              </a:ext>
+            </a:extLst>
+          </a:blip>
+          <a:srcRect/>
+          <a:stretch>
+            <a:fillRect/>
+          </a:stretch>
+        </p:blipFill>
+        <p:spPr bwMode="auto">
+          <a:xfrm rot="20621100">
+            <a:off x="7132751" y="3732280"/>
+            <a:ext cx="1326775" cy="1326775"/>
+          </a:xfrm>
+          <a:prstGeom prst="rect">
+            <a:avLst/>
+          </a:prstGeom>
+          <a:noFill/>
+          <a:extLst>
+            <a:ext uri="{909E8E84-426E-40DD-AFC4-6F175D3DCCD1}">
+              <a14:hiddenFill xmlns:a14="http://schemas.microsoft.com/office/drawing/2010/main">
+                <a:solidFill>
+                  <a:srgbClr val="FFFFFF"/>
+                </a:solidFill>
+              </a14:hiddenFill>
+            </a:ext>
+          </a:extLst>
+        </p:spPr>
+      </p:pic>
+      <p:pic>
+        <p:nvPicPr>
+          <p:cNvPr id="1030" name="Picture 6" descr="Features of Javascript | Learn Javascript Features">
+            <a:extLst>
+              <a:ext uri="{FF2B5EF4-FFF2-40B4-BE49-F238E27FC236}">
+                <a16:creationId xmlns:a16="http://schemas.microsoft.com/office/drawing/2014/main" id="{599E1549-77EF-4C05-93A2-475AFAD792F9}"/>
+              </a:ext>
+            </a:extLst>
+          </p:cNvPr>
+          <p:cNvPicPr>
+            <a:picLocks noChangeAspect="1" noChangeArrowheads="1"/>
+          </p:cNvPicPr>
+          <p:nvPr/>
+        </p:nvPicPr>
+        <p:blipFill>
+          <a:blip r:embed="rId3">
+            <a:extLst>
+              <a:ext uri="{28A0092B-C50C-407E-A947-70E740481C1C}">
+                <a14:useLocalDpi xmlns:a14="http://schemas.microsoft.com/office/drawing/2010/main" val="0"/>
+              </a:ext>
+            </a:extLst>
+          </a:blip>
+          <a:srcRect/>
+          <a:stretch>
+            <a:fillRect/>
+          </a:stretch>
+        </p:blipFill>
+        <p:spPr bwMode="auto">
+          <a:xfrm rot="21080900">
+            <a:off x="7744169" y="5155267"/>
+            <a:ext cx="2296006" cy="1290770"/>
+          </a:xfrm>
+          <a:prstGeom prst="rect">
+            <a:avLst/>
+          </a:prstGeom>
+          <a:noFill/>
+          <a:extLst>
+            <a:ext uri="{909E8E84-426E-40DD-AFC4-6F175D3DCCD1}">
+              <a14:hiddenFill xmlns:a14="http://schemas.microsoft.com/office/drawing/2010/main">
+                <a:solidFill>
+                  <a:srgbClr val="FFFFFF"/>
+                </a:solidFill>
+              </a14:hiddenFill>
+            </a:ext>
+          </a:extLst>
+        </p:spPr>
+      </p:pic>
+      <p:pic>
+        <p:nvPicPr>
+          <p:cNvPr id="1038" name="Picture 14" descr="php.net · GitHub">
+            <a:extLst>
+              <a:ext uri="{FF2B5EF4-FFF2-40B4-BE49-F238E27FC236}">
+                <a16:creationId xmlns:a16="http://schemas.microsoft.com/office/drawing/2014/main" id="{EFCE89CB-9348-413F-B7B3-64A976D4B5B0}"/>
+              </a:ext>
+            </a:extLst>
+          </p:cNvPr>
+          <p:cNvPicPr>
+            <a:picLocks noChangeAspect="1" noChangeArrowheads="1"/>
+          </p:cNvPicPr>
+          <p:nvPr/>
+        </p:nvPicPr>
+        <p:blipFill>
+          <a:blip r:embed="rId4">
+            <a:extLst>
+              <a:ext uri="{28A0092B-C50C-407E-A947-70E740481C1C}">
+                <a14:useLocalDpi xmlns:a14="http://schemas.microsoft.com/office/drawing/2010/main" val="0"/>
+              </a:ext>
+            </a:extLst>
+          </a:blip>
+          <a:srcRect/>
+          <a:stretch>
+            <a:fillRect/>
+          </a:stretch>
+        </p:blipFill>
+        <p:spPr bwMode="auto">
+          <a:xfrm rot="20984856">
+            <a:off x="7901790" y="2025330"/>
+            <a:ext cx="2202177" cy="2202177"/>
+          </a:xfrm>
+          <a:prstGeom prst="rect">
+            <a:avLst/>
+          </a:prstGeom>
+          <a:noFill/>
+          <a:extLst>
+            <a:ext uri="{909E8E84-426E-40DD-AFC4-6F175D3DCCD1}">
+              <a14:hiddenFill xmlns:a14="http://schemas.microsoft.com/office/drawing/2010/main">
+                <a:solidFill>
+                  <a:srgbClr val="FFFFFF"/>
+                </a:solidFill>
+              </a14:hiddenFill>
+            </a:ext>
+          </a:extLst>
+        </p:spPr>
+      </p:pic>
+      <p:pic>
+        <p:nvPicPr>
+          <p:cNvPr id="1040" name="Picture 16" descr="MySQL | Most Popular Open Source Relational Database | AWS">
+            <a:extLst>
+              <a:ext uri="{FF2B5EF4-FFF2-40B4-BE49-F238E27FC236}">
+                <a16:creationId xmlns:a16="http://schemas.microsoft.com/office/drawing/2014/main" id="{A38CAAD1-3B45-4C14-A5A4-3FC1D43EBCE0}"/>
+              </a:ext>
+            </a:extLst>
+          </p:cNvPr>
+          <p:cNvPicPr>
+            <a:picLocks noChangeAspect="1" noChangeArrowheads="1"/>
+          </p:cNvPicPr>
+          <p:nvPr/>
+        </p:nvPicPr>
+        <p:blipFill>
+          <a:blip r:embed="rId5">
+            <a:extLst>
+              <a:ext uri="{28A0092B-C50C-407E-A947-70E740481C1C}">
+                <a14:useLocalDpi xmlns:a14="http://schemas.microsoft.com/office/drawing/2010/main" val="0"/>
+              </a:ext>
+            </a:extLst>
+          </a:blip>
+          <a:srcRect/>
+          <a:stretch>
+            <a:fillRect/>
+          </a:stretch>
+        </p:blipFill>
+        <p:spPr bwMode="auto">
+          <a:xfrm rot="1163239">
+            <a:off x="9536674" y="4410486"/>
+            <a:ext cx="1983196" cy="1026459"/>
+          </a:xfrm>
+          <a:prstGeom prst="rect">
+            <a:avLst/>
+          </a:prstGeom>
+          <a:noFill/>
+          <a:extLst>
+            <a:ext uri="{909E8E84-426E-40DD-AFC4-6F175D3DCCD1}">
+              <a14:hiddenFill xmlns:a14="http://schemas.microsoft.com/office/drawing/2010/main">
+                <a:solidFill>
+                  <a:srgbClr val="FFFFFF"/>
+                </a:solidFill>
+              </a14:hiddenFill>
+            </a:ext>
+          </a:extLst>
+        </p:spPr>
+      </p:pic>
+      <p:pic>
+        <p:nvPicPr>
+          <p:cNvPr id="1042" name="Picture 18" descr="Mercury Licensing">
+            <a:extLst>
+              <a:ext uri="{FF2B5EF4-FFF2-40B4-BE49-F238E27FC236}">
+                <a16:creationId xmlns:a16="http://schemas.microsoft.com/office/drawing/2014/main" id="{ADF3731F-DB12-4C38-988E-098FC175EA13}"/>
+              </a:ext>
+            </a:extLst>
+          </p:cNvPr>
+          <p:cNvPicPr>
+            <a:picLocks noChangeAspect="1" noChangeArrowheads="1"/>
+          </p:cNvPicPr>
+          <p:nvPr/>
+        </p:nvPicPr>
+        <p:blipFill>
+          <a:blip r:embed="rId6">
+            <a:extLst>
+              <a:ext uri="{28A0092B-C50C-407E-A947-70E740481C1C}">
+                <a14:useLocalDpi xmlns:a14="http://schemas.microsoft.com/office/drawing/2010/main" val="0"/>
+              </a:ext>
+            </a:extLst>
+          </a:blip>
+          <a:srcRect/>
+          <a:stretch>
+            <a:fillRect/>
+          </a:stretch>
+        </p:blipFill>
+        <p:spPr bwMode="auto">
+          <a:xfrm rot="732026">
+            <a:off x="10101883" y="3311348"/>
+            <a:ext cx="822511" cy="1028139"/>
+          </a:xfrm>
+          <a:prstGeom prst="rect">
+            <a:avLst/>
+          </a:prstGeom>
+          <a:noFill/>
+          <a:extLst>
+            <a:ext uri="{909E8E84-426E-40DD-AFC4-6F175D3DCCD1}">
+              <a14:hiddenFill xmlns:a14="http://schemas.microsoft.com/office/drawing/2010/main">
+                <a:solidFill>
+                  <a:srgbClr val="FFFFFF"/>
+                </a:solidFill>
+              </a14:hiddenFill>
+            </a:ext>
+          </a:extLst>
+        </p:spPr>
+      </p:pic>
+    </p:spTree>
+    <p:extLst>
+      <p:ext uri="{BB962C8B-B14F-4D97-AF65-F5344CB8AC3E}">
+        <p14:creationId xmlns:p14="http://schemas.microsoft.com/office/powerpoint/2010/main" val="860359806"/>
+      </p:ext>
+    </p:extLst>
+  </p:cSld>
+  <p:clrMapOvr>
+    <a:masterClrMapping/>
+  </p:clrMapOvr>
+  <mc:AlternateContent xmlns:mc="http://schemas.openxmlformats.org/markup-compatibility/2006">
+    <mc:Choice xmlns:p159="http://schemas.microsoft.com/office/powerpoint/2015/09/main" Requires="p159">
+      <p:transition xmlns:p14="http://schemas.microsoft.com/office/powerpoint/2010/main" spd="slow" p14:dur="2000" advClick="0" advTm="0">
+        <p159:morph option="byObject"/>
+      </p:transition>
+    </mc:Choice>
+    <mc:Fallback>
+      <p:transition spd="slow" advClick="0" advTm="0">
+        <p:fade/>
+      </p:transition>
+    </mc:Fallback>
+  </mc:AlternateContent>
+</p:sld>
+</file>
+
+<file path=ppt/slides/slide8.xml><?xml version="1.0" encoding="utf-8"?>
+<p:sld xmlns:a="http://schemas.openxmlformats.org/drawingml/2006/main" xmlns:r="http://schemas.openxmlformats.org/officeDocument/2006/relationships" xmlns:p="http://schemas.openxmlformats.org/presentationml/2006/main">
+  <p:cSld>
+    <p:spTree>
+      <p:nvGrpSpPr>
+        <p:cNvPr id="1" name=""/>
+        <p:cNvGrpSpPr/>
+        <p:nvPr/>
+      </p:nvGrpSpPr>
+      <p:grpSpPr>
+        <a:xfrm>
+          <a:off x="0" y="0"/>
+          <a:ext cx="0" cy="0"/>
+          <a:chOff x="0" y="0"/>
+          <a:chExt cx="0" cy="0"/>
+        </a:xfrm>
+      </p:grpSpPr>
+      <p:sp>
+        <p:nvSpPr>
+          <p:cNvPr id="2" name="Title 1">
+            <a:extLst>
+              <a:ext uri="{FF2B5EF4-FFF2-40B4-BE49-F238E27FC236}">
+                <a16:creationId xmlns:a16="http://schemas.microsoft.com/office/drawing/2014/main" id="{77E72A7D-BFA7-482F-95F5-B53FF1C66AFE}"/>
+              </a:ext>
+            </a:extLst>
+          </p:cNvPr>
+          <p:cNvSpPr>
+            <a:spLocks noGrp="1"/>
+          </p:cNvSpPr>
+          <p:nvPr>
+            <p:ph type="title"/>
+          </p:nvPr>
+        </p:nvSpPr>
+        <p:spPr/>
+        <p:txBody>
+          <a:bodyPr/>
+          <a:lstStyle/>
+          <a:p>
+            <a:r>
+              <a:rPr lang="en-US" dirty="0">
+                <a:latin typeface="Candara Light" panose="020E0502030303020204" pitchFamily="34" charset="0"/>
+              </a:rPr>
+              <a:t>Project details :</a:t>
+            </a:r>
+            <a:endParaRPr lang="en-IN" dirty="0">
+              <a:latin typeface="Candara Light" panose="020E0502030303020204" pitchFamily="34" charset="0"/>
+            </a:endParaRPr>
+          </a:p>
+        </p:txBody>
+      </p:sp>
+      <p:sp>
+        <p:nvSpPr>
+          <p:cNvPr id="3" name="Content Placeholder 2">
+            <a:extLst>
+              <a:ext uri="{FF2B5EF4-FFF2-40B4-BE49-F238E27FC236}">
+                <a16:creationId xmlns:a16="http://schemas.microsoft.com/office/drawing/2014/main" id="{48C92138-DF54-4BEC-B5AB-A50046A5BE44}"/>
+              </a:ext>
+            </a:extLst>
+          </p:cNvPr>
+          <p:cNvSpPr>
+            <a:spLocks noGrp="1"/>
+          </p:cNvSpPr>
+          <p:nvPr>
+            <p:ph idx="1"/>
+          </p:nvPr>
+        </p:nvSpPr>
+        <p:spPr>
+          <a:xfrm>
+            <a:off x="1277472" y="2411009"/>
+            <a:ext cx="10131425" cy="3649133"/>
+          </a:xfrm>
+        </p:spPr>
+        <p:txBody>
+          <a:bodyPr anchor="t"/>
+          <a:lstStyle/>
+          <a:p>
+            <a:pPr marL="0" indent="0">
+              <a:buNone/>
+            </a:pPr>
+            <a:r>
+              <a:rPr lang="en-US" sz="2000" dirty="0"/>
+              <a:t>The main components used in our project are :</a:t>
+            </a:r>
+          </a:p>
+          <a:p>
+            <a:pPr lvl="1">
+              <a:buFont typeface="Wingdings" panose="05000000000000000000" pitchFamily="2" charset="2"/>
+              <a:buChar char="v"/>
+            </a:pPr>
+            <a:r>
+              <a:rPr lang="en-US" sz="2000" dirty="0"/>
+              <a:t>HTML</a:t>
+            </a:r>
+          </a:p>
+          <a:p>
+            <a:pPr lvl="1">
+              <a:buFont typeface="Wingdings" panose="05000000000000000000" pitchFamily="2" charset="2"/>
+              <a:buChar char="v"/>
+            </a:pPr>
+            <a:r>
+              <a:rPr lang="en-US" sz="2000" dirty="0"/>
+              <a:t>JavaScript</a:t>
+            </a:r>
+          </a:p>
+          <a:p>
+            <a:pPr lvl="1">
+              <a:buFont typeface="Wingdings" panose="05000000000000000000" pitchFamily="2" charset="2"/>
+              <a:buChar char="v"/>
+            </a:pPr>
+            <a:r>
+              <a:rPr lang="en-US" sz="2000" dirty="0"/>
+              <a:t>PHP</a:t>
+            </a:r>
+          </a:p>
+          <a:p>
+            <a:pPr lvl="1">
+              <a:buFont typeface="Wingdings" panose="05000000000000000000" pitchFamily="2" charset="2"/>
+              <a:buChar char="v"/>
+            </a:pPr>
+            <a:r>
+              <a:rPr lang="en-US" sz="2000" dirty="0"/>
+              <a:t>MySQL</a:t>
+            </a:r>
+          </a:p>
+          <a:p>
+            <a:pPr lvl="1">
+              <a:buFont typeface="Wingdings" panose="05000000000000000000" pitchFamily="2" charset="2"/>
+              <a:buChar char="v"/>
+            </a:pPr>
+            <a:r>
+              <a:rPr lang="en-US" sz="2000" dirty="0"/>
+              <a:t>Mercury</a:t>
+            </a:r>
+          </a:p>
+          <a:p>
+            <a:pPr marL="0" indent="0">
+              <a:buNone/>
+            </a:pPr>
+            <a:endParaRPr lang="en-US" dirty="0"/>
+          </a:p>
+        </p:txBody>
+      </p:sp>
+      <p:pic>
+        <p:nvPicPr>
+          <p:cNvPr id="1026" name="Picture 2" descr="HTML - Wikipedia">
+            <a:extLst>
+              <a:ext uri="{FF2B5EF4-FFF2-40B4-BE49-F238E27FC236}">
+                <a16:creationId xmlns:a16="http://schemas.microsoft.com/office/drawing/2014/main" id="{2BA56789-0A9E-47D7-B453-34FE36E63077}"/>
+              </a:ext>
+            </a:extLst>
+          </p:cNvPr>
+          <p:cNvPicPr>
+            <a:picLocks noChangeAspect="1" noChangeArrowheads="1"/>
+          </p:cNvPicPr>
+          <p:nvPr/>
+        </p:nvPicPr>
+        <p:blipFill>
+          <a:blip r:embed="rId2">
+            <a:extLst>
+              <a:ext uri="{28A0092B-C50C-407E-A947-70E740481C1C}">
+                <a14:useLocalDpi xmlns:a14="http://schemas.microsoft.com/office/drawing/2010/main" val="0"/>
+              </a:ext>
+            </a:extLst>
+          </a:blip>
+          <a:srcRect/>
+          <a:stretch>
+            <a:fillRect/>
+          </a:stretch>
+        </p:blipFill>
+        <p:spPr bwMode="auto">
+          <a:xfrm rot="434438">
+            <a:off x="8216149" y="2636910"/>
+            <a:ext cx="1326775" cy="1326775"/>
+          </a:xfrm>
+          <a:prstGeom prst="rect">
+            <a:avLst/>
+          </a:prstGeom>
+          <a:noFill/>
+          <a:extLst>
+            <a:ext uri="{909E8E84-426E-40DD-AFC4-6F175D3DCCD1}">
+              <a14:hiddenFill xmlns:a14="http://schemas.microsoft.com/office/drawing/2010/main">
+                <a:solidFill>
+                  <a:srgbClr val="FFFFFF"/>
+                </a:solidFill>
+              </a14:hiddenFill>
+            </a:ext>
+          </a:extLst>
+        </p:spPr>
+      </p:pic>
+      <p:pic>
+        <p:nvPicPr>
+          <p:cNvPr id="1030" name="Picture 6" descr="Features of Javascript | Learn Javascript Features">
+            <a:extLst>
+              <a:ext uri="{FF2B5EF4-FFF2-40B4-BE49-F238E27FC236}">
+                <a16:creationId xmlns:a16="http://schemas.microsoft.com/office/drawing/2014/main" id="{599E1549-77EF-4C05-93A2-475AFAD792F9}"/>
+              </a:ext>
+            </a:extLst>
+          </p:cNvPr>
+          <p:cNvPicPr>
+            <a:picLocks noChangeAspect="1" noChangeArrowheads="1"/>
+          </p:cNvPicPr>
+          <p:nvPr/>
+        </p:nvPicPr>
+        <p:blipFill>
+          <a:blip r:embed="rId3">
+            <a:extLst>
+              <a:ext uri="{28A0092B-C50C-407E-A947-70E740481C1C}">
+                <a14:useLocalDpi xmlns:a14="http://schemas.microsoft.com/office/drawing/2010/main" val="0"/>
+              </a:ext>
+            </a:extLst>
+          </a:blip>
+          <a:srcRect/>
+          <a:stretch>
+            <a:fillRect/>
+          </a:stretch>
+        </p:blipFill>
+        <p:spPr bwMode="auto">
+          <a:xfrm rot="20898801">
+            <a:off x="6301185" y="3431164"/>
+            <a:ext cx="2296006" cy="1290770"/>
+          </a:xfrm>
+          <a:prstGeom prst="rect">
+            <a:avLst/>
+          </a:prstGeom>
+          <a:noFill/>
+          <a:extLst>
+            <a:ext uri="{909E8E84-426E-40DD-AFC4-6F175D3DCCD1}">
+              <a14:hiddenFill xmlns:a14="http://schemas.microsoft.com/office/drawing/2010/main">
+                <a:solidFill>
+                  <a:srgbClr val="FFFFFF"/>
+                </a:solidFill>
+              </a14:hiddenFill>
+            </a:ext>
+          </a:extLst>
+        </p:spPr>
+      </p:pic>
+      <p:pic>
+        <p:nvPicPr>
+          <p:cNvPr id="1038" name="Picture 14" descr="php.net · GitHub">
+            <a:extLst>
+              <a:ext uri="{FF2B5EF4-FFF2-40B4-BE49-F238E27FC236}">
+                <a16:creationId xmlns:a16="http://schemas.microsoft.com/office/drawing/2014/main" id="{EFCE89CB-9348-413F-B7B3-64A976D4B5B0}"/>
+              </a:ext>
+            </a:extLst>
+          </p:cNvPr>
+          <p:cNvPicPr>
+            <a:picLocks noChangeAspect="1" noChangeArrowheads="1"/>
+          </p:cNvPicPr>
+          <p:nvPr/>
+        </p:nvPicPr>
+        <p:blipFill>
+          <a:blip r:embed="rId4">
+            <a:extLst>
+              <a:ext uri="{28A0092B-C50C-407E-A947-70E740481C1C}">
+                <a14:useLocalDpi xmlns:a14="http://schemas.microsoft.com/office/drawing/2010/main" val="0"/>
+              </a:ext>
+            </a:extLst>
+          </a:blip>
+          <a:srcRect/>
+          <a:stretch>
+            <a:fillRect/>
+          </a:stretch>
+        </p:blipFill>
+        <p:spPr bwMode="auto">
+          <a:xfrm rot="674944">
+            <a:off x="8817171" y="4087156"/>
+            <a:ext cx="1927839" cy="1927839"/>
+          </a:xfrm>
+          <a:prstGeom prst="rect">
+            <a:avLst/>
+          </a:prstGeom>
+          <a:noFill/>
+          <a:extLst>
+            <a:ext uri="{909E8E84-426E-40DD-AFC4-6F175D3DCCD1}">
+              <a14:hiddenFill xmlns:a14="http://schemas.microsoft.com/office/drawing/2010/main">
+                <a:solidFill>
+                  <a:srgbClr val="FFFFFF"/>
+                </a:solidFill>
+              </a14:hiddenFill>
+            </a:ext>
+          </a:extLst>
+        </p:spPr>
+      </p:pic>
+      <p:pic>
+        <p:nvPicPr>
+          <p:cNvPr id="1040" name="Picture 16" descr="MySQL | Most Popular Open Source Relational Database | AWS">
+            <a:extLst>
+              <a:ext uri="{FF2B5EF4-FFF2-40B4-BE49-F238E27FC236}">
+                <a16:creationId xmlns:a16="http://schemas.microsoft.com/office/drawing/2014/main" id="{A38CAAD1-3B45-4C14-A5A4-3FC1D43EBCE0}"/>
+              </a:ext>
+            </a:extLst>
+          </p:cNvPr>
+          <p:cNvPicPr>
+            <a:picLocks noChangeAspect="1" noChangeArrowheads="1"/>
+          </p:cNvPicPr>
+          <p:nvPr/>
+        </p:nvPicPr>
+        <p:blipFill>
+          <a:blip r:embed="rId5">
+            <a:extLst>
+              <a:ext uri="{28A0092B-C50C-407E-A947-70E740481C1C}">
+                <a14:useLocalDpi xmlns:a14="http://schemas.microsoft.com/office/drawing/2010/main" val="0"/>
+              </a:ext>
+            </a:extLst>
+          </a:blip>
+          <a:srcRect/>
+          <a:stretch>
+            <a:fillRect/>
+          </a:stretch>
+        </p:blipFill>
+        <p:spPr bwMode="auto">
+          <a:xfrm rot="1299771">
+            <a:off x="5927370" y="4784210"/>
+            <a:ext cx="1983196" cy="1026459"/>
+          </a:xfrm>
+          <a:prstGeom prst="rect">
+            <a:avLst/>
+          </a:prstGeom>
+          <a:noFill/>
+          <a:extLst>
+            <a:ext uri="{909E8E84-426E-40DD-AFC4-6F175D3DCCD1}">
+              <a14:hiddenFill xmlns:a14="http://schemas.microsoft.com/office/drawing/2010/main">
+                <a:solidFill>
+                  <a:srgbClr val="FFFFFF"/>
+                </a:solidFill>
+              </a14:hiddenFill>
+            </a:ext>
+          </a:extLst>
+        </p:spPr>
+      </p:pic>
+      <p:pic>
+        <p:nvPicPr>
+          <p:cNvPr id="1042" name="Picture 18" descr="Mercury Licensing">
+            <a:extLst>
+              <a:ext uri="{FF2B5EF4-FFF2-40B4-BE49-F238E27FC236}">
+                <a16:creationId xmlns:a16="http://schemas.microsoft.com/office/drawing/2014/main" id="{ADF3731F-DB12-4C38-988E-098FC175EA13}"/>
+              </a:ext>
+            </a:extLst>
+          </p:cNvPr>
+          <p:cNvPicPr>
+            <a:picLocks noChangeAspect="1" noChangeArrowheads="1"/>
+          </p:cNvPicPr>
+          <p:nvPr/>
+        </p:nvPicPr>
+        <p:blipFill>
+          <a:blip r:embed="rId6">
+            <a:extLst>
+              <a:ext uri="{28A0092B-C50C-407E-A947-70E740481C1C}">
+                <a14:useLocalDpi xmlns:a14="http://schemas.microsoft.com/office/drawing/2010/main" val="0"/>
+              </a:ext>
+            </a:extLst>
+          </a:blip>
+          <a:srcRect/>
+          <a:stretch>
+            <a:fillRect/>
+          </a:stretch>
+        </p:blipFill>
+        <p:spPr bwMode="auto">
+          <a:xfrm rot="21154638">
+            <a:off x="8468283" y="5523703"/>
+            <a:ext cx="822511" cy="1028139"/>
+          </a:xfrm>
+          <a:prstGeom prst="rect">
+            <a:avLst/>
+          </a:prstGeom>
+          <a:noFill/>
+          <a:extLst>
+            <a:ext uri="{909E8E84-426E-40DD-AFC4-6F175D3DCCD1}">
+              <a14:hiddenFill xmlns:a14="http://schemas.microsoft.com/office/drawing/2010/main">
+                <a:solidFill>
+                  <a:srgbClr val="FFFFFF"/>
+                </a:solidFill>
+              </a14:hiddenFill>
+            </a:ext>
+          </a:extLst>
+        </p:spPr>
+      </p:pic>
+    </p:spTree>
+    <p:extLst>
+      <p:ext uri="{BB962C8B-B14F-4D97-AF65-F5344CB8AC3E}">
+        <p14:creationId xmlns:p14="http://schemas.microsoft.com/office/powerpoint/2010/main" val="536006826"/>
+      </p:ext>
+    </p:extLst>
+  </p:cSld>
+  <p:clrMapOvr>
+    <a:masterClrMapping/>
+  </p:clrMapOvr>
+  <mc:AlternateContent xmlns:mc="http://schemas.openxmlformats.org/markup-compatibility/2006">
+    <mc:Choice xmlns:p159="http://schemas.microsoft.com/office/powerpoint/2015/09/main" Requires="p159">
+      <p:transition xmlns:p14="http://schemas.microsoft.com/office/powerpoint/2010/main" spd="slow" p14:dur="2000">
+        <p159:morph option="byObject"/>
+      </p:transition>
+    </mc:Choice>
+    <mc:Fallback>
+      <p:transition spd="slow">
+        <p:fade/>
+      </p:transition>
+    </mc:Fallback>
+  </mc:AlternateContent>
+</p:sld>
+</file>
+
+<file path=ppt/slides/slide9.xml><?xml version="1.0" encoding="utf-8"?>
+<p:sld xmlns:a="http://schemas.openxmlformats.org/drawingml/2006/main" xmlns:r="http://schemas.openxmlformats.org/officeDocument/2006/relationships" xmlns:p="http://schemas.openxmlformats.org/presentationml/2006/main">
+  <p:cSld>
+    <p:spTree>
+      <p:nvGrpSpPr>
+        <p:cNvPr id="1" name=""/>
+        <p:cNvGrpSpPr/>
+        <p:nvPr/>
+      </p:nvGrpSpPr>
+      <p:grpSpPr>
+        <a:xfrm>
+          <a:off x="0" y="0"/>
+          <a:ext cx="0" cy="0"/>
+          <a:chOff x="0" y="0"/>
+          <a:chExt cx="0" cy="0"/>
+        </a:xfrm>
+      </p:grpSpPr>
+      <p:sp>
+        <p:nvSpPr>
+          <p:cNvPr id="2" name="Title 1">
+            <a:extLst>
+              <a:ext uri="{FF2B5EF4-FFF2-40B4-BE49-F238E27FC236}">
+                <a16:creationId xmlns:a16="http://schemas.microsoft.com/office/drawing/2014/main" id="{77E72A7D-BFA7-482F-95F5-B53FF1C66AFE}"/>
+              </a:ext>
+            </a:extLst>
+          </p:cNvPr>
+          <p:cNvSpPr>
+            <a:spLocks noGrp="1"/>
+          </p:cNvSpPr>
+          <p:nvPr>
+            <p:ph type="title"/>
+          </p:nvPr>
+        </p:nvSpPr>
+        <p:spPr/>
+        <p:txBody>
+          <a:bodyPr/>
+          <a:lstStyle/>
+          <a:p>
+            <a:r>
+              <a:rPr lang="en-US" dirty="0">
+                <a:latin typeface="Candara Light" panose="020E0502030303020204" pitchFamily="34" charset="0"/>
+              </a:rPr>
+              <a:t>Project details :</a:t>
+            </a:r>
+            <a:endParaRPr lang="en-IN" dirty="0">
+              <a:latin typeface="Candara Light" panose="020E0502030303020204" pitchFamily="34" charset="0"/>
+            </a:endParaRPr>
+          </a:p>
+        </p:txBody>
+      </p:sp>
+      <p:sp>
+        <p:nvSpPr>
+          <p:cNvPr id="3" name="Content Placeholder 2">
+            <a:extLst>
+              <a:ext uri="{FF2B5EF4-FFF2-40B4-BE49-F238E27FC236}">
+                <a16:creationId xmlns:a16="http://schemas.microsoft.com/office/drawing/2014/main" id="{48C92138-DF54-4BEC-B5AB-A50046A5BE44}"/>
+              </a:ext>
+            </a:extLst>
+          </p:cNvPr>
+          <p:cNvSpPr>
+            <a:spLocks noGrp="1"/>
+          </p:cNvSpPr>
+          <p:nvPr>
+            <p:ph idx="1"/>
+          </p:nvPr>
+        </p:nvSpPr>
+        <p:spPr>
+          <a:xfrm>
+            <a:off x="685800" y="2320864"/>
+            <a:ext cx="10131425" cy="3649133"/>
+          </a:xfrm>
+        </p:spPr>
+        <p:txBody>
+          <a:bodyPr anchor="t">
+            <a:normAutofit/>
+          </a:bodyPr>
+          <a:lstStyle/>
+          <a:p>
+            <a:pPr marL="0" indent="0">
+              <a:buNone/>
+            </a:pPr>
+            <a:r>
+              <a:rPr lang="en-US" sz="2000" dirty="0"/>
+              <a:t>Along with these languages , we have also used Bootstrap CSS for additional styling .</a:t>
+            </a:r>
+          </a:p>
+        </p:txBody>
+      </p:sp>
+      <p:pic>
+        <p:nvPicPr>
+          <p:cNvPr id="2054" name="Picture 6" descr="Views Bootstrap | Drupal.org">
+            <a:extLst>
+              <a:ext uri="{FF2B5EF4-FFF2-40B4-BE49-F238E27FC236}">
+                <a16:creationId xmlns:a16="http://schemas.microsoft.com/office/drawing/2014/main" id="{C91AEC2C-069B-465D-A0D1-7C4FAF609362}"/>
+              </a:ext>
+            </a:extLst>
+          </p:cNvPr>
+          <p:cNvPicPr>
+            <a:picLocks noChangeAspect="1" noChangeArrowheads="1"/>
+          </p:cNvPicPr>
+          <p:nvPr/>
+        </p:nvPicPr>
+        <p:blipFill>
+          <a:blip r:embed="rId2">
+            <a:extLst>
+              <a:ext uri="{28A0092B-C50C-407E-A947-70E740481C1C}">
+                <a14:useLocalDpi xmlns:a14="http://schemas.microsoft.com/office/drawing/2010/main" val="0"/>
+              </a:ext>
+            </a:extLst>
+          </a:blip>
+          <a:srcRect/>
+          <a:stretch>
+            <a:fillRect/>
+          </a:stretch>
+        </p:blipFill>
+        <p:spPr bwMode="auto">
+          <a:xfrm>
+            <a:off x="6689223" y="3039035"/>
+            <a:ext cx="3821522" cy="3209365"/>
+          </a:xfrm>
+          <a:prstGeom prst="rect">
+            <a:avLst/>
+          </a:prstGeom>
+          <a:noFill/>
+          <a:extLst>
+            <a:ext uri="{909E8E84-426E-40DD-AFC4-6F175D3DCCD1}">
+              <a14:hiddenFill xmlns:a14="http://schemas.microsoft.com/office/drawing/2010/main">
+                <a:solidFill>
+                  <a:srgbClr val="FFFFFF"/>
+                </a:solidFill>
+              </a14:hiddenFill>
+            </a:ext>
+          </a:extLst>
+        </p:spPr>
+      </p:pic>
+    </p:spTree>
+    <p:extLst>
+      <p:ext uri="{BB962C8B-B14F-4D97-AF65-F5344CB8AC3E}">
+        <p14:creationId xmlns:p14="http://schemas.microsoft.com/office/powerpoint/2010/main" val="3724742101"/>
+      </p:ext>
+    </p:extLst>
+  </p:cSld>
+  <p:clrMapOvr>
+    <a:masterClrMapping/>
+  </p:clrMapOvr>
+  <p:transition spd="slow">
+    <p:wipe/>
+  </p:transition>
+  <p:timing>
+    <p:tnLst>
+      <p:par>
+        <p:cTn id="1" dur="indefinite" restart="never" nodeType="tmRoot">
+          <p:childTnLst>
+            <p:seq concurrent="1" nextAc="seek">
+              <p:cTn id="2" dur="indefinite" nodeType="mainSeq">
+                <p:childTnLst>
+                  <p:par>
+                    <p:cTn id="3" fill="hold">
+                      <p:stCondLst>
+                        <p:cond delay="indefinite"/>
+                        <p:cond evt="onBegin" delay="0">
+                          <p:tn val="2"/>
+                        </p:cond>
+                      </p:stCondLst>
+                      <p:childTnLst>
+                        <p:par>
+                          <p:cTn id="4" fill="hold">
+                            <p:stCondLst>
+                              <p:cond delay="0"/>
+                            </p:stCondLst>
+                            <p:childTnLst>
+                              <p:par>
+                                <p:cTn id="5" presetID="42" presetClass="entr" presetSubtype="0" fill="hold" nodeType="withEffect">
+                                  <p:stCondLst>
+                                    <p:cond delay="0"/>
+                                  </p:stCondLst>
+                                  <p:childTnLst>
+                                    <p:set>
+                                      <p:cBhvr>
+                                        <p:cTn id="6" dur="1" fill="hold">
+                                          <p:stCondLst>
+                                            <p:cond delay="0"/>
+                                          </p:stCondLst>
+                                        </p:cTn>
+                                        <p:tgtEl>
+                                          <p:spTgt spid="2054"/>
+                                        </p:tgtEl>
+                                        <p:attrNameLst>
+                                          <p:attrName>style.visibility</p:attrName>
+                                        </p:attrNameLst>
+                                      </p:cBhvr>
+                                      <p:to>
+                                        <p:strVal val="visible"/>
+                                      </p:to>
+                                    </p:set>
+                                    <p:animEffect transition="in" filter="fade">
+                                      <p:cBhvr>
+                                        <p:cTn id="7" dur="1250"/>
+                                        <p:tgtEl>
+                                          <p:spTgt spid="2054"/>
+                                        </p:tgtEl>
+                                      </p:cBhvr>
+                                    </p:animEffect>
+                                    <p:anim calcmode="lin" valueType="num">
+                                      <p:cBhvr>
+                                        <p:cTn id="8" dur="1250" fill="hold"/>
+                                        <p:tgtEl>
+                                          <p:spTgt spid="2054"/>
+                                        </p:tgtEl>
+                                        <p:attrNameLst>
+                                          <p:attrName>ppt_x</p:attrName>
+                                        </p:attrNameLst>
+                                      </p:cBhvr>
+                                      <p:tavLst>
+                                        <p:tav tm="0">
+                                          <p:val>
+                                            <p:strVal val="#ppt_x"/>
+                                          </p:val>
+                                        </p:tav>
+                                        <p:tav tm="100000">
+                                          <p:val>
+                                            <p:strVal val="#ppt_x"/>
+                                          </p:val>
+                                        </p:tav>
+                                      </p:tavLst>
+                                    </p:anim>
+                                    <p:anim calcmode="lin" valueType="num">
+                                      <p:cBhvr>
+                                        <p:cTn id="9" dur="1250" fill="hold"/>
+                                        <p:tgtEl>
+                                          <p:spTgt spid="2054"/>
+                                        </p:tgtEl>
+                                        <p:attrNameLst>
+                                          <p:attrName>ppt_y</p:attrName>
+                                        </p:attrNameLst>
+                                      </p:cBhvr>
+                                      <p:tavLst>
+                                        <p:tav tm="0">
+                                          <p:val>
+                                            <p:strVal val="#ppt_y+.1"/>
+                                          </p:val>
+                                        </p:tav>
+                                        <p:tav tm="100000">
+                                          <p:val>
+                                            <p:strVal val="#ppt_y"/>
+                                          </p:val>
+                                        </p:tav>
+                                      </p:tavLst>
+                                    </p:anim>
+                                  </p:childTnLst>
+                                </p:cTn>
+                              </p:par>
+                            </p:childTnLst>
+                          </p:cTn>
+                        </p:par>
+                      </p:childTnLst>
+                    </p:cTn>
+                  </p:par>
+                </p:childTnLst>
+              </p:cTn>
+              <p:prevCondLst>
+                <p:cond evt="onPrev" delay="0">
+                  <p:tgtEl>
+                    <p:sldTgt/>
+                  </p:tgtEl>
+                </p:cond>
+              </p:prevCondLst>
+              <p:nextCondLst>
+                <p:cond evt="onNext" delay="0">
+                  <p:tgtEl>
+                    <p:sldTgt/>
+                  </p:tgtEl>
+                </p:cond>
+              </p:nextCondLst>
+            </p:seq>
+          </p:childTnLst>
+        </p:cTn>
+      </p:par>
+    </p:tnLst>
+  </p:timing>
 </p:sld>
 </file>
 

--- a/Project Presentation.pptx
+++ b/Project Presentation.pptx
@@ -2,7 +2,7 @@
 <file path=ppt/presentation.xml><?xml version="1.0" encoding="utf-8"?>
 <p:presentation xmlns:a="http://schemas.openxmlformats.org/drawingml/2006/main" xmlns:r="http://schemas.openxmlformats.org/officeDocument/2006/relationships" xmlns:p="http://schemas.openxmlformats.org/presentationml/2006/main" autoCompressPictures="0">
   <p:sldMasterIdLst>
-    <p:sldMasterId id="2147483648" r:id="rId1"/>
+    <p:sldMasterId id="2147483668" r:id="rId1"/>
   </p:sldMasterIdLst>
   <p:sldIdLst>
     <p:sldId id="256" r:id="rId2"/>
@@ -124,13 +124,8 @@
 </file>
 
 <file path=ppt/slideLayouts/slideLayout1.xml><?xml version="1.0" encoding="utf-8"?>
-<p:sldLayout xmlns:a="http://schemas.openxmlformats.org/drawingml/2006/main" xmlns:r="http://schemas.openxmlformats.org/officeDocument/2006/relationships" xmlns:p="http://schemas.openxmlformats.org/presentationml/2006/main" type="title" preserve="1">
+<p:sldLayout xmlns:a="http://schemas.openxmlformats.org/drawingml/2006/main" xmlns:r="http://schemas.openxmlformats.org/officeDocument/2006/relationships" xmlns:p="http://schemas.openxmlformats.org/presentationml/2006/main" showMasterSp="0" type="title" preserve="1">
   <p:cSld name="Title Slide">
-    <p:bg>
-      <p:bgRef idx="1003">
-        <a:schemeClr val="bg2"/>
-      </p:bgRef>
-    </p:bg>
     <p:spTree>
       <p:nvGrpSpPr>
         <p:cNvPr id="1" name=""/>
@@ -145,36 +140,536 @@
           <a:chExt cx="0" cy="0"/>
         </a:xfrm>
       </p:grpSpPr>
-      <p:pic>
-        <p:nvPicPr>
-          <p:cNvPr id="7" name="Picture 6" descr="Celestia-R1---OverlayTitleHD.png"/>
-          <p:cNvPicPr>
-            <a:picLocks noChangeAspect="1"/>
-          </p:cNvPicPr>
+      <p:grpSp>
+        <p:nvGrpSpPr>
+          <p:cNvPr id="7" name="Group 6"/>
+          <p:cNvGrpSpPr/>
           <p:nvPr/>
-        </p:nvPicPr>
-        <p:blipFill>
-          <a:blip r:embed="rId2">
-            <a:extLst>
-              <a:ext uri="{28A0092B-C50C-407E-A947-70E740481C1C}">
-                <a14:useLocalDpi xmlns:a14="http://schemas.microsoft.com/office/drawing/2010/main" val="0"/>
-              </a:ext>
-            </a:extLst>
-          </a:blip>
-          <a:stretch>
-            <a:fillRect/>
-          </a:stretch>
-        </p:blipFill>
-        <p:spPr>
+        </p:nvGrpSpPr>
+        <p:grpSpPr>
           <a:xfrm>
-            <a:off x="0" y="0"/>
-            <a:ext cx="12188825" cy="6856214"/>
+            <a:off x="0" y="-8467"/>
+            <a:ext cx="12192000" cy="6866467"/>
+            <a:chOff x="0" y="-8467"/>
+            <a:chExt cx="12192000" cy="6866467"/>
           </a:xfrm>
-          <a:prstGeom prst="rect">
-            <a:avLst/>
-          </a:prstGeom>
-        </p:spPr>
-      </p:pic>
+        </p:grpSpPr>
+        <p:cxnSp>
+          <p:nvCxnSpPr>
+            <p:cNvPr id="32" name="Straight Connector 31"/>
+            <p:cNvCxnSpPr/>
+            <p:nvPr/>
+          </p:nvCxnSpPr>
+          <p:spPr>
+            <a:xfrm>
+              <a:off x="9371012" y="0"/>
+              <a:ext cx="1219200" cy="6858000"/>
+            </a:xfrm>
+            <a:prstGeom prst="line">
+              <a:avLst/>
+            </a:prstGeom>
+            <a:ln w="9525">
+              <a:solidFill>
+                <a:schemeClr val="bg1">
+                  <a:lumMod val="75000"/>
+                </a:schemeClr>
+              </a:solidFill>
+            </a:ln>
+          </p:spPr>
+          <p:style>
+            <a:lnRef idx="2">
+              <a:schemeClr val="accent1"/>
+            </a:lnRef>
+            <a:fillRef idx="0">
+              <a:schemeClr val="accent1"/>
+            </a:fillRef>
+            <a:effectRef idx="1">
+              <a:schemeClr val="accent1"/>
+            </a:effectRef>
+            <a:fontRef idx="minor">
+              <a:schemeClr val="tx1"/>
+            </a:fontRef>
+          </p:style>
+        </p:cxnSp>
+        <p:cxnSp>
+          <p:nvCxnSpPr>
+            <p:cNvPr id="21" name="Straight Connector 20"/>
+            <p:cNvCxnSpPr/>
+            <p:nvPr/>
+          </p:nvCxnSpPr>
+          <p:spPr>
+            <a:xfrm flipH="1">
+              <a:off x="7425267" y="3681413"/>
+              <a:ext cx="4763558" cy="3176587"/>
+            </a:xfrm>
+            <a:prstGeom prst="line">
+              <a:avLst/>
+            </a:prstGeom>
+            <a:ln w="9525">
+              <a:solidFill>
+                <a:schemeClr val="bg1">
+                  <a:lumMod val="85000"/>
+                </a:schemeClr>
+              </a:solidFill>
+            </a:ln>
+          </p:spPr>
+          <p:style>
+            <a:lnRef idx="2">
+              <a:schemeClr val="accent1"/>
+            </a:lnRef>
+            <a:fillRef idx="0">
+              <a:schemeClr val="accent1"/>
+            </a:fillRef>
+            <a:effectRef idx="1">
+              <a:schemeClr val="accent1"/>
+            </a:effectRef>
+            <a:fontRef idx="minor">
+              <a:schemeClr val="tx1"/>
+            </a:fontRef>
+          </p:style>
+        </p:cxnSp>
+        <p:sp>
+          <p:nvSpPr>
+            <p:cNvPr id="24" name="Rectangle 23"/>
+            <p:cNvSpPr/>
+            <p:nvPr/>
+          </p:nvSpPr>
+          <p:spPr>
+            <a:xfrm>
+              <a:off x="9181476" y="-8467"/>
+              <a:ext cx="3007349" cy="6866467"/>
+            </a:xfrm>
+            <a:custGeom>
+              <a:avLst/>
+              <a:gdLst/>
+              <a:ahLst/>
+              <a:cxnLst/>
+              <a:rect l="l" t="t" r="r" b="b"/>
+              <a:pathLst>
+                <a:path w="3007349" h="6866467">
+                  <a:moveTo>
+                    <a:pt x="2045532" y="0"/>
+                  </a:moveTo>
+                  <a:lnTo>
+                    <a:pt x="3007349" y="0"/>
+                  </a:lnTo>
+                  <a:lnTo>
+                    <a:pt x="3007349" y="6866467"/>
+                  </a:lnTo>
+                  <a:lnTo>
+                    <a:pt x="0" y="6866467"/>
+                  </a:lnTo>
+                  <a:lnTo>
+                    <a:pt x="2045532" y="0"/>
+                  </a:lnTo>
+                  <a:close/>
+                </a:path>
+              </a:pathLst>
+            </a:custGeom>
+            <a:solidFill>
+              <a:schemeClr val="accent1">
+                <a:alpha val="30000"/>
+              </a:schemeClr>
+            </a:solidFill>
+            <a:ln>
+              <a:noFill/>
+            </a:ln>
+            <a:effectLst/>
+          </p:spPr>
+          <p:style>
+            <a:lnRef idx="1">
+              <a:schemeClr val="accent1"/>
+            </a:lnRef>
+            <a:fillRef idx="3">
+              <a:schemeClr val="accent1"/>
+            </a:fillRef>
+            <a:effectRef idx="2">
+              <a:schemeClr val="accent1"/>
+            </a:effectRef>
+            <a:fontRef idx="minor">
+              <a:schemeClr val="lt1"/>
+            </a:fontRef>
+          </p:style>
+        </p:sp>
+        <p:sp>
+          <p:nvSpPr>
+            <p:cNvPr id="26" name="Rectangle 25"/>
+            <p:cNvSpPr/>
+            <p:nvPr/>
+          </p:nvSpPr>
+          <p:spPr>
+            <a:xfrm>
+              <a:off x="9603442" y="-8467"/>
+              <a:ext cx="2588558" cy="6866467"/>
+            </a:xfrm>
+            <a:custGeom>
+              <a:avLst/>
+              <a:gdLst/>
+              <a:ahLst/>
+              <a:cxnLst/>
+              <a:rect l="l" t="t" r="r" b="b"/>
+              <a:pathLst>
+                <a:path w="2573311" h="6866467">
+                  <a:moveTo>
+                    <a:pt x="0" y="0"/>
+                  </a:moveTo>
+                  <a:lnTo>
+                    <a:pt x="2573311" y="0"/>
+                  </a:lnTo>
+                  <a:lnTo>
+                    <a:pt x="2573311" y="6866467"/>
+                  </a:lnTo>
+                  <a:lnTo>
+                    <a:pt x="1202336" y="6866467"/>
+                  </a:lnTo>
+                  <a:lnTo>
+                    <a:pt x="0" y="0"/>
+                  </a:lnTo>
+                  <a:close/>
+                </a:path>
+              </a:pathLst>
+            </a:custGeom>
+            <a:solidFill>
+              <a:schemeClr val="accent1">
+                <a:alpha val="20000"/>
+              </a:schemeClr>
+            </a:solidFill>
+            <a:ln>
+              <a:noFill/>
+            </a:ln>
+            <a:effectLst/>
+          </p:spPr>
+          <p:style>
+            <a:lnRef idx="1">
+              <a:schemeClr val="accent1"/>
+            </a:lnRef>
+            <a:fillRef idx="3">
+              <a:schemeClr val="accent1"/>
+            </a:fillRef>
+            <a:effectRef idx="2">
+              <a:schemeClr val="accent1"/>
+            </a:effectRef>
+            <a:fontRef idx="minor">
+              <a:schemeClr val="lt1"/>
+            </a:fontRef>
+          </p:style>
+        </p:sp>
+        <p:sp>
+          <p:nvSpPr>
+            <p:cNvPr id="27" name="Isosceles Triangle 26"/>
+            <p:cNvSpPr/>
+            <p:nvPr/>
+          </p:nvSpPr>
+          <p:spPr>
+            <a:xfrm>
+              <a:off x="8932333" y="3048000"/>
+              <a:ext cx="3259667" cy="3810000"/>
+            </a:xfrm>
+            <a:prstGeom prst="triangle">
+              <a:avLst>
+                <a:gd name="adj" fmla="val 100000"/>
+              </a:avLst>
+            </a:prstGeom>
+            <a:solidFill>
+              <a:schemeClr val="accent2">
+                <a:alpha val="72000"/>
+              </a:schemeClr>
+            </a:solidFill>
+            <a:ln>
+              <a:noFill/>
+            </a:ln>
+            <a:effectLst/>
+          </p:spPr>
+          <p:style>
+            <a:lnRef idx="1">
+              <a:schemeClr val="accent1"/>
+            </a:lnRef>
+            <a:fillRef idx="3">
+              <a:schemeClr val="accent1"/>
+            </a:fillRef>
+            <a:effectRef idx="2">
+              <a:schemeClr val="accent1"/>
+            </a:effectRef>
+            <a:fontRef idx="minor">
+              <a:schemeClr val="lt1"/>
+            </a:fontRef>
+          </p:style>
+        </p:sp>
+        <p:sp>
+          <p:nvSpPr>
+            <p:cNvPr id="28" name="Rectangle 27"/>
+            <p:cNvSpPr/>
+            <p:nvPr/>
+          </p:nvSpPr>
+          <p:spPr>
+            <a:xfrm>
+              <a:off x="9334500" y="-8467"/>
+              <a:ext cx="2854326" cy="6866467"/>
+            </a:xfrm>
+            <a:custGeom>
+              <a:avLst/>
+              <a:gdLst/>
+              <a:ahLst/>
+              <a:cxnLst/>
+              <a:rect l="l" t="t" r="r" b="b"/>
+              <a:pathLst>
+                <a:path w="2858013" h="6866467">
+                  <a:moveTo>
+                    <a:pt x="0" y="0"/>
+                  </a:moveTo>
+                  <a:lnTo>
+                    <a:pt x="2858013" y="0"/>
+                  </a:lnTo>
+                  <a:lnTo>
+                    <a:pt x="2858013" y="6866467"/>
+                  </a:lnTo>
+                  <a:lnTo>
+                    <a:pt x="2473942" y="6866467"/>
+                  </a:lnTo>
+                  <a:lnTo>
+                    <a:pt x="0" y="0"/>
+                  </a:lnTo>
+                  <a:close/>
+                </a:path>
+              </a:pathLst>
+            </a:custGeom>
+            <a:solidFill>
+              <a:schemeClr val="accent2">
+                <a:lumMod val="75000"/>
+                <a:alpha val="70000"/>
+              </a:schemeClr>
+            </a:solidFill>
+            <a:ln>
+              <a:noFill/>
+            </a:ln>
+            <a:effectLst/>
+          </p:spPr>
+          <p:style>
+            <a:lnRef idx="1">
+              <a:schemeClr val="accent1"/>
+            </a:lnRef>
+            <a:fillRef idx="3">
+              <a:schemeClr val="accent1"/>
+            </a:fillRef>
+            <a:effectRef idx="2">
+              <a:schemeClr val="accent1"/>
+            </a:effectRef>
+            <a:fontRef idx="minor">
+              <a:schemeClr val="lt1"/>
+            </a:fontRef>
+          </p:style>
+        </p:sp>
+        <p:sp>
+          <p:nvSpPr>
+            <p:cNvPr id="29" name="Rectangle 28"/>
+            <p:cNvSpPr/>
+            <p:nvPr/>
+          </p:nvSpPr>
+          <p:spPr>
+            <a:xfrm>
+              <a:off x="10898730" y="-8467"/>
+              <a:ext cx="1290094" cy="6866467"/>
+            </a:xfrm>
+            <a:custGeom>
+              <a:avLst/>
+              <a:gdLst/>
+              <a:ahLst/>
+              <a:cxnLst/>
+              <a:rect l="l" t="t" r="r" b="b"/>
+              <a:pathLst>
+                <a:path w="1290094" h="6858000">
+                  <a:moveTo>
+                    <a:pt x="1019735" y="0"/>
+                  </a:moveTo>
+                  <a:lnTo>
+                    <a:pt x="1290094" y="0"/>
+                  </a:lnTo>
+                  <a:lnTo>
+                    <a:pt x="1290094" y="6858000"/>
+                  </a:lnTo>
+                  <a:lnTo>
+                    <a:pt x="0" y="6858000"/>
+                  </a:lnTo>
+                  <a:lnTo>
+                    <a:pt x="1019735" y="0"/>
+                  </a:lnTo>
+                  <a:close/>
+                </a:path>
+              </a:pathLst>
+            </a:custGeom>
+            <a:solidFill>
+              <a:schemeClr val="accent1">
+                <a:lumMod val="60000"/>
+                <a:lumOff val="40000"/>
+                <a:alpha val="70000"/>
+              </a:schemeClr>
+            </a:solidFill>
+            <a:ln>
+              <a:noFill/>
+            </a:ln>
+            <a:effectLst/>
+          </p:spPr>
+          <p:style>
+            <a:lnRef idx="1">
+              <a:schemeClr val="accent1"/>
+            </a:lnRef>
+            <a:fillRef idx="3">
+              <a:schemeClr val="accent1"/>
+            </a:fillRef>
+            <a:effectRef idx="2">
+              <a:schemeClr val="accent1"/>
+            </a:effectRef>
+            <a:fontRef idx="minor">
+              <a:schemeClr val="lt1"/>
+            </a:fontRef>
+          </p:style>
+        </p:sp>
+        <p:sp>
+          <p:nvSpPr>
+            <p:cNvPr id="30" name="Rectangle 29"/>
+            <p:cNvSpPr/>
+            <p:nvPr/>
+          </p:nvSpPr>
+          <p:spPr>
+            <a:xfrm>
+              <a:off x="10938999" y="-8467"/>
+              <a:ext cx="1249825" cy="6866467"/>
+            </a:xfrm>
+            <a:custGeom>
+              <a:avLst/>
+              <a:gdLst/>
+              <a:ahLst/>
+              <a:cxnLst/>
+              <a:rect l="l" t="t" r="r" b="b"/>
+              <a:pathLst>
+                <a:path w="1249825" h="6858000">
+                  <a:moveTo>
+                    <a:pt x="0" y="0"/>
+                  </a:moveTo>
+                  <a:lnTo>
+                    <a:pt x="1249825" y="0"/>
+                  </a:lnTo>
+                  <a:lnTo>
+                    <a:pt x="1249825" y="6858000"/>
+                  </a:lnTo>
+                  <a:lnTo>
+                    <a:pt x="1109382" y="6858000"/>
+                  </a:lnTo>
+                  <a:lnTo>
+                    <a:pt x="0" y="0"/>
+                  </a:lnTo>
+                  <a:close/>
+                </a:path>
+              </a:pathLst>
+            </a:custGeom>
+            <a:solidFill>
+              <a:schemeClr val="accent1">
+                <a:alpha val="65000"/>
+              </a:schemeClr>
+            </a:solidFill>
+            <a:ln>
+              <a:noFill/>
+            </a:ln>
+            <a:effectLst/>
+          </p:spPr>
+          <p:style>
+            <a:lnRef idx="1">
+              <a:schemeClr val="accent1"/>
+            </a:lnRef>
+            <a:fillRef idx="3">
+              <a:schemeClr val="accent1"/>
+            </a:fillRef>
+            <a:effectRef idx="2">
+              <a:schemeClr val="accent1"/>
+            </a:effectRef>
+            <a:fontRef idx="minor">
+              <a:schemeClr val="lt1"/>
+            </a:fontRef>
+          </p:style>
+        </p:sp>
+        <p:sp>
+          <p:nvSpPr>
+            <p:cNvPr id="31" name="Isosceles Triangle 30"/>
+            <p:cNvSpPr/>
+            <p:nvPr/>
+          </p:nvSpPr>
+          <p:spPr>
+            <a:xfrm>
+              <a:off x="10371666" y="3589867"/>
+              <a:ext cx="1817159" cy="3268133"/>
+            </a:xfrm>
+            <a:prstGeom prst="triangle">
+              <a:avLst>
+                <a:gd name="adj" fmla="val 100000"/>
+              </a:avLst>
+            </a:prstGeom>
+            <a:solidFill>
+              <a:schemeClr val="accent1">
+                <a:alpha val="80000"/>
+              </a:schemeClr>
+            </a:solidFill>
+            <a:ln>
+              <a:noFill/>
+            </a:ln>
+            <a:effectLst/>
+          </p:spPr>
+          <p:style>
+            <a:lnRef idx="1">
+              <a:schemeClr val="accent1"/>
+            </a:lnRef>
+            <a:fillRef idx="3">
+              <a:schemeClr val="accent1"/>
+            </a:fillRef>
+            <a:effectRef idx="2">
+              <a:schemeClr val="accent1"/>
+            </a:effectRef>
+            <a:fontRef idx="minor">
+              <a:schemeClr val="lt1"/>
+            </a:fontRef>
+          </p:style>
+        </p:sp>
+        <p:sp>
+          <p:nvSpPr>
+            <p:cNvPr id="19" name="Isosceles Triangle 18"/>
+            <p:cNvSpPr/>
+            <p:nvPr/>
+          </p:nvSpPr>
+          <p:spPr>
+            <a:xfrm rot="10800000">
+              <a:off x="0" y="0"/>
+              <a:ext cx="842596" cy="5666154"/>
+            </a:xfrm>
+            <a:prstGeom prst="triangle">
+              <a:avLst>
+                <a:gd name="adj" fmla="val 100000"/>
+              </a:avLst>
+            </a:prstGeom>
+            <a:solidFill>
+              <a:schemeClr val="accent1">
+                <a:alpha val="85000"/>
+              </a:schemeClr>
+            </a:solidFill>
+            <a:ln>
+              <a:noFill/>
+            </a:ln>
+            <a:effectLst/>
+          </p:spPr>
+          <p:style>
+            <a:lnRef idx="1">
+              <a:schemeClr val="accent1"/>
+            </a:lnRef>
+            <a:fillRef idx="3">
+              <a:schemeClr val="accent1"/>
+            </a:fillRef>
+            <a:effectRef idx="2">
+              <a:schemeClr val="accent1"/>
+            </a:effectRef>
+            <a:fontRef idx="minor">
+              <a:schemeClr val="lt1"/>
+            </a:fontRef>
+          </p:style>
+        </p:sp>
+      </p:grpSp>
       <p:sp>
         <p:nvSpPr>
           <p:cNvPr id="2" name="Title 1"/>
@@ -187,18 +682,20 @@
         </p:nvSpPr>
         <p:spPr>
           <a:xfrm>
-            <a:off x="3962399" y="1964267"/>
-            <a:ext cx="7197726" cy="2421464"/>
+            <a:off x="1507067" y="2404534"/>
+            <a:ext cx="7766936" cy="1646302"/>
           </a:xfrm>
         </p:spPr>
         <p:txBody>
           <a:bodyPr anchor="b">
-            <a:normAutofit/>
+            <a:noAutofit/>
           </a:bodyPr>
           <a:lstStyle>
             <a:lvl1pPr algn="r">
-              <a:defRPr sz="4800">
-                <a:effectLst/>
+              <a:defRPr sz="5400">
+                <a:solidFill>
+                  <a:schemeClr val="accent1"/>
+                </a:solidFill>
               </a:defRPr>
             </a:lvl1pPr>
           </a:lstStyle>
@@ -223,20 +720,21 @@
         </p:nvSpPr>
         <p:spPr>
           <a:xfrm>
-            <a:off x="3962399" y="4385732"/>
-            <a:ext cx="7197726" cy="1405467"/>
+            <a:off x="1507067" y="4050833"/>
+            <a:ext cx="7766936" cy="1096899"/>
           </a:xfrm>
         </p:spPr>
         <p:txBody>
-          <a:bodyPr anchor="t">
-            <a:normAutofit/>
-          </a:bodyPr>
+          <a:bodyPr anchor="t"/>
           <a:lstStyle>
             <a:lvl1pPr marL="0" indent="0" algn="r">
               <a:buNone/>
-              <a:defRPr sz="1800" cap="all">
+              <a:defRPr>
                 <a:solidFill>
-                  <a:schemeClr val="tx1"/>
+                  <a:schemeClr val="tx1">
+                    <a:lumMod val="50000"/>
+                    <a:lumOff val="50000"/>
+                  </a:schemeClr>
                 </a:solidFill>
               </a:defRPr>
             </a:lvl1pPr>
@@ -340,20 +838,15 @@
             <p:ph type="dt" sz="half" idx="10"/>
           </p:nvPr>
         </p:nvSpPr>
-        <p:spPr>
-          <a:xfrm>
-            <a:off x="8932558" y="5870575"/>
-            <a:ext cx="1600200" cy="377825"/>
-          </a:xfrm>
-        </p:spPr>
+        <p:spPr/>
         <p:txBody>
           <a:bodyPr/>
           <a:lstStyle/>
           <a:p>
             <a:fld id="{B61BEF0D-F0BB-DE4B-95CE-6DB70DBA9567}" type="datetimeFigureOut">
-              <a:rPr lang="en-US" dirty="0"/>
+              <a:rPr lang="en-US" smtClean="0"/>
               <a:pPr/>
-              <a:t>11/5/2021</a:t>
+              <a:t>11/7/2021</a:t>
             </a:fld>
             <a:endParaRPr lang="en-US" dirty="0"/>
           </a:p>
@@ -369,12 +862,7 @@
             <p:ph type="ftr" sz="quarter" idx="11"/>
           </p:nvPr>
         </p:nvSpPr>
-        <p:spPr>
-          <a:xfrm>
-            <a:off x="3962399" y="5870575"/>
-            <a:ext cx="4893958" cy="377825"/>
-          </a:xfrm>
-        </p:spPr>
+        <p:spPr/>
         <p:txBody>
           <a:bodyPr/>
           <a:lstStyle/>
@@ -393,18 +881,13 @@
             <p:ph type="sldNum" sz="quarter" idx="12"/>
           </p:nvPr>
         </p:nvSpPr>
-        <p:spPr>
-          <a:xfrm>
-            <a:off x="10608958" y="5870575"/>
-            <a:ext cx="551167" cy="377825"/>
-          </a:xfrm>
-        </p:spPr>
+        <p:spPr/>
         <p:txBody>
           <a:bodyPr/>
           <a:lstStyle/>
           <a:p>
             <a:fld id="{D57F1E4F-1CFF-5643-939E-217C01CDF565}" type="slidenum">
-              <a:rPr lang="en-US" dirty="0"/>
+              <a:rPr lang="en-US" smtClean="0"/>
               <a:pPr/>
               <a:t>‹#›</a:t>
             </a:fld>
@@ -413,327 +896,11 @@
         </p:txBody>
       </p:sp>
     </p:spTree>
-  </p:cSld>
-  <p:clrMapOvr>
-    <a:overrideClrMapping bg1="dk1" tx1="lt1" bg2="dk2" tx2="lt2" accent1="accent1" accent2="accent2" accent3="accent3" accent4="accent4" accent5="accent5" accent6="accent6" hlink="hlink" folHlink="folHlink"/>
-  </p:clrMapOvr>
-</p:sldLayout>
-</file>
-
-<file path=ppt/slideLayouts/slideLayout10.xml><?xml version="1.0" encoding="utf-8"?>
-<p:sldLayout xmlns:a="http://schemas.openxmlformats.org/drawingml/2006/main" xmlns:r="http://schemas.openxmlformats.org/officeDocument/2006/relationships" xmlns:p="http://schemas.openxmlformats.org/presentationml/2006/main" preserve="1">
-  <p:cSld name="Panoramic Picture with Caption">
-    <p:spTree>
-      <p:nvGrpSpPr>
-        <p:cNvPr id="1" name=""/>
-        <p:cNvGrpSpPr/>
-        <p:nvPr/>
-      </p:nvGrpSpPr>
-      <p:grpSpPr>
-        <a:xfrm>
-          <a:off x="0" y="0"/>
-          <a:ext cx="0" cy="0"/>
-          <a:chOff x="0" y="0"/>
-          <a:chExt cx="0" cy="0"/>
-        </a:xfrm>
-      </p:grpSpPr>
-      <p:pic>
-        <p:nvPicPr>
-          <p:cNvPr id="8" name="Picture 7" descr="Celestia-R1---OverlayContentHD.png"/>
-          <p:cNvPicPr>
-            <a:picLocks noChangeAspect="1"/>
-          </p:cNvPicPr>
-          <p:nvPr/>
-        </p:nvPicPr>
-        <p:blipFill>
-          <a:blip r:embed="rId2">
-            <a:extLst>
-              <a:ext uri="{28A0092B-C50C-407E-A947-70E740481C1C}">
-                <a14:useLocalDpi xmlns:a14="http://schemas.microsoft.com/office/drawing/2010/main" val="0"/>
-              </a:ext>
-            </a:extLst>
-          </a:blip>
-          <a:stretch>
-            <a:fillRect/>
-          </a:stretch>
-        </p:blipFill>
-        <p:spPr>
-          <a:xfrm>
-            <a:off x="0" y="0"/>
-            <a:ext cx="12188825" cy="6856214"/>
-          </a:xfrm>
-          <a:prstGeom prst="rect">
-            <a:avLst/>
-          </a:prstGeom>
-        </p:spPr>
-      </p:pic>
-      <p:sp>
-        <p:nvSpPr>
-          <p:cNvPr id="2" name="Title 1"/>
-          <p:cNvSpPr>
-            <a:spLocks noGrp="1"/>
-          </p:cNvSpPr>
-          <p:nvPr>
-            <p:ph type="title"/>
-          </p:nvPr>
-        </p:nvSpPr>
-        <p:spPr>
-          <a:xfrm>
-            <a:off x="685800" y="4732865"/>
-            <a:ext cx="10131427" cy="566738"/>
-          </a:xfrm>
-        </p:spPr>
-        <p:txBody>
-          <a:bodyPr anchor="b">
-            <a:normAutofit/>
-          </a:bodyPr>
-          <a:lstStyle>
-            <a:lvl1pPr algn="l">
-              <a:defRPr sz="2400" b="0"/>
-            </a:lvl1pPr>
-          </a:lstStyle>
-          <a:p>
-            <a:r>
-              <a:rPr lang="en-US"/>
-              <a:t>Click to edit Master title style</a:t>
-            </a:r>
-            <a:endParaRPr lang="en-US" dirty="0"/>
-          </a:p>
-        </p:txBody>
-      </p:sp>
-      <p:sp>
-        <p:nvSpPr>
-          <p:cNvPr id="3" name="Picture Placeholder 2"/>
-          <p:cNvSpPr>
-            <a:spLocks noGrp="1" noChangeAspect="1"/>
-          </p:cNvSpPr>
-          <p:nvPr>
-            <p:ph type="pic" idx="1"/>
-          </p:nvPr>
-        </p:nvSpPr>
-        <p:spPr>
-          <a:xfrm>
-            <a:off x="1371600" y="932112"/>
-            <a:ext cx="8759827" cy="3164976"/>
-          </a:xfrm>
-          <a:prstGeom prst="roundRect">
-            <a:avLst>
-              <a:gd name="adj" fmla="val 4380"/>
-            </a:avLst>
-          </a:prstGeom>
-          <a:ln w="50800" cap="sq" cmpd="dbl">
-            <a:gradFill flip="none" rotWithShape="1">
-              <a:gsLst>
-                <a:gs pos="0">
-                  <a:srgbClr val="FFFFFF"/>
-                </a:gs>
-                <a:gs pos="100000">
-                  <a:schemeClr val="tx1">
-                    <a:alpha val="0"/>
-                  </a:schemeClr>
-                </a:gs>
-              </a:gsLst>
-              <a:path path="circle">
-                <a:fillToRect l="50000" t="50000" r="50000" b="50000"/>
-              </a:path>
-              <a:tileRect/>
-            </a:gradFill>
-            <a:miter lim="800000"/>
-          </a:ln>
-          <a:effectLst>
-            <a:outerShdw blurRad="254000" algn="tl" rotWithShape="0">
-              <a:srgbClr val="000000">
-                <a:alpha val="43000"/>
-              </a:srgbClr>
-            </a:outerShdw>
-          </a:effectLst>
-        </p:spPr>
-        <p:txBody>
-          <a:bodyPr anchor="t">
-            <a:normAutofit/>
-          </a:bodyPr>
-          <a:lstStyle>
-            <a:lvl1pPr marL="0" indent="0" algn="ctr">
-              <a:buNone/>
-              <a:defRPr sz="1600"/>
-            </a:lvl1pPr>
-            <a:lvl2pPr marL="457200" indent="0">
-              <a:buNone/>
-              <a:defRPr sz="1600"/>
-            </a:lvl2pPr>
-            <a:lvl3pPr marL="914400" indent="0">
-              <a:buNone/>
-              <a:defRPr sz="1600"/>
-            </a:lvl3pPr>
-            <a:lvl4pPr marL="1371600" indent="0">
-              <a:buNone/>
-              <a:defRPr sz="1600"/>
-            </a:lvl4pPr>
-            <a:lvl5pPr marL="1828800" indent="0">
-              <a:buNone/>
-              <a:defRPr sz="1600"/>
-            </a:lvl5pPr>
-            <a:lvl6pPr marL="2286000" indent="0">
-              <a:buNone/>
-              <a:defRPr sz="1600"/>
-            </a:lvl6pPr>
-            <a:lvl7pPr marL="2743200" indent="0">
-              <a:buNone/>
-              <a:defRPr sz="1600"/>
-            </a:lvl7pPr>
-            <a:lvl8pPr marL="3200400" indent="0">
-              <a:buNone/>
-              <a:defRPr sz="1600"/>
-            </a:lvl8pPr>
-            <a:lvl9pPr marL="3657600" indent="0">
-              <a:buNone/>
-              <a:defRPr sz="1600"/>
-            </a:lvl9pPr>
-          </a:lstStyle>
-          <a:p>
-            <a:r>
-              <a:rPr lang="en-US"/>
-              <a:t>Click icon to add picture</a:t>
-            </a:r>
-            <a:endParaRPr lang="en-US" dirty="0"/>
-          </a:p>
-        </p:txBody>
-      </p:sp>
-      <p:sp>
-        <p:nvSpPr>
-          <p:cNvPr id="4" name="Text Placeholder 3"/>
-          <p:cNvSpPr>
-            <a:spLocks noGrp="1"/>
-          </p:cNvSpPr>
-          <p:nvPr>
-            <p:ph type="body" sz="half" idx="2"/>
-          </p:nvPr>
-        </p:nvSpPr>
-        <p:spPr>
-          <a:xfrm>
-            <a:off x="685800" y="5299603"/>
-            <a:ext cx="10131427" cy="493712"/>
-          </a:xfrm>
-        </p:spPr>
-        <p:txBody>
-          <a:bodyPr anchor="t">
-            <a:normAutofit/>
-          </a:bodyPr>
-          <a:lstStyle>
-            <a:lvl1pPr marL="0" indent="0">
-              <a:buNone/>
-              <a:defRPr sz="1400"/>
-            </a:lvl1pPr>
-            <a:lvl2pPr marL="457200" indent="0">
-              <a:buNone/>
-              <a:defRPr sz="1200"/>
-            </a:lvl2pPr>
-            <a:lvl3pPr marL="914400" indent="0">
-              <a:buNone/>
-              <a:defRPr sz="1000"/>
-            </a:lvl3pPr>
-            <a:lvl4pPr marL="1371600" indent="0">
-              <a:buNone/>
-              <a:defRPr sz="900"/>
-            </a:lvl4pPr>
-            <a:lvl5pPr marL="1828800" indent="0">
-              <a:buNone/>
-              <a:defRPr sz="900"/>
-            </a:lvl5pPr>
-            <a:lvl6pPr marL="2286000" indent="0">
-              <a:buNone/>
-              <a:defRPr sz="900"/>
-            </a:lvl6pPr>
-            <a:lvl7pPr marL="2743200" indent="0">
-              <a:buNone/>
-              <a:defRPr sz="900"/>
-            </a:lvl7pPr>
-            <a:lvl8pPr marL="3200400" indent="0">
-              <a:buNone/>
-              <a:defRPr sz="900"/>
-            </a:lvl8pPr>
-            <a:lvl9pPr marL="3657600" indent="0">
-              <a:buNone/>
-              <a:defRPr sz="900"/>
-            </a:lvl9pPr>
-          </a:lstStyle>
-          <a:p>
-            <a:pPr lvl="0"/>
-            <a:r>
-              <a:rPr lang="en-US"/>
-              <a:t>Click to edit Master text styles</a:t>
-            </a:r>
-          </a:p>
-        </p:txBody>
-      </p:sp>
-      <p:sp>
-        <p:nvSpPr>
-          <p:cNvPr id="5" name="Date Placeholder 4"/>
-          <p:cNvSpPr>
-            <a:spLocks noGrp="1"/>
-          </p:cNvSpPr>
-          <p:nvPr>
-            <p:ph type="dt" sz="half" idx="10"/>
-          </p:nvPr>
-        </p:nvSpPr>
-        <p:spPr/>
-        <p:txBody>
-          <a:bodyPr/>
-          <a:lstStyle/>
-          <a:p>
-            <a:fld id="{B61BEF0D-F0BB-DE4B-95CE-6DB70DBA9567}" type="datetimeFigureOut">
-              <a:rPr lang="en-US" dirty="0"/>
-              <a:pPr/>
-              <a:t>11/5/2021</a:t>
-            </a:fld>
-            <a:endParaRPr lang="en-US" dirty="0"/>
-          </a:p>
-        </p:txBody>
-      </p:sp>
-      <p:sp>
-        <p:nvSpPr>
-          <p:cNvPr id="6" name="Footer Placeholder 5"/>
-          <p:cNvSpPr>
-            <a:spLocks noGrp="1"/>
-          </p:cNvSpPr>
-          <p:nvPr>
-            <p:ph type="ftr" sz="quarter" idx="11"/>
-          </p:nvPr>
-        </p:nvSpPr>
-        <p:spPr/>
-        <p:txBody>
-          <a:bodyPr/>
-          <a:lstStyle/>
-          <a:p>
-            <a:endParaRPr lang="en-US" dirty="0"/>
-          </a:p>
-        </p:txBody>
-      </p:sp>
-      <p:sp>
-        <p:nvSpPr>
-          <p:cNvPr id="7" name="Slide Number Placeholder 6"/>
-          <p:cNvSpPr>
-            <a:spLocks noGrp="1"/>
-          </p:cNvSpPr>
-          <p:nvPr>
-            <p:ph type="sldNum" sz="quarter" idx="12"/>
-          </p:nvPr>
-        </p:nvSpPr>
-        <p:spPr/>
-        <p:txBody>
-          <a:bodyPr/>
-          <a:lstStyle/>
-          <a:p>
-            <a:fld id="{D57F1E4F-1CFF-5643-939E-217C01CDF565}" type="slidenum">
-              <a:rPr lang="en-US" dirty="0"/>
-              <a:pPr/>
-              <a:t>‹#›</a:t>
-            </a:fld>
-            <a:endParaRPr lang="en-US" dirty="0"/>
-          </a:p>
-        </p:txBody>
-      </p:sp>
-    </p:spTree>
+    <p:extLst>
+      <p:ext uri="{BB962C8B-B14F-4D97-AF65-F5344CB8AC3E}">
+        <p14:creationId xmlns:p14="http://schemas.microsoft.com/office/powerpoint/2010/main" val="2382538781"/>
+      </p:ext>
+    </p:extLst>
   </p:cSld>
   <p:clrMapOvr>
     <a:masterClrMapping/>
@@ -741,7 +908,7 @@
 </p:sldLayout>
 </file>
 
-<file path=ppt/slideLayouts/slideLayout11.xml><?xml version="1.0" encoding="utf-8"?>
+<file path=ppt/slideLayouts/slideLayout10.xml><?xml version="1.0" encoding="utf-8"?>
 <p:sldLayout xmlns:a="http://schemas.openxmlformats.org/drawingml/2006/main" xmlns:r="http://schemas.openxmlformats.org/officeDocument/2006/relationships" xmlns:p="http://schemas.openxmlformats.org/presentationml/2006/main" preserve="1">
   <p:cSld name="Title and Caption">
     <p:spTree>
@@ -758,36 +925,6 @@
           <a:chExt cx="0" cy="0"/>
         </a:xfrm>
       </p:grpSpPr>
-      <p:pic>
-        <p:nvPicPr>
-          <p:cNvPr id="7" name="Picture 6" descr="Celestia-R1---OverlayContentHD.png"/>
-          <p:cNvPicPr>
-            <a:picLocks noChangeAspect="1"/>
-          </p:cNvPicPr>
-          <p:nvPr/>
-        </p:nvPicPr>
-        <p:blipFill>
-          <a:blip r:embed="rId2">
-            <a:extLst>
-              <a:ext uri="{28A0092B-C50C-407E-A947-70E740481C1C}">
-                <a14:useLocalDpi xmlns:a14="http://schemas.microsoft.com/office/drawing/2010/main" val="0"/>
-              </a:ext>
-            </a:extLst>
-          </a:blip>
-          <a:stretch>
-            <a:fillRect/>
-          </a:stretch>
-        </p:blipFill>
-        <p:spPr>
-          <a:xfrm>
-            <a:off x="0" y="0"/>
-            <a:ext cx="12188825" cy="6856214"/>
-          </a:xfrm>
-          <a:prstGeom prst="rect">
-            <a:avLst/>
-          </a:prstGeom>
-        </p:spPr>
-      </p:pic>
       <p:sp>
         <p:nvSpPr>
           <p:cNvPr id="2" name="Title 1"/>
@@ -800,8 +937,8 @@
         </p:nvSpPr>
         <p:spPr>
           <a:xfrm>
-            <a:off x="685801" y="609601"/>
-            <a:ext cx="10131427" cy="3124199"/>
+            <a:off x="677335" y="609600"/>
+            <a:ext cx="8596668" cy="3403600"/>
           </a:xfrm>
         </p:spPr>
         <p:txBody>
@@ -810,7 +947,7 @@
           </a:bodyPr>
           <a:lstStyle>
             <a:lvl1pPr algn="l">
-              <a:defRPr sz="3200" b="0" cap="none"/>
+              <a:defRPr sz="4400" b="0" cap="none"/>
             </a:lvl1pPr>
           </a:lstStyle>
           <a:p>
@@ -834,8 +971,8 @@
         </p:nvSpPr>
         <p:spPr>
           <a:xfrm>
-            <a:off x="685800" y="4343400"/>
-            <a:ext cx="10131428" cy="1447800"/>
+            <a:off x="677335" y="4470400"/>
+            <a:ext cx="8596668" cy="1570962"/>
           </a:xfrm>
         </p:spPr>
         <p:txBody>
@@ -845,9 +982,12 @@
           <a:lstStyle>
             <a:lvl1pPr marL="0" indent="0" algn="l">
               <a:buNone/>
-              <a:defRPr sz="2000">
+              <a:defRPr sz="1800">
                 <a:solidFill>
-                  <a:schemeClr val="tx1"/>
+                  <a:schemeClr val="tx1">
+                    <a:lumMod val="75000"/>
+                    <a:lumOff val="25000"/>
+                  </a:schemeClr>
                 </a:solidFill>
               </a:defRPr>
             </a:lvl1pPr>
@@ -957,9 +1097,9 @@
           <a:lstStyle/>
           <a:p>
             <a:fld id="{B61BEF0D-F0BB-DE4B-95CE-6DB70DBA9567}" type="datetimeFigureOut">
-              <a:rPr lang="en-US" dirty="0"/>
+              <a:rPr lang="en-US" smtClean="0"/>
               <a:pPr/>
-              <a:t>11/5/2021</a:t>
+              <a:t>11/7/2021</a:t>
             </a:fld>
             <a:endParaRPr lang="en-US" dirty="0"/>
           </a:p>
@@ -1000,7 +1140,7 @@
           <a:lstStyle/>
           <a:p>
             <a:fld id="{D57F1E4F-1CFF-5643-939E-217C01CDF565}" type="slidenum">
-              <a:rPr lang="en-US" dirty="0"/>
+              <a:rPr lang="en-US" smtClean="0"/>
               <a:pPr/>
               <a:t>‹#›</a:t>
             </a:fld>
@@ -1009,6 +1149,11 @@
         </p:txBody>
       </p:sp>
     </p:spTree>
+    <p:extLst>
+      <p:ext uri="{BB962C8B-B14F-4D97-AF65-F5344CB8AC3E}">
+        <p14:creationId xmlns:p14="http://schemas.microsoft.com/office/powerpoint/2010/main" val="1853485315"/>
+      </p:ext>
+    </p:extLst>
   </p:cSld>
   <p:clrMapOvr>
     <a:masterClrMapping/>
@@ -1016,7 +1161,7 @@
 </p:sldLayout>
 </file>
 
-<file path=ppt/slideLayouts/slideLayout12.xml><?xml version="1.0" encoding="utf-8"?>
+<file path=ppt/slideLayouts/slideLayout11.xml><?xml version="1.0" encoding="utf-8"?>
 <p:sldLayout xmlns:a="http://schemas.openxmlformats.org/drawingml/2006/main" xmlns:r="http://schemas.openxmlformats.org/officeDocument/2006/relationships" xmlns:p="http://schemas.openxmlformats.org/presentationml/2006/main" preserve="1">
   <p:cSld name="Quote with Caption">
     <p:spTree>
@@ -1033,271 +1178,9 @@
           <a:chExt cx="0" cy="0"/>
         </a:xfrm>
       </p:grpSpPr>
-      <p:pic>
-        <p:nvPicPr>
-          <p:cNvPr id="11" name="Picture 10" descr="Celestia-R1---OverlayContentHD.png"/>
-          <p:cNvPicPr>
-            <a:picLocks noChangeAspect="1"/>
-          </p:cNvPicPr>
-          <p:nvPr/>
-        </p:nvPicPr>
-        <p:blipFill>
-          <a:blip r:embed="rId2">
-            <a:extLst>
-              <a:ext uri="{28A0092B-C50C-407E-A947-70E740481C1C}">
-                <a14:useLocalDpi xmlns:a14="http://schemas.microsoft.com/office/drawing/2010/main" val="0"/>
-              </a:ext>
-            </a:extLst>
-          </a:blip>
-          <a:stretch>
-            <a:fillRect/>
-          </a:stretch>
-        </p:blipFill>
-        <p:spPr>
-          <a:xfrm>
-            <a:off x="0" y="0"/>
-            <a:ext cx="12188825" cy="6856214"/>
-          </a:xfrm>
-          <a:prstGeom prst="rect">
-            <a:avLst/>
-          </a:prstGeom>
-        </p:spPr>
-      </p:pic>
-      <p:sp>
-        <p:nvSpPr>
-          <p:cNvPr id="13" name="TextBox 12"/>
-          <p:cNvSpPr txBox="1"/>
-          <p:nvPr/>
-        </p:nvSpPr>
-        <p:spPr>
-          <a:xfrm>
-            <a:off x="10237867" y="2743200"/>
-            <a:ext cx="609600" cy="584776"/>
-          </a:xfrm>
-          <a:prstGeom prst="rect">
-            <a:avLst/>
-          </a:prstGeom>
-        </p:spPr>
-        <p:txBody>
-          <a:bodyPr vert="horz" lIns="91440" tIns="45720" rIns="91440" bIns="45720" rtlCol="0" anchor="ctr">
-            <a:noAutofit/>
-          </a:bodyPr>
-          <a:lstStyle>
-            <a:lvl1pPr>
-              <a:spcBef>
-                <a:spcPct val="0"/>
-              </a:spcBef>
-              <a:buNone/>
-              <a:defRPr sz="3200" b="0" cap="all">
-                <a:ln w="3175" cmpd="sng">
-                  <a:noFill/>
-                </a:ln>
-                <a:effectLst>
-                  <a:glow rad="38100">
-                    <a:schemeClr val="bg1">
-                      <a:lumMod val="65000"/>
-                      <a:lumOff val="35000"/>
-                      <a:alpha val="40000"/>
-                    </a:schemeClr>
-                  </a:glow>
-                  <a:outerShdw blurRad="28575" dist="38100" dir="14040000" algn="tl" rotWithShape="0">
-                    <a:srgbClr val="000000">
-                      <a:alpha val="25000"/>
-                    </a:srgbClr>
-                  </a:outerShdw>
-                </a:effectLst>
-              </a:defRPr>
-            </a:lvl1pPr>
-            <a:lvl2pPr>
-              <a:defRPr>
-                <a:solidFill>
-                  <a:schemeClr val="tx2"/>
-                </a:solidFill>
-              </a:defRPr>
-            </a:lvl2pPr>
-            <a:lvl3pPr>
-              <a:defRPr>
-                <a:solidFill>
-                  <a:schemeClr val="tx2"/>
-                </a:solidFill>
-              </a:defRPr>
-            </a:lvl3pPr>
-            <a:lvl4pPr>
-              <a:defRPr>
-                <a:solidFill>
-                  <a:schemeClr val="tx2"/>
-                </a:solidFill>
-              </a:defRPr>
-            </a:lvl4pPr>
-            <a:lvl5pPr>
-              <a:defRPr>
-                <a:solidFill>
-                  <a:schemeClr val="tx2"/>
-                </a:solidFill>
-              </a:defRPr>
-            </a:lvl5pPr>
-            <a:lvl6pPr>
-              <a:defRPr>
-                <a:solidFill>
-                  <a:schemeClr val="tx2"/>
-                </a:solidFill>
-              </a:defRPr>
-            </a:lvl6pPr>
-            <a:lvl7pPr>
-              <a:defRPr>
-                <a:solidFill>
-                  <a:schemeClr val="tx2"/>
-                </a:solidFill>
-              </a:defRPr>
-            </a:lvl7pPr>
-            <a:lvl8pPr>
-              <a:defRPr>
-                <a:solidFill>
-                  <a:schemeClr val="tx2"/>
-                </a:solidFill>
-              </a:defRPr>
-            </a:lvl8pPr>
-            <a:lvl9pPr>
-              <a:defRPr>
-                <a:solidFill>
-                  <a:schemeClr val="tx2"/>
-                </a:solidFill>
-              </a:defRPr>
-            </a:lvl9pPr>
-          </a:lstStyle>
-          <a:p>
-            <a:pPr lvl="0" algn="r"/>
-            <a:r>
-              <a:rPr lang="en-US" sz="8000" dirty="0">
-                <a:solidFill>
-                  <a:schemeClr val="tx1"/>
-                </a:solidFill>
-                <a:effectLst/>
-              </a:rPr>
-              <a:t>”</a:t>
-            </a:r>
-          </a:p>
-        </p:txBody>
-      </p:sp>
-      <p:sp>
-        <p:nvSpPr>
-          <p:cNvPr id="14" name="TextBox 13"/>
-          <p:cNvSpPr txBox="1"/>
-          <p:nvPr/>
-        </p:nvSpPr>
-        <p:spPr>
-          <a:xfrm>
-            <a:off x="488275" y="823337"/>
-            <a:ext cx="609600" cy="584776"/>
-          </a:xfrm>
-          <a:prstGeom prst="rect">
-            <a:avLst/>
-          </a:prstGeom>
-        </p:spPr>
-        <p:txBody>
-          <a:bodyPr vert="horz" lIns="91440" tIns="45720" rIns="91440" bIns="45720" rtlCol="0" anchor="ctr">
-            <a:noAutofit/>
-          </a:bodyPr>
-          <a:lstStyle>
-            <a:lvl1pPr>
-              <a:spcBef>
-                <a:spcPct val="0"/>
-              </a:spcBef>
-              <a:buNone/>
-              <a:defRPr sz="3200" b="0" cap="all">
-                <a:ln w="3175" cmpd="sng">
-                  <a:noFill/>
-                </a:ln>
-                <a:effectLst>
-                  <a:glow rad="38100">
-                    <a:schemeClr val="bg1">
-                      <a:lumMod val="65000"/>
-                      <a:lumOff val="35000"/>
-                      <a:alpha val="40000"/>
-                    </a:schemeClr>
-                  </a:glow>
-                  <a:outerShdw blurRad="28575" dist="38100" dir="14040000" algn="tl" rotWithShape="0">
-                    <a:srgbClr val="000000">
-                      <a:alpha val="25000"/>
-                    </a:srgbClr>
-                  </a:outerShdw>
-                </a:effectLst>
-              </a:defRPr>
-            </a:lvl1pPr>
-            <a:lvl2pPr>
-              <a:defRPr>
-                <a:solidFill>
-                  <a:schemeClr val="tx2"/>
-                </a:solidFill>
-              </a:defRPr>
-            </a:lvl2pPr>
-            <a:lvl3pPr>
-              <a:defRPr>
-                <a:solidFill>
-                  <a:schemeClr val="tx2"/>
-                </a:solidFill>
-              </a:defRPr>
-            </a:lvl3pPr>
-            <a:lvl4pPr>
-              <a:defRPr>
-                <a:solidFill>
-                  <a:schemeClr val="tx2"/>
-                </a:solidFill>
-              </a:defRPr>
-            </a:lvl4pPr>
-            <a:lvl5pPr>
-              <a:defRPr>
-                <a:solidFill>
-                  <a:schemeClr val="tx2"/>
-                </a:solidFill>
-              </a:defRPr>
-            </a:lvl5pPr>
-            <a:lvl6pPr>
-              <a:defRPr>
-                <a:solidFill>
-                  <a:schemeClr val="tx2"/>
-                </a:solidFill>
-              </a:defRPr>
-            </a:lvl6pPr>
-            <a:lvl7pPr>
-              <a:defRPr>
-                <a:solidFill>
-                  <a:schemeClr val="tx2"/>
-                </a:solidFill>
-              </a:defRPr>
-            </a:lvl7pPr>
-            <a:lvl8pPr>
-              <a:defRPr>
-                <a:solidFill>
-                  <a:schemeClr val="tx2"/>
-                </a:solidFill>
-              </a:defRPr>
-            </a:lvl8pPr>
-            <a:lvl9pPr>
-              <a:defRPr>
-                <a:solidFill>
-                  <a:schemeClr val="tx2"/>
-                </a:solidFill>
-              </a:defRPr>
-            </a:lvl9pPr>
-          </a:lstStyle>
-          <a:p>
-            <a:pPr lvl="0" algn="r"/>
-            <a:r>
-              <a:rPr lang="en-US" sz="8000" dirty="0">
-                <a:solidFill>
-                  <a:schemeClr val="tx1"/>
-                </a:solidFill>
-                <a:effectLst/>
-              </a:rPr>
-              <a:t>“</a:t>
-            </a:r>
-          </a:p>
-        </p:txBody>
-      </p:sp>
-      <p:sp>
-        <p:nvSpPr>
-          <p:cNvPr id="16" name="Title 1"/>
+      <p:sp>
+        <p:nvSpPr>
+          <p:cNvPr id="2" name="Title 1"/>
           <p:cNvSpPr>
             <a:spLocks noGrp="1"/>
           </p:cNvSpPr>
@@ -1307,8 +1190,8 @@
         </p:nvSpPr>
         <p:spPr>
           <a:xfrm>
-            <a:off x="992267" y="609601"/>
-            <a:ext cx="9550399" cy="2743199"/>
+            <a:off x="931334" y="609600"/>
+            <a:ext cx="8094134" cy="3022600"/>
           </a:xfrm>
         </p:spPr>
         <p:txBody>
@@ -1317,11 +1200,7 @@
           </a:bodyPr>
           <a:lstStyle>
             <a:lvl1pPr algn="l">
-              <a:defRPr sz="3200" b="0" cap="none">
-                <a:solidFill>
-                  <a:schemeClr val="tx1"/>
-                </a:solidFill>
-              </a:defRPr>
+              <a:defRPr sz="4400" b="0" cap="none"/>
             </a:lvl1pPr>
           </a:lstStyle>
           <a:p>
@@ -1335,7 +1214,7 @@
       </p:sp>
       <p:sp>
         <p:nvSpPr>
-          <p:cNvPr id="10" name="Text Placeholder 9"/>
+          <p:cNvPr id="23" name="Text Placeholder 9"/>
           <p:cNvSpPr>
             <a:spLocks noGrp="1"/>
           </p:cNvSpPr>
@@ -1345,17 +1224,26 @@
         </p:nvSpPr>
         <p:spPr>
           <a:xfrm>
-            <a:off x="1097875" y="3352800"/>
-            <a:ext cx="9339184" cy="381000"/>
+            <a:off x="1366139" y="3632200"/>
+            <a:ext cx="7224524" cy="381000"/>
           </a:xfrm>
         </p:spPr>
         <p:txBody>
-          <a:bodyPr anchor="ctr"/>
+          <a:bodyPr anchor="ctr">
+            <a:noAutofit/>
+          </a:bodyPr>
           <a:lstStyle>
             <a:lvl1pPr marL="0" indent="0">
               <a:buFontTx/>
               <a:buNone/>
-              <a:defRPr/>
+              <a:defRPr sz="1600">
+                <a:solidFill>
+                  <a:schemeClr val="tx1">
+                    <a:lumMod val="50000"/>
+                    <a:lumOff val="50000"/>
+                  </a:schemeClr>
+                </a:solidFill>
+              </a:defRPr>
             </a:lvl1pPr>
             <a:lvl2pPr marL="457200" indent="0">
               <a:buFontTx/>
@@ -1399,8 +1287,8 @@
         </p:nvSpPr>
         <p:spPr>
           <a:xfrm>
-            <a:off x="687465" y="4343400"/>
-            <a:ext cx="10152367" cy="1447800"/>
+            <a:off x="677335" y="4470400"/>
+            <a:ext cx="8596668" cy="1570962"/>
           </a:xfrm>
         </p:spPr>
         <p:txBody>
@@ -1410,9 +1298,12 @@
           <a:lstStyle>
             <a:lvl1pPr marL="0" indent="0" algn="l">
               <a:buNone/>
-              <a:defRPr sz="2000">
+              <a:defRPr sz="1800">
                 <a:solidFill>
-                  <a:schemeClr val="tx1"/>
+                  <a:schemeClr val="tx1">
+                    <a:lumMod val="75000"/>
+                    <a:lumOff val="25000"/>
+                  </a:schemeClr>
                 </a:solidFill>
               </a:defRPr>
             </a:lvl1pPr>
@@ -1522,9 +1413,9 @@
           <a:lstStyle/>
           <a:p>
             <a:fld id="{B61BEF0D-F0BB-DE4B-95CE-6DB70DBA9567}" type="datetimeFigureOut">
-              <a:rPr lang="en-US" dirty="0"/>
+              <a:rPr lang="en-US" smtClean="0"/>
               <a:pPr/>
-              <a:t>11/5/2021</a:t>
+              <a:t>11/7/2021</a:t>
             </a:fld>
             <a:endParaRPr lang="en-US" dirty="0"/>
           </a:p>
@@ -1565,7 +1456,7 @@
           <a:lstStyle/>
           <a:p>
             <a:fld id="{D57F1E4F-1CFF-5643-939E-217C01CDF565}" type="slidenum">
-              <a:rPr lang="en-US" dirty="0"/>
+              <a:rPr lang="en-US" smtClean="0"/>
               <a:pPr/>
               <a:t>‹#›</a:t>
             </a:fld>
@@ -1573,7 +1464,102 @@
           </a:p>
         </p:txBody>
       </p:sp>
+      <p:sp>
+        <p:nvSpPr>
+          <p:cNvPr id="20" name="TextBox 19"/>
+          <p:cNvSpPr txBox="1"/>
+          <p:nvPr/>
+        </p:nvSpPr>
+        <p:spPr>
+          <a:xfrm>
+            <a:off x="541870" y="790378"/>
+            <a:ext cx="609600" cy="584776"/>
+          </a:xfrm>
+          <a:prstGeom prst="rect">
+            <a:avLst/>
+          </a:prstGeom>
+        </p:spPr>
+        <p:txBody>
+          <a:bodyPr vert="horz" lIns="91440" tIns="45720" rIns="91440" bIns="45720" rtlCol="0" anchor="ctr">
+            <a:noAutofit/>
+          </a:bodyPr>
+          <a:lstStyle/>
+          <a:p>
+            <a:pPr lvl="0"/>
+            <a:r>
+              <a:rPr lang="en-US" sz="8000" baseline="0" dirty="0">
+                <a:ln w="3175" cmpd="sng">
+                  <a:noFill/>
+                </a:ln>
+                <a:solidFill>
+                  <a:schemeClr val="accent1">
+                    <a:lumMod val="60000"/>
+                    <a:lumOff val="40000"/>
+                  </a:schemeClr>
+                </a:solidFill>
+                <a:effectLst/>
+                <a:latin typeface="Arial"/>
+              </a:rPr>
+              <a:t>“</a:t>
+            </a:r>
+          </a:p>
+        </p:txBody>
+      </p:sp>
+      <p:sp>
+        <p:nvSpPr>
+          <p:cNvPr id="22" name="TextBox 21"/>
+          <p:cNvSpPr txBox="1"/>
+          <p:nvPr/>
+        </p:nvSpPr>
+        <p:spPr>
+          <a:xfrm>
+            <a:off x="8893011" y="2886556"/>
+            <a:ext cx="609600" cy="584776"/>
+          </a:xfrm>
+          <a:prstGeom prst="rect">
+            <a:avLst/>
+          </a:prstGeom>
+        </p:spPr>
+        <p:txBody>
+          <a:bodyPr vert="horz" lIns="91440" tIns="45720" rIns="91440" bIns="45720" rtlCol="0" anchor="ctr">
+            <a:noAutofit/>
+          </a:bodyPr>
+          <a:lstStyle/>
+          <a:p>
+            <a:pPr lvl="0"/>
+            <a:r>
+              <a:rPr lang="en-US" sz="8000" baseline="0" dirty="0">
+                <a:ln w="3175" cmpd="sng">
+                  <a:noFill/>
+                </a:ln>
+                <a:solidFill>
+                  <a:schemeClr val="accent1">
+                    <a:lumMod val="60000"/>
+                    <a:lumOff val="40000"/>
+                  </a:schemeClr>
+                </a:solidFill>
+                <a:latin typeface="Arial"/>
+              </a:rPr>
+              <a:t>”</a:t>
+            </a:r>
+            <a:endParaRPr lang="en-US" dirty="0">
+              <a:solidFill>
+                <a:schemeClr val="accent1">
+                  <a:lumMod val="60000"/>
+                  <a:lumOff val="40000"/>
+                </a:schemeClr>
+              </a:solidFill>
+              <a:latin typeface="Arial"/>
+            </a:endParaRPr>
+          </a:p>
+        </p:txBody>
+      </p:sp>
     </p:spTree>
+    <p:extLst>
+      <p:ext uri="{BB962C8B-B14F-4D97-AF65-F5344CB8AC3E}">
+        <p14:creationId xmlns:p14="http://schemas.microsoft.com/office/powerpoint/2010/main" val="2709162017"/>
+      </p:ext>
+    </p:extLst>
   </p:cSld>
   <p:clrMapOvr>
     <a:masterClrMapping/>
@@ -1581,7 +1567,7 @@
 </p:sldLayout>
 </file>
 
-<file path=ppt/slideLayouts/slideLayout13.xml><?xml version="1.0" encoding="utf-8"?>
+<file path=ppt/slideLayouts/slideLayout12.xml><?xml version="1.0" encoding="utf-8"?>
 <p:sldLayout xmlns:a="http://schemas.openxmlformats.org/drawingml/2006/main" xmlns:r="http://schemas.openxmlformats.org/officeDocument/2006/relationships" xmlns:p="http://schemas.openxmlformats.org/presentationml/2006/main" preserve="1">
   <p:cSld name="Name Card">
     <p:spTree>
@@ -1598,36 +1584,6 @@
           <a:chExt cx="0" cy="0"/>
         </a:xfrm>
       </p:grpSpPr>
-      <p:pic>
-        <p:nvPicPr>
-          <p:cNvPr id="7" name="Picture 6" descr="Celestia-R1---OverlayContentHD.png"/>
-          <p:cNvPicPr>
-            <a:picLocks noChangeAspect="1"/>
-          </p:cNvPicPr>
-          <p:nvPr/>
-        </p:nvPicPr>
-        <p:blipFill>
-          <a:blip r:embed="rId2">
-            <a:extLst>
-              <a:ext uri="{28A0092B-C50C-407E-A947-70E740481C1C}">
-                <a14:useLocalDpi xmlns:a14="http://schemas.microsoft.com/office/drawing/2010/main" val="0"/>
-              </a:ext>
-            </a:extLst>
-          </a:blip>
-          <a:stretch>
-            <a:fillRect/>
-          </a:stretch>
-        </p:blipFill>
-        <p:spPr>
-          <a:xfrm>
-            <a:off x="0" y="0"/>
-            <a:ext cx="12188825" cy="6856214"/>
-          </a:xfrm>
-          <a:prstGeom prst="rect">
-            <a:avLst/>
-          </a:prstGeom>
-        </p:spPr>
-      </p:pic>
       <p:sp>
         <p:nvSpPr>
           <p:cNvPr id="2" name="Title 1"/>
@@ -1640,8 +1596,8 @@
         </p:nvSpPr>
         <p:spPr>
           <a:xfrm>
-            <a:off x="685802" y="3308581"/>
-            <a:ext cx="10131425" cy="1468800"/>
+            <a:off x="677335" y="1931988"/>
+            <a:ext cx="8596668" cy="2595460"/>
           </a:xfrm>
         </p:spPr>
         <p:txBody>
@@ -1650,7 +1606,7 @@
           </a:bodyPr>
           <a:lstStyle>
             <a:lvl1pPr algn="l">
-              <a:defRPr sz="3200" b="0" cap="none"/>
+              <a:defRPr sz="4400" b="0" cap="none"/>
             </a:lvl1pPr>
           </a:lstStyle>
           <a:p>
@@ -1674,8 +1630,8 @@
         </p:nvSpPr>
         <p:spPr>
           <a:xfrm>
-            <a:off x="685801" y="4777381"/>
-            <a:ext cx="10131426" cy="860400"/>
+            <a:off x="677335" y="4527448"/>
+            <a:ext cx="8596668" cy="1513914"/>
           </a:xfrm>
         </p:spPr>
         <p:txBody>
@@ -1685,9 +1641,12 @@
           <a:lstStyle>
             <a:lvl1pPr marL="0" indent="0" algn="l">
               <a:buNone/>
-              <a:defRPr sz="2000">
+              <a:defRPr sz="1800">
                 <a:solidFill>
-                  <a:schemeClr val="tx1"/>
+                  <a:schemeClr val="tx1">
+                    <a:lumMod val="75000"/>
+                    <a:lumOff val="25000"/>
+                  </a:schemeClr>
                 </a:solidFill>
               </a:defRPr>
             </a:lvl1pPr>
@@ -1797,9 +1756,9 @@
           <a:lstStyle/>
           <a:p>
             <a:fld id="{B61BEF0D-F0BB-DE4B-95CE-6DB70DBA9567}" type="datetimeFigureOut">
-              <a:rPr lang="en-US" dirty="0"/>
+              <a:rPr lang="en-US" smtClean="0"/>
               <a:pPr/>
-              <a:t>11/5/2021</a:t>
+              <a:t>11/7/2021</a:t>
             </a:fld>
             <a:endParaRPr lang="en-US" dirty="0"/>
           </a:p>
@@ -1840,7 +1799,7 @@
           <a:lstStyle/>
           <a:p>
             <a:fld id="{D57F1E4F-1CFF-5643-939E-217C01CDF565}" type="slidenum">
-              <a:rPr lang="en-US" dirty="0"/>
+              <a:rPr lang="en-US" smtClean="0"/>
               <a:pPr/>
               <a:t>‹#›</a:t>
             </a:fld>
@@ -1849,6 +1808,11 @@
         </p:txBody>
       </p:sp>
     </p:spTree>
+    <p:extLst>
+      <p:ext uri="{BB962C8B-B14F-4D97-AF65-F5344CB8AC3E}">
+        <p14:creationId xmlns:p14="http://schemas.microsoft.com/office/powerpoint/2010/main" val="350700875"/>
+      </p:ext>
+    </p:extLst>
   </p:cSld>
   <p:clrMapOvr>
     <a:masterClrMapping/>
@@ -1856,7 +1820,7 @@
 </p:sldLayout>
 </file>
 
-<file path=ppt/slideLayouts/slideLayout14.xml><?xml version="1.0" encoding="utf-8"?>
+<file path=ppt/slideLayouts/slideLayout13.xml><?xml version="1.0" encoding="utf-8"?>
 <p:sldLayout xmlns:a="http://schemas.openxmlformats.org/drawingml/2006/main" xmlns:r="http://schemas.openxmlformats.org/officeDocument/2006/relationships" xmlns:p="http://schemas.openxmlformats.org/presentationml/2006/main" preserve="1">
   <p:cSld name="Quote Name Card">
     <p:spTree>
@@ -1873,271 +1837,9 @@
           <a:chExt cx="0" cy="0"/>
         </a:xfrm>
       </p:grpSpPr>
-      <p:pic>
-        <p:nvPicPr>
-          <p:cNvPr id="11" name="Picture 10" descr="Celestia-R1---OverlayContentHD.png"/>
-          <p:cNvPicPr>
-            <a:picLocks noChangeAspect="1"/>
-          </p:cNvPicPr>
-          <p:nvPr/>
-        </p:nvPicPr>
-        <p:blipFill>
-          <a:blip r:embed="rId2">
-            <a:extLst>
-              <a:ext uri="{28A0092B-C50C-407E-A947-70E740481C1C}">
-                <a14:useLocalDpi xmlns:a14="http://schemas.microsoft.com/office/drawing/2010/main" val="0"/>
-              </a:ext>
-            </a:extLst>
-          </a:blip>
-          <a:stretch>
-            <a:fillRect/>
-          </a:stretch>
-        </p:blipFill>
-        <p:spPr>
-          <a:xfrm>
-            <a:off x="0" y="0"/>
-            <a:ext cx="12188825" cy="6856214"/>
-          </a:xfrm>
-          <a:prstGeom prst="rect">
-            <a:avLst/>
-          </a:prstGeom>
-        </p:spPr>
-      </p:pic>
-      <p:sp>
-        <p:nvSpPr>
-          <p:cNvPr id="13" name="TextBox 12"/>
-          <p:cNvSpPr txBox="1"/>
-          <p:nvPr/>
-        </p:nvSpPr>
-        <p:spPr>
-          <a:xfrm>
-            <a:off x="10237867" y="2743200"/>
-            <a:ext cx="609600" cy="584776"/>
-          </a:xfrm>
-          <a:prstGeom prst="rect">
-            <a:avLst/>
-          </a:prstGeom>
-        </p:spPr>
-        <p:txBody>
-          <a:bodyPr vert="horz" lIns="91440" tIns="45720" rIns="91440" bIns="45720" rtlCol="0" anchor="ctr">
-            <a:noAutofit/>
-          </a:bodyPr>
-          <a:lstStyle>
-            <a:lvl1pPr>
-              <a:spcBef>
-                <a:spcPct val="0"/>
-              </a:spcBef>
-              <a:buNone/>
-              <a:defRPr sz="3200" b="0" cap="all">
-                <a:ln w="3175" cmpd="sng">
-                  <a:noFill/>
-                </a:ln>
-                <a:effectLst>
-                  <a:glow rad="38100">
-                    <a:schemeClr val="bg1">
-                      <a:lumMod val="65000"/>
-                      <a:lumOff val="35000"/>
-                      <a:alpha val="40000"/>
-                    </a:schemeClr>
-                  </a:glow>
-                  <a:outerShdw blurRad="28575" dist="38100" dir="14040000" algn="tl" rotWithShape="0">
-                    <a:srgbClr val="000000">
-                      <a:alpha val="25000"/>
-                    </a:srgbClr>
-                  </a:outerShdw>
-                </a:effectLst>
-              </a:defRPr>
-            </a:lvl1pPr>
-            <a:lvl2pPr>
-              <a:defRPr>
-                <a:solidFill>
-                  <a:schemeClr val="tx2"/>
-                </a:solidFill>
-              </a:defRPr>
-            </a:lvl2pPr>
-            <a:lvl3pPr>
-              <a:defRPr>
-                <a:solidFill>
-                  <a:schemeClr val="tx2"/>
-                </a:solidFill>
-              </a:defRPr>
-            </a:lvl3pPr>
-            <a:lvl4pPr>
-              <a:defRPr>
-                <a:solidFill>
-                  <a:schemeClr val="tx2"/>
-                </a:solidFill>
-              </a:defRPr>
-            </a:lvl4pPr>
-            <a:lvl5pPr>
-              <a:defRPr>
-                <a:solidFill>
-                  <a:schemeClr val="tx2"/>
-                </a:solidFill>
-              </a:defRPr>
-            </a:lvl5pPr>
-            <a:lvl6pPr>
-              <a:defRPr>
-                <a:solidFill>
-                  <a:schemeClr val="tx2"/>
-                </a:solidFill>
-              </a:defRPr>
-            </a:lvl6pPr>
-            <a:lvl7pPr>
-              <a:defRPr>
-                <a:solidFill>
-                  <a:schemeClr val="tx2"/>
-                </a:solidFill>
-              </a:defRPr>
-            </a:lvl7pPr>
-            <a:lvl8pPr>
-              <a:defRPr>
-                <a:solidFill>
-                  <a:schemeClr val="tx2"/>
-                </a:solidFill>
-              </a:defRPr>
-            </a:lvl8pPr>
-            <a:lvl9pPr>
-              <a:defRPr>
-                <a:solidFill>
-                  <a:schemeClr val="tx2"/>
-                </a:solidFill>
-              </a:defRPr>
-            </a:lvl9pPr>
-          </a:lstStyle>
-          <a:p>
-            <a:pPr lvl="0" algn="r"/>
-            <a:r>
-              <a:rPr lang="en-US" sz="8000" dirty="0">
-                <a:solidFill>
-                  <a:schemeClr val="tx1"/>
-                </a:solidFill>
-                <a:effectLst/>
-              </a:rPr>
-              <a:t>”</a:t>
-            </a:r>
-          </a:p>
-        </p:txBody>
-      </p:sp>
-      <p:sp>
-        <p:nvSpPr>
-          <p:cNvPr id="14" name="TextBox 13"/>
-          <p:cNvSpPr txBox="1"/>
-          <p:nvPr/>
-        </p:nvSpPr>
-        <p:spPr>
-          <a:xfrm>
-            <a:off x="488275" y="823337"/>
-            <a:ext cx="609600" cy="584776"/>
-          </a:xfrm>
-          <a:prstGeom prst="rect">
-            <a:avLst/>
-          </a:prstGeom>
-        </p:spPr>
-        <p:txBody>
-          <a:bodyPr vert="horz" lIns="91440" tIns="45720" rIns="91440" bIns="45720" rtlCol="0" anchor="ctr">
-            <a:noAutofit/>
-          </a:bodyPr>
-          <a:lstStyle>
-            <a:lvl1pPr>
-              <a:spcBef>
-                <a:spcPct val="0"/>
-              </a:spcBef>
-              <a:buNone/>
-              <a:defRPr sz="3200" b="0" cap="all">
-                <a:ln w="3175" cmpd="sng">
-                  <a:noFill/>
-                </a:ln>
-                <a:effectLst>
-                  <a:glow rad="38100">
-                    <a:schemeClr val="bg1">
-                      <a:lumMod val="65000"/>
-                      <a:lumOff val="35000"/>
-                      <a:alpha val="40000"/>
-                    </a:schemeClr>
-                  </a:glow>
-                  <a:outerShdw blurRad="28575" dist="38100" dir="14040000" algn="tl" rotWithShape="0">
-                    <a:srgbClr val="000000">
-                      <a:alpha val="25000"/>
-                    </a:srgbClr>
-                  </a:outerShdw>
-                </a:effectLst>
-              </a:defRPr>
-            </a:lvl1pPr>
-            <a:lvl2pPr>
-              <a:defRPr>
-                <a:solidFill>
-                  <a:schemeClr val="tx2"/>
-                </a:solidFill>
-              </a:defRPr>
-            </a:lvl2pPr>
-            <a:lvl3pPr>
-              <a:defRPr>
-                <a:solidFill>
-                  <a:schemeClr val="tx2"/>
-                </a:solidFill>
-              </a:defRPr>
-            </a:lvl3pPr>
-            <a:lvl4pPr>
-              <a:defRPr>
-                <a:solidFill>
-                  <a:schemeClr val="tx2"/>
-                </a:solidFill>
-              </a:defRPr>
-            </a:lvl4pPr>
-            <a:lvl5pPr>
-              <a:defRPr>
-                <a:solidFill>
-                  <a:schemeClr val="tx2"/>
-                </a:solidFill>
-              </a:defRPr>
-            </a:lvl5pPr>
-            <a:lvl6pPr>
-              <a:defRPr>
-                <a:solidFill>
-                  <a:schemeClr val="tx2"/>
-                </a:solidFill>
-              </a:defRPr>
-            </a:lvl6pPr>
-            <a:lvl7pPr>
-              <a:defRPr>
-                <a:solidFill>
-                  <a:schemeClr val="tx2"/>
-                </a:solidFill>
-              </a:defRPr>
-            </a:lvl7pPr>
-            <a:lvl8pPr>
-              <a:defRPr>
-                <a:solidFill>
-                  <a:schemeClr val="tx2"/>
-                </a:solidFill>
-              </a:defRPr>
-            </a:lvl8pPr>
-            <a:lvl9pPr>
-              <a:defRPr>
-                <a:solidFill>
-                  <a:schemeClr val="tx2"/>
-                </a:solidFill>
-              </a:defRPr>
-            </a:lvl9pPr>
-          </a:lstStyle>
-          <a:p>
-            <a:pPr lvl="0" algn="r"/>
-            <a:r>
-              <a:rPr lang="en-US" sz="8000" dirty="0">
-                <a:solidFill>
-                  <a:schemeClr val="tx1"/>
-                </a:solidFill>
-                <a:effectLst/>
-              </a:rPr>
-              <a:t>“</a:t>
-            </a:r>
-          </a:p>
-        </p:txBody>
-      </p:sp>
-      <p:sp>
-        <p:nvSpPr>
-          <p:cNvPr id="16" name="Title 1"/>
+      <p:sp>
+        <p:nvSpPr>
+          <p:cNvPr id="2" name="Title 1"/>
           <p:cNvSpPr>
             <a:spLocks noGrp="1"/>
           </p:cNvSpPr>
@@ -2147,8 +1849,8 @@
         </p:nvSpPr>
         <p:spPr>
           <a:xfrm>
-            <a:off x="992267" y="609601"/>
-            <a:ext cx="9550399" cy="2743199"/>
+            <a:off x="931334" y="609600"/>
+            <a:ext cx="8094134" cy="3022600"/>
           </a:xfrm>
         </p:spPr>
         <p:txBody>
@@ -2157,11 +1859,7 @@
           </a:bodyPr>
           <a:lstStyle>
             <a:lvl1pPr algn="l">
-              <a:defRPr sz="3200" b="0" cap="none">
-                <a:solidFill>
-                  <a:schemeClr val="tx1"/>
-                </a:solidFill>
-              </a:defRPr>
+              <a:defRPr sz="4400" b="0" cap="none"/>
             </a:lvl1pPr>
           </a:lstStyle>
           <a:p>
@@ -2175,7 +1873,7 @@
       </p:sp>
       <p:sp>
         <p:nvSpPr>
-          <p:cNvPr id="10" name="Text Placeholder 9"/>
+          <p:cNvPr id="23" name="Text Placeholder 9"/>
           <p:cNvSpPr>
             <a:spLocks noGrp="1"/>
           </p:cNvSpPr>
@@ -2185,35 +1883,50 @@
         </p:nvSpPr>
         <p:spPr>
           <a:xfrm>
-            <a:off x="685800" y="3886200"/>
-            <a:ext cx="10135436" cy="889000"/>
+            <a:off x="677332" y="4013200"/>
+            <a:ext cx="8596669" cy="514248"/>
           </a:xfrm>
         </p:spPr>
         <p:txBody>
-          <a:bodyPr vert="horz" lIns="91440" tIns="45720" rIns="91440" bIns="45720" rtlCol="0" anchor="b">
-            <a:normAutofit/>
+          <a:bodyPr anchor="b">
+            <a:noAutofit/>
           </a:bodyPr>
           <a:lstStyle>
-            <a:lvl1pPr>
-              <a:buNone/>
-              <a:defRPr lang="en-US" sz="2400" b="0" cap="none" dirty="0">
-                <a:ln w="3175" cmpd="sng">
-                  <a:noFill/>
-                </a:ln>
+            <a:lvl1pPr marL="0" indent="0">
+              <a:buFontTx/>
+              <a:buNone/>
+              <a:defRPr sz="2400">
                 <a:solidFill>
-                  <a:schemeClr val="tx1"/>
+                  <a:schemeClr val="tx1">
+                    <a:lumMod val="75000"/>
+                    <a:lumOff val="25000"/>
+                  </a:schemeClr>
                 </a:solidFill>
-                <a:effectLst/>
               </a:defRPr>
             </a:lvl1pPr>
+            <a:lvl2pPr marL="457200" indent="0">
+              <a:buFontTx/>
+              <a:buNone/>
+              <a:defRPr/>
+            </a:lvl2pPr>
+            <a:lvl3pPr marL="914400" indent="0">
+              <a:buFontTx/>
+              <a:buNone/>
+              <a:defRPr/>
+            </a:lvl3pPr>
+            <a:lvl4pPr marL="1371600" indent="0">
+              <a:buFontTx/>
+              <a:buNone/>
+              <a:defRPr/>
+            </a:lvl4pPr>
+            <a:lvl5pPr marL="1828800" indent="0">
+              <a:buFontTx/>
+              <a:buNone/>
+              <a:defRPr/>
+            </a:lvl5pPr>
           </a:lstStyle>
           <a:p>
-            <a:pPr marL="0" lvl="0">
-              <a:spcBef>
-                <a:spcPct val="0"/>
-              </a:spcBef>
-              <a:buNone/>
-            </a:pPr>
+            <a:pPr lvl="0"/>
             <a:r>
               <a:rPr lang="en-US"/>
               <a:t>Click to edit Master text styles</a:t>
@@ -2233,8 +1946,8 @@
         </p:nvSpPr>
         <p:spPr>
           <a:xfrm>
-            <a:off x="685799" y="4775200"/>
-            <a:ext cx="10135436" cy="1016000"/>
+            <a:off x="677335" y="4527448"/>
+            <a:ext cx="8596668" cy="1513914"/>
           </a:xfrm>
         </p:spPr>
         <p:txBody>
@@ -2246,7 +1959,10 @@
               <a:buNone/>
               <a:defRPr sz="1800">
                 <a:solidFill>
-                  <a:schemeClr val="tx1"/>
+                  <a:schemeClr val="tx1">
+                    <a:lumMod val="50000"/>
+                    <a:lumOff val="50000"/>
+                  </a:schemeClr>
                 </a:solidFill>
               </a:defRPr>
             </a:lvl1pPr>
@@ -2356,9 +2072,9 @@
           <a:lstStyle/>
           <a:p>
             <a:fld id="{B61BEF0D-F0BB-DE4B-95CE-6DB70DBA9567}" type="datetimeFigureOut">
-              <a:rPr lang="en-US" dirty="0"/>
+              <a:rPr lang="en-US" smtClean="0"/>
               <a:pPr/>
-              <a:t>11/5/2021</a:t>
+              <a:t>11/7/2021</a:t>
             </a:fld>
             <a:endParaRPr lang="en-US" dirty="0"/>
           </a:p>
@@ -2399,7 +2115,7 @@
           <a:lstStyle/>
           <a:p>
             <a:fld id="{D57F1E4F-1CFF-5643-939E-217C01CDF565}" type="slidenum">
-              <a:rPr lang="en-US" dirty="0"/>
+              <a:rPr lang="en-US" smtClean="0"/>
               <a:pPr/>
               <a:t>‹#›</a:t>
             </a:fld>
@@ -2407,7 +2123,94 @@
           </a:p>
         </p:txBody>
       </p:sp>
+      <p:sp>
+        <p:nvSpPr>
+          <p:cNvPr id="24" name="TextBox 23"/>
+          <p:cNvSpPr txBox="1"/>
+          <p:nvPr/>
+        </p:nvSpPr>
+        <p:spPr>
+          <a:xfrm>
+            <a:off x="541870" y="790378"/>
+            <a:ext cx="609600" cy="584776"/>
+          </a:xfrm>
+          <a:prstGeom prst="rect">
+            <a:avLst/>
+          </a:prstGeom>
+        </p:spPr>
+        <p:txBody>
+          <a:bodyPr vert="horz" lIns="91440" tIns="45720" rIns="91440" bIns="45720" rtlCol="0" anchor="ctr">
+            <a:noAutofit/>
+          </a:bodyPr>
+          <a:lstStyle/>
+          <a:p>
+            <a:pPr lvl="0"/>
+            <a:r>
+              <a:rPr lang="en-US" sz="8000" baseline="0" dirty="0">
+                <a:ln w="3175" cmpd="sng">
+                  <a:noFill/>
+                </a:ln>
+                <a:solidFill>
+                  <a:schemeClr val="accent1">
+                    <a:lumMod val="60000"/>
+                    <a:lumOff val="40000"/>
+                  </a:schemeClr>
+                </a:solidFill>
+                <a:effectLst/>
+                <a:latin typeface="Arial"/>
+              </a:rPr>
+              <a:t>“</a:t>
+            </a:r>
+          </a:p>
+        </p:txBody>
+      </p:sp>
+      <p:sp>
+        <p:nvSpPr>
+          <p:cNvPr id="25" name="TextBox 24"/>
+          <p:cNvSpPr txBox="1"/>
+          <p:nvPr/>
+        </p:nvSpPr>
+        <p:spPr>
+          <a:xfrm>
+            <a:off x="8893011" y="2886556"/>
+            <a:ext cx="609600" cy="584776"/>
+          </a:xfrm>
+          <a:prstGeom prst="rect">
+            <a:avLst/>
+          </a:prstGeom>
+        </p:spPr>
+        <p:txBody>
+          <a:bodyPr vert="horz" lIns="91440" tIns="45720" rIns="91440" bIns="45720" rtlCol="0" anchor="ctr">
+            <a:noAutofit/>
+          </a:bodyPr>
+          <a:lstStyle/>
+          <a:p>
+            <a:pPr lvl="0"/>
+            <a:r>
+              <a:rPr lang="en-US" sz="8000" baseline="0" dirty="0">
+                <a:ln w="3175" cmpd="sng">
+                  <a:noFill/>
+                </a:ln>
+                <a:solidFill>
+                  <a:schemeClr val="accent1">
+                    <a:lumMod val="60000"/>
+                    <a:lumOff val="40000"/>
+                  </a:schemeClr>
+                </a:solidFill>
+                <a:effectLst/>
+                <a:latin typeface="Arial"/>
+              </a:rPr>
+              <a:t>”</a:t>
+            </a:r>
+          </a:p>
+        </p:txBody>
+      </p:sp>
     </p:spTree>
+    <p:extLst>
+      <p:ext uri="{BB962C8B-B14F-4D97-AF65-F5344CB8AC3E}">
+        <p14:creationId xmlns:p14="http://schemas.microsoft.com/office/powerpoint/2010/main" val="2749470944"/>
+      </p:ext>
+    </p:extLst>
   </p:cSld>
   <p:clrMapOvr>
     <a:masterClrMapping/>
@@ -2415,7 +2218,7 @@
 </p:sldLayout>
 </file>
 
-<file path=ppt/slideLayouts/slideLayout15.xml><?xml version="1.0" encoding="utf-8"?>
+<file path=ppt/slideLayouts/slideLayout14.xml><?xml version="1.0" encoding="utf-8"?>
 <p:sldLayout xmlns:a="http://schemas.openxmlformats.org/drawingml/2006/main" xmlns:r="http://schemas.openxmlformats.org/officeDocument/2006/relationships" xmlns:p="http://schemas.openxmlformats.org/presentationml/2006/main" preserve="1">
   <p:cSld name="True or False">
     <p:spTree>
@@ -2432,36 +2235,6 @@
           <a:chExt cx="0" cy="0"/>
         </a:xfrm>
       </p:grpSpPr>
-      <p:pic>
-        <p:nvPicPr>
-          <p:cNvPr id="8" name="Picture 7" descr="Celestia-R1---OverlayContentHD.png"/>
-          <p:cNvPicPr>
-            <a:picLocks noChangeAspect="1"/>
-          </p:cNvPicPr>
-          <p:nvPr/>
-        </p:nvPicPr>
-        <p:blipFill>
-          <a:blip r:embed="rId2">
-            <a:extLst>
-              <a:ext uri="{28A0092B-C50C-407E-A947-70E740481C1C}">
-                <a14:useLocalDpi xmlns:a14="http://schemas.microsoft.com/office/drawing/2010/main" val="0"/>
-              </a:ext>
-            </a:extLst>
-          </a:blip>
-          <a:stretch>
-            <a:fillRect/>
-          </a:stretch>
-        </p:blipFill>
-        <p:spPr>
-          <a:xfrm>
-            <a:off x="0" y="0"/>
-            <a:ext cx="12188825" cy="6856214"/>
-          </a:xfrm>
-          <a:prstGeom prst="rect">
-            <a:avLst/>
-          </a:prstGeom>
-        </p:spPr>
-      </p:pic>
       <p:sp>
         <p:nvSpPr>
           <p:cNvPr id="2" name="Title 1"/>
@@ -2474,21 +2247,20 @@
         </p:nvSpPr>
         <p:spPr>
           <a:xfrm>
-            <a:off x="685801" y="609601"/>
-            <a:ext cx="10131427" cy="2743199"/>
+            <a:off x="685799" y="609600"/>
+            <a:ext cx="8588203" cy="3022600"/>
           </a:xfrm>
         </p:spPr>
         <p:txBody>
-          <a:bodyPr vert="horz" lIns="91440" tIns="45720" rIns="91440" bIns="45720" rtlCol="0" anchor="ctr">
+          <a:bodyPr anchor="ctr">
             <a:normAutofit/>
           </a:bodyPr>
           <a:lstStyle>
-            <a:lvl1pPr>
-              <a:defRPr lang="en-US" b="0" dirty="0"/>
+            <a:lvl1pPr algn="l">
+              <a:defRPr sz="4400" b="0" cap="none"/>
             </a:lvl1pPr>
           </a:lstStyle>
           <a:p>
-            <a:pPr marL="0" lvl="0"/>
             <a:r>
               <a:rPr lang="en-US"/>
               <a:t>Click to edit Master title style</a:t>
@@ -2499,7 +2271,7 @@
       </p:sp>
       <p:sp>
         <p:nvSpPr>
-          <p:cNvPr id="10" name="Text Placeholder 9"/>
+          <p:cNvPr id="23" name="Text Placeholder 9"/>
           <p:cNvSpPr>
             <a:spLocks noGrp="1"/>
           </p:cNvSpPr>
@@ -2509,35 +2281,47 @@
         </p:nvSpPr>
         <p:spPr>
           <a:xfrm>
-            <a:off x="685801" y="3505200"/>
-            <a:ext cx="10131428" cy="838200"/>
+            <a:off x="677332" y="4013200"/>
+            <a:ext cx="8596669" cy="514248"/>
           </a:xfrm>
         </p:spPr>
         <p:txBody>
-          <a:bodyPr vert="horz" lIns="91440" tIns="45720" rIns="91440" bIns="45720" rtlCol="0" anchor="b">
-            <a:normAutofit/>
+          <a:bodyPr anchor="b">
+            <a:noAutofit/>
           </a:bodyPr>
           <a:lstStyle>
-            <a:lvl1pPr>
-              <a:buNone/>
-              <a:defRPr lang="en-US" sz="2800" b="0" cap="none" dirty="0">
-                <a:ln w="3175" cmpd="sng">
-                  <a:noFill/>
-                </a:ln>
+            <a:lvl1pPr marL="0" indent="0">
+              <a:buFontTx/>
+              <a:buNone/>
+              <a:defRPr sz="2400">
                 <a:solidFill>
-                  <a:schemeClr val="tx1"/>
+                  <a:schemeClr val="accent1"/>
                 </a:solidFill>
-                <a:effectLst/>
               </a:defRPr>
             </a:lvl1pPr>
+            <a:lvl2pPr marL="457200" indent="0">
+              <a:buFontTx/>
+              <a:buNone/>
+              <a:defRPr/>
+            </a:lvl2pPr>
+            <a:lvl3pPr marL="914400" indent="0">
+              <a:buFontTx/>
+              <a:buNone/>
+              <a:defRPr/>
+            </a:lvl3pPr>
+            <a:lvl4pPr marL="1371600" indent="0">
+              <a:buFontTx/>
+              <a:buNone/>
+              <a:defRPr/>
+            </a:lvl4pPr>
+            <a:lvl5pPr marL="1828800" indent="0">
+              <a:buFontTx/>
+              <a:buNone/>
+              <a:defRPr/>
+            </a:lvl5pPr>
           </a:lstStyle>
           <a:p>
-            <a:pPr marL="0" lvl="0">
-              <a:spcBef>
-                <a:spcPct val="0"/>
-              </a:spcBef>
-              <a:buNone/>
-            </a:pPr>
+            <a:pPr lvl="0"/>
             <a:r>
               <a:rPr lang="en-US"/>
               <a:t>Click to edit Master text styles</a:t>
@@ -2557,8 +2341,8 @@
         </p:nvSpPr>
         <p:spPr>
           <a:xfrm>
-            <a:off x="685800" y="4343400"/>
-            <a:ext cx="10131428" cy="1447800"/>
+            <a:off x="677335" y="4527448"/>
+            <a:ext cx="8596668" cy="1513914"/>
           </a:xfrm>
         </p:spPr>
         <p:txBody>
@@ -2570,7 +2354,10 @@
               <a:buNone/>
               <a:defRPr sz="1800">
                 <a:solidFill>
-                  <a:schemeClr val="tx1"/>
+                  <a:schemeClr val="tx1">
+                    <a:lumMod val="50000"/>
+                    <a:lumOff val="50000"/>
+                  </a:schemeClr>
                 </a:solidFill>
               </a:defRPr>
             </a:lvl1pPr>
@@ -2680,9 +2467,9 @@
           <a:lstStyle/>
           <a:p>
             <a:fld id="{B61BEF0D-F0BB-DE4B-95CE-6DB70DBA9567}" type="datetimeFigureOut">
-              <a:rPr lang="en-US" dirty="0"/>
+              <a:rPr lang="en-US" smtClean="0"/>
               <a:pPr/>
-              <a:t>11/5/2021</a:t>
+              <a:t>11/7/2021</a:t>
             </a:fld>
             <a:endParaRPr lang="en-US" dirty="0"/>
           </a:p>
@@ -2723,7 +2510,7 @@
           <a:lstStyle/>
           <a:p>
             <a:fld id="{D57F1E4F-1CFF-5643-939E-217C01CDF565}" type="slidenum">
-              <a:rPr lang="en-US" dirty="0"/>
+              <a:rPr lang="en-US" smtClean="0"/>
               <a:pPr/>
               <a:t>‹#›</a:t>
             </a:fld>
@@ -2732,6 +2519,11 @@
         </p:txBody>
       </p:sp>
     </p:spTree>
+    <p:extLst>
+      <p:ext uri="{BB962C8B-B14F-4D97-AF65-F5344CB8AC3E}">
+        <p14:creationId xmlns:p14="http://schemas.microsoft.com/office/powerpoint/2010/main" val="22157454"/>
+      </p:ext>
+    </p:extLst>
   </p:cSld>
   <p:clrMapOvr>
     <a:masterClrMapping/>
@@ -2739,7 +2531,7 @@
 </p:sldLayout>
 </file>
 
-<file path=ppt/slideLayouts/slideLayout16.xml><?xml version="1.0" encoding="utf-8"?>
+<file path=ppt/slideLayouts/slideLayout15.xml><?xml version="1.0" encoding="utf-8"?>
 <p:sldLayout xmlns:a="http://schemas.openxmlformats.org/drawingml/2006/main" xmlns:r="http://schemas.openxmlformats.org/officeDocument/2006/relationships" xmlns:p="http://schemas.openxmlformats.org/presentationml/2006/main" type="vertTx" preserve="1">
   <p:cSld name="Title and Vertical Text">
     <p:spTree>
@@ -2756,39 +2548,9 @@
           <a:chExt cx="0" cy="0"/>
         </a:xfrm>
       </p:grpSpPr>
-      <p:pic>
-        <p:nvPicPr>
-          <p:cNvPr id="7" name="Picture 6" descr="Celestia-R1---OverlayContentHD.png"/>
-          <p:cNvPicPr>
-            <a:picLocks noChangeAspect="1"/>
-          </p:cNvPicPr>
-          <p:nvPr/>
-        </p:nvPicPr>
-        <p:blipFill>
-          <a:blip r:embed="rId2">
-            <a:extLst>
-              <a:ext uri="{28A0092B-C50C-407E-A947-70E740481C1C}">
-                <a14:useLocalDpi xmlns:a14="http://schemas.microsoft.com/office/drawing/2010/main" val="0"/>
-              </a:ext>
-            </a:extLst>
-          </a:blip>
-          <a:stretch>
-            <a:fillRect/>
-          </a:stretch>
-        </p:blipFill>
-        <p:spPr>
-          <a:xfrm>
-            <a:off x="0" y="0"/>
-            <a:ext cx="12188825" cy="6856214"/>
-          </a:xfrm>
-          <a:prstGeom prst="rect">
-            <a:avLst/>
-          </a:prstGeom>
-        </p:spPr>
-      </p:pic>
-      <p:sp>
-        <p:nvSpPr>
-          <p:cNvPr id="8" name="Title 1"/>
+      <p:sp>
+        <p:nvSpPr>
+          <p:cNvPr id="2" name="Title 1"/>
           <p:cNvSpPr>
             <a:spLocks noGrp="1"/>
           </p:cNvSpPr>
@@ -2796,12 +2558,7 @@
             <p:ph type="title"/>
           </p:nvPr>
         </p:nvSpPr>
-        <p:spPr>
-          <a:xfrm>
-            <a:off x="685801" y="609600"/>
-            <a:ext cx="10131425" cy="1456267"/>
-          </a:xfrm>
-        </p:spPr>
+        <p:spPr/>
         <p:txBody>
           <a:bodyPr/>
           <a:lstStyle/>
@@ -2826,7 +2583,7 @@
         </p:nvSpPr>
         <p:spPr/>
         <p:txBody>
-          <a:bodyPr vert="eaVert" anchor="t"/>
+          <a:bodyPr vert="eaVert"/>
           <a:lstStyle/>
           <a:p>
             <a:pPr lvl="0"/>
@@ -2882,9 +2639,9 @@
           <a:lstStyle/>
           <a:p>
             <a:fld id="{B61BEF0D-F0BB-DE4B-95CE-6DB70DBA9567}" type="datetimeFigureOut">
-              <a:rPr lang="en-US" dirty="0"/>
+              <a:rPr lang="en-US" smtClean="0"/>
               <a:pPr/>
-              <a:t>11/5/2021</a:t>
+              <a:t>11/7/2021</a:t>
             </a:fld>
             <a:endParaRPr lang="en-US" dirty="0"/>
           </a:p>
@@ -2925,7 +2682,7 @@
           <a:lstStyle/>
           <a:p>
             <a:fld id="{D57F1E4F-1CFF-5643-939E-217C01CDF565}" type="slidenum">
-              <a:rPr lang="en-US" dirty="0"/>
+              <a:rPr lang="en-US" smtClean="0"/>
               <a:pPr/>
               <a:t>‹#›</a:t>
             </a:fld>
@@ -2934,6 +2691,11 @@
         </p:txBody>
       </p:sp>
     </p:spTree>
+    <p:extLst>
+      <p:ext uri="{BB962C8B-B14F-4D97-AF65-F5344CB8AC3E}">
+        <p14:creationId xmlns:p14="http://schemas.microsoft.com/office/powerpoint/2010/main" val="2117204115"/>
+      </p:ext>
+    </p:extLst>
   </p:cSld>
   <p:clrMapOvr>
     <a:masterClrMapping/>
@@ -2941,7 +2703,7 @@
 </p:sldLayout>
 </file>
 
-<file path=ppt/slideLayouts/slideLayout17.xml><?xml version="1.0" encoding="utf-8"?>
+<file path=ppt/slideLayouts/slideLayout16.xml><?xml version="1.0" encoding="utf-8"?>
 <p:sldLayout xmlns:a="http://schemas.openxmlformats.org/drawingml/2006/main" xmlns:r="http://schemas.openxmlformats.org/officeDocument/2006/relationships" xmlns:p="http://schemas.openxmlformats.org/presentationml/2006/main" type="vertTitleAndTx" preserve="1">
   <p:cSld name="Vertical Title and Text">
     <p:spTree>
@@ -2958,36 +2720,6 @@
           <a:chExt cx="0" cy="0"/>
         </a:xfrm>
       </p:grpSpPr>
-      <p:pic>
-        <p:nvPicPr>
-          <p:cNvPr id="7" name="Picture 6" descr="Celestia-R1---OverlayContentHD.png"/>
-          <p:cNvPicPr>
-            <a:picLocks noChangeAspect="1"/>
-          </p:cNvPicPr>
-          <p:nvPr/>
-        </p:nvPicPr>
-        <p:blipFill>
-          <a:blip r:embed="rId2">
-            <a:extLst>
-              <a:ext uri="{28A0092B-C50C-407E-A947-70E740481C1C}">
-                <a14:useLocalDpi xmlns:a14="http://schemas.microsoft.com/office/drawing/2010/main" val="0"/>
-              </a:ext>
-            </a:extLst>
-          </a:blip>
-          <a:stretch>
-            <a:fillRect/>
-          </a:stretch>
-        </p:blipFill>
-        <p:spPr>
-          <a:xfrm>
-            <a:off x="0" y="0"/>
-            <a:ext cx="12188825" cy="6856214"/>
-          </a:xfrm>
-          <a:prstGeom prst="rect">
-            <a:avLst/>
-          </a:prstGeom>
-        </p:spPr>
-      </p:pic>
       <p:sp>
         <p:nvSpPr>
           <p:cNvPr id="2" name="Vertical Title 1"/>
@@ -3000,12 +2732,12 @@
         </p:nvSpPr>
         <p:spPr>
           <a:xfrm>
-            <a:off x="8658675" y="609599"/>
-            <a:ext cx="2158552" cy="5181601"/>
+            <a:off x="7967673" y="609599"/>
+            <a:ext cx="1304743" cy="5251451"/>
           </a:xfrm>
         </p:spPr>
         <p:txBody>
-          <a:bodyPr vert="eaVert"/>
+          <a:bodyPr vert="eaVert" anchor="ctr"/>
           <a:lstStyle/>
           <a:p>
             <a:r>
@@ -3028,12 +2760,12 @@
         </p:nvSpPr>
         <p:spPr>
           <a:xfrm>
-            <a:off x="685800" y="609600"/>
-            <a:ext cx="7832116" cy="5181600"/>
+            <a:off x="677335" y="609600"/>
+            <a:ext cx="7060150" cy="5251450"/>
           </a:xfrm>
         </p:spPr>
         <p:txBody>
-          <a:bodyPr vert="eaVert" anchor="t"/>
+          <a:bodyPr vert="eaVert"/>
           <a:lstStyle/>
           <a:p>
             <a:pPr lvl="0"/>
@@ -3089,9 +2821,9 @@
           <a:lstStyle/>
           <a:p>
             <a:fld id="{B61BEF0D-F0BB-DE4B-95CE-6DB70DBA9567}" type="datetimeFigureOut">
-              <a:rPr lang="en-US" dirty="0"/>
+              <a:rPr lang="en-US" smtClean="0"/>
               <a:pPr/>
-              <a:t>11/5/2021</a:t>
+              <a:t>11/7/2021</a:t>
             </a:fld>
             <a:endParaRPr lang="en-US" dirty="0"/>
           </a:p>
@@ -3132,7 +2864,7 @@
           <a:lstStyle/>
           <a:p>
             <a:fld id="{D57F1E4F-1CFF-5643-939E-217C01CDF565}" type="slidenum">
-              <a:rPr lang="en-US" dirty="0"/>
+              <a:rPr lang="en-US" smtClean="0"/>
               <a:pPr/>
               <a:t>‹#›</a:t>
             </a:fld>
@@ -3141,6 +2873,11 @@
         </p:txBody>
       </p:sp>
     </p:spTree>
+    <p:extLst>
+      <p:ext uri="{BB962C8B-B14F-4D97-AF65-F5344CB8AC3E}">
+        <p14:creationId xmlns:p14="http://schemas.microsoft.com/office/powerpoint/2010/main" val="1797568174"/>
+      </p:ext>
+    </p:extLst>
   </p:cSld>
   <p:clrMapOvr>
     <a:masterClrMapping/>
@@ -3165,36 +2902,6 @@
           <a:chExt cx="0" cy="0"/>
         </a:xfrm>
       </p:grpSpPr>
-      <p:pic>
-        <p:nvPicPr>
-          <p:cNvPr id="7" name="Picture 6" descr="Celestia-R1---OverlayContentHD.png"/>
-          <p:cNvPicPr>
-            <a:picLocks noChangeAspect="1"/>
-          </p:cNvPicPr>
-          <p:nvPr/>
-        </p:nvPicPr>
-        <p:blipFill>
-          <a:blip r:embed="rId2">
-            <a:extLst>
-              <a:ext uri="{28A0092B-C50C-407E-A947-70E740481C1C}">
-                <a14:useLocalDpi xmlns:a14="http://schemas.microsoft.com/office/drawing/2010/main" val="0"/>
-              </a:ext>
-            </a:extLst>
-          </a:blip>
-          <a:stretch>
-            <a:fillRect/>
-          </a:stretch>
-        </p:blipFill>
-        <p:spPr>
-          <a:xfrm>
-            <a:off x="0" y="0"/>
-            <a:ext cx="12188825" cy="6856214"/>
-          </a:xfrm>
-          <a:prstGeom prst="rect">
-            <a:avLst/>
-          </a:prstGeom>
-        </p:spPr>
-      </p:pic>
       <p:sp>
         <p:nvSpPr>
           <p:cNvPr id="2" name="Title 1"/>
@@ -3207,8 +2914,14 @@
         </p:nvSpPr>
         <p:spPr/>
         <p:txBody>
-          <a:bodyPr/>
-          <a:lstStyle/>
+          <a:bodyPr>
+            <a:normAutofit/>
+          </a:bodyPr>
+          <a:lstStyle>
+            <a:lvl1pPr>
+              <a:defRPr sz="3600"/>
+            </a:lvl1pPr>
+          </a:lstStyle>
           <a:p>
             <a:r>
               <a:rPr lang="en-US"/>
@@ -3230,7 +2943,7 @@
         </p:nvSpPr>
         <p:spPr/>
         <p:txBody>
-          <a:bodyPr anchor="ctr"/>
+          <a:bodyPr/>
           <a:lstStyle/>
           <a:p>
             <a:pPr lvl="0"/>
@@ -3286,9 +2999,9 @@
           <a:lstStyle/>
           <a:p>
             <a:fld id="{B61BEF0D-F0BB-DE4B-95CE-6DB70DBA9567}" type="datetimeFigureOut">
-              <a:rPr lang="en-US" dirty="0"/>
+              <a:rPr lang="en-US" smtClean="0"/>
               <a:pPr/>
-              <a:t>11/5/2021</a:t>
+              <a:t>11/7/2021</a:t>
             </a:fld>
             <a:endParaRPr lang="en-US" dirty="0"/>
           </a:p>
@@ -3329,7 +3042,7 @@
           <a:lstStyle/>
           <a:p>
             <a:fld id="{D57F1E4F-1CFF-5643-939E-217C01CDF565}" type="slidenum">
-              <a:rPr lang="en-US" dirty="0"/>
+              <a:rPr lang="en-US" smtClean="0"/>
               <a:pPr/>
               <a:t>‹#›</a:t>
             </a:fld>
@@ -3338,6 +3051,11 @@
         </p:txBody>
       </p:sp>
     </p:spTree>
+    <p:extLst>
+      <p:ext uri="{BB962C8B-B14F-4D97-AF65-F5344CB8AC3E}">
+        <p14:creationId xmlns:p14="http://schemas.microsoft.com/office/powerpoint/2010/main" val="1576059340"/>
+      </p:ext>
+    </p:extLst>
   </p:cSld>
   <p:clrMapOvr>
     <a:masterClrMapping/>
@@ -3362,36 +3080,6 @@
           <a:chExt cx="0" cy="0"/>
         </a:xfrm>
       </p:grpSpPr>
-      <p:pic>
-        <p:nvPicPr>
-          <p:cNvPr id="7" name="Picture 6" descr="Celestia-R1---OverlayContentHD.png"/>
-          <p:cNvPicPr>
-            <a:picLocks noChangeAspect="1"/>
-          </p:cNvPicPr>
-          <p:nvPr/>
-        </p:nvPicPr>
-        <p:blipFill>
-          <a:blip r:embed="rId2">
-            <a:extLst>
-              <a:ext uri="{28A0092B-C50C-407E-A947-70E740481C1C}">
-                <a14:useLocalDpi xmlns:a14="http://schemas.microsoft.com/office/drawing/2010/main" val="0"/>
-              </a:ext>
-            </a:extLst>
-          </a:blip>
-          <a:stretch>
-            <a:fillRect/>
-          </a:stretch>
-        </p:blipFill>
-        <p:spPr>
-          <a:xfrm>
-            <a:off x="0" y="0"/>
-            <a:ext cx="12188825" cy="6856214"/>
-          </a:xfrm>
-          <a:prstGeom prst="rect">
-            <a:avLst/>
-          </a:prstGeom>
-        </p:spPr>
-      </p:pic>
       <p:sp>
         <p:nvSpPr>
           <p:cNvPr id="2" name="Title 1"/>
@@ -3404,15 +3092,15 @@
         </p:nvSpPr>
         <p:spPr>
           <a:xfrm>
-            <a:off x="685800" y="3308581"/>
-            <a:ext cx="10131427" cy="1468800"/>
+            <a:off x="677335" y="2700867"/>
+            <a:ext cx="8596668" cy="1826581"/>
           </a:xfrm>
         </p:spPr>
         <p:txBody>
           <a:bodyPr anchor="b"/>
           <a:lstStyle>
             <a:lvl1pPr algn="l">
-              <a:defRPr sz="4000" b="0" cap="all"/>
+              <a:defRPr sz="4000" b="0" cap="none"/>
             </a:lvl1pPr>
           </a:lstStyle>
           <a:p>
@@ -3436,20 +3124,21 @@
         </p:nvSpPr>
         <p:spPr>
           <a:xfrm>
-            <a:off x="685799" y="4777381"/>
-            <a:ext cx="10131428" cy="860400"/>
+            <a:off x="677335" y="4527448"/>
+            <a:ext cx="8596668" cy="860400"/>
           </a:xfrm>
         </p:spPr>
         <p:txBody>
-          <a:bodyPr anchor="t">
-            <a:normAutofit/>
-          </a:bodyPr>
+          <a:bodyPr anchor="t"/>
           <a:lstStyle>
             <a:lvl1pPr marL="0" indent="0" algn="l">
               <a:buNone/>
-              <a:defRPr sz="2000" cap="all">
+              <a:defRPr sz="2000">
                 <a:solidFill>
-                  <a:schemeClr val="tx1"/>
+                  <a:schemeClr val="tx1">
+                    <a:lumMod val="50000"/>
+                    <a:lumOff val="50000"/>
+                  </a:schemeClr>
                 </a:solidFill>
               </a:defRPr>
             </a:lvl1pPr>
@@ -3559,9 +3248,9 @@
           <a:lstStyle/>
           <a:p>
             <a:fld id="{B61BEF0D-F0BB-DE4B-95CE-6DB70DBA9567}" type="datetimeFigureOut">
-              <a:rPr lang="en-US" dirty="0"/>
+              <a:rPr lang="en-US" smtClean="0"/>
               <a:pPr/>
-              <a:t>11/5/2021</a:t>
+              <a:t>11/7/2021</a:t>
             </a:fld>
             <a:endParaRPr lang="en-US" dirty="0"/>
           </a:p>
@@ -3602,7 +3291,7 @@
           <a:lstStyle/>
           <a:p>
             <a:fld id="{D57F1E4F-1CFF-5643-939E-217C01CDF565}" type="slidenum">
-              <a:rPr lang="en-US" dirty="0"/>
+              <a:rPr lang="en-US" smtClean="0"/>
               <a:pPr/>
               <a:t>‹#›</a:t>
             </a:fld>
@@ -3611,6 +3300,11 @@
         </p:txBody>
       </p:sp>
     </p:spTree>
+    <p:extLst>
+      <p:ext uri="{BB962C8B-B14F-4D97-AF65-F5344CB8AC3E}">
+        <p14:creationId xmlns:p14="http://schemas.microsoft.com/office/powerpoint/2010/main" val="1433124970"/>
+      </p:ext>
+    </p:extLst>
   </p:cSld>
   <p:clrMapOvr>
     <a:masterClrMapping/>
@@ -3635,36 +3329,6 @@
           <a:chExt cx="0" cy="0"/>
         </a:xfrm>
       </p:grpSpPr>
-      <p:pic>
-        <p:nvPicPr>
-          <p:cNvPr id="8" name="Picture 7" descr="Celestia-R1---OverlayContentHD.png"/>
-          <p:cNvPicPr>
-            <a:picLocks noChangeAspect="1"/>
-          </p:cNvPicPr>
-          <p:nvPr/>
-        </p:nvPicPr>
-        <p:blipFill>
-          <a:blip r:embed="rId2">
-            <a:extLst>
-              <a:ext uri="{28A0092B-C50C-407E-A947-70E740481C1C}">
-                <a14:useLocalDpi xmlns:a14="http://schemas.microsoft.com/office/drawing/2010/main" val="0"/>
-              </a:ext>
-            </a:extLst>
-          </a:blip>
-          <a:stretch>
-            <a:fillRect/>
-          </a:stretch>
-        </p:blipFill>
-        <p:spPr>
-          <a:xfrm>
-            <a:off x="0" y="0"/>
-            <a:ext cx="12188825" cy="6856214"/>
-          </a:xfrm>
-          <a:prstGeom prst="rect">
-            <a:avLst/>
-          </a:prstGeom>
-        </p:spPr>
-      </p:pic>
       <p:sp>
         <p:nvSpPr>
           <p:cNvPr id="2" name="Title 1"/>
@@ -3700,14 +3364,12 @@
         </p:nvSpPr>
         <p:spPr>
           <a:xfrm>
-            <a:off x="685802" y="2142067"/>
-            <a:ext cx="4995334" cy="3649134"/>
+            <a:off x="677334" y="2160589"/>
+            <a:ext cx="4184035" cy="3880772"/>
           </a:xfrm>
         </p:spPr>
         <p:txBody>
-          <a:bodyPr>
-            <a:normAutofit/>
-          </a:bodyPr>
+          <a:bodyPr/>
           <a:lstStyle/>
           <a:p>
             <a:pPr lvl="0"/>
@@ -3759,14 +3421,12 @@
         </p:nvSpPr>
         <p:spPr>
           <a:xfrm>
-            <a:off x="5821895" y="2142067"/>
-            <a:ext cx="4995332" cy="3649133"/>
+            <a:off x="5089970" y="2160589"/>
+            <a:ext cx="4184034" cy="3880773"/>
           </a:xfrm>
         </p:spPr>
         <p:txBody>
-          <a:bodyPr>
-            <a:normAutofit/>
-          </a:bodyPr>
+          <a:bodyPr/>
           <a:lstStyle/>
           <a:p>
             <a:pPr lvl="0"/>
@@ -3822,9 +3482,9 @@
           <a:lstStyle/>
           <a:p>
             <a:fld id="{B61BEF0D-F0BB-DE4B-95CE-6DB70DBA9567}" type="datetimeFigureOut">
-              <a:rPr lang="en-US" dirty="0"/>
+              <a:rPr lang="en-US" smtClean="0"/>
               <a:pPr/>
-              <a:t>11/5/2021</a:t>
+              <a:t>11/7/2021</a:t>
             </a:fld>
             <a:endParaRPr lang="en-US" dirty="0"/>
           </a:p>
@@ -3865,7 +3525,7 @@
           <a:lstStyle/>
           <a:p>
             <a:fld id="{D57F1E4F-1CFF-5643-939E-217C01CDF565}" type="slidenum">
-              <a:rPr lang="en-US" dirty="0"/>
+              <a:rPr lang="en-US" smtClean="0"/>
               <a:pPr/>
               <a:t>‹#›</a:t>
             </a:fld>
@@ -3874,6 +3534,11 @@
         </p:txBody>
       </p:sp>
     </p:spTree>
+    <p:extLst>
+      <p:ext uri="{BB962C8B-B14F-4D97-AF65-F5344CB8AC3E}">
+        <p14:creationId xmlns:p14="http://schemas.microsoft.com/office/powerpoint/2010/main" val="3267364052"/>
+      </p:ext>
+    </p:extLst>
   </p:cSld>
   <p:clrMapOvr>
     <a:masterClrMapping/>
@@ -3937,8 +3602,8 @@
         </p:nvSpPr>
         <p:spPr>
           <a:xfrm>
-            <a:off x="973670" y="2218267"/>
-            <a:ext cx="4709054" cy="576262"/>
+            <a:off x="675745" y="2160983"/>
+            <a:ext cx="4185623" cy="576262"/>
           </a:xfrm>
         </p:spPr>
         <p:txBody>
@@ -3948,7 +3613,7 @@
           <a:lstStyle>
             <a:lvl1pPr marL="0" indent="0">
               <a:buNone/>
-              <a:defRPr sz="2800" b="0"/>
+              <a:defRPr sz="2400" b="0"/>
             </a:lvl1pPr>
             <a:lvl2pPr marL="457200" indent="0">
               <a:buNone/>
@@ -4004,12 +3669,12 @@
         </p:nvSpPr>
         <p:spPr>
           <a:xfrm>
-            <a:off x="685801" y="2870201"/>
-            <a:ext cx="4996923" cy="2920998"/>
+            <a:off x="675745" y="2737245"/>
+            <a:ext cx="4185623" cy="3304117"/>
           </a:xfrm>
         </p:spPr>
         <p:txBody>
-          <a:bodyPr anchor="t">
+          <a:bodyPr>
             <a:normAutofit/>
           </a:bodyPr>
           <a:lstStyle/>
@@ -4063,8 +3728,8 @@
         </p:nvSpPr>
         <p:spPr>
           <a:xfrm>
-            <a:off x="6096003" y="2226734"/>
-            <a:ext cx="4722813" cy="576262"/>
+            <a:off x="5088383" y="2160983"/>
+            <a:ext cx="4185618" cy="576262"/>
           </a:xfrm>
         </p:spPr>
         <p:txBody>
@@ -4074,7 +3739,7 @@
           <a:lstStyle>
             <a:lvl1pPr marL="0" indent="0">
               <a:buNone/>
-              <a:defRPr sz="2800" b="0"/>
+              <a:defRPr sz="2400" b="0"/>
             </a:lvl1pPr>
             <a:lvl2pPr marL="457200" indent="0">
               <a:buNone/>
@@ -4130,12 +3795,12 @@
         </p:nvSpPr>
         <p:spPr>
           <a:xfrm>
-            <a:off x="5823483" y="2870201"/>
-            <a:ext cx="4995334" cy="2920998"/>
+            <a:off x="5088384" y="2737245"/>
+            <a:ext cx="4185617" cy="3304117"/>
           </a:xfrm>
         </p:spPr>
         <p:txBody>
-          <a:bodyPr anchor="t">
+          <a:bodyPr>
             <a:normAutofit/>
           </a:bodyPr>
           <a:lstStyle/>
@@ -4193,9 +3858,9 @@
           <a:lstStyle/>
           <a:p>
             <a:fld id="{B61BEF0D-F0BB-DE4B-95CE-6DB70DBA9567}" type="datetimeFigureOut">
-              <a:rPr lang="en-US" dirty="0"/>
+              <a:rPr lang="en-US" smtClean="0"/>
               <a:pPr/>
-              <a:t>11/5/2021</a:t>
+              <a:t>11/7/2021</a:t>
             </a:fld>
             <a:endParaRPr lang="en-US" dirty="0"/>
           </a:p>
@@ -4236,7 +3901,7 @@
           <a:lstStyle/>
           <a:p>
             <a:fld id="{D57F1E4F-1CFF-5643-939E-217C01CDF565}" type="slidenum">
-              <a:rPr lang="en-US" dirty="0"/>
+              <a:rPr lang="en-US" smtClean="0"/>
               <a:pPr/>
               <a:t>‹#›</a:t>
             </a:fld>
@@ -4245,6 +3910,11 @@
         </p:txBody>
       </p:sp>
     </p:spTree>
+    <p:extLst>
+      <p:ext uri="{BB962C8B-B14F-4D97-AF65-F5344CB8AC3E}">
+        <p14:creationId xmlns:p14="http://schemas.microsoft.com/office/powerpoint/2010/main" val="965179023"/>
+      </p:ext>
+    </p:extLst>
   </p:cSld>
   <p:clrMapOvr>
     <a:masterClrMapping/>
@@ -4269,36 +3939,6 @@
           <a:chExt cx="0" cy="0"/>
         </a:xfrm>
       </p:grpSpPr>
-      <p:pic>
-        <p:nvPicPr>
-          <p:cNvPr id="6" name="Picture 5" descr="Celestia-R1---OverlayContentHD.png"/>
-          <p:cNvPicPr>
-            <a:picLocks noChangeAspect="1"/>
-          </p:cNvPicPr>
-          <p:nvPr/>
-        </p:nvPicPr>
-        <p:blipFill>
-          <a:blip r:embed="rId2">
-            <a:extLst>
-              <a:ext uri="{28A0092B-C50C-407E-A947-70E740481C1C}">
-                <a14:useLocalDpi xmlns:a14="http://schemas.microsoft.com/office/drawing/2010/main" val="0"/>
-              </a:ext>
-            </a:extLst>
-          </a:blip>
-          <a:stretch>
-            <a:fillRect/>
-          </a:stretch>
-        </p:blipFill>
-        <p:spPr>
-          <a:xfrm>
-            <a:off x="0" y="0"/>
-            <a:ext cx="12188825" cy="6856214"/>
-          </a:xfrm>
-          <a:prstGeom prst="rect">
-            <a:avLst/>
-          </a:prstGeom>
-        </p:spPr>
-      </p:pic>
       <p:sp>
         <p:nvSpPr>
           <p:cNvPr id="2" name="Title 1"/>
@@ -4309,7 +3949,12 @@
             <p:ph type="title"/>
           </p:nvPr>
         </p:nvSpPr>
-        <p:spPr/>
+        <p:spPr>
+          <a:xfrm>
+            <a:off x="677334" y="609600"/>
+            <a:ext cx="8596668" cy="1320800"/>
+          </a:xfrm>
+        </p:spPr>
         <p:txBody>
           <a:bodyPr/>
           <a:lstStyle/>
@@ -4338,9 +3983,9 @@
           <a:lstStyle/>
           <a:p>
             <a:fld id="{B61BEF0D-F0BB-DE4B-95CE-6DB70DBA9567}" type="datetimeFigureOut">
-              <a:rPr lang="en-US" dirty="0"/>
+              <a:rPr lang="en-US" smtClean="0"/>
               <a:pPr/>
-              <a:t>11/5/2021</a:t>
+              <a:t>11/7/2021</a:t>
             </a:fld>
             <a:endParaRPr lang="en-US" dirty="0"/>
           </a:p>
@@ -4381,7 +4026,7 @@
           <a:lstStyle/>
           <a:p>
             <a:fld id="{D57F1E4F-1CFF-5643-939E-217C01CDF565}" type="slidenum">
-              <a:rPr lang="en-US" dirty="0"/>
+              <a:rPr lang="en-US" smtClean="0"/>
               <a:pPr/>
               <a:t>‹#›</a:t>
             </a:fld>
@@ -4390,6 +4035,11 @@
         </p:txBody>
       </p:sp>
     </p:spTree>
+    <p:extLst>
+      <p:ext uri="{BB962C8B-B14F-4D97-AF65-F5344CB8AC3E}">
+        <p14:creationId xmlns:p14="http://schemas.microsoft.com/office/powerpoint/2010/main" val="723148943"/>
+      </p:ext>
+    </p:extLst>
   </p:cSld>
   <p:clrMapOvr>
     <a:masterClrMapping/>
@@ -4414,36 +4064,6 @@
           <a:chExt cx="0" cy="0"/>
         </a:xfrm>
       </p:grpSpPr>
-      <p:pic>
-        <p:nvPicPr>
-          <p:cNvPr id="5" name="Picture 4" descr="Celestia-R1---OverlayContentHD.png"/>
-          <p:cNvPicPr>
-            <a:picLocks noChangeAspect="1"/>
-          </p:cNvPicPr>
-          <p:nvPr/>
-        </p:nvPicPr>
-        <p:blipFill>
-          <a:blip r:embed="rId2">
-            <a:extLst>
-              <a:ext uri="{28A0092B-C50C-407E-A947-70E740481C1C}">
-                <a14:useLocalDpi xmlns:a14="http://schemas.microsoft.com/office/drawing/2010/main" val="0"/>
-              </a:ext>
-            </a:extLst>
-          </a:blip>
-          <a:stretch>
-            <a:fillRect/>
-          </a:stretch>
-        </p:blipFill>
-        <p:spPr>
-          <a:xfrm>
-            <a:off x="0" y="0"/>
-            <a:ext cx="12188825" cy="6856214"/>
-          </a:xfrm>
-          <a:prstGeom prst="rect">
-            <a:avLst/>
-          </a:prstGeom>
-        </p:spPr>
-      </p:pic>
       <p:sp>
         <p:nvSpPr>
           <p:cNvPr id="2" name="Date Placeholder 1"/>
@@ -4460,9 +4080,9 @@
           <a:lstStyle/>
           <a:p>
             <a:fld id="{B61BEF0D-F0BB-DE4B-95CE-6DB70DBA9567}" type="datetimeFigureOut">
-              <a:rPr lang="en-US" dirty="0"/>
+              <a:rPr lang="en-US" smtClean="0"/>
               <a:pPr/>
-              <a:t>11/5/2021</a:t>
+              <a:t>11/7/2021</a:t>
             </a:fld>
             <a:endParaRPr lang="en-US" dirty="0"/>
           </a:p>
@@ -4503,7 +4123,7 @@
           <a:lstStyle/>
           <a:p>
             <a:fld id="{D57F1E4F-1CFF-5643-939E-217C01CDF565}" type="slidenum">
-              <a:rPr lang="en-US" dirty="0"/>
+              <a:rPr lang="en-US" smtClean="0"/>
               <a:pPr/>
               <a:t>‹#›</a:t>
             </a:fld>
@@ -4512,6 +4132,11 @@
         </p:txBody>
       </p:sp>
     </p:spTree>
+    <p:extLst>
+      <p:ext uri="{BB962C8B-B14F-4D97-AF65-F5344CB8AC3E}">
+        <p14:creationId xmlns:p14="http://schemas.microsoft.com/office/powerpoint/2010/main" val="676947240"/>
+      </p:ext>
+    </p:extLst>
   </p:cSld>
   <p:clrMapOvr>
     <a:masterClrMapping/>
@@ -4536,36 +4161,6 @@
           <a:chExt cx="0" cy="0"/>
         </a:xfrm>
       </p:grpSpPr>
-      <p:pic>
-        <p:nvPicPr>
-          <p:cNvPr id="8" name="Picture 7" descr="Celestia-R1---OverlayContentHD.png"/>
-          <p:cNvPicPr>
-            <a:picLocks noChangeAspect="1"/>
-          </p:cNvPicPr>
-          <p:nvPr/>
-        </p:nvPicPr>
-        <p:blipFill>
-          <a:blip r:embed="rId2">
-            <a:extLst>
-              <a:ext uri="{28A0092B-C50C-407E-A947-70E740481C1C}">
-                <a14:useLocalDpi xmlns:a14="http://schemas.microsoft.com/office/drawing/2010/main" val="0"/>
-              </a:ext>
-            </a:extLst>
-          </a:blip>
-          <a:stretch>
-            <a:fillRect/>
-          </a:stretch>
-        </p:blipFill>
-        <p:spPr>
-          <a:xfrm>
-            <a:off x="0" y="0"/>
-            <a:ext cx="12188825" cy="6856214"/>
-          </a:xfrm>
-          <a:prstGeom prst="rect">
-            <a:avLst/>
-          </a:prstGeom>
-        </p:spPr>
-      </p:pic>
       <p:sp>
         <p:nvSpPr>
           <p:cNvPr id="2" name="Title 1"/>
@@ -4578,8 +4173,8 @@
         </p:nvSpPr>
         <p:spPr>
           <a:xfrm>
-            <a:off x="685800" y="2074333"/>
-            <a:ext cx="3680885" cy="1371600"/>
+            <a:off x="677334" y="1498604"/>
+            <a:ext cx="3854528" cy="1278466"/>
           </a:xfrm>
         </p:spPr>
         <p:txBody>
@@ -4587,8 +4182,8 @@
             <a:normAutofit/>
           </a:bodyPr>
           <a:lstStyle>
-            <a:lvl1pPr algn="l">
-              <a:defRPr sz="2400" b="0"/>
+            <a:lvl1pPr>
+              <a:defRPr sz="2000"/>
             </a:lvl1pPr>
           </a:lstStyle>
           <a:p>
@@ -4612,12 +4207,12 @@
         </p:nvSpPr>
         <p:spPr>
           <a:xfrm>
-            <a:off x="4648201" y="609601"/>
-            <a:ext cx="6169026" cy="5181600"/>
+            <a:off x="4760461" y="514924"/>
+            <a:ext cx="4513541" cy="5526437"/>
           </a:xfrm>
         </p:spPr>
         <p:txBody>
-          <a:bodyPr anchor="ctr">
+          <a:bodyPr>
             <a:normAutofit/>
           </a:bodyPr>
           <a:lstStyle/>
@@ -4671,50 +4266,50 @@
         </p:nvSpPr>
         <p:spPr>
           <a:xfrm>
-            <a:off x="685800" y="3445933"/>
-            <a:ext cx="3680885" cy="1828800"/>
+            <a:off x="677334" y="2777069"/>
+            <a:ext cx="3854528" cy="2584449"/>
           </a:xfrm>
         </p:spPr>
         <p:txBody>
-          <a:bodyPr anchor="t">
+          <a:bodyPr>
             <a:normAutofit/>
           </a:bodyPr>
           <a:lstStyle>
             <a:lvl1pPr marL="0" indent="0">
               <a:buNone/>
-              <a:defRPr sz="1600"/>
+              <a:defRPr sz="1400"/>
             </a:lvl1pPr>
-            <a:lvl2pPr marL="457200" indent="0">
+            <a:lvl2pPr marL="457063" indent="0">
+              <a:buNone/>
+              <a:defRPr sz="1400"/>
+            </a:lvl2pPr>
+            <a:lvl3pPr marL="914126" indent="0">
               <a:buNone/>
               <a:defRPr sz="1200"/>
-            </a:lvl2pPr>
-            <a:lvl3pPr marL="914400" indent="0">
+            </a:lvl3pPr>
+            <a:lvl4pPr marL="1371189" indent="0">
               <a:buNone/>
               <a:defRPr sz="1000"/>
-            </a:lvl3pPr>
-            <a:lvl4pPr marL="1371600" indent="0">
-              <a:buNone/>
-              <a:defRPr sz="900"/>
             </a:lvl4pPr>
-            <a:lvl5pPr marL="1828800" indent="0">
-              <a:buNone/>
-              <a:defRPr sz="900"/>
+            <a:lvl5pPr marL="1828251" indent="0">
+              <a:buNone/>
+              <a:defRPr sz="1000"/>
             </a:lvl5pPr>
-            <a:lvl6pPr marL="2286000" indent="0">
-              <a:buNone/>
-              <a:defRPr sz="900"/>
+            <a:lvl6pPr marL="2285314" indent="0">
+              <a:buNone/>
+              <a:defRPr sz="1000"/>
             </a:lvl6pPr>
-            <a:lvl7pPr marL="2743200" indent="0">
-              <a:buNone/>
-              <a:defRPr sz="900"/>
+            <a:lvl7pPr marL="2742377" indent="0">
+              <a:buNone/>
+              <a:defRPr sz="1000"/>
             </a:lvl7pPr>
-            <a:lvl8pPr marL="3200400" indent="0">
-              <a:buNone/>
-              <a:defRPr sz="900"/>
+            <a:lvl8pPr marL="3199440" indent="0">
+              <a:buNone/>
+              <a:defRPr sz="1000"/>
             </a:lvl8pPr>
-            <a:lvl9pPr marL="3657600" indent="0">
-              <a:buNone/>
-              <a:defRPr sz="900"/>
+            <a:lvl9pPr marL="3656503" indent="0">
+              <a:buNone/>
+              <a:defRPr sz="1000"/>
             </a:lvl9pPr>
           </a:lstStyle>
           <a:p>
@@ -4742,9 +4337,9 @@
           <a:lstStyle/>
           <a:p>
             <a:fld id="{B61BEF0D-F0BB-DE4B-95CE-6DB70DBA9567}" type="datetimeFigureOut">
-              <a:rPr lang="en-US" dirty="0"/>
+              <a:rPr lang="en-US" smtClean="0"/>
               <a:pPr/>
-              <a:t>11/5/2021</a:t>
+              <a:t>11/7/2021</a:t>
             </a:fld>
             <a:endParaRPr lang="en-US" dirty="0"/>
           </a:p>
@@ -4785,7 +4380,7 @@
           <a:lstStyle/>
           <a:p>
             <a:fld id="{D57F1E4F-1CFF-5643-939E-217C01CDF565}" type="slidenum">
-              <a:rPr lang="en-US" dirty="0"/>
+              <a:rPr lang="en-US" smtClean="0"/>
               <a:pPr/>
               <a:t>‹#›</a:t>
             </a:fld>
@@ -4794,6 +4389,11 @@
         </p:txBody>
       </p:sp>
     </p:spTree>
+    <p:extLst>
+      <p:ext uri="{BB962C8B-B14F-4D97-AF65-F5344CB8AC3E}">
+        <p14:creationId xmlns:p14="http://schemas.microsoft.com/office/powerpoint/2010/main" val="2683306845"/>
+      </p:ext>
+    </p:extLst>
   </p:cSld>
   <p:clrMapOvr>
     <a:masterClrMapping/>
@@ -4818,36 +4418,6 @@
           <a:chExt cx="0" cy="0"/>
         </a:xfrm>
       </p:grpSpPr>
-      <p:pic>
-        <p:nvPicPr>
-          <p:cNvPr id="8" name="Picture 7" descr="Celestia-R1---OverlayContentHD.png"/>
-          <p:cNvPicPr>
-            <a:picLocks noChangeAspect="1"/>
-          </p:cNvPicPr>
-          <p:nvPr/>
-        </p:nvPicPr>
-        <p:blipFill>
-          <a:blip r:embed="rId2">
-            <a:extLst>
-              <a:ext uri="{28A0092B-C50C-407E-A947-70E740481C1C}">
-                <a14:useLocalDpi xmlns:a14="http://schemas.microsoft.com/office/drawing/2010/main" val="0"/>
-              </a:ext>
-            </a:extLst>
-          </a:blip>
-          <a:stretch>
-            <a:fillRect/>
-          </a:stretch>
-        </p:blipFill>
-        <p:spPr>
-          <a:xfrm>
-            <a:off x="0" y="0"/>
-            <a:ext cx="12188825" cy="6856214"/>
-          </a:xfrm>
-          <a:prstGeom prst="rect">
-            <a:avLst/>
-          </a:prstGeom>
-        </p:spPr>
-      </p:pic>
       <p:sp>
         <p:nvSpPr>
           <p:cNvPr id="2" name="Title 1"/>
@@ -4860,8 +4430,8 @@
         </p:nvSpPr>
         <p:spPr>
           <a:xfrm>
-            <a:off x="685800" y="1600200"/>
-            <a:ext cx="6164653" cy="1371600"/>
+            <a:off x="677334" y="4800600"/>
+            <a:ext cx="8596667" cy="566738"/>
           </a:xfrm>
         </p:spPr>
         <p:txBody>
@@ -4870,7 +4440,7 @@
           </a:bodyPr>
           <a:lstStyle>
             <a:lvl1pPr algn="l">
-              <a:defRPr sz="2800" b="0"/>
+              <a:defRPr sz="2400" b="0"/>
             </a:lvl1pPr>
           </a:lstStyle>
           <a:p>
@@ -4884,7 +4454,7 @@
       </p:sp>
       <p:sp>
         <p:nvSpPr>
-          <p:cNvPr id="14" name="Picture Placeholder 2"/>
+          <p:cNvPr id="3" name="Picture Placeholder 2"/>
           <p:cNvSpPr>
             <a:spLocks noGrp="1" noChangeAspect="1"/>
           </p:cNvSpPr>
@@ -4894,40 +4464,9 @@
         </p:nvSpPr>
         <p:spPr>
           <a:xfrm>
-            <a:off x="7536253" y="914400"/>
-            <a:ext cx="3280974" cy="4572000"/>
+            <a:off x="677334" y="609600"/>
+            <a:ext cx="8596668" cy="3845718"/>
           </a:xfrm>
-          <a:prstGeom prst="roundRect">
-            <a:avLst>
-              <a:gd name="adj" fmla="val 4280"/>
-            </a:avLst>
-          </a:prstGeom>
-          <a:ln w="50800" cap="sq" cmpd="dbl">
-            <a:gradFill flip="none" rotWithShape="1">
-              <a:gsLst>
-                <a:gs pos="0">
-                  <a:srgbClr val="FFFFFF"/>
-                </a:gs>
-                <a:gs pos="100000">
-                  <a:schemeClr val="tx1">
-                    <a:alpha val="0"/>
-                  </a:schemeClr>
-                </a:gs>
-              </a:gsLst>
-              <a:path path="circle">
-                <a:fillToRect l="50000" t="50000" r="50000" b="50000"/>
-              </a:path>
-              <a:tileRect/>
-            </a:gradFill>
-            <a:miter lim="800000"/>
-          </a:ln>
-          <a:effectLst>
-            <a:outerShdw blurRad="254000" algn="tl" rotWithShape="0">
-              <a:srgbClr val="000000">
-                <a:alpha val="43000"/>
-              </a:srgbClr>
-            </a:outerShdw>
-          </a:effectLst>
         </p:spPr>
         <p:txBody>
           <a:bodyPr anchor="t">
@@ -4992,18 +4531,18 @@
         </p:nvSpPr>
         <p:spPr>
           <a:xfrm>
-            <a:off x="685800" y="2971800"/>
-            <a:ext cx="6164653" cy="1828800"/>
+            <a:off x="677334" y="5367338"/>
+            <a:ext cx="8596667" cy="674024"/>
           </a:xfrm>
         </p:spPr>
         <p:txBody>
-          <a:bodyPr anchor="t">
+          <a:bodyPr>
             <a:normAutofit/>
           </a:bodyPr>
           <a:lstStyle>
             <a:lvl1pPr marL="0" indent="0">
               <a:buNone/>
-              <a:defRPr sz="1800"/>
+              <a:defRPr sz="1200"/>
             </a:lvl1pPr>
             <a:lvl2pPr marL="457200" indent="0">
               <a:buNone/>
@@ -5063,9 +4602,9 @@
           <a:lstStyle/>
           <a:p>
             <a:fld id="{B61BEF0D-F0BB-DE4B-95CE-6DB70DBA9567}" type="datetimeFigureOut">
-              <a:rPr lang="en-US" dirty="0"/>
+              <a:rPr lang="en-US" smtClean="0"/>
               <a:pPr/>
-              <a:t>11/5/2021</a:t>
+              <a:t>11/7/2021</a:t>
             </a:fld>
             <a:endParaRPr lang="en-US" dirty="0"/>
           </a:p>
@@ -5106,7 +4645,7 @@
           <a:lstStyle/>
           <a:p>
             <a:fld id="{D57F1E4F-1CFF-5643-939E-217C01CDF565}" type="slidenum">
-              <a:rPr lang="en-US" dirty="0"/>
+              <a:rPr lang="en-US" smtClean="0"/>
               <a:pPr/>
               <a:t>‹#›</a:t>
             </a:fld>
@@ -5115,6 +4654,11 @@
         </p:txBody>
       </p:sp>
     </p:spTree>
+    <p:extLst>
+      <p:ext uri="{BB962C8B-B14F-4D97-AF65-F5344CB8AC3E}">
+        <p14:creationId xmlns:p14="http://schemas.microsoft.com/office/powerpoint/2010/main" val="522694634"/>
+      </p:ext>
+    </p:extLst>
   </p:cSld>
   <p:clrMapOvr>
     <a:masterClrMapping/>
@@ -5126,8 +4670,8 @@
 <p:sldMaster xmlns:a="http://schemas.openxmlformats.org/drawingml/2006/main" xmlns:r="http://schemas.openxmlformats.org/officeDocument/2006/relationships" xmlns:p="http://schemas.openxmlformats.org/presentationml/2006/main">
   <p:cSld>
     <p:bg>
-      <p:bgRef idx="1003">
-        <a:schemeClr val="bg2"/>
+      <p:bgRef idx="1001">
+        <a:schemeClr val="bg1"/>
       </p:bgRef>
     </p:bg>
     <p:spTree>
@@ -5144,6 +4688,536 @@
           <a:chExt cx="0" cy="0"/>
         </a:xfrm>
       </p:grpSpPr>
+      <p:grpSp>
+        <p:nvGrpSpPr>
+          <p:cNvPr id="7" name="Group 6"/>
+          <p:cNvGrpSpPr/>
+          <p:nvPr/>
+        </p:nvGrpSpPr>
+        <p:grpSpPr>
+          <a:xfrm>
+            <a:off x="0" y="-8467"/>
+            <a:ext cx="12192000" cy="6866467"/>
+            <a:chOff x="0" y="-8467"/>
+            <a:chExt cx="12192000" cy="6866467"/>
+          </a:xfrm>
+        </p:grpSpPr>
+        <p:cxnSp>
+          <p:nvCxnSpPr>
+            <p:cNvPr id="20" name="Straight Connector 19"/>
+            <p:cNvCxnSpPr/>
+            <p:nvPr/>
+          </p:nvCxnSpPr>
+          <p:spPr>
+            <a:xfrm>
+              <a:off x="9371012" y="0"/>
+              <a:ext cx="1219200" cy="6858000"/>
+            </a:xfrm>
+            <a:prstGeom prst="line">
+              <a:avLst/>
+            </a:prstGeom>
+            <a:ln w="9525">
+              <a:solidFill>
+                <a:schemeClr val="bg1">
+                  <a:lumMod val="75000"/>
+                </a:schemeClr>
+              </a:solidFill>
+            </a:ln>
+          </p:spPr>
+          <p:style>
+            <a:lnRef idx="2">
+              <a:schemeClr val="accent1"/>
+            </a:lnRef>
+            <a:fillRef idx="0">
+              <a:schemeClr val="accent1"/>
+            </a:fillRef>
+            <a:effectRef idx="1">
+              <a:schemeClr val="accent1"/>
+            </a:effectRef>
+            <a:fontRef idx="minor">
+              <a:schemeClr val="tx1"/>
+            </a:fontRef>
+          </p:style>
+        </p:cxnSp>
+        <p:cxnSp>
+          <p:nvCxnSpPr>
+            <p:cNvPr id="21" name="Straight Connector 20"/>
+            <p:cNvCxnSpPr/>
+            <p:nvPr/>
+          </p:nvCxnSpPr>
+          <p:spPr>
+            <a:xfrm flipH="1">
+              <a:off x="7425267" y="3681413"/>
+              <a:ext cx="4763558" cy="3176587"/>
+            </a:xfrm>
+            <a:prstGeom prst="line">
+              <a:avLst/>
+            </a:prstGeom>
+            <a:ln w="9525">
+              <a:solidFill>
+                <a:schemeClr val="bg1">
+                  <a:lumMod val="85000"/>
+                </a:schemeClr>
+              </a:solidFill>
+            </a:ln>
+          </p:spPr>
+          <p:style>
+            <a:lnRef idx="2">
+              <a:schemeClr val="accent1"/>
+            </a:lnRef>
+            <a:fillRef idx="0">
+              <a:schemeClr val="accent1"/>
+            </a:fillRef>
+            <a:effectRef idx="1">
+              <a:schemeClr val="accent1"/>
+            </a:effectRef>
+            <a:fontRef idx="minor">
+              <a:schemeClr val="tx1"/>
+            </a:fontRef>
+          </p:style>
+        </p:cxnSp>
+        <p:sp>
+          <p:nvSpPr>
+            <p:cNvPr id="22" name="Rectangle 23"/>
+            <p:cNvSpPr/>
+            <p:nvPr/>
+          </p:nvSpPr>
+          <p:spPr>
+            <a:xfrm>
+              <a:off x="9181476" y="-8467"/>
+              <a:ext cx="3007349" cy="6866467"/>
+            </a:xfrm>
+            <a:custGeom>
+              <a:avLst/>
+              <a:gdLst/>
+              <a:ahLst/>
+              <a:cxnLst/>
+              <a:rect l="l" t="t" r="r" b="b"/>
+              <a:pathLst>
+                <a:path w="3007349" h="6866467">
+                  <a:moveTo>
+                    <a:pt x="2045532" y="0"/>
+                  </a:moveTo>
+                  <a:lnTo>
+                    <a:pt x="3007349" y="0"/>
+                  </a:lnTo>
+                  <a:lnTo>
+                    <a:pt x="3007349" y="6866467"/>
+                  </a:lnTo>
+                  <a:lnTo>
+                    <a:pt x="0" y="6866467"/>
+                  </a:lnTo>
+                  <a:lnTo>
+                    <a:pt x="2045532" y="0"/>
+                  </a:lnTo>
+                  <a:close/>
+                </a:path>
+              </a:pathLst>
+            </a:custGeom>
+            <a:solidFill>
+              <a:schemeClr val="accent1">
+                <a:alpha val="30000"/>
+              </a:schemeClr>
+            </a:solidFill>
+            <a:ln>
+              <a:noFill/>
+            </a:ln>
+            <a:effectLst/>
+          </p:spPr>
+          <p:style>
+            <a:lnRef idx="1">
+              <a:schemeClr val="accent1"/>
+            </a:lnRef>
+            <a:fillRef idx="3">
+              <a:schemeClr val="accent1"/>
+            </a:fillRef>
+            <a:effectRef idx="2">
+              <a:schemeClr val="accent1"/>
+            </a:effectRef>
+            <a:fontRef idx="minor">
+              <a:schemeClr val="lt1"/>
+            </a:fontRef>
+          </p:style>
+        </p:sp>
+        <p:sp>
+          <p:nvSpPr>
+            <p:cNvPr id="23" name="Rectangle 25"/>
+            <p:cNvSpPr/>
+            <p:nvPr/>
+          </p:nvSpPr>
+          <p:spPr>
+            <a:xfrm>
+              <a:off x="9603442" y="-8467"/>
+              <a:ext cx="2588558" cy="6866467"/>
+            </a:xfrm>
+            <a:custGeom>
+              <a:avLst/>
+              <a:gdLst/>
+              <a:ahLst/>
+              <a:cxnLst/>
+              <a:rect l="l" t="t" r="r" b="b"/>
+              <a:pathLst>
+                <a:path w="2573311" h="6866467">
+                  <a:moveTo>
+                    <a:pt x="0" y="0"/>
+                  </a:moveTo>
+                  <a:lnTo>
+                    <a:pt x="2573311" y="0"/>
+                  </a:lnTo>
+                  <a:lnTo>
+                    <a:pt x="2573311" y="6866467"/>
+                  </a:lnTo>
+                  <a:lnTo>
+                    <a:pt x="1202336" y="6866467"/>
+                  </a:lnTo>
+                  <a:lnTo>
+                    <a:pt x="0" y="0"/>
+                  </a:lnTo>
+                  <a:close/>
+                </a:path>
+              </a:pathLst>
+            </a:custGeom>
+            <a:solidFill>
+              <a:schemeClr val="accent1">
+                <a:alpha val="20000"/>
+              </a:schemeClr>
+            </a:solidFill>
+            <a:ln>
+              <a:noFill/>
+            </a:ln>
+            <a:effectLst/>
+          </p:spPr>
+          <p:style>
+            <a:lnRef idx="1">
+              <a:schemeClr val="accent1"/>
+            </a:lnRef>
+            <a:fillRef idx="3">
+              <a:schemeClr val="accent1"/>
+            </a:fillRef>
+            <a:effectRef idx="2">
+              <a:schemeClr val="accent1"/>
+            </a:effectRef>
+            <a:fontRef idx="minor">
+              <a:schemeClr val="lt1"/>
+            </a:fontRef>
+          </p:style>
+        </p:sp>
+        <p:sp>
+          <p:nvSpPr>
+            <p:cNvPr id="24" name="Isosceles Triangle 23"/>
+            <p:cNvSpPr/>
+            <p:nvPr/>
+          </p:nvSpPr>
+          <p:spPr>
+            <a:xfrm>
+              <a:off x="8932333" y="3048000"/>
+              <a:ext cx="3259667" cy="3810000"/>
+            </a:xfrm>
+            <a:prstGeom prst="triangle">
+              <a:avLst>
+                <a:gd name="adj" fmla="val 100000"/>
+              </a:avLst>
+            </a:prstGeom>
+            <a:solidFill>
+              <a:schemeClr val="accent2">
+                <a:alpha val="72000"/>
+              </a:schemeClr>
+            </a:solidFill>
+            <a:ln>
+              <a:noFill/>
+            </a:ln>
+            <a:effectLst/>
+          </p:spPr>
+          <p:style>
+            <a:lnRef idx="1">
+              <a:schemeClr val="accent1"/>
+            </a:lnRef>
+            <a:fillRef idx="3">
+              <a:schemeClr val="accent1"/>
+            </a:fillRef>
+            <a:effectRef idx="2">
+              <a:schemeClr val="accent1"/>
+            </a:effectRef>
+            <a:fontRef idx="minor">
+              <a:schemeClr val="lt1"/>
+            </a:fontRef>
+          </p:style>
+        </p:sp>
+        <p:sp>
+          <p:nvSpPr>
+            <p:cNvPr id="25" name="Rectangle 27"/>
+            <p:cNvSpPr/>
+            <p:nvPr/>
+          </p:nvSpPr>
+          <p:spPr>
+            <a:xfrm>
+              <a:off x="9334500" y="-8467"/>
+              <a:ext cx="2854326" cy="6866467"/>
+            </a:xfrm>
+            <a:custGeom>
+              <a:avLst/>
+              <a:gdLst/>
+              <a:ahLst/>
+              <a:cxnLst/>
+              <a:rect l="l" t="t" r="r" b="b"/>
+              <a:pathLst>
+                <a:path w="2858013" h="6866467">
+                  <a:moveTo>
+                    <a:pt x="0" y="0"/>
+                  </a:moveTo>
+                  <a:lnTo>
+                    <a:pt x="2858013" y="0"/>
+                  </a:lnTo>
+                  <a:lnTo>
+                    <a:pt x="2858013" y="6866467"/>
+                  </a:lnTo>
+                  <a:lnTo>
+                    <a:pt x="2473942" y="6866467"/>
+                  </a:lnTo>
+                  <a:lnTo>
+                    <a:pt x="0" y="0"/>
+                  </a:lnTo>
+                  <a:close/>
+                </a:path>
+              </a:pathLst>
+            </a:custGeom>
+            <a:solidFill>
+              <a:schemeClr val="accent2">
+                <a:lumMod val="75000"/>
+                <a:alpha val="70000"/>
+              </a:schemeClr>
+            </a:solidFill>
+            <a:ln>
+              <a:noFill/>
+            </a:ln>
+            <a:effectLst/>
+          </p:spPr>
+          <p:style>
+            <a:lnRef idx="1">
+              <a:schemeClr val="accent1"/>
+            </a:lnRef>
+            <a:fillRef idx="3">
+              <a:schemeClr val="accent1"/>
+            </a:fillRef>
+            <a:effectRef idx="2">
+              <a:schemeClr val="accent1"/>
+            </a:effectRef>
+            <a:fontRef idx="minor">
+              <a:schemeClr val="lt1"/>
+            </a:fontRef>
+          </p:style>
+        </p:sp>
+        <p:sp>
+          <p:nvSpPr>
+            <p:cNvPr id="26" name="Rectangle 28"/>
+            <p:cNvSpPr/>
+            <p:nvPr/>
+          </p:nvSpPr>
+          <p:spPr>
+            <a:xfrm>
+              <a:off x="10898730" y="-8467"/>
+              <a:ext cx="1290094" cy="6866467"/>
+            </a:xfrm>
+            <a:custGeom>
+              <a:avLst/>
+              <a:gdLst/>
+              <a:ahLst/>
+              <a:cxnLst/>
+              <a:rect l="l" t="t" r="r" b="b"/>
+              <a:pathLst>
+                <a:path w="1290094" h="6858000">
+                  <a:moveTo>
+                    <a:pt x="1019735" y="0"/>
+                  </a:moveTo>
+                  <a:lnTo>
+                    <a:pt x="1290094" y="0"/>
+                  </a:lnTo>
+                  <a:lnTo>
+                    <a:pt x="1290094" y="6858000"/>
+                  </a:lnTo>
+                  <a:lnTo>
+                    <a:pt x="0" y="6858000"/>
+                  </a:lnTo>
+                  <a:lnTo>
+                    <a:pt x="1019735" y="0"/>
+                  </a:lnTo>
+                  <a:close/>
+                </a:path>
+              </a:pathLst>
+            </a:custGeom>
+            <a:solidFill>
+              <a:schemeClr val="accent1">
+                <a:lumMod val="60000"/>
+                <a:lumOff val="40000"/>
+                <a:alpha val="70000"/>
+              </a:schemeClr>
+            </a:solidFill>
+            <a:ln>
+              <a:noFill/>
+            </a:ln>
+            <a:effectLst/>
+          </p:spPr>
+          <p:style>
+            <a:lnRef idx="1">
+              <a:schemeClr val="accent1"/>
+            </a:lnRef>
+            <a:fillRef idx="3">
+              <a:schemeClr val="accent1"/>
+            </a:fillRef>
+            <a:effectRef idx="2">
+              <a:schemeClr val="accent1"/>
+            </a:effectRef>
+            <a:fontRef idx="minor">
+              <a:schemeClr val="lt1"/>
+            </a:fontRef>
+          </p:style>
+        </p:sp>
+        <p:sp>
+          <p:nvSpPr>
+            <p:cNvPr id="27" name="Rectangle 29"/>
+            <p:cNvSpPr/>
+            <p:nvPr/>
+          </p:nvSpPr>
+          <p:spPr>
+            <a:xfrm>
+              <a:off x="10938999" y="-8467"/>
+              <a:ext cx="1249825" cy="6866467"/>
+            </a:xfrm>
+            <a:custGeom>
+              <a:avLst/>
+              <a:gdLst/>
+              <a:ahLst/>
+              <a:cxnLst/>
+              <a:rect l="l" t="t" r="r" b="b"/>
+              <a:pathLst>
+                <a:path w="1249825" h="6858000">
+                  <a:moveTo>
+                    <a:pt x="0" y="0"/>
+                  </a:moveTo>
+                  <a:lnTo>
+                    <a:pt x="1249825" y="0"/>
+                  </a:lnTo>
+                  <a:lnTo>
+                    <a:pt x="1249825" y="6858000"/>
+                  </a:lnTo>
+                  <a:lnTo>
+                    <a:pt x="1109382" y="6858000"/>
+                  </a:lnTo>
+                  <a:lnTo>
+                    <a:pt x="0" y="0"/>
+                  </a:lnTo>
+                  <a:close/>
+                </a:path>
+              </a:pathLst>
+            </a:custGeom>
+            <a:solidFill>
+              <a:schemeClr val="accent1">
+                <a:alpha val="65000"/>
+              </a:schemeClr>
+            </a:solidFill>
+            <a:ln>
+              <a:noFill/>
+            </a:ln>
+            <a:effectLst/>
+          </p:spPr>
+          <p:style>
+            <a:lnRef idx="1">
+              <a:schemeClr val="accent1"/>
+            </a:lnRef>
+            <a:fillRef idx="3">
+              <a:schemeClr val="accent1"/>
+            </a:fillRef>
+            <a:effectRef idx="2">
+              <a:schemeClr val="accent1"/>
+            </a:effectRef>
+            <a:fontRef idx="minor">
+              <a:schemeClr val="lt1"/>
+            </a:fontRef>
+          </p:style>
+        </p:sp>
+        <p:sp>
+          <p:nvSpPr>
+            <p:cNvPr id="28" name="Isosceles Triangle 27"/>
+            <p:cNvSpPr/>
+            <p:nvPr/>
+          </p:nvSpPr>
+          <p:spPr>
+            <a:xfrm>
+              <a:off x="10371666" y="3589867"/>
+              <a:ext cx="1817159" cy="3268133"/>
+            </a:xfrm>
+            <a:prstGeom prst="triangle">
+              <a:avLst>
+                <a:gd name="adj" fmla="val 100000"/>
+              </a:avLst>
+            </a:prstGeom>
+            <a:solidFill>
+              <a:schemeClr val="accent1">
+                <a:alpha val="80000"/>
+              </a:schemeClr>
+            </a:solidFill>
+            <a:ln>
+              <a:noFill/>
+            </a:ln>
+            <a:effectLst/>
+          </p:spPr>
+          <p:style>
+            <a:lnRef idx="1">
+              <a:schemeClr val="accent1"/>
+            </a:lnRef>
+            <a:fillRef idx="3">
+              <a:schemeClr val="accent1"/>
+            </a:fillRef>
+            <a:effectRef idx="2">
+              <a:schemeClr val="accent1"/>
+            </a:effectRef>
+            <a:fontRef idx="minor">
+              <a:schemeClr val="lt1"/>
+            </a:fontRef>
+          </p:style>
+        </p:sp>
+        <p:sp>
+          <p:nvSpPr>
+            <p:cNvPr id="29" name="Isosceles Triangle 28"/>
+            <p:cNvSpPr/>
+            <p:nvPr/>
+          </p:nvSpPr>
+          <p:spPr>
+            <a:xfrm>
+              <a:off x="0" y="4013200"/>
+              <a:ext cx="448733" cy="2844800"/>
+            </a:xfrm>
+            <a:prstGeom prst="triangle">
+              <a:avLst>
+                <a:gd name="adj" fmla="val 0"/>
+              </a:avLst>
+            </a:prstGeom>
+            <a:solidFill>
+              <a:schemeClr val="accent1">
+                <a:alpha val="85000"/>
+              </a:schemeClr>
+            </a:solidFill>
+            <a:ln>
+              <a:noFill/>
+            </a:ln>
+            <a:effectLst/>
+          </p:spPr>
+          <p:style>
+            <a:lnRef idx="1">
+              <a:schemeClr val="accent1"/>
+            </a:lnRef>
+            <a:fillRef idx="3">
+              <a:schemeClr val="accent1"/>
+            </a:fillRef>
+            <a:effectRef idx="2">
+              <a:schemeClr val="accent1"/>
+            </a:effectRef>
+            <a:fontRef idx="minor">
+              <a:schemeClr val="lt1"/>
+            </a:fontRef>
+          </p:style>
+        </p:sp>
+      </p:grpSp>
       <p:sp>
         <p:nvSpPr>
           <p:cNvPr id="2" name="Title Placeholder 1"/>
@@ -5156,16 +5230,15 @@
         </p:nvSpPr>
         <p:spPr>
           <a:xfrm>
-            <a:off x="685801" y="609600"/>
-            <a:ext cx="10131425" cy="1456267"/>
+            <a:off x="677334" y="609600"/>
+            <a:ext cx="8596668" cy="1320800"/>
           </a:xfrm>
           <a:prstGeom prst="rect">
             <a:avLst/>
           </a:prstGeom>
-          <a:effectLst/>
         </p:spPr>
         <p:txBody>
-          <a:bodyPr vert="horz" lIns="91440" tIns="45720" rIns="91440" bIns="45720" rtlCol="0" anchor="ctr">
+          <a:bodyPr vert="horz" lIns="91440" tIns="45720" rIns="91440" bIns="45720" rtlCol="0" anchor="t">
             <a:normAutofit/>
           </a:bodyPr>
           <a:lstStyle/>
@@ -5190,15 +5263,15 @@
         </p:nvSpPr>
         <p:spPr>
           <a:xfrm>
-            <a:off x="685801" y="2142067"/>
-            <a:ext cx="10131425" cy="3649133"/>
+            <a:off x="677334" y="2160589"/>
+            <a:ext cx="8596668" cy="3880773"/>
           </a:xfrm>
           <a:prstGeom prst="rect">
             <a:avLst/>
           </a:prstGeom>
         </p:spPr>
         <p:txBody>
-          <a:bodyPr vert="horz" lIns="91440" tIns="45720" rIns="91440" bIns="45720" rtlCol="0" anchor="ctr">
+          <a:bodyPr vert="horz" lIns="91440" tIns="45720" rIns="91440" bIns="45720" rtlCol="0">
             <a:normAutofit/>
           </a:bodyPr>
           <a:lstStyle/>
@@ -5252,8 +5325,8 @@
         </p:nvSpPr>
         <p:spPr>
           <a:xfrm>
-            <a:off x="8589660" y="5870575"/>
-            <a:ext cx="1600200" cy="377825"/>
+            <a:off x="7205133" y="6041362"/>
+            <a:ext cx="911939" cy="365125"/>
           </a:xfrm>
           <a:prstGeom prst="rect">
             <a:avLst/>
@@ -5263,20 +5336,20 @@
           <a:bodyPr vert="horz" lIns="91440" tIns="45720" rIns="91440" bIns="45720" rtlCol="0" anchor="ctr"/>
           <a:lstStyle>
             <a:lvl1pPr algn="r">
-              <a:defRPr sz="1000" b="0" i="0">
+              <a:defRPr sz="900">
                 <a:solidFill>
-                  <a:schemeClr val="tx1"/>
+                  <a:schemeClr val="tx1">
+                    <a:tint val="75000"/>
+                  </a:schemeClr>
                 </a:solidFill>
-                <a:effectLst/>
-                <a:latin typeface="+mn-lt"/>
               </a:defRPr>
             </a:lvl1pPr>
           </a:lstStyle>
           <a:p>
             <a:fld id="{B61BEF0D-F0BB-DE4B-95CE-6DB70DBA9567}" type="datetimeFigureOut">
-              <a:rPr lang="en-US" dirty="0"/>
+              <a:rPr lang="en-US" smtClean="0"/>
               <a:pPr/>
-              <a:t>11/5/2021</a:t>
+              <a:t>11/7/2021</a:t>
             </a:fld>
             <a:endParaRPr lang="en-US" dirty="0"/>
           </a:p>
@@ -5294,8 +5367,8 @@
         </p:nvSpPr>
         <p:spPr>
           <a:xfrm>
-            <a:off x="685800" y="5870575"/>
-            <a:ext cx="7827659" cy="377825"/>
+            <a:off x="677334" y="6041362"/>
+            <a:ext cx="6297612" cy="365125"/>
           </a:xfrm>
           <a:prstGeom prst="rect">
             <a:avLst/>
@@ -5305,12 +5378,12 @@
           <a:bodyPr vert="horz" lIns="91440" tIns="45720" rIns="91440" bIns="45720" rtlCol="0" anchor="ctr"/>
           <a:lstStyle>
             <a:lvl1pPr algn="l">
-              <a:defRPr sz="1000" b="0" i="0">
+              <a:defRPr sz="900">
                 <a:solidFill>
-                  <a:schemeClr val="tx1"/>
+                  <a:schemeClr val="tx1">
+                    <a:tint val="75000"/>
+                  </a:schemeClr>
                 </a:solidFill>
-                <a:effectLst/>
-                <a:latin typeface="+mn-lt"/>
               </a:defRPr>
             </a:lvl1pPr>
           </a:lstStyle>
@@ -5331,8 +5404,8 @@
         </p:nvSpPr>
         <p:spPr>
           <a:xfrm>
-            <a:off x="10266060" y="5870575"/>
-            <a:ext cx="551167" cy="377825"/>
+            <a:off x="8590663" y="6041362"/>
+            <a:ext cx="683339" cy="365125"/>
           </a:xfrm>
           <a:prstGeom prst="rect">
             <a:avLst/>
@@ -5342,18 +5415,16 @@
           <a:bodyPr vert="horz" lIns="91440" tIns="45720" rIns="91440" bIns="45720" rtlCol="0" anchor="ctr"/>
           <a:lstStyle>
             <a:lvl1pPr algn="r">
-              <a:defRPr sz="1000" b="0" i="0">
+              <a:defRPr sz="900">
                 <a:solidFill>
-                  <a:schemeClr val="tx1"/>
+                  <a:schemeClr val="accent1"/>
                 </a:solidFill>
-                <a:effectLst/>
-                <a:latin typeface="+mn-lt"/>
               </a:defRPr>
             </a:lvl1pPr>
           </a:lstStyle>
           <a:p>
             <a:fld id="{D57F1E4F-1CFF-5643-939E-217C01CDF565}" type="slidenum">
-              <a:rPr lang="en-US" dirty="0"/>
+              <a:rPr lang="en-US" smtClean="0"/>
               <a:pPr/>
               <a:t>‹#›</a:t>
             </a:fld>
@@ -5362,26 +5433,30 @@
         </p:txBody>
       </p:sp>
     </p:spTree>
+    <p:extLst>
+      <p:ext uri="{BB962C8B-B14F-4D97-AF65-F5344CB8AC3E}">
+        <p14:creationId xmlns:p14="http://schemas.microsoft.com/office/powerpoint/2010/main" val="2316923213"/>
+      </p:ext>
+    </p:extLst>
   </p:cSld>
-  <p:clrMap bg1="dk1" tx1="lt1" bg2="dk2" tx2="lt2" accent1="accent1" accent2="accent2" accent3="accent3" accent4="accent4" accent5="accent5" accent6="accent6" hlink="hlink" folHlink="folHlink"/>
+  <p:clrMap bg1="lt1" tx1="dk1" bg2="lt2" tx2="dk2" accent1="accent1" accent2="accent2" accent3="accent3" accent4="accent4" accent5="accent5" accent6="accent6" hlink="hlink" folHlink="folHlink"/>
   <p:sldLayoutIdLst>
-    <p:sldLayoutId id="2147483649" r:id="rId1"/>
-    <p:sldLayoutId id="2147483650" r:id="rId2"/>
-    <p:sldLayoutId id="2147483651" r:id="rId3"/>
-    <p:sldLayoutId id="2147483652" r:id="rId4"/>
-    <p:sldLayoutId id="2147483653" r:id="rId5"/>
-    <p:sldLayoutId id="2147483654" r:id="rId6"/>
-    <p:sldLayoutId id="2147483655" r:id="rId7"/>
-    <p:sldLayoutId id="2147483656" r:id="rId8"/>
-    <p:sldLayoutId id="2147483660" r:id="rId9"/>
-    <p:sldLayoutId id="2147483657" r:id="rId10"/>
-    <p:sldLayoutId id="2147483663" r:id="rId11"/>
-    <p:sldLayoutId id="2147483664" r:id="rId12"/>
-    <p:sldLayoutId id="2147483665" r:id="rId13"/>
-    <p:sldLayoutId id="2147483666" r:id="rId14"/>
-    <p:sldLayoutId id="2147483667" r:id="rId15"/>
-    <p:sldLayoutId id="2147483658" r:id="rId16"/>
-    <p:sldLayoutId id="2147483659" r:id="rId17"/>
+    <p:sldLayoutId id="2147483669" r:id="rId1"/>
+    <p:sldLayoutId id="2147483670" r:id="rId2"/>
+    <p:sldLayoutId id="2147483671" r:id="rId3"/>
+    <p:sldLayoutId id="2147483672" r:id="rId4"/>
+    <p:sldLayoutId id="2147483673" r:id="rId5"/>
+    <p:sldLayoutId id="2147483674" r:id="rId6"/>
+    <p:sldLayoutId id="2147483675" r:id="rId7"/>
+    <p:sldLayoutId id="2147483676" r:id="rId8"/>
+    <p:sldLayoutId id="2147483677" r:id="rId9"/>
+    <p:sldLayoutId id="2147483678" r:id="rId10"/>
+    <p:sldLayoutId id="2147483679" r:id="rId11"/>
+    <p:sldLayoutId id="2147483680" r:id="rId12"/>
+    <p:sldLayoutId id="2147483681" r:id="rId13"/>
+    <p:sldLayoutId id="2147483682" r:id="rId14"/>
+    <p:sldLayoutId id="2147483683" r:id="rId15"/>
+    <p:sldLayoutId id="2147483684" r:id="rId16"/>
   </p:sldLayoutIdLst>
   <p:txStyles>
     <p:titleStyle>
@@ -5390,14 +5465,10 @@
           <a:spcPct val="0"/>
         </a:spcBef>
         <a:buNone/>
-        <a:defRPr sz="3600" kern="1200" cap="all">
-          <a:ln w="3175" cmpd="sng">
-            <a:noFill/>
-          </a:ln>
+        <a:defRPr sz="3600" kern="1200">
           <a:solidFill>
-            <a:schemeClr val="tx1"/>
+            <a:schemeClr val="accent1"/>
           </a:solidFill>
-          <a:effectLst/>
           <a:latin typeface="+mj-lt"/>
           <a:ea typeface="+mj-ea"/>
           <a:cs typeface="+mj-cs"/>
@@ -5461,24 +5532,26 @@
       </a:lvl9pPr>
     </p:titleStyle>
     <p:bodyStyle>
-      <a:lvl1pPr marL="285750" indent="-285750" algn="l" defTabSz="457200" rtl="0" eaLnBrk="1" latinLnBrk="0" hangingPunct="1">
+      <a:lvl1pPr marL="342900" indent="-342900" algn="l" defTabSz="457200" rtl="0" eaLnBrk="1" latinLnBrk="0" hangingPunct="1">
         <a:spcBef>
-          <a:spcPts val="0"/>
+          <a:spcPts val="1000"/>
         </a:spcBef>
         <a:spcAft>
-          <a:spcPts val="1000"/>
+          <a:spcPts val="0"/>
         </a:spcAft>
         <a:buClr>
-          <a:schemeClr val="tx1"/>
+          <a:schemeClr val="accent1"/>
         </a:buClr>
-        <a:buSzPct val="100000"/>
-        <a:buFont typeface="Arial"/>
-        <a:buChar char="•"/>
-        <a:defRPr sz="1800" kern="1200" cap="none">
+        <a:buSzPct val="80000"/>
+        <a:buFont typeface="Wingdings 3" charset="2"/>
+        <a:buChar char=""/>
+        <a:defRPr sz="1800" kern="1200">
           <a:solidFill>
-            <a:schemeClr val="tx1"/>
+            <a:schemeClr val="tx1">
+              <a:lumMod val="75000"/>
+              <a:lumOff val="25000"/>
+            </a:schemeClr>
           </a:solidFill>
-          <a:effectLst/>
           <a:latin typeface="+mn-lt"/>
           <a:ea typeface="+mn-ea"/>
           <a:cs typeface="+mn-cs"/>
@@ -5486,91 +5559,99 @@
       </a:lvl1pPr>
       <a:lvl2pPr marL="742950" indent="-285750" algn="l" defTabSz="457200" rtl="0" eaLnBrk="1" latinLnBrk="0" hangingPunct="1">
         <a:spcBef>
-          <a:spcPts val="0"/>
+          <a:spcPts val="1000"/>
         </a:spcBef>
         <a:spcAft>
-          <a:spcPts val="1000"/>
+          <a:spcPts val="0"/>
         </a:spcAft>
         <a:buClr>
-          <a:schemeClr val="tx1"/>
+          <a:schemeClr val="accent1"/>
         </a:buClr>
-        <a:buSzPct val="100000"/>
-        <a:buFont typeface="Arial"/>
-        <a:buChar char="•"/>
-        <a:defRPr sz="1600" kern="1200" cap="none">
+        <a:buSzPct val="80000"/>
+        <a:buFont typeface="Wingdings 3" charset="2"/>
+        <a:buChar char=""/>
+        <a:defRPr sz="1600" kern="1200">
           <a:solidFill>
-            <a:schemeClr val="tx1"/>
+            <a:schemeClr val="tx1">
+              <a:lumMod val="75000"/>
+              <a:lumOff val="25000"/>
+            </a:schemeClr>
           </a:solidFill>
-          <a:effectLst/>
           <a:latin typeface="+mn-lt"/>
           <a:ea typeface="+mn-ea"/>
           <a:cs typeface="+mn-cs"/>
         </a:defRPr>
       </a:lvl2pPr>
-      <a:lvl3pPr marL="1200150" indent="-285750" algn="l" defTabSz="457200" rtl="0" eaLnBrk="1" latinLnBrk="0" hangingPunct="1">
+      <a:lvl3pPr marL="1143000" indent="-228600" algn="l" defTabSz="457200" rtl="0" eaLnBrk="1" latinLnBrk="0" hangingPunct="1">
         <a:spcBef>
-          <a:spcPts val="0"/>
+          <a:spcPts val="1000"/>
         </a:spcBef>
         <a:spcAft>
-          <a:spcPts val="1000"/>
+          <a:spcPts val="0"/>
         </a:spcAft>
         <a:buClr>
-          <a:schemeClr val="tx1"/>
+          <a:schemeClr val="accent1"/>
         </a:buClr>
-        <a:buSzPct val="100000"/>
-        <a:buFont typeface="Arial"/>
-        <a:buChar char="•"/>
-        <a:defRPr sz="1400" kern="1200" cap="none">
+        <a:buSzPct val="80000"/>
+        <a:buFont typeface="Wingdings 3" charset="2"/>
+        <a:buChar char=""/>
+        <a:defRPr sz="1400" kern="1200">
           <a:solidFill>
-            <a:schemeClr val="tx1"/>
+            <a:schemeClr val="tx1">
+              <a:lumMod val="75000"/>
+              <a:lumOff val="25000"/>
+            </a:schemeClr>
           </a:solidFill>
-          <a:effectLst/>
           <a:latin typeface="+mn-lt"/>
           <a:ea typeface="+mn-ea"/>
           <a:cs typeface="+mn-cs"/>
         </a:defRPr>
       </a:lvl3pPr>
-      <a:lvl4pPr marL="1543050" indent="-171450" algn="l" defTabSz="457200" rtl="0" eaLnBrk="1" latinLnBrk="0" hangingPunct="1">
+      <a:lvl4pPr marL="1600200" indent="-228600" algn="l" defTabSz="457200" rtl="0" eaLnBrk="1" latinLnBrk="0" hangingPunct="1">
         <a:spcBef>
-          <a:spcPts val="0"/>
+          <a:spcPts val="1000"/>
         </a:spcBef>
         <a:spcAft>
-          <a:spcPts val="1000"/>
+          <a:spcPts val="0"/>
         </a:spcAft>
         <a:buClr>
-          <a:schemeClr val="tx1"/>
+          <a:schemeClr val="accent1"/>
         </a:buClr>
-        <a:buSzPct val="100000"/>
-        <a:buFont typeface="Arial"/>
-        <a:buChar char="•"/>
-        <a:defRPr sz="1200" kern="1200" cap="none">
+        <a:buSzPct val="80000"/>
+        <a:buFont typeface="Wingdings 3" charset="2"/>
+        <a:buChar char=""/>
+        <a:defRPr sz="1200" kern="1200">
           <a:solidFill>
-            <a:schemeClr val="tx1"/>
+            <a:schemeClr val="tx1">
+              <a:lumMod val="75000"/>
+              <a:lumOff val="25000"/>
+            </a:schemeClr>
           </a:solidFill>
-          <a:effectLst/>
           <a:latin typeface="+mn-lt"/>
           <a:ea typeface="+mn-ea"/>
           <a:cs typeface="+mn-cs"/>
         </a:defRPr>
       </a:lvl4pPr>
-      <a:lvl5pPr marL="2000250" indent="-171450" algn="l" defTabSz="457200" rtl="0" eaLnBrk="1" latinLnBrk="0" hangingPunct="1">
+      <a:lvl5pPr marL="2057400" indent="-228600" algn="l" defTabSz="457200" rtl="0" eaLnBrk="1" latinLnBrk="0" hangingPunct="1">
         <a:spcBef>
-          <a:spcPts val="0"/>
+          <a:spcPts val="1000"/>
         </a:spcBef>
         <a:spcAft>
-          <a:spcPts val="1000"/>
+          <a:spcPts val="0"/>
         </a:spcAft>
         <a:buClr>
-          <a:schemeClr val="tx1"/>
+          <a:schemeClr val="accent1"/>
         </a:buClr>
-        <a:buSzPct val="100000"/>
-        <a:buFont typeface="Arial"/>
-        <a:buChar char="•"/>
-        <a:defRPr sz="1200" kern="1200" cap="none">
+        <a:buSzPct val="80000"/>
+        <a:buFont typeface="Wingdings 3" charset="2"/>
+        <a:buChar char=""/>
+        <a:defRPr sz="1200" kern="1200">
           <a:solidFill>
-            <a:schemeClr val="tx1"/>
+            <a:schemeClr val="tx1">
+              <a:lumMod val="75000"/>
+              <a:lumOff val="25000"/>
+            </a:schemeClr>
           </a:solidFill>
-          <a:effectLst/>
           <a:latin typeface="+mn-lt"/>
           <a:ea typeface="+mn-ea"/>
           <a:cs typeface="+mn-cs"/>
@@ -5578,22 +5659,24 @@
       </a:lvl5pPr>
       <a:lvl6pPr marL="2514600" indent="-228600" algn="l" defTabSz="457200" rtl="0" eaLnBrk="1" latinLnBrk="0" hangingPunct="1">
         <a:spcBef>
-          <a:spcPts val="0"/>
+          <a:spcPts val="1000"/>
         </a:spcBef>
         <a:spcAft>
-          <a:spcPts val="1000"/>
+          <a:spcPts val="0"/>
         </a:spcAft>
         <a:buClr>
-          <a:schemeClr val="tx1"/>
+          <a:schemeClr val="accent1"/>
         </a:buClr>
-        <a:buSzPct val="100000"/>
-        <a:buFont typeface="Arial"/>
-        <a:buChar char="•"/>
-        <a:defRPr sz="1200" kern="1200" cap="none">
+        <a:buSzPct val="80000"/>
+        <a:buFont typeface="Wingdings 3" charset="2"/>
+        <a:buChar char=""/>
+        <a:defRPr sz="1200" kern="1200">
           <a:solidFill>
-            <a:schemeClr val="tx1"/>
+            <a:schemeClr val="tx1">
+              <a:lumMod val="75000"/>
+              <a:lumOff val="25000"/>
+            </a:schemeClr>
           </a:solidFill>
-          <a:effectLst/>
           <a:latin typeface="+mn-lt"/>
           <a:ea typeface="+mn-ea"/>
           <a:cs typeface="+mn-cs"/>
@@ -5601,22 +5684,24 @@
       </a:lvl6pPr>
       <a:lvl7pPr marL="2971800" indent="-228600" algn="l" defTabSz="457200" rtl="0" eaLnBrk="1" latinLnBrk="0" hangingPunct="1">
         <a:spcBef>
-          <a:spcPts val="0"/>
+          <a:spcPts val="1000"/>
         </a:spcBef>
         <a:spcAft>
-          <a:spcPts val="1000"/>
+          <a:spcPts val="0"/>
         </a:spcAft>
         <a:buClr>
-          <a:schemeClr val="tx1"/>
+          <a:schemeClr val="accent1"/>
         </a:buClr>
-        <a:buSzPct val="100000"/>
-        <a:buFont typeface="Arial"/>
-        <a:buChar char="•"/>
-        <a:defRPr sz="1200" kern="1200" cap="none">
+        <a:buSzPct val="80000"/>
+        <a:buFont typeface="Wingdings 3" charset="2"/>
+        <a:buChar char=""/>
+        <a:defRPr sz="1200" kern="1200">
           <a:solidFill>
-            <a:schemeClr val="tx1"/>
+            <a:schemeClr val="tx1">
+              <a:lumMod val="75000"/>
+              <a:lumOff val="25000"/>
+            </a:schemeClr>
           </a:solidFill>
-          <a:effectLst/>
           <a:latin typeface="+mn-lt"/>
           <a:ea typeface="+mn-ea"/>
           <a:cs typeface="+mn-cs"/>
@@ -5624,22 +5709,24 @@
       </a:lvl7pPr>
       <a:lvl8pPr marL="3429000" indent="-228600" algn="l" defTabSz="457200" rtl="0" eaLnBrk="1" latinLnBrk="0" hangingPunct="1">
         <a:spcBef>
-          <a:spcPts val="0"/>
+          <a:spcPts val="1000"/>
         </a:spcBef>
         <a:spcAft>
-          <a:spcPts val="1000"/>
+          <a:spcPts val="0"/>
         </a:spcAft>
         <a:buClr>
-          <a:schemeClr val="tx1"/>
+          <a:schemeClr val="accent1"/>
         </a:buClr>
-        <a:buSzPct val="100000"/>
-        <a:buFont typeface="Arial"/>
-        <a:buChar char="•"/>
-        <a:defRPr sz="1200" kern="1200" cap="none">
+        <a:buSzPct val="80000"/>
+        <a:buFont typeface="Wingdings 3" charset="2"/>
+        <a:buChar char=""/>
+        <a:defRPr sz="1200" kern="1200">
           <a:solidFill>
-            <a:schemeClr val="tx1"/>
+            <a:schemeClr val="tx1">
+              <a:lumMod val="75000"/>
+              <a:lumOff val="25000"/>
+            </a:schemeClr>
           </a:solidFill>
-          <a:effectLst/>
           <a:latin typeface="+mn-lt"/>
           <a:ea typeface="+mn-ea"/>
           <a:cs typeface="+mn-cs"/>
@@ -5647,22 +5734,24 @@
       </a:lvl8pPr>
       <a:lvl9pPr marL="3886200" indent="-228600" algn="l" defTabSz="457200" rtl="0" eaLnBrk="1" latinLnBrk="0" hangingPunct="1">
         <a:spcBef>
-          <a:spcPts val="0"/>
+          <a:spcPts val="1000"/>
         </a:spcBef>
         <a:spcAft>
-          <a:spcPts val="1000"/>
+          <a:spcPts val="0"/>
         </a:spcAft>
         <a:buClr>
-          <a:schemeClr val="tx1"/>
+          <a:schemeClr val="accent1"/>
         </a:buClr>
-        <a:buSzPct val="100000"/>
-        <a:buFont typeface="Arial"/>
-        <a:buChar char="•"/>
-        <a:defRPr sz="1200" kern="1200" cap="none">
+        <a:buSzPct val="80000"/>
+        <a:buFont typeface="Wingdings 3" charset="2"/>
+        <a:buChar char=""/>
+        <a:defRPr sz="1200" kern="1200">
           <a:solidFill>
-            <a:schemeClr val="tx1"/>
+            <a:schemeClr val="tx1">
+              <a:lumMod val="75000"/>
+              <a:lumOff val="25000"/>
+            </a:schemeClr>
           </a:solidFill>
-          <a:effectLst/>
           <a:latin typeface="+mn-lt"/>
           <a:ea typeface="+mn-ea"/>
           <a:cs typeface="+mn-cs"/>
@@ -5803,7 +5892,7 @@
         </p:nvSpPr>
         <p:spPr>
           <a:xfrm>
-            <a:off x="4034117" y="655420"/>
+            <a:off x="1300153" y="793965"/>
             <a:ext cx="7197726" cy="2421464"/>
           </a:xfrm>
         </p:spPr>
@@ -5811,9 +5900,21 @@
           <a:bodyPr/>
           <a:lstStyle/>
           <a:p>
+            <a:pPr algn="ctr"/>
+            <a:r>
+              <a:rPr lang="en-US" sz="3600" dirty="0"/>
+              <a:t>TEAM</a:t>
+            </a:r>
             <a:r>
               <a:rPr lang="en-US" dirty="0"/>
-              <a:t>TEAM ambitious waffles </a:t>
+              <a:t> </a:t>
+            </a:r>
+            <a:br>
+              <a:rPr lang="en-US" dirty="0"/>
+            </a:br>
+            <a:r>
+              <a:rPr lang="en-US" dirty="0"/>
+              <a:t>AMBITIOUS WAFFLES </a:t>
             </a:r>
             <a:endParaRPr lang="en-IN" dirty="0"/>
           </a:p>
@@ -5837,8 +5938,8 @@
         </p:nvSpPr>
         <p:spPr>
           <a:xfrm>
-            <a:off x="3962399" y="4385732"/>
-            <a:ext cx="7197726" cy="1816848"/>
+            <a:off x="3388657" y="3749238"/>
+            <a:ext cx="3765178" cy="1816848"/>
           </a:xfrm>
         </p:spPr>
         <p:txBody>
@@ -5870,7 +5971,7 @@
             </a:pPr>
             <a:r>
               <a:rPr lang="en-US" dirty="0"/>
-              <a:t>NKC</a:t>
+              <a:t>Niteesh Kamal Chaudhary</a:t>
             </a:r>
           </a:p>
           <a:p>
@@ -6812,13 +6913,13 @@
   <p:clrMapOvr>
     <a:masterClrMapping/>
   </p:clrMapOvr>
-  <mc:AlternateContent xmlns:mc="http://schemas.openxmlformats.org/markup-compatibility/2006">
-    <mc:Choice xmlns:p159="http://schemas.microsoft.com/office/powerpoint/2015/09/main" Requires="p159">
+  <mc:AlternateContent xmlns:mc="http://schemas.openxmlformats.org/markup-compatibility/2006" xmlns:p159="http://schemas.microsoft.com/office/powerpoint/2015/09/main">
+    <mc:Choice Requires="p159">
       <p:transition xmlns:p14="http://schemas.microsoft.com/office/powerpoint/2010/main" spd="slow" p14:dur="2000">
         <p159:morph option="byObject"/>
       </p:transition>
     </mc:Choice>
-    <mc:Fallback>
+    <mc:Fallback xmlns="">
       <p:transition spd="slow">
         <p:fade/>
       </p:transition>
@@ -7397,7 +7498,7 @@
         </p:blipFill>
         <p:spPr>
           <a:xfrm>
-            <a:off x="3625071" y="2187388"/>
+            <a:off x="3185800" y="1935256"/>
             <a:ext cx="4181325" cy="4191623"/>
           </a:xfrm>
           <a:prstGeom prst="rect">
@@ -7415,13 +7516,13 @@
   <p:clrMapOvr>
     <a:masterClrMapping/>
   </p:clrMapOvr>
-  <mc:AlternateContent xmlns:mc="http://schemas.openxmlformats.org/markup-compatibility/2006">
-    <mc:Choice xmlns:p15="http://schemas.microsoft.com/office/powerpoint/2012/main" Requires="p15">
+  <mc:AlternateContent xmlns:mc="http://schemas.openxmlformats.org/markup-compatibility/2006" xmlns:p15="http://schemas.microsoft.com/office/powerpoint/2012/main">
+    <mc:Choice Requires="p15">
       <p:transition xmlns:p14="http://schemas.microsoft.com/office/powerpoint/2010/main" spd="slow" p14:dur="2000">
         <p15:prstTrans prst="prestige"/>
       </p:transition>
     </mc:Choice>
-    <mc:Fallback>
+    <mc:Fallback xmlns="">
       <p:transition spd="slow">
         <p:fade/>
       </p:transition>
@@ -7810,6 +7911,16 @@
             <a:r>
               <a:rPr lang="en-US" sz="2000" dirty="0"/>
               <a:t>Mercury</a:t>
+            </a:r>
+          </a:p>
+          <a:p>
+            <a:pPr lvl="1">
+              <a:buFont typeface="Wingdings" panose="05000000000000000000" pitchFamily="2" charset="2"/>
+              <a:buChar char="v"/>
+            </a:pPr>
+            <a:r>
+              <a:rPr lang="en-US" sz="2000" dirty="0"/>
+              <a:t>jQuery</a:t>
             </a:r>
           </a:p>
           <a:p>
@@ -8055,6 +8166,36 @@
           </a:extLst>
         </p:spPr>
       </p:pic>
+      <p:pic>
+        <p:nvPicPr>
+          <p:cNvPr id="4" name="Picture 3">
+            <a:extLst>
+              <a:ext uri="{FF2B5EF4-FFF2-40B4-BE49-F238E27FC236}">
+                <a16:creationId xmlns:a16="http://schemas.microsoft.com/office/drawing/2014/main" id="{E062190A-0644-4283-8C1C-6DB23F3A3FB6}"/>
+              </a:ext>
+            </a:extLst>
+          </p:cNvPr>
+          <p:cNvPicPr>
+            <a:picLocks noChangeAspect="1"/>
+          </p:cNvPicPr>
+          <p:nvPr/>
+        </p:nvPicPr>
+        <p:blipFill>
+          <a:blip r:embed="rId7"/>
+          <a:stretch>
+            <a:fillRect/>
+          </a:stretch>
+        </p:blipFill>
+        <p:spPr>
+          <a:xfrm>
+            <a:off x="9617138" y="1906749"/>
+            <a:ext cx="1586394" cy="1586394"/>
+          </a:xfrm>
+          <a:prstGeom prst="rect">
+            <a:avLst/>
+          </a:prstGeom>
+        </p:spPr>
+      </p:pic>
     </p:spTree>
     <p:extLst>
       <p:ext uri="{BB962C8B-B14F-4D97-AF65-F5344CB8AC3E}">
@@ -8065,13 +8206,13 @@
   <p:clrMapOvr>
     <a:masterClrMapping/>
   </p:clrMapOvr>
-  <mc:AlternateContent xmlns:mc="http://schemas.openxmlformats.org/markup-compatibility/2006">
-    <mc:Choice xmlns:p159="http://schemas.microsoft.com/office/powerpoint/2015/09/main" Requires="p159">
+  <mc:AlternateContent xmlns:mc="http://schemas.openxmlformats.org/markup-compatibility/2006" xmlns:p159="http://schemas.microsoft.com/office/powerpoint/2015/09/main">
+    <mc:Choice Requires="p159">
       <p:transition xmlns:p14="http://schemas.microsoft.com/office/powerpoint/2010/main" spd="slow" p14:dur="2000" advClick="0" advTm="1000">
         <p159:morph option="byObject"/>
       </p:transition>
     </mc:Choice>
-    <mc:Fallback>
+    <mc:Fallback xmlns="">
       <p:transition spd="slow" advClick="0" advTm="1000">
         <p:fade/>
       </p:transition>
@@ -9094,13 +9235,13 @@
   <p:clrMapOvr>
     <a:masterClrMapping/>
   </p:clrMapOvr>
-  <mc:AlternateContent xmlns:mc="http://schemas.openxmlformats.org/markup-compatibility/2006">
-    <mc:Choice xmlns:p159="http://schemas.microsoft.com/office/powerpoint/2015/09/main" Requires="p159">
+  <mc:AlternateContent xmlns:mc="http://schemas.openxmlformats.org/markup-compatibility/2006" xmlns:p159="http://schemas.microsoft.com/office/powerpoint/2015/09/main">
+    <mc:Choice Requires="p159">
       <p:transition xmlns:p14="http://schemas.microsoft.com/office/powerpoint/2010/main" spd="slow" p14:dur="2000" advClick="0" advTm="0">
         <p159:morph option="byObject"/>
       </p:transition>
     </mc:Choice>
-    <mc:Fallback>
+    <mc:Fallback xmlns="">
       <p:transition spd="slow" advClick="0" advTm="0">
         <p:fade/>
       </p:transition>
@@ -9496,13 +9637,13 @@
   <p:clrMapOvr>
     <a:masterClrMapping/>
   </p:clrMapOvr>
-  <mc:AlternateContent xmlns:mc="http://schemas.openxmlformats.org/markup-compatibility/2006">
-    <mc:Choice xmlns:p159="http://schemas.microsoft.com/office/powerpoint/2015/09/main" Requires="p159">
+  <mc:AlternateContent xmlns:mc="http://schemas.openxmlformats.org/markup-compatibility/2006" xmlns:p159="http://schemas.microsoft.com/office/powerpoint/2015/09/main">
+    <mc:Choice Requires="p159">
       <p:transition xmlns:p14="http://schemas.microsoft.com/office/powerpoint/2010/main" spd="slow" p14:dur="2000" advClick="0" advTm="0">
         <p159:morph option="byObject"/>
       </p:transition>
     </mc:Choice>
-    <mc:Fallback>
+    <mc:Fallback xmlns="">
       <p:transition spd="slow" advClick="0" advTm="0">
         <p:fade/>
       </p:transition>
@@ -9898,13 +10039,13 @@
   <p:clrMapOvr>
     <a:masterClrMapping/>
   </p:clrMapOvr>
-  <mc:AlternateContent xmlns:mc="http://schemas.openxmlformats.org/markup-compatibility/2006">
-    <mc:Choice xmlns:p159="http://schemas.microsoft.com/office/powerpoint/2015/09/main" Requires="p159">
+  <mc:AlternateContent xmlns:mc="http://schemas.openxmlformats.org/markup-compatibility/2006" xmlns:p159="http://schemas.microsoft.com/office/powerpoint/2015/09/main">
+    <mc:Choice Requires="p159">
       <p:transition xmlns:p14="http://schemas.microsoft.com/office/powerpoint/2010/main" spd="slow" p14:dur="2000" advClick="0" advTm="0">
         <p159:morph option="byObject"/>
       </p:transition>
     </mc:Choice>
-    <mc:Fallback>
+    <mc:Fallback xmlns="">
       <p:transition spd="slow" advClick="0" advTm="0">
         <p:fade/>
       </p:transition>
@@ -10305,13 +10446,13 @@
   <p:clrMapOvr>
     <a:masterClrMapping/>
   </p:clrMapOvr>
-  <mc:AlternateContent xmlns:mc="http://schemas.openxmlformats.org/markup-compatibility/2006">
-    <mc:Choice xmlns:p159="http://schemas.microsoft.com/office/powerpoint/2015/09/main" Requires="p159">
+  <mc:AlternateContent xmlns:mc="http://schemas.openxmlformats.org/markup-compatibility/2006" xmlns:p159="http://schemas.microsoft.com/office/powerpoint/2015/09/main">
+    <mc:Choice Requires="p159">
       <p:transition xmlns:p14="http://schemas.microsoft.com/office/powerpoint/2010/main" spd="slow" p14:dur="2000" advClick="0" advTm="0">
         <p159:morph option="byObject"/>
       </p:transition>
     </mc:Choice>
-    <mc:Fallback>
+    <mc:Fallback xmlns="">
       <p:transition spd="slow" advClick="0" advTm="0">
         <p:fade/>
       </p:transition>
@@ -10707,13 +10848,13 @@
   <p:clrMapOvr>
     <a:masterClrMapping/>
   </p:clrMapOvr>
-  <mc:AlternateContent xmlns:mc="http://schemas.openxmlformats.org/markup-compatibility/2006">
-    <mc:Choice xmlns:p159="http://schemas.microsoft.com/office/powerpoint/2015/09/main" Requires="p159">
+  <mc:AlternateContent xmlns:mc="http://schemas.openxmlformats.org/markup-compatibility/2006" xmlns:p159="http://schemas.microsoft.com/office/powerpoint/2015/09/main">
+    <mc:Choice Requires="p159">
       <p:transition xmlns:p14="http://schemas.microsoft.com/office/powerpoint/2010/main" spd="slow" p14:dur="2000">
         <p159:morph option="byObject"/>
       </p:transition>
     </mc:Choice>
-    <mc:Fallback>
+    <mc:Fallback xmlns="">
       <p:transition spd="slow">
         <p:fade/>
       </p:transition>
@@ -10839,7 +10980,7 @@
         </p:blipFill>
         <p:spPr bwMode="auto">
           <a:xfrm>
-            <a:off x="6689223" y="3039035"/>
+            <a:off x="3840751" y="3281082"/>
             <a:ext cx="3821522" cy="3209365"/>
           </a:xfrm>
           <a:prstGeom prst="rect">
@@ -11006,9 +11147,9 @@
 </file>
 
 <file path=ppt/theme/theme1.xml><?xml version="1.0" encoding="utf-8"?>
-<a:theme xmlns:a="http://schemas.openxmlformats.org/drawingml/2006/main" name="Celestial">
+<a:theme xmlns:a="http://schemas.openxmlformats.org/drawingml/2006/main" name="Facet">
   <a:themeElements>
-    <a:clrScheme name="Celestial">
+    <a:clrScheme name="Facet">
       <a:dk1>
         <a:sysClr val="windowText" lastClr="000000"/>
       </a:dk1>
@@ -11016,52 +11157,52 @@
         <a:sysClr val="window" lastClr="FFFFFF"/>
       </a:lt1>
       <a:dk2>
-        <a:srgbClr val="3F296A"/>
+        <a:srgbClr val="2C3C43"/>
       </a:dk2>
       <a:lt2>
         <a:srgbClr val="EBEBEB"/>
       </a:lt2>
       <a:accent1>
-        <a:srgbClr val="E84574"/>
+        <a:srgbClr val="90C226"/>
       </a:accent1>
       <a:accent2>
-        <a:srgbClr val="798FF2"/>
+        <a:srgbClr val="54A021"/>
       </a:accent2>
       <a:accent3>
-        <a:srgbClr val="95C369"/>
+        <a:srgbClr val="E6B91E"/>
       </a:accent3>
       <a:accent4>
-        <a:srgbClr val="EE875A"/>
+        <a:srgbClr val="E76618"/>
       </a:accent4>
       <a:accent5>
-        <a:srgbClr val="C363E8"/>
+        <a:srgbClr val="C42F1A"/>
       </a:accent5>
       <a:accent6>
-        <a:srgbClr val="6AADC8"/>
+        <a:srgbClr val="918655"/>
       </a:accent6>
       <a:hlink>
-        <a:srgbClr val="FE80C7"/>
+        <a:srgbClr val="99CA3C"/>
       </a:hlink>
       <a:folHlink>
-        <a:srgbClr val="FBA3EC"/>
+        <a:srgbClr val="B9D181"/>
       </a:folHlink>
     </a:clrScheme>
-    <a:fontScheme name="Celestial">
+    <a:fontScheme name="Facet">
       <a:majorFont>
-        <a:latin typeface="Calibri Light" panose="020F0302020204030204"/>
+        <a:latin typeface="Trebuchet MS" panose="020B0603020202020204"/>
         <a:ea typeface=""/>
         <a:cs typeface=""/>
-        <a:font script="Jpan" typeface="ＭＳ Ｐゴシック"/>
+        <a:font script="Jpan" typeface="メイリオ"/>
         <a:font script="Hang" typeface="맑은 고딕"/>
-        <a:font script="Hans" typeface="宋体"/>
-        <a:font script="Hant" typeface="新細明體"/>
-        <a:font script="Arab" typeface="Times New Roman"/>
-        <a:font script="Hebr" typeface="Times New Roman"/>
-        <a:font script="Thai" typeface="Angsana New"/>
+        <a:font script="Hans" typeface="方正姚体"/>
+        <a:font script="Hant" typeface="微軟正黑體"/>
+        <a:font script="Arab" typeface="Tahoma"/>
+        <a:font script="Hebr" typeface="Arial"/>
+        <a:font script="Thai" typeface="Cordia New"/>
         <a:font script="Ethi" typeface="Nyala"/>
         <a:font script="Beng" typeface="Vrinda"/>
         <a:font script="Gujr" typeface="Shruti"/>
-        <a:font script="Khmr" typeface="MoolBoran"/>
+        <a:font script="Khmr" typeface="DaunPenh"/>
         <a:font script="Knda" typeface="Tunga"/>
         <a:font script="Guru" typeface="Raavi"/>
         <a:font script="Cans" typeface="Euphemia"/>
@@ -11078,21 +11219,21 @@
         <a:font script="Laoo" typeface="DokChampa"/>
         <a:font script="Sinh" typeface="Iskoola Pota"/>
         <a:font script="Mong" typeface="Mongolian Baiti"/>
-        <a:font script="Viet" typeface="Times New Roman"/>
+        <a:font script="Viet" typeface="Tahoma"/>
         <a:font script="Uigh" typeface="Microsoft Uighur"/>
         <a:font script="Geor" typeface="Sylfaen"/>
       </a:majorFont>
       <a:minorFont>
-        <a:latin typeface="Calibri" panose="020F0502020204030204"/>
+        <a:latin typeface="Trebuchet MS" panose="020B0603020202020204"/>
         <a:ea typeface=""/>
         <a:cs typeface=""/>
-        <a:font script="Jpan" typeface="ＭＳ Ｐゴシック"/>
-        <a:font script="Hang" typeface="맑은 고딕"/>
-        <a:font script="Hans" typeface="宋体"/>
-        <a:font script="Hant" typeface="新細明體"/>
-        <a:font script="Arab" typeface="Arial"/>
-        <a:font script="Hebr" typeface="Arial"/>
-        <a:font script="Thai" typeface="Cordia New"/>
+        <a:font script="Jpan" typeface="メイリオ"/>
+        <a:font script="Hang" typeface="HY그래픽M"/>
+        <a:font script="Hans" typeface="华文新魏"/>
+        <a:font script="Hant" typeface="微軟正黑體"/>
+        <a:font script="Arab" typeface="Tahoma"/>
+        <a:font script="Hebr" typeface="Gisha"/>
+        <a:font script="Thai" typeface="IrisUPC"/>
         <a:font script="Ethi" typeface="Nyala"/>
         <a:font script="Beng" typeface="Vrinda"/>
         <a:font script="Gujr" typeface="Shruti"/>
@@ -11118,7 +11259,7 @@
         <a:font script="Geor" typeface="Sylfaen"/>
       </a:minorFont>
     </a:fontScheme>
-    <a:fmtScheme name="Celestial">
+    <a:fmtScheme name="Facet">
       <a:fillStyleLst>
         <a:solidFill>
           <a:schemeClr val="phClr"/>
@@ -11127,14 +11268,13 @@
           <a:gsLst>
             <a:gs pos="0">
               <a:schemeClr val="phClr">
-                <a:tint val="70000"/>
+                <a:tint val="65000"/>
                 <a:lumMod val="110000"/>
               </a:schemeClr>
             </a:gs>
-            <a:gs pos="100000">
+            <a:gs pos="88000">
               <a:schemeClr val="phClr">
-                <a:tint val="82000"/>
-                <a:alpha val="74000"/>
+                <a:tint val="90000"/>
               </a:schemeClr>
             </a:gs>
           </a:gsLst>
@@ -11144,22 +11284,22 @@
           <a:gsLst>
             <a:gs pos="0">
               <a:schemeClr val="phClr">
-                <a:tint val="98000"/>
+                <a:tint val="96000"/>
                 <a:lumMod val="100000"/>
               </a:schemeClr>
             </a:gs>
-            <a:gs pos="100000">
+            <a:gs pos="78000">
               <a:schemeClr val="phClr">
-                <a:shade val="88000"/>
-                <a:lumMod val="88000"/>
+                <a:shade val="94000"/>
+                <a:lumMod val="94000"/>
               </a:schemeClr>
             </a:gs>
           </a:gsLst>
-          <a:lin ang="5400000" scaled="1"/>
+          <a:lin ang="5400000" scaled="0"/>
         </a:gradFill>
       </a:fillStyleLst>
       <a:lnStyleLst>
-        <a:ln w="9525" cap="rnd" cmpd="sng" algn="ctr">
+        <a:ln w="12700" cap="rnd" cmpd="sng" algn="ctr">
           <a:solidFill>
             <a:schemeClr val="phClr"/>
           </a:solidFill>
@@ -11184,7 +11324,7 @@
         </a:effectStyle>
         <a:effectStyle>
           <a:effectLst>
-            <a:outerShdw blurRad="50800" dist="38100" dir="5400000" rotWithShape="0">
+            <a:outerShdw blurRad="38100" dist="25400" dir="5400000" rotWithShape="0">
               <a:srgbClr val="000000">
                 <a:alpha val="35000"/>
               </a:srgbClr>
@@ -11193,9 +11333,9 @@
         </a:effectStyle>
         <a:effectStyle>
           <a:effectLst>
-            <a:outerShdw blurRad="63500" dist="38100" dir="5400000" rotWithShape="0">
+            <a:outerShdw blurRad="50800" dist="38100" dir="5400000" rotWithShape="0">
               <a:srgbClr val="000000">
-                <a:alpha val="65000"/>
+                <a:alpha val="35000"/>
               </a:srgbClr>
             </a:outerShdw>
           </a:effectLst>
@@ -11203,12 +11343,10 @@
             <a:camera prst="orthographicFront">
               <a:rot lat="0" lon="0" rev="0"/>
             </a:camera>
-            <a:lightRig rig="threePt" dir="tl">
-              <a:rot lat="0" lon="0" rev="1200000"/>
-            </a:lightRig>
+            <a:lightRig rig="threePt" dir="tl"/>
           </a:scene3d>
-          <a:sp3d>
-            <a:bevelT w="38100" h="12700"/>
+          <a:sp3d prstMaterial="plastic">
+            <a:bevelT w="0" h="0"/>
           </a:sp3d>
         </a:effectStyle>
       </a:effectStyleLst>
@@ -11221,26 +11359,37 @@
             <a:gs pos="0">
               <a:schemeClr val="phClr">
                 <a:tint val="90000"/>
+                <a:lumMod val="104000"/>
+              </a:schemeClr>
+            </a:gs>
+            <a:gs pos="94000">
+              <a:schemeClr val="phClr">
                 <a:shade val="96000"/>
-                <a:hueMod val="100000"/>
-                <a:satMod val="180000"/>
+                <a:lumMod val="82000"/>
+              </a:schemeClr>
+            </a:gs>
+          </a:gsLst>
+          <a:lin ang="5400000" scaled="0"/>
+        </a:gradFill>
+        <a:gradFill rotWithShape="1">
+          <a:gsLst>
+            <a:gs pos="0">
+              <a:schemeClr val="phClr">
+                <a:tint val="90000"/>
                 <a:lumMod val="110000"/>
               </a:schemeClr>
             </a:gs>
             <a:gs pos="100000">
               <a:schemeClr val="phClr">
-                <a:shade val="96000"/>
-                <a:satMod val="160000"/>
-                <a:lumMod val="100000"/>
+                <a:shade val="94000"/>
+                <a:lumMod val="96000"/>
               </a:schemeClr>
             </a:gs>
           </a:gsLst>
-          <a:lin ang="4740000" scaled="1"/>
+          <a:path path="circle">
+            <a:fillToRect l="50000" t="50000" r="100000" b="100000"/>
+          </a:path>
         </a:gradFill>
-        <a:blipFill>
-          <a:blip xmlns:r="http://schemas.openxmlformats.org/officeDocument/2006/relationships" r:embed="rId1"/>
-          <a:stretch/>
-        </a:blipFill>
       </a:bgFillStyleLst>
     </a:fmtScheme>
   </a:themeElements>
@@ -11248,7 +11397,7 @@
   <a:extraClrSchemeLst/>
   <a:extLst>
     <a:ext uri="{05A4C25C-085E-4340-85A3-A5531E510DB2}">
-      <thm15:themeFamily xmlns:thm15="http://schemas.microsoft.com/office/thememl/2012/main" name="Celestial" id="{C4BB2A3D-0E93-4C5F-B0D2-9D3FCE089CC5}" vid="{61DDDE80-2DFA-4F2A-B66F-72059846BDAA}"/>
+      <thm15:themeFamily xmlns:thm15="http://schemas.microsoft.com/office/thememl/2012/main" name="Facet" id="{C0C680CD-088A-49FC-A102-D699147F32B2}" vid="{CFBC31BA-B70F-4F30-BCAA-4F3011E16C4D}"/>
     </a:ext>
   </a:extLst>
 </a:theme>

--- a/Project Presentation.pptx
+++ b/Project Presentation.pptx
@@ -846,7 +846,7 @@
             <a:fld id="{B61BEF0D-F0BB-DE4B-95CE-6DB70DBA9567}" type="datetimeFigureOut">
               <a:rPr lang="en-US" smtClean="0"/>
               <a:pPr/>
-              <a:t>11/7/2021</a:t>
+              <a:t>11/8/2021</a:t>
             </a:fld>
             <a:endParaRPr lang="en-US" dirty="0"/>
           </a:p>
@@ -1099,7 +1099,7 @@
             <a:fld id="{B61BEF0D-F0BB-DE4B-95CE-6DB70DBA9567}" type="datetimeFigureOut">
               <a:rPr lang="en-US" smtClean="0"/>
               <a:pPr/>
-              <a:t>11/7/2021</a:t>
+              <a:t>11/8/2021</a:t>
             </a:fld>
             <a:endParaRPr lang="en-US" dirty="0"/>
           </a:p>
@@ -1415,7 +1415,7 @@
             <a:fld id="{B61BEF0D-F0BB-DE4B-95CE-6DB70DBA9567}" type="datetimeFigureOut">
               <a:rPr lang="en-US" smtClean="0"/>
               <a:pPr/>
-              <a:t>11/7/2021</a:t>
+              <a:t>11/8/2021</a:t>
             </a:fld>
             <a:endParaRPr lang="en-US" dirty="0"/>
           </a:p>
@@ -1758,7 +1758,7 @@
             <a:fld id="{B61BEF0D-F0BB-DE4B-95CE-6DB70DBA9567}" type="datetimeFigureOut">
               <a:rPr lang="en-US" smtClean="0"/>
               <a:pPr/>
-              <a:t>11/7/2021</a:t>
+              <a:t>11/8/2021</a:t>
             </a:fld>
             <a:endParaRPr lang="en-US" dirty="0"/>
           </a:p>
@@ -2074,7 +2074,7 @@
             <a:fld id="{B61BEF0D-F0BB-DE4B-95CE-6DB70DBA9567}" type="datetimeFigureOut">
               <a:rPr lang="en-US" smtClean="0"/>
               <a:pPr/>
-              <a:t>11/7/2021</a:t>
+              <a:t>11/8/2021</a:t>
             </a:fld>
             <a:endParaRPr lang="en-US" dirty="0"/>
           </a:p>
@@ -2469,7 +2469,7 @@
             <a:fld id="{B61BEF0D-F0BB-DE4B-95CE-6DB70DBA9567}" type="datetimeFigureOut">
               <a:rPr lang="en-US" smtClean="0"/>
               <a:pPr/>
-              <a:t>11/7/2021</a:t>
+              <a:t>11/8/2021</a:t>
             </a:fld>
             <a:endParaRPr lang="en-US" dirty="0"/>
           </a:p>
@@ -2641,7 +2641,7 @@
             <a:fld id="{B61BEF0D-F0BB-DE4B-95CE-6DB70DBA9567}" type="datetimeFigureOut">
               <a:rPr lang="en-US" smtClean="0"/>
               <a:pPr/>
-              <a:t>11/7/2021</a:t>
+              <a:t>11/8/2021</a:t>
             </a:fld>
             <a:endParaRPr lang="en-US" dirty="0"/>
           </a:p>
@@ -2823,7 +2823,7 @@
             <a:fld id="{B61BEF0D-F0BB-DE4B-95CE-6DB70DBA9567}" type="datetimeFigureOut">
               <a:rPr lang="en-US" smtClean="0"/>
               <a:pPr/>
-              <a:t>11/7/2021</a:t>
+              <a:t>11/8/2021</a:t>
             </a:fld>
             <a:endParaRPr lang="en-US" dirty="0"/>
           </a:p>
@@ -3001,7 +3001,7 @@
             <a:fld id="{B61BEF0D-F0BB-DE4B-95CE-6DB70DBA9567}" type="datetimeFigureOut">
               <a:rPr lang="en-US" smtClean="0"/>
               <a:pPr/>
-              <a:t>11/7/2021</a:t>
+              <a:t>11/8/2021</a:t>
             </a:fld>
             <a:endParaRPr lang="en-US" dirty="0"/>
           </a:p>
@@ -3250,7 +3250,7 @@
             <a:fld id="{B61BEF0D-F0BB-DE4B-95CE-6DB70DBA9567}" type="datetimeFigureOut">
               <a:rPr lang="en-US" smtClean="0"/>
               <a:pPr/>
-              <a:t>11/7/2021</a:t>
+              <a:t>11/8/2021</a:t>
             </a:fld>
             <a:endParaRPr lang="en-US" dirty="0"/>
           </a:p>
@@ -3484,7 +3484,7 @@
             <a:fld id="{B61BEF0D-F0BB-DE4B-95CE-6DB70DBA9567}" type="datetimeFigureOut">
               <a:rPr lang="en-US" smtClean="0"/>
               <a:pPr/>
-              <a:t>11/7/2021</a:t>
+              <a:t>11/8/2021</a:t>
             </a:fld>
             <a:endParaRPr lang="en-US" dirty="0"/>
           </a:p>
@@ -3860,7 +3860,7 @@
             <a:fld id="{B61BEF0D-F0BB-DE4B-95CE-6DB70DBA9567}" type="datetimeFigureOut">
               <a:rPr lang="en-US" smtClean="0"/>
               <a:pPr/>
-              <a:t>11/7/2021</a:t>
+              <a:t>11/8/2021</a:t>
             </a:fld>
             <a:endParaRPr lang="en-US" dirty="0"/>
           </a:p>
@@ -3985,7 +3985,7 @@
             <a:fld id="{B61BEF0D-F0BB-DE4B-95CE-6DB70DBA9567}" type="datetimeFigureOut">
               <a:rPr lang="en-US" smtClean="0"/>
               <a:pPr/>
-              <a:t>11/7/2021</a:t>
+              <a:t>11/8/2021</a:t>
             </a:fld>
             <a:endParaRPr lang="en-US" dirty="0"/>
           </a:p>
@@ -4082,7 +4082,7 @@
             <a:fld id="{B61BEF0D-F0BB-DE4B-95CE-6DB70DBA9567}" type="datetimeFigureOut">
               <a:rPr lang="en-US" smtClean="0"/>
               <a:pPr/>
-              <a:t>11/7/2021</a:t>
+              <a:t>11/8/2021</a:t>
             </a:fld>
             <a:endParaRPr lang="en-US" dirty="0"/>
           </a:p>
@@ -4339,7 +4339,7 @@
             <a:fld id="{B61BEF0D-F0BB-DE4B-95CE-6DB70DBA9567}" type="datetimeFigureOut">
               <a:rPr lang="en-US" smtClean="0"/>
               <a:pPr/>
-              <a:t>11/7/2021</a:t>
+              <a:t>11/8/2021</a:t>
             </a:fld>
             <a:endParaRPr lang="en-US" dirty="0"/>
           </a:p>
@@ -4604,7 +4604,7 @@
             <a:fld id="{B61BEF0D-F0BB-DE4B-95CE-6DB70DBA9567}" type="datetimeFigureOut">
               <a:rPr lang="en-US" smtClean="0"/>
               <a:pPr/>
-              <a:t>11/7/2021</a:t>
+              <a:t>11/8/2021</a:t>
             </a:fld>
             <a:endParaRPr lang="en-US" dirty="0"/>
           </a:p>
@@ -5349,7 +5349,7 @@
             <a:fld id="{B61BEF0D-F0BB-DE4B-95CE-6DB70DBA9567}" type="datetimeFigureOut">
               <a:rPr lang="en-US" smtClean="0"/>
               <a:pPr/>
-              <a:t>11/7/2021</a:t>
+              <a:t>11/8/2021</a:t>
             </a:fld>
             <a:endParaRPr lang="en-US" dirty="0"/>
           </a:p>
@@ -6118,7 +6118,24 @@
           <a:p>
             <a:r>
               <a:rPr lang="en-US" sz="2000" dirty="0"/>
+              <a:t>Overall self analysis </a:t>
+            </a:r>
+            <a:r>
+              <a:rPr lang="en-US" sz="2000"/>
+              <a:t>for students.</a:t>
+            </a:r>
+            <a:endParaRPr lang="en-US" sz="2000" dirty="0"/>
+          </a:p>
+          <a:p>
+            <a:r>
+              <a:rPr lang="en-US" sz="2000" dirty="0"/>
               <a:t>Print Request feature</a:t>
+            </a:r>
+          </a:p>
+          <a:p>
+            <a:r>
+              <a:rPr lang="en-US" sz="2000" dirty="0"/>
+              <a:t>Online Messaging System</a:t>
             </a:r>
           </a:p>
           <a:p>
@@ -6734,6 +6751,236 @@
                       </p:childTnLst>
                     </p:cTn>
                   </p:par>
+                  <p:par>
+                    <p:cTn id="38" fill="hold">
+                      <p:stCondLst>
+                        <p:cond delay="indefinite"/>
+                      </p:stCondLst>
+                      <p:childTnLst>
+                        <p:par>
+                          <p:cTn id="39" fill="hold">
+                            <p:stCondLst>
+                              <p:cond delay="0"/>
+                            </p:stCondLst>
+                            <p:childTnLst>
+                              <p:par>
+                                <p:cTn id="40" presetID="42" presetClass="entr" presetSubtype="0" fill="hold" nodeType="clickEffect">
+                                  <p:stCondLst>
+                                    <p:cond delay="0"/>
+                                  </p:stCondLst>
+                                  <p:childTnLst>
+                                    <p:set>
+                                      <p:cBhvr>
+                                        <p:cTn id="41" dur="1" fill="hold">
+                                          <p:stCondLst>
+                                            <p:cond delay="0"/>
+                                          </p:stCondLst>
+                                        </p:cTn>
+                                        <p:tgtEl>
+                                          <p:spTgt spid="3">
+                                            <p:txEl>
+                                              <p:pRg st="6" end="6"/>
+                                            </p:txEl>
+                                          </p:spTgt>
+                                        </p:tgtEl>
+                                        <p:attrNameLst>
+                                          <p:attrName>style.visibility</p:attrName>
+                                        </p:attrNameLst>
+                                      </p:cBhvr>
+                                      <p:to>
+                                        <p:strVal val="visible"/>
+                                      </p:to>
+                                    </p:set>
+                                    <p:animEffect transition="in" filter="fade">
+                                      <p:cBhvr>
+                                        <p:cTn id="42" dur="750"/>
+                                        <p:tgtEl>
+                                          <p:spTgt spid="3">
+                                            <p:txEl>
+                                              <p:pRg st="6" end="6"/>
+                                            </p:txEl>
+                                          </p:spTgt>
+                                        </p:tgtEl>
+                                      </p:cBhvr>
+                                    </p:animEffect>
+                                    <p:anim calcmode="lin" valueType="num">
+                                      <p:cBhvr>
+                                        <p:cTn id="43" dur="750" fill="hold"/>
+                                        <p:tgtEl>
+                                          <p:spTgt spid="3">
+                                            <p:txEl>
+                                              <p:pRg st="6" end="6"/>
+                                            </p:txEl>
+                                          </p:spTgt>
+                                        </p:tgtEl>
+                                        <p:attrNameLst>
+                                          <p:attrName>ppt_x</p:attrName>
+                                        </p:attrNameLst>
+                                      </p:cBhvr>
+                                      <p:tavLst>
+                                        <p:tav tm="0">
+                                          <p:val>
+                                            <p:strVal val="#ppt_x"/>
+                                          </p:val>
+                                        </p:tav>
+                                        <p:tav tm="100000">
+                                          <p:val>
+                                            <p:strVal val="#ppt_x"/>
+                                          </p:val>
+                                        </p:tav>
+                                      </p:tavLst>
+                                    </p:anim>
+                                    <p:anim calcmode="lin" valueType="num">
+                                      <p:cBhvr>
+                                        <p:cTn id="44" dur="750" fill="hold"/>
+                                        <p:tgtEl>
+                                          <p:spTgt spid="3">
+                                            <p:txEl>
+                                              <p:pRg st="6" end="6"/>
+                                            </p:txEl>
+                                          </p:spTgt>
+                                        </p:tgtEl>
+                                        <p:attrNameLst>
+                                          <p:attrName>ppt_y</p:attrName>
+                                        </p:attrNameLst>
+                                      </p:cBhvr>
+                                      <p:tavLst>
+                                        <p:tav tm="0">
+                                          <p:val>
+                                            <p:strVal val="#ppt_y+.1"/>
+                                          </p:val>
+                                        </p:tav>
+                                        <p:tav tm="100000">
+                                          <p:val>
+                                            <p:strVal val="#ppt_y"/>
+                                          </p:val>
+                                        </p:tav>
+                                      </p:tavLst>
+                                    </p:anim>
+                                  </p:childTnLst>
+                                </p:cTn>
+                              </p:par>
+                            </p:childTnLst>
+                          </p:cTn>
+                        </p:par>
+                      </p:childTnLst>
+                    </p:cTn>
+                  </p:par>
+                  <p:par>
+                    <p:cTn id="45" fill="hold">
+                      <p:stCondLst>
+                        <p:cond delay="indefinite"/>
+                      </p:stCondLst>
+                      <p:childTnLst>
+                        <p:par>
+                          <p:cTn id="46" fill="hold">
+                            <p:stCondLst>
+                              <p:cond delay="0"/>
+                            </p:stCondLst>
+                            <p:childTnLst>
+                              <p:par>
+                                <p:cTn id="47" presetID="42" presetClass="entr" presetSubtype="0" fill="hold" nodeType="clickEffect">
+                                  <p:stCondLst>
+                                    <p:cond delay="0"/>
+                                  </p:stCondLst>
+                                  <p:childTnLst>
+                                    <p:set>
+                                      <p:cBhvr>
+                                        <p:cTn id="48" dur="1" fill="hold">
+                                          <p:stCondLst>
+                                            <p:cond delay="0"/>
+                                          </p:stCondLst>
+                                        </p:cTn>
+                                        <p:tgtEl>
+                                          <p:spTgt spid="3">
+                                            <p:txEl>
+                                              <p:pRg st="7" end="7"/>
+                                            </p:txEl>
+                                          </p:spTgt>
+                                        </p:tgtEl>
+                                        <p:attrNameLst>
+                                          <p:attrName>style.visibility</p:attrName>
+                                        </p:attrNameLst>
+                                      </p:cBhvr>
+                                      <p:to>
+                                        <p:strVal val="visible"/>
+                                      </p:to>
+                                    </p:set>
+                                    <p:animEffect transition="in" filter="fade">
+                                      <p:cBhvr>
+                                        <p:cTn id="49" dur="750"/>
+                                        <p:tgtEl>
+                                          <p:spTgt spid="3">
+                                            <p:txEl>
+                                              <p:pRg st="7" end="7"/>
+                                            </p:txEl>
+                                          </p:spTgt>
+                                        </p:tgtEl>
+                                      </p:cBhvr>
+                                    </p:animEffect>
+                                    <p:anim calcmode="lin" valueType="num">
+                                      <p:cBhvr>
+                                        <p:cTn id="50" dur="750" fill="hold"/>
+                                        <p:tgtEl>
+                                          <p:spTgt spid="3">
+                                            <p:txEl>
+                                              <p:pRg st="7" end="7"/>
+                                            </p:txEl>
+                                          </p:spTgt>
+                                        </p:tgtEl>
+                                        <p:attrNameLst>
+                                          <p:attrName>ppt_x</p:attrName>
+                                        </p:attrNameLst>
+                                      </p:cBhvr>
+                                      <p:tavLst>
+                                        <p:tav tm="0">
+                                          <p:val>
+                                            <p:strVal val="#ppt_x"/>
+                                          </p:val>
+                                        </p:tav>
+                                        <p:tav tm="100000">
+                                          <p:val>
+                                            <p:strVal val="#ppt_x"/>
+                                          </p:val>
+                                        </p:tav>
+                                      </p:tavLst>
+                                    </p:anim>
+                                    <p:anim calcmode="lin" valueType="num">
+                                      <p:cBhvr>
+                                        <p:cTn id="51" dur="750" fill="hold"/>
+                                        <p:tgtEl>
+                                          <p:spTgt spid="3">
+                                            <p:txEl>
+                                              <p:pRg st="7" end="7"/>
+                                            </p:txEl>
+                                          </p:spTgt>
+                                        </p:tgtEl>
+                                        <p:attrNameLst>
+                                          <p:attrName>ppt_y</p:attrName>
+                                        </p:attrNameLst>
+                                      </p:cBhvr>
+                                      <p:tavLst>
+                                        <p:tav tm="0">
+                                          <p:val>
+                                            <p:strVal val="#ppt_y+.1"/>
+                                          </p:val>
+                                        </p:tav>
+                                        <p:tav tm="100000">
+                                          <p:val>
+                                            <p:strVal val="#ppt_y"/>
+                                          </p:val>
+                                        </p:tav>
+                                      </p:tavLst>
+                                    </p:anim>
+                                  </p:childTnLst>
+                                </p:cTn>
+                              </p:par>
+                            </p:childTnLst>
+                          </p:cTn>
+                        </p:par>
+                      </p:childTnLst>
+                    </p:cTn>
+                  </p:par>
                 </p:childTnLst>
               </p:cTn>
               <p:prevCondLst>
@@ -6852,29 +7099,13 @@
           <a:p>
             <a:r>
               <a:rPr lang="en-US" sz="2000" dirty="0"/>
-              <a:t>A User-Support </a:t>
-            </a:r>
-            <a:r>
-              <a:rPr lang="en-US" sz="2000" dirty="0" err="1"/>
-              <a:t>ChatBot</a:t>
-            </a:r>
+              <a:t>A User-Support Chatbot made with JavaScript</a:t>
+            </a:r>
+          </a:p>
+          <a:p>
             <a:r>
               <a:rPr lang="en-US" sz="2000" dirty="0"/>
-              <a:t> made with JavaScript</a:t>
-            </a:r>
-          </a:p>
-          <a:p>
-            <a:r>
-              <a:rPr lang="en-US" sz="2000" dirty="0"/>
-              <a:t>Profile </a:t>
-            </a:r>
-            <a:r>
-              <a:rPr lang="en-US" sz="2000" dirty="0" err="1"/>
-              <a:t>Updation</a:t>
-            </a:r>
-            <a:r>
-              <a:rPr lang="en-US" sz="2000" dirty="0"/>
-              <a:t> through in-built UI</a:t>
+              <a:t>Profile Updation through in-built UI</a:t>
             </a:r>
           </a:p>
           <a:p>

--- a/Project Presentation.pptx
+++ b/Project Presentation.pptx
@@ -9212,12 +9212,24 @@
               <a:rPr lang="en-US" sz="2000" dirty="0"/>
               <a:t>Mercury</a:t>
             </a:r>
-          </a:p>
-          <a:p>
-            <a:pPr marL="0" indent="0">
-              <a:buNone/>
+            <a:endParaRPr lang="en-US" sz="1800" dirty="0"/>
+          </a:p>
+          <a:p>
+            <a:pPr lvl="1">
+              <a:buFont typeface="Wingdings" panose="05000000000000000000" pitchFamily="2" charset="2"/>
+              <a:buChar char="v"/>
             </a:pPr>
-            <a:endParaRPr lang="en-US" dirty="0"/>
+            <a:r>
+              <a:rPr lang="en-US" sz="2000" dirty="0"/>
+              <a:t>jQuery</a:t>
+            </a:r>
+          </a:p>
+          <a:p>
+            <a:pPr lvl="1">
+              <a:buFont typeface="Wingdings" panose="05000000000000000000" pitchFamily="2" charset="2"/>
+              <a:buChar char="v"/>
+            </a:pPr>
+            <a:endParaRPr lang="en-US" sz="2000" dirty="0"/>
           </a:p>
         </p:txBody>
       </p:sp>
@@ -9456,6 +9468,36 @@
           </a:extLst>
         </p:spPr>
       </p:pic>
+      <p:pic>
+        <p:nvPicPr>
+          <p:cNvPr id="9" name="Picture 8">
+            <a:extLst>
+              <a:ext uri="{FF2B5EF4-FFF2-40B4-BE49-F238E27FC236}">
+                <a16:creationId xmlns:a16="http://schemas.microsoft.com/office/drawing/2014/main" id="{850AE873-5ADA-44A4-A05C-04F2CC79E451}"/>
+              </a:ext>
+            </a:extLst>
+          </p:cNvPr>
+          <p:cNvPicPr>
+            <a:picLocks noChangeAspect="1"/>
+          </p:cNvPicPr>
+          <p:nvPr/>
+        </p:nvPicPr>
+        <p:blipFill>
+          <a:blip r:embed="rId7"/>
+          <a:stretch>
+            <a:fillRect/>
+          </a:stretch>
+        </p:blipFill>
+        <p:spPr>
+          <a:xfrm rot="1227838">
+            <a:off x="10486774" y="4462835"/>
+            <a:ext cx="1586394" cy="1586394"/>
+          </a:xfrm>
+          <a:prstGeom prst="rect">
+            <a:avLst/>
+          </a:prstGeom>
+        </p:spPr>
+      </p:pic>
     </p:spTree>
     <p:extLst>
       <p:ext uri="{BB962C8B-B14F-4D97-AF65-F5344CB8AC3E}">
@@ -9614,6 +9656,23 @@
               <a:rPr lang="en-US" sz="2000" dirty="0"/>
               <a:t>Mercury</a:t>
             </a:r>
+          </a:p>
+          <a:p>
+            <a:pPr lvl="1">
+              <a:buFont typeface="Wingdings" panose="05000000000000000000" pitchFamily="2" charset="2"/>
+              <a:buChar char="v"/>
+            </a:pPr>
+            <a:r>
+              <a:rPr lang="en-US" sz="2000" dirty="0"/>
+              <a:t>jQuery</a:t>
+            </a:r>
+          </a:p>
+          <a:p>
+            <a:pPr lvl="1">
+              <a:buFont typeface="Wingdings" panose="05000000000000000000" pitchFamily="2" charset="2"/>
+              <a:buChar char="v"/>
+            </a:pPr>
+            <a:endParaRPr lang="en-US" sz="2000" dirty="0"/>
           </a:p>
           <a:p>
             <a:pPr marL="0" indent="0">
@@ -9858,6 +9917,36 @@
           </a:extLst>
         </p:spPr>
       </p:pic>
+      <p:pic>
+        <p:nvPicPr>
+          <p:cNvPr id="9" name="Picture 8">
+            <a:extLst>
+              <a:ext uri="{FF2B5EF4-FFF2-40B4-BE49-F238E27FC236}">
+                <a16:creationId xmlns:a16="http://schemas.microsoft.com/office/drawing/2014/main" id="{79D53173-FA62-4D4C-BBBC-84F22F8BD0C8}"/>
+              </a:ext>
+            </a:extLst>
+          </p:cNvPr>
+          <p:cNvPicPr>
+            <a:picLocks noChangeAspect="1"/>
+          </p:cNvPicPr>
+          <p:nvPr/>
+        </p:nvPicPr>
+        <p:blipFill>
+          <a:blip r:embed="rId7"/>
+          <a:stretch>
+            <a:fillRect/>
+          </a:stretch>
+        </p:blipFill>
+        <p:spPr>
+          <a:xfrm rot="1227838">
+            <a:off x="10487448" y="5316008"/>
+            <a:ext cx="1586394" cy="1586394"/>
+          </a:xfrm>
+          <a:prstGeom prst="rect">
+            <a:avLst/>
+          </a:prstGeom>
+        </p:spPr>
+      </p:pic>
     </p:spTree>
     <p:extLst>
       <p:ext uri="{BB962C8B-B14F-4D97-AF65-F5344CB8AC3E}">
@@ -10016,6 +10105,23 @@
               <a:rPr lang="en-US" sz="2000" dirty="0"/>
               <a:t>Mercury</a:t>
             </a:r>
+          </a:p>
+          <a:p>
+            <a:pPr lvl="1">
+              <a:buFont typeface="Wingdings" panose="05000000000000000000" pitchFamily="2" charset="2"/>
+              <a:buChar char="v"/>
+            </a:pPr>
+            <a:r>
+              <a:rPr lang="en-US" sz="2000" dirty="0"/>
+              <a:t>jQuery</a:t>
+            </a:r>
+          </a:p>
+          <a:p>
+            <a:pPr lvl="1">
+              <a:buFont typeface="Wingdings" panose="05000000000000000000" pitchFamily="2" charset="2"/>
+              <a:buChar char="v"/>
+            </a:pPr>
+            <a:endParaRPr lang="en-US" sz="2000" dirty="0"/>
           </a:p>
           <a:p>
             <a:pPr marL="0" indent="0">
@@ -10260,6 +10366,36 @@
           </a:extLst>
         </p:spPr>
       </p:pic>
+      <p:pic>
+        <p:nvPicPr>
+          <p:cNvPr id="9" name="Picture 8">
+            <a:extLst>
+              <a:ext uri="{FF2B5EF4-FFF2-40B4-BE49-F238E27FC236}">
+                <a16:creationId xmlns:a16="http://schemas.microsoft.com/office/drawing/2014/main" id="{02C45646-A521-4B1D-BA18-834977632678}"/>
+              </a:ext>
+            </a:extLst>
+          </p:cNvPr>
+          <p:cNvPicPr>
+            <a:picLocks noChangeAspect="1"/>
+          </p:cNvPicPr>
+          <p:nvPr/>
+        </p:nvPicPr>
+        <p:blipFill>
+          <a:blip r:embed="rId7"/>
+          <a:stretch>
+            <a:fillRect/>
+          </a:stretch>
+        </p:blipFill>
+        <p:spPr>
+          <a:xfrm rot="1227838">
+            <a:off x="7299237" y="5044348"/>
+            <a:ext cx="1586394" cy="1586394"/>
+          </a:xfrm>
+          <a:prstGeom prst="rect">
+            <a:avLst/>
+          </a:prstGeom>
+        </p:spPr>
+      </p:pic>
     </p:spTree>
     <p:extLst>
       <p:ext uri="{BB962C8B-B14F-4D97-AF65-F5344CB8AC3E}">
@@ -10423,6 +10559,23 @@
               <a:rPr lang="en-US" sz="2000" dirty="0"/>
               <a:t>Mercury</a:t>
             </a:r>
+          </a:p>
+          <a:p>
+            <a:pPr lvl="1">
+              <a:buFont typeface="Wingdings" panose="05000000000000000000" pitchFamily="2" charset="2"/>
+              <a:buChar char="v"/>
+            </a:pPr>
+            <a:r>
+              <a:rPr lang="en-US" sz="2000" dirty="0"/>
+              <a:t>jQuery</a:t>
+            </a:r>
+          </a:p>
+          <a:p>
+            <a:pPr lvl="1">
+              <a:buFont typeface="Wingdings" panose="05000000000000000000" pitchFamily="2" charset="2"/>
+              <a:buChar char="v"/>
+            </a:pPr>
+            <a:endParaRPr lang="en-US" sz="2000" dirty="0"/>
           </a:p>
           <a:p>
             <a:pPr marL="0" indent="0">
@@ -10667,6 +10820,36 @@
           </a:extLst>
         </p:spPr>
       </p:pic>
+      <p:pic>
+        <p:nvPicPr>
+          <p:cNvPr id="9" name="Picture 8">
+            <a:extLst>
+              <a:ext uri="{FF2B5EF4-FFF2-40B4-BE49-F238E27FC236}">
+                <a16:creationId xmlns:a16="http://schemas.microsoft.com/office/drawing/2014/main" id="{B33159A0-79B8-4DF3-8A80-692B21A5E756}"/>
+              </a:ext>
+            </a:extLst>
+          </p:cNvPr>
+          <p:cNvPicPr>
+            <a:picLocks noChangeAspect="1"/>
+          </p:cNvPicPr>
+          <p:nvPr/>
+        </p:nvPicPr>
+        <p:blipFill>
+          <a:blip r:embed="rId7"/>
+          <a:stretch>
+            <a:fillRect/>
+          </a:stretch>
+        </p:blipFill>
+        <p:spPr>
+          <a:xfrm rot="1227838">
+            <a:off x="6458984" y="2011763"/>
+            <a:ext cx="1586394" cy="1586394"/>
+          </a:xfrm>
+          <a:prstGeom prst="rect">
+            <a:avLst/>
+          </a:prstGeom>
+        </p:spPr>
+      </p:pic>
     </p:spTree>
     <p:extLst>
       <p:ext uri="{BB962C8B-B14F-4D97-AF65-F5344CB8AC3E}">
@@ -10825,6 +11008,23 @@
               <a:rPr lang="en-US" sz="2000" dirty="0"/>
               <a:t>Mercury</a:t>
             </a:r>
+          </a:p>
+          <a:p>
+            <a:pPr lvl="1">
+              <a:buFont typeface="Wingdings" panose="05000000000000000000" pitchFamily="2" charset="2"/>
+              <a:buChar char="v"/>
+            </a:pPr>
+            <a:r>
+              <a:rPr lang="en-US" sz="2000" dirty="0"/>
+              <a:t>jQuery</a:t>
+            </a:r>
+          </a:p>
+          <a:p>
+            <a:pPr lvl="1">
+              <a:buFont typeface="Wingdings" panose="05000000000000000000" pitchFamily="2" charset="2"/>
+              <a:buChar char="v"/>
+            </a:pPr>
+            <a:endParaRPr lang="en-US" sz="2000" dirty="0"/>
           </a:p>
           <a:p>
             <a:pPr marL="0" indent="0">
@@ -11067,6 +11267,36 @@
               </a14:hiddenFill>
             </a:ext>
           </a:extLst>
+        </p:spPr>
+      </p:pic>
+      <p:pic>
+        <p:nvPicPr>
+          <p:cNvPr id="9" name="Picture 8">
+            <a:extLst>
+              <a:ext uri="{FF2B5EF4-FFF2-40B4-BE49-F238E27FC236}">
+                <a16:creationId xmlns:a16="http://schemas.microsoft.com/office/drawing/2014/main" id="{10131FF5-0C16-44AF-8A1B-C6322AD2E165}"/>
+              </a:ext>
+            </a:extLst>
+          </p:cNvPr>
+          <p:cNvPicPr>
+            <a:picLocks noChangeAspect="1"/>
+          </p:cNvPicPr>
+          <p:nvPr/>
+        </p:nvPicPr>
+        <p:blipFill>
+          <a:blip r:embed="rId7"/>
+          <a:stretch>
+            <a:fillRect/>
+          </a:stretch>
+        </p:blipFill>
+        <p:spPr>
+          <a:xfrm rot="1227838">
+            <a:off x="9409829" y="2635803"/>
+            <a:ext cx="1586394" cy="1586394"/>
+          </a:xfrm>
+          <a:prstGeom prst="rect">
+            <a:avLst/>
+          </a:prstGeom>
         </p:spPr>
       </p:pic>
     </p:spTree>
